--- a/Dossier/Arthur/revueArthurBRICE1.pptx
+++ b/Dossier/Arthur/revueArthurBRICE1.pptx
@@ -24,83 +24,82 @@
     <p:sldId id="272" r:id="rId18"/>
     <p:sldId id="273" r:id="rId19"/>
     <p:sldId id="274" r:id="rId20"/>
-    <p:sldId id="275" r:id="rId21"/>
-    <p:sldId id="276" r:id="rId22"/>
-    <p:sldId id="277" r:id="rId23"/>
-    <p:sldId id="278" r:id="rId24"/>
-    <p:sldId id="279" r:id="rId25"/>
-    <p:sldId id="280" r:id="rId26"/>
-    <p:sldId id="281" r:id="rId27"/>
-    <p:sldId id="282" r:id="rId28"/>
-    <p:sldId id="283" r:id="rId29"/>
-    <p:sldId id="284" r:id="rId30"/>
-    <p:sldId id="285" r:id="rId31"/>
-    <p:sldId id="286" r:id="rId32"/>
-    <p:sldId id="287" r:id="rId33"/>
-    <p:sldId id="288" r:id="rId34"/>
-    <p:sldId id="289" r:id="rId35"/>
-    <p:sldId id="290" r:id="rId36"/>
-    <p:sldId id="291" r:id="rId37"/>
-    <p:sldId id="292" r:id="rId38"/>
-    <p:sldId id="293" r:id="rId39"/>
-    <p:sldId id="294" r:id="rId40"/>
-    <p:sldId id="295" r:id="rId41"/>
-    <p:sldId id="296" r:id="rId42"/>
-    <p:sldId id="297" r:id="rId43"/>
-    <p:sldId id="298" r:id="rId44"/>
-    <p:sldId id="299" r:id="rId45"/>
-    <p:sldId id="300" r:id="rId46"/>
-    <p:sldId id="301" r:id="rId47"/>
-    <p:sldId id="302" r:id="rId48"/>
-    <p:sldId id="303" r:id="rId49"/>
-    <p:sldId id="304" r:id="rId50"/>
-    <p:sldId id="305" r:id="rId51"/>
-    <p:sldId id="306" r:id="rId52"/>
-    <p:sldId id="307" r:id="rId53"/>
-    <p:sldId id="308" r:id="rId54"/>
-    <p:sldId id="309" r:id="rId55"/>
-    <p:sldId id="310" r:id="rId56"/>
-    <p:sldId id="311" r:id="rId57"/>
-    <p:sldId id="312" r:id="rId58"/>
-    <p:sldId id="313" r:id="rId59"/>
-    <p:sldId id="314" r:id="rId60"/>
-    <p:sldId id="315" r:id="rId61"/>
-    <p:sldId id="316" r:id="rId62"/>
-    <p:sldId id="317" r:id="rId63"/>
-    <p:sldId id="318" r:id="rId64"/>
-    <p:sldId id="319" r:id="rId65"/>
-    <p:sldId id="320" r:id="rId66"/>
-    <p:sldId id="321" r:id="rId67"/>
-    <p:sldId id="322" r:id="rId68"/>
-    <p:sldId id="323" r:id="rId69"/>
-    <p:sldId id="324" r:id="rId70"/>
-    <p:sldId id="325" r:id="rId71"/>
-    <p:sldId id="326" r:id="rId72"/>
-    <p:sldId id="327" r:id="rId73"/>
-    <p:sldId id="328" r:id="rId74"/>
-    <p:sldId id="329" r:id="rId75"/>
-    <p:sldId id="330" r:id="rId76"/>
-    <p:sldId id="331" r:id="rId77"/>
-    <p:sldId id="332" r:id="rId78"/>
-    <p:sldId id="333" r:id="rId79"/>
-    <p:sldId id="334" r:id="rId80"/>
-    <p:sldId id="335" r:id="rId81"/>
-    <p:sldId id="336" r:id="rId82"/>
-    <p:sldId id="337" r:id="rId83"/>
-    <p:sldId id="338" r:id="rId84"/>
-    <p:sldId id="339" r:id="rId85"/>
-    <p:sldId id="340" r:id="rId86"/>
-    <p:sldId id="341" r:id="rId87"/>
-    <p:sldId id="342" r:id="rId88"/>
-    <p:sldId id="343" r:id="rId89"/>
-    <p:sldId id="344" r:id="rId90"/>
-    <p:sldId id="345" r:id="rId91"/>
-    <p:sldId id="346" r:id="rId92"/>
-    <p:sldId id="347" r:id="rId93"/>
-    <p:sldId id="348" r:id="rId94"/>
-    <p:sldId id="349" r:id="rId95"/>
-    <p:sldId id="350" r:id="rId96"/>
-    <p:sldId id="351" r:id="rId97"/>
+    <p:sldId id="276" r:id="rId21"/>
+    <p:sldId id="277" r:id="rId22"/>
+    <p:sldId id="278" r:id="rId23"/>
+    <p:sldId id="279" r:id="rId24"/>
+    <p:sldId id="280" r:id="rId25"/>
+    <p:sldId id="281" r:id="rId26"/>
+    <p:sldId id="282" r:id="rId27"/>
+    <p:sldId id="283" r:id="rId28"/>
+    <p:sldId id="284" r:id="rId29"/>
+    <p:sldId id="285" r:id="rId30"/>
+    <p:sldId id="286" r:id="rId31"/>
+    <p:sldId id="287" r:id="rId32"/>
+    <p:sldId id="288" r:id="rId33"/>
+    <p:sldId id="289" r:id="rId34"/>
+    <p:sldId id="290" r:id="rId35"/>
+    <p:sldId id="291" r:id="rId36"/>
+    <p:sldId id="292" r:id="rId37"/>
+    <p:sldId id="293" r:id="rId38"/>
+    <p:sldId id="294" r:id="rId39"/>
+    <p:sldId id="295" r:id="rId40"/>
+    <p:sldId id="296" r:id="rId41"/>
+    <p:sldId id="297" r:id="rId42"/>
+    <p:sldId id="298" r:id="rId43"/>
+    <p:sldId id="299" r:id="rId44"/>
+    <p:sldId id="300" r:id="rId45"/>
+    <p:sldId id="301" r:id="rId46"/>
+    <p:sldId id="302" r:id="rId47"/>
+    <p:sldId id="303" r:id="rId48"/>
+    <p:sldId id="304" r:id="rId49"/>
+    <p:sldId id="305" r:id="rId50"/>
+    <p:sldId id="306" r:id="rId51"/>
+    <p:sldId id="307" r:id="rId52"/>
+    <p:sldId id="308" r:id="rId53"/>
+    <p:sldId id="309" r:id="rId54"/>
+    <p:sldId id="310" r:id="rId55"/>
+    <p:sldId id="311" r:id="rId56"/>
+    <p:sldId id="312" r:id="rId57"/>
+    <p:sldId id="313" r:id="rId58"/>
+    <p:sldId id="314" r:id="rId59"/>
+    <p:sldId id="315" r:id="rId60"/>
+    <p:sldId id="316" r:id="rId61"/>
+    <p:sldId id="317" r:id="rId62"/>
+    <p:sldId id="318" r:id="rId63"/>
+    <p:sldId id="319" r:id="rId64"/>
+    <p:sldId id="320" r:id="rId65"/>
+    <p:sldId id="321" r:id="rId66"/>
+    <p:sldId id="322" r:id="rId67"/>
+    <p:sldId id="323" r:id="rId68"/>
+    <p:sldId id="324" r:id="rId69"/>
+    <p:sldId id="325" r:id="rId70"/>
+    <p:sldId id="326" r:id="rId71"/>
+    <p:sldId id="327" r:id="rId72"/>
+    <p:sldId id="328" r:id="rId73"/>
+    <p:sldId id="329" r:id="rId74"/>
+    <p:sldId id="330" r:id="rId75"/>
+    <p:sldId id="331" r:id="rId76"/>
+    <p:sldId id="332" r:id="rId77"/>
+    <p:sldId id="333" r:id="rId78"/>
+    <p:sldId id="334" r:id="rId79"/>
+    <p:sldId id="335" r:id="rId80"/>
+    <p:sldId id="336" r:id="rId81"/>
+    <p:sldId id="337" r:id="rId82"/>
+    <p:sldId id="338" r:id="rId83"/>
+    <p:sldId id="339" r:id="rId84"/>
+    <p:sldId id="340" r:id="rId85"/>
+    <p:sldId id="341" r:id="rId86"/>
+    <p:sldId id="342" r:id="rId87"/>
+    <p:sldId id="343" r:id="rId88"/>
+    <p:sldId id="344" r:id="rId89"/>
+    <p:sldId id="345" r:id="rId90"/>
+    <p:sldId id="346" r:id="rId91"/>
+    <p:sldId id="347" r:id="rId92"/>
+    <p:sldId id="348" r:id="rId93"/>
+    <p:sldId id="349" r:id="rId94"/>
+    <p:sldId id="350" r:id="rId95"/>
+    <p:sldId id="351" r:id="rId96"/>
   </p:sldIdLst>
   <p:sldSz cx="12192000" cy="6858000"/>
   <p:notesSz cx="6858000" cy="9144000"/>
@@ -223,7 +222,6 @@
             <p14:sldId id="272"/>
             <p14:sldId id="273"/>
             <p14:sldId id="274"/>
-            <p14:sldId id="275"/>
             <p14:sldId id="276"/>
             <p14:sldId id="277"/>
             <p14:sldId id="278"/>
@@ -585,7 +583,7 @@
           <a:p>
             <a:fld id="{397E0307-B85C-446A-8EF0-0407D435D787}" type="datetimeFigureOut">
               <a:rPr lang="en-US" dirty="0"/>
-              <a:t>4/2/2020</a:t>
+              <a:t>5/14/2020</a:t>
             </a:fld>
             <a:endParaRPr lang="en-US" dirty="0"/>
           </a:p>
@@ -994,7 +992,7 @@
           <a:p>
             <a:fld id="{8BD862E7-95FA-4FC4-9EC5-DDBFA8DC7417}" type="datetimeFigureOut">
               <a:rPr lang="en-US" dirty="0"/>
-              <a:t>4/2/2020</a:t>
+              <a:t>5/14/2020</a:t>
             </a:fld>
             <a:endParaRPr lang="en-US" dirty="0"/>
           </a:p>
@@ -1325,7 +1323,7 @@
           <a:p>
             <a:fld id="{8DB987F2-A784-4F72-BB57-0E9EACDE722E}" type="datetimeFigureOut">
               <a:rPr lang="en-US" dirty="0"/>
-              <a:t>4/2/2020</a:t>
+              <a:t>5/14/2020</a:t>
             </a:fld>
             <a:endParaRPr lang="en-US" dirty="0"/>
           </a:p>
@@ -1725,7 +1723,7 @@
           <a:p>
             <a:fld id="{40BBD51E-4B19-444E-85C0-DBD7EB6263F4}" type="datetimeFigureOut">
               <a:rPr lang="en-US" dirty="0"/>
-              <a:t>4/2/2020</a:t>
+              <a:t>5/14/2020</a:t>
             </a:fld>
             <a:endParaRPr lang="en-US" dirty="0"/>
           </a:p>
@@ -2288,7 +2286,7 @@
           <a:p>
             <a:fld id="{F0D7255A-4AD5-4D3E-9A0A-689DA3BA976C}" type="datetimeFigureOut">
               <a:rPr lang="en-US" dirty="0"/>
-              <a:t>4/2/2020</a:t>
+              <a:t>5/14/2020</a:t>
             </a:fld>
             <a:endParaRPr lang="en-US" dirty="0"/>
           </a:p>
@@ -2964,7 +2962,7 @@
           <a:p>
             <a:fld id="{3EE0AD15-87AC-45B2-9EE5-8D165AF83CD7}" type="datetimeFigureOut">
               <a:rPr lang="en-US" dirty="0"/>
-              <a:t>4/2/2020</a:t>
+              <a:t>5/14/2020</a:t>
             </a:fld>
             <a:endParaRPr lang="en-US" dirty="0"/>
           </a:p>
@@ -3872,7 +3870,7 @@
           <a:p>
             <a:fld id="{FCC40CCD-F0D6-4CC2-A4C8-2D7D0D875F02}" type="datetimeFigureOut">
               <a:rPr lang="en-US" dirty="0"/>
-              <a:t>4/2/2020</a:t>
+              <a:t>5/14/2020</a:t>
             </a:fld>
             <a:endParaRPr lang="en-US" dirty="0"/>
           </a:p>
@@ -4180,7 +4178,7 @@
           <a:p>
             <a:fld id="{B3CFE2CC-454D-4466-AC55-B86DA0A87BAE}" type="datetimeFigureOut">
               <a:rPr lang="en-US" dirty="0"/>
-              <a:t>4/2/2020</a:t>
+              <a:t>5/14/2020</a:t>
             </a:fld>
             <a:endParaRPr lang="en-US" dirty="0"/>
           </a:p>
@@ -4439,7 +4437,7 @@
           <a:p>
             <a:fld id="{B647B1BF-4039-460D-A637-65428CBD720E}" type="datetimeFigureOut">
               <a:rPr lang="en-US" dirty="0"/>
-              <a:t>4/2/2020</a:t>
+              <a:t>5/14/2020</a:t>
             </a:fld>
             <a:endParaRPr lang="en-US" dirty="0"/>
           </a:p>
@@ -4758,7 +4756,7 @@
           <a:p>
             <a:fld id="{AAA39ACE-9343-4EBE-B5CA-AEA240A1DC53}" type="datetimeFigureOut">
               <a:rPr lang="en-US" dirty="0"/>
-              <a:t>4/2/2020</a:t>
+              <a:t>5/14/2020</a:t>
             </a:fld>
             <a:endParaRPr lang="en-US" dirty="0"/>
           </a:p>
@@ -5142,7 +5140,7 @@
           <a:p>
             <a:fld id="{C9A00F7B-89C5-4DF7-A309-6263220147D4}" type="datetimeFigureOut">
               <a:rPr lang="en-US" dirty="0"/>
-              <a:t>4/2/2020</a:t>
+              <a:t>5/14/2020</a:t>
             </a:fld>
             <a:endParaRPr lang="en-US" dirty="0"/>
           </a:p>
@@ -5513,7 +5511,7 @@
           <a:p>
             <a:fld id="{449C95DE-FD64-4606-AE61-EC1136867CC6}" type="datetimeFigureOut">
               <a:rPr lang="en-US" dirty="0"/>
-              <a:t>4/2/2020</a:t>
+              <a:t>5/14/2020</a:t>
             </a:fld>
             <a:endParaRPr lang="en-US" dirty="0"/>
           </a:p>
@@ -6014,7 +6012,7 @@
           <a:p>
             <a:fld id="{5DEB0BBD-30FE-4CF1-900A-0C45149F8AF8}" type="datetimeFigureOut">
               <a:rPr lang="en-US" dirty="0"/>
-              <a:t>4/2/2020</a:t>
+              <a:t>5/14/2020</a:t>
             </a:fld>
             <a:endParaRPr lang="en-US" dirty="0"/>
           </a:p>
@@ -6266,7 +6264,7 @@
           <a:p>
             <a:fld id="{B91A5F7F-3E81-4C65-A4D1-CB62D5B9DB91}" type="datetimeFigureOut">
               <a:rPr lang="en-US" dirty="0"/>
-              <a:t>4/2/2020</a:t>
+              <a:t>5/14/2020</a:t>
             </a:fld>
             <a:endParaRPr lang="en-US" dirty="0"/>
           </a:p>
@@ -6424,7 +6422,7 @@
           <a:p>
             <a:fld id="{377ECC86-1672-4627-AEFE-EC5485C73905}" type="datetimeFigureOut">
               <a:rPr lang="en-US" dirty="0"/>
-              <a:t>4/2/2020</a:t>
+              <a:t>5/14/2020</a:t>
             </a:fld>
             <a:endParaRPr lang="en-US" dirty="0"/>
           </a:p>
@@ -6809,7 +6807,7 @@
           <a:p>
             <a:fld id="{3CDCB01F-D966-4C62-B900-0BE008A90C98}" type="datetimeFigureOut">
               <a:rPr lang="en-US" dirty="0"/>
-              <a:t>4/2/2020</a:t>
+              <a:t>5/14/2020</a:t>
             </a:fld>
             <a:endParaRPr lang="en-US" dirty="0"/>
           </a:p>
@@ -7213,7 +7211,7 @@
           <a:p>
             <a:fld id="{5E73A0EA-7DC7-4964-BB97-B173EF3B859A}" type="datetimeFigureOut">
               <a:rPr lang="en-US" dirty="0"/>
-              <a:t>4/2/2020</a:t>
+              <a:t>5/14/2020</a:t>
             </a:fld>
             <a:endParaRPr lang="en-US" dirty="0"/>
           </a:p>
@@ -7452,7 +7450,7 @@
           <a:p>
             <a:fld id="{30EF52CC-F3D9-41D4-BCE4-C208E61A3F31}" type="datetimeFigureOut">
               <a:rPr lang="en-US" dirty="0"/>
-              <a:t>4/2/2020</a:t>
+              <a:t>5/14/2020</a:t>
             </a:fld>
             <a:endParaRPr lang="en-US" dirty="0"/>
           </a:p>
@@ -8001,11 +7999,11 @@
   <p:clrMapOvr>
     <a:masterClrMapping/>
   </p:clrMapOvr>
-  <mc:AlternateContent xmlns:mc="http://schemas.openxmlformats.org/markup-compatibility/2006">
-    <mc:Choice xmlns:p14="http://schemas.microsoft.com/office/powerpoint/2010/main" Requires="p14">
+  <mc:AlternateContent xmlns:mc="http://schemas.openxmlformats.org/markup-compatibility/2006" xmlns:p14="http://schemas.microsoft.com/office/powerpoint/2010/main">
+    <mc:Choice Requires="p14">
       <p:transition spd="slow" p14:dur="2000"/>
     </mc:Choice>
-    <mc:Fallback>
+    <mc:Fallback xmlns="">
       <p:transition spd="slow"/>
     </mc:Fallback>
   </mc:AlternateContent>
@@ -8115,11 +8113,11 @@
   <p:clrMapOvr>
     <a:masterClrMapping/>
   </p:clrMapOvr>
-  <mc:AlternateContent xmlns:mc="http://schemas.openxmlformats.org/markup-compatibility/2006">
-    <mc:Choice xmlns:p14="http://schemas.microsoft.com/office/powerpoint/2010/main" Requires="p14">
+  <mc:AlternateContent xmlns:mc="http://schemas.openxmlformats.org/markup-compatibility/2006" xmlns:p14="http://schemas.microsoft.com/office/powerpoint/2010/main">
+    <mc:Choice Requires="p14">
       <p:transition spd="slow" p14:dur="2000"/>
     </mc:Choice>
-    <mc:Fallback>
+    <mc:Fallback xmlns="">
       <p:transition spd="slow"/>
     </mc:Fallback>
   </mc:AlternateContent>
@@ -8980,6 +8978,29 @@
       </p:grpSpPr>
       <p:sp>
         <p:nvSpPr>
+          <p:cNvPr id="2" name="Titre 1"/>
+          <p:cNvSpPr>
+            <a:spLocks noGrp="1"/>
+          </p:cNvSpPr>
+          <p:nvPr>
+            <p:ph type="title"/>
+          </p:nvPr>
+        </p:nvSpPr>
+        <p:spPr/>
+        <p:txBody>
+          <a:bodyPr/>
+          <a:lstStyle/>
+          <a:p>
+            <a:r>
+              <a:rPr lang="fr-FR" dirty="0" smtClean="0"/>
+              <a:t>Organisation du projet</a:t>
+            </a:r>
+            <a:endParaRPr lang="fr-FR" dirty="0"/>
+          </a:p>
+        </p:txBody>
+      </p:sp>
+      <p:sp>
+        <p:nvSpPr>
           <p:cNvPr id="3" name="Espace réservé du contenu 2"/>
           <p:cNvSpPr>
             <a:spLocks noGrp="1"/>
@@ -8990,7 +9011,9 @@
         </p:nvSpPr>
         <p:spPr/>
         <p:txBody>
-          <a:bodyPr/>
+          <a:bodyPr>
+            <a:normAutofit fontScale="92500" lnSpcReduction="10000"/>
+          </a:bodyPr>
           <a:lstStyle/>
           <a:p>
             <a:pPr marL="0" indent="0">
@@ -8998,8 +9021,49 @@
             </a:pPr>
             <a:r>
               <a:rPr lang="fr-FR" dirty="0" smtClean="0"/>
-              <a:t>Les autres diagrammes se trouvent plus tard dans le diaporama.</a:t>
-            </a:r>
+              <a:t>Maintenant </a:t>
+            </a:r>
+            <a:r>
+              <a:rPr lang="fr-FR" dirty="0"/>
+              <a:t>que le sujet est correctement appréhendé, il est nécessaire d’organiser le temps de travail jusqu’à la date butoir. L’objectif est d’avoir un plan d’action établie afin de savoir si le projet commence à prendre du retard ou non. Pour la réalisation de ce projet, nous nous sommes organisés ainsi : 	</a:t>
+            </a:r>
+          </a:p>
+          <a:p>
+            <a:pPr lvl="0"/>
+            <a:r>
+              <a:rPr lang="fr-FR" dirty="0"/>
+              <a:t>Analyse</a:t>
+            </a:r>
+          </a:p>
+          <a:p>
+            <a:pPr lvl="0"/>
+            <a:r>
+              <a:rPr lang="fr-FR" dirty="0"/>
+              <a:t>Préparation</a:t>
+            </a:r>
+          </a:p>
+          <a:p>
+            <a:pPr lvl="0"/>
+            <a:r>
+              <a:rPr lang="fr-FR" dirty="0"/>
+              <a:t>Conception</a:t>
+            </a:r>
+          </a:p>
+          <a:p>
+            <a:pPr lvl="0"/>
+            <a:r>
+              <a:rPr lang="fr-FR" dirty="0"/>
+              <a:t>Module de test</a:t>
+            </a:r>
+          </a:p>
+          <a:p>
+            <a:pPr lvl="0"/>
+            <a:r>
+              <a:rPr lang="fr-FR" dirty="0"/>
+              <a:t>Intégration</a:t>
+            </a:r>
+          </a:p>
+          <a:p>
             <a:endParaRPr lang="fr-FR" dirty="0"/>
           </a:p>
         </p:txBody>
@@ -9007,13 +9071,21 @@
     </p:spTree>
     <p:extLst>
       <p:ext uri="{BB962C8B-B14F-4D97-AF65-F5344CB8AC3E}">
-        <p14:creationId xmlns:p14="http://schemas.microsoft.com/office/powerpoint/2010/main" val="367768203"/>
+        <p14:creationId xmlns:p14="http://schemas.microsoft.com/office/powerpoint/2010/main" val="3465663919"/>
       </p:ext>
     </p:extLst>
   </p:cSld>
   <p:clrMapOvr>
     <a:masterClrMapping/>
   </p:clrMapOvr>
+  <mc:AlternateContent xmlns:mc="http://schemas.openxmlformats.org/markup-compatibility/2006" xmlns:p14="http://schemas.microsoft.com/office/powerpoint/2010/main">
+    <mc:Choice Requires="p14">
+      <p:transition spd="slow" p14:dur="2000"/>
+    </mc:Choice>
+    <mc:Fallback xmlns="">
+      <p:transition spd="slow"/>
+    </mc:Fallback>
+  </mc:AlternateContent>
 </p:sld>
 </file>
 
@@ -9036,114 +9108,78 @@
       </p:grpSpPr>
       <p:sp>
         <p:nvSpPr>
-          <p:cNvPr id="2" name="Titre 1"/>
-          <p:cNvSpPr>
-            <a:spLocks noGrp="1"/>
-          </p:cNvSpPr>
-          <p:nvPr>
-            <p:ph type="title"/>
-          </p:nvPr>
-        </p:nvSpPr>
-        <p:spPr/>
+          <p:cNvPr id="3" name="Espace réservé du contenu 2"/>
+          <p:cNvSpPr>
+            <a:spLocks noGrp="1"/>
+          </p:cNvSpPr>
+          <p:nvPr>
+            <p:ph idx="1"/>
+          </p:nvPr>
+        </p:nvSpPr>
+        <p:spPr>
+          <a:xfrm>
+            <a:off x="680321" y="2336873"/>
+            <a:ext cx="9613861" cy="671247"/>
+          </a:xfrm>
+        </p:spPr>
         <p:txBody>
           <a:bodyPr/>
           <a:lstStyle/>
           <a:p>
+            <a:pPr marL="0" indent="0">
+              <a:buNone/>
+            </a:pPr>
             <a:r>
               <a:rPr lang="fr-FR" dirty="0" smtClean="0"/>
-              <a:t>Organisation du projet</a:t>
+              <a:t>Ce découpage correspond au modèle de projet en cycle V.</a:t>
             </a:r>
             <a:endParaRPr lang="fr-FR" dirty="0"/>
           </a:p>
         </p:txBody>
       </p:sp>
-      <p:sp>
-        <p:nvSpPr>
-          <p:cNvPr id="3" name="Espace réservé du contenu 2"/>
-          <p:cNvSpPr>
-            <a:spLocks noGrp="1"/>
-          </p:cNvSpPr>
-          <p:nvPr>
-            <p:ph idx="1"/>
-          </p:nvPr>
-        </p:nvSpPr>
-        <p:spPr/>
-        <p:txBody>
-          <a:bodyPr>
-            <a:normAutofit fontScale="92500" lnSpcReduction="10000"/>
-          </a:bodyPr>
-          <a:lstStyle/>
-          <a:p>
-            <a:pPr marL="0" indent="0">
-              <a:buNone/>
-            </a:pPr>
-            <a:r>
-              <a:rPr lang="fr-FR" dirty="0" smtClean="0"/>
-              <a:t>Maintenant </a:t>
-            </a:r>
-            <a:r>
-              <a:rPr lang="fr-FR" dirty="0"/>
-              <a:t>que le sujet est correctement appréhendé, il est nécessaire d’organiser le temps de travail jusqu’à la date butoir. L’objectif est d’avoir un plan d’action établie afin de savoir si le projet commence à prendre du retard ou non. Pour la réalisation de ce projet, nous nous sommes organisés ainsi : 	</a:t>
-            </a:r>
-          </a:p>
-          <a:p>
-            <a:pPr lvl="0"/>
-            <a:r>
-              <a:rPr lang="fr-FR" dirty="0"/>
-              <a:t>Analyse</a:t>
-            </a:r>
-          </a:p>
-          <a:p>
-            <a:pPr lvl="0"/>
-            <a:r>
-              <a:rPr lang="fr-FR" dirty="0"/>
-              <a:t>Préparation</a:t>
-            </a:r>
-          </a:p>
-          <a:p>
-            <a:pPr lvl="0"/>
-            <a:r>
-              <a:rPr lang="fr-FR" dirty="0"/>
-              <a:t>Conception</a:t>
-            </a:r>
-          </a:p>
-          <a:p>
-            <a:pPr lvl="0"/>
-            <a:r>
-              <a:rPr lang="fr-FR" dirty="0"/>
-              <a:t>Module de test</a:t>
-            </a:r>
-          </a:p>
-          <a:p>
-            <a:pPr lvl="0"/>
-            <a:r>
-              <a:rPr lang="fr-FR" dirty="0"/>
-              <a:t>Intégration</a:t>
-            </a:r>
-          </a:p>
-          <a:p>
-            <a:endParaRPr lang="fr-FR" dirty="0"/>
-          </a:p>
-        </p:txBody>
-      </p:sp>
+      <p:pic>
+        <p:nvPicPr>
+          <p:cNvPr id="4" name="Image 3"/>
+          <p:cNvPicPr/>
+          <p:nvPr/>
+        </p:nvPicPr>
+        <p:blipFill>
+          <a:blip r:embed="rId2">
+            <a:extLst>
+              <a:ext uri="{28A0092B-C50C-407E-A947-70E740481C1C}">
+                <a14:useLocalDpi xmlns:a14="http://schemas.microsoft.com/office/drawing/2010/main" val="0"/>
+              </a:ext>
+            </a:extLst>
+          </a:blip>
+          <a:srcRect/>
+          <a:stretch>
+            <a:fillRect/>
+          </a:stretch>
+        </p:blipFill>
+        <p:spPr bwMode="auto">
+          <a:xfrm>
+            <a:off x="2499576" y="3251081"/>
+            <a:ext cx="5975350" cy="3073400"/>
+          </a:xfrm>
+          <a:prstGeom prst="rect">
+            <a:avLst/>
+          </a:prstGeom>
+          <a:noFill/>
+          <a:ln>
+            <a:noFill/>
+          </a:ln>
+        </p:spPr>
+      </p:pic>
     </p:spTree>
     <p:extLst>
       <p:ext uri="{BB962C8B-B14F-4D97-AF65-F5344CB8AC3E}">
-        <p14:creationId xmlns:p14="http://schemas.microsoft.com/office/powerpoint/2010/main" val="3465663919"/>
+        <p14:creationId xmlns:p14="http://schemas.microsoft.com/office/powerpoint/2010/main" val="1373061746"/>
       </p:ext>
     </p:extLst>
   </p:cSld>
   <p:clrMapOvr>
     <a:masterClrMapping/>
   </p:clrMapOvr>
-  <mc:AlternateContent xmlns:mc="http://schemas.openxmlformats.org/markup-compatibility/2006">
-    <mc:Choice xmlns:p14="http://schemas.microsoft.com/office/powerpoint/2010/main" Requires="p14">
-      <p:transition spd="slow" p14:dur="2000"/>
-    </mc:Choice>
-    <mc:Fallback>
-      <p:transition spd="slow"/>
-    </mc:Fallback>
-  </mc:AlternateContent>
 </p:sld>
 </file>
 
@@ -9166,30 +9202,22 @@
       </p:grpSpPr>
       <p:sp>
         <p:nvSpPr>
-          <p:cNvPr id="3" name="Espace réservé du contenu 2"/>
-          <p:cNvSpPr>
-            <a:spLocks noGrp="1"/>
-          </p:cNvSpPr>
-          <p:nvPr>
-            <p:ph idx="1"/>
-          </p:nvPr>
-        </p:nvSpPr>
-        <p:spPr>
-          <a:xfrm>
-            <a:off x="680321" y="2336873"/>
-            <a:ext cx="9613861" cy="671247"/>
-          </a:xfrm>
-        </p:spPr>
+          <p:cNvPr id="2" name="Titre 1"/>
+          <p:cNvSpPr>
+            <a:spLocks noGrp="1"/>
+          </p:cNvSpPr>
+          <p:nvPr>
+            <p:ph type="title"/>
+          </p:nvPr>
+        </p:nvSpPr>
+        <p:spPr/>
         <p:txBody>
           <a:bodyPr/>
           <a:lstStyle/>
           <a:p>
-            <a:pPr marL="0" indent="0">
-              <a:buNone/>
-            </a:pPr>
             <a:r>
               <a:rPr lang="fr-FR" dirty="0" smtClean="0"/>
-              <a:t>Ce découpage correspond au modèle de projet en cycle V.</a:t>
+              <a:t>GANTT prévisionnel</a:t>
             </a:r>
             <a:endParaRPr lang="fr-FR" dirty="0"/>
           </a:p>
@@ -9197,7 +9225,7 @@
       </p:sp>
       <p:pic>
         <p:nvPicPr>
-          <p:cNvPr id="4" name="Image 3"/>
+          <p:cNvPr id="4" name="Image 3" descr="C:\Users\arthu\Desktop\GANTT PREVISIONNEL.PNG"/>
           <p:cNvPicPr/>
           <p:nvPr/>
         </p:nvPicPr>
@@ -9216,8 +9244,8 @@
         </p:blipFill>
         <p:spPr bwMode="auto">
           <a:xfrm>
-            <a:off x="2499576" y="3251081"/>
-            <a:ext cx="5975350" cy="3073400"/>
+            <a:off x="2865263" y="2445118"/>
+            <a:ext cx="5760720" cy="3967480"/>
           </a:xfrm>
           <a:prstGeom prst="rect">
             <a:avLst/>
@@ -9231,7 +9259,7 @@
     </p:spTree>
     <p:extLst>
       <p:ext uri="{BB962C8B-B14F-4D97-AF65-F5344CB8AC3E}">
-        <p14:creationId xmlns:p14="http://schemas.microsoft.com/office/powerpoint/2010/main" val="1373061746"/>
+        <p14:creationId xmlns:p14="http://schemas.microsoft.com/office/powerpoint/2010/main" val="1993969336"/>
       </p:ext>
     </p:extLst>
   </p:cSld>
@@ -9275,92 +9303,6 @@
           <a:p>
             <a:r>
               <a:rPr lang="fr-FR" dirty="0" smtClean="0"/>
-              <a:t>GANTT prévisionnel</a:t>
-            </a:r>
-            <a:endParaRPr lang="fr-FR" dirty="0"/>
-          </a:p>
-        </p:txBody>
-      </p:sp>
-      <p:pic>
-        <p:nvPicPr>
-          <p:cNvPr id="4" name="Image 3" descr="C:\Users\arthu\Desktop\GANTT PREVISIONNEL.PNG"/>
-          <p:cNvPicPr/>
-          <p:nvPr/>
-        </p:nvPicPr>
-        <p:blipFill>
-          <a:blip r:embed="rId2">
-            <a:extLst>
-              <a:ext uri="{28A0092B-C50C-407E-A947-70E740481C1C}">
-                <a14:useLocalDpi xmlns:a14="http://schemas.microsoft.com/office/drawing/2010/main" val="0"/>
-              </a:ext>
-            </a:extLst>
-          </a:blip>
-          <a:srcRect/>
-          <a:stretch>
-            <a:fillRect/>
-          </a:stretch>
-        </p:blipFill>
-        <p:spPr bwMode="auto">
-          <a:xfrm>
-            <a:off x="2865263" y="2445118"/>
-            <a:ext cx="5760720" cy="3967480"/>
-          </a:xfrm>
-          <a:prstGeom prst="rect">
-            <a:avLst/>
-          </a:prstGeom>
-          <a:noFill/>
-          <a:ln>
-            <a:noFill/>
-          </a:ln>
-        </p:spPr>
-      </p:pic>
-    </p:spTree>
-    <p:extLst>
-      <p:ext uri="{BB962C8B-B14F-4D97-AF65-F5344CB8AC3E}">
-        <p14:creationId xmlns:p14="http://schemas.microsoft.com/office/powerpoint/2010/main" val="1993969336"/>
-      </p:ext>
-    </p:extLst>
-  </p:cSld>
-  <p:clrMapOvr>
-    <a:masterClrMapping/>
-  </p:clrMapOvr>
-</p:sld>
-</file>
-
-<file path=ppt/slides/slide24.xml><?xml version="1.0" encoding="utf-8"?>
-<p:sld xmlns:a="http://schemas.openxmlformats.org/drawingml/2006/main" xmlns:r="http://schemas.openxmlformats.org/officeDocument/2006/relationships" xmlns:p="http://schemas.openxmlformats.org/presentationml/2006/main">
-  <p:cSld>
-    <p:spTree>
-      <p:nvGrpSpPr>
-        <p:cNvPr id="1" name=""/>
-        <p:cNvGrpSpPr/>
-        <p:nvPr/>
-      </p:nvGrpSpPr>
-      <p:grpSpPr>
-        <a:xfrm>
-          <a:off x="0" y="0"/>
-          <a:ext cx="0" cy="0"/>
-          <a:chOff x="0" y="0"/>
-          <a:chExt cx="0" cy="0"/>
-        </a:xfrm>
-      </p:grpSpPr>
-      <p:sp>
-        <p:nvSpPr>
-          <p:cNvPr id="2" name="Titre 1"/>
-          <p:cNvSpPr>
-            <a:spLocks noGrp="1"/>
-          </p:cNvSpPr>
-          <p:nvPr>
-            <p:ph type="title"/>
-          </p:nvPr>
-        </p:nvSpPr>
-        <p:spPr/>
-        <p:txBody>
-          <a:bodyPr/>
-          <a:lstStyle/>
-          <a:p>
-            <a:r>
-              <a:rPr lang="fr-FR" dirty="0" smtClean="0"/>
               <a:t>GANTT réel</a:t>
             </a:r>
             <a:endParaRPr lang="fr-FR" dirty="0"/>
@@ -9413,6 +9355,185 @@
 </p:sld>
 </file>
 
+<file path=ppt/slides/slide24.xml><?xml version="1.0" encoding="utf-8"?>
+<p:sld xmlns:a="http://schemas.openxmlformats.org/drawingml/2006/main" xmlns:r="http://schemas.openxmlformats.org/officeDocument/2006/relationships" xmlns:p="http://schemas.openxmlformats.org/presentationml/2006/main" show="0">
+  <p:cSld>
+    <p:spTree>
+      <p:nvGrpSpPr>
+        <p:cNvPr id="1" name=""/>
+        <p:cNvGrpSpPr/>
+        <p:nvPr/>
+      </p:nvGrpSpPr>
+      <p:grpSpPr>
+        <a:xfrm>
+          <a:off x="0" y="0"/>
+          <a:ext cx="0" cy="0"/>
+          <a:chOff x="0" y="0"/>
+          <a:chExt cx="0" cy="0"/>
+        </a:xfrm>
+      </p:grpSpPr>
+      <p:sp>
+        <p:nvSpPr>
+          <p:cNvPr id="2" name="Titre 1"/>
+          <p:cNvSpPr>
+            <a:spLocks noGrp="1"/>
+          </p:cNvSpPr>
+          <p:nvPr>
+            <p:ph type="title"/>
+          </p:nvPr>
+        </p:nvSpPr>
+        <p:spPr/>
+        <p:txBody>
+          <a:bodyPr/>
+          <a:lstStyle/>
+          <a:p>
+            <a:r>
+              <a:rPr lang="fr-FR" dirty="0" smtClean="0"/>
+              <a:t>Répartition des tâches</a:t>
+            </a:r>
+            <a:endParaRPr lang="fr-FR" dirty="0"/>
+          </a:p>
+        </p:txBody>
+      </p:sp>
+      <p:sp>
+        <p:nvSpPr>
+          <p:cNvPr id="3" name="Espace réservé du contenu 2"/>
+          <p:cNvSpPr>
+            <a:spLocks noGrp="1"/>
+          </p:cNvSpPr>
+          <p:nvPr>
+            <p:ph idx="1"/>
+          </p:nvPr>
+        </p:nvSpPr>
+        <p:spPr/>
+        <p:txBody>
+          <a:bodyPr>
+            <a:normAutofit fontScale="47500" lnSpcReduction="20000"/>
+          </a:bodyPr>
+          <a:lstStyle/>
+          <a:p>
+            <a:r>
+              <a:rPr lang="fr-FR" dirty="0"/>
+              <a:t>	Voici la répartition des tâches qui nous est imposée par le sujet de BTS SN. </a:t>
+            </a:r>
+          </a:p>
+          <a:p>
+            <a:r>
+              <a:rPr lang="fr-FR" b="1" dirty="0"/>
+              <a:t>Étudiant 1 : BORGES Damien en charge du système embarqué autonome</a:t>
+            </a:r>
+            <a:endParaRPr lang="fr-FR" dirty="0"/>
+          </a:p>
+          <a:p>
+            <a:pPr lvl="0"/>
+            <a:r>
+              <a:rPr lang="fr-FR" dirty="0"/>
+              <a:t>Analyse du projet et de sa partie</a:t>
+            </a:r>
+          </a:p>
+          <a:p>
+            <a:pPr lvl="0"/>
+            <a:r>
+              <a:rPr lang="fr-FR" dirty="0"/>
+              <a:t>Étude comparative des composantes du système embarqué </a:t>
+            </a:r>
+          </a:p>
+          <a:p>
+            <a:pPr lvl="0"/>
+            <a:r>
+              <a:rPr lang="fr-FR" dirty="0"/>
+              <a:t>Mise en place d’une application de simulation d’envoi de données pour l’étudiant 3</a:t>
+            </a:r>
+          </a:p>
+          <a:p>
+            <a:pPr lvl="0"/>
+            <a:r>
+              <a:rPr lang="fr-FR" dirty="0"/>
+              <a:t>Choix des composants du système embarqué </a:t>
+            </a:r>
+          </a:p>
+          <a:p>
+            <a:pPr lvl="0"/>
+            <a:r>
+              <a:rPr lang="fr-FR" dirty="0"/>
+              <a:t>Réalisation d’un prototype fonctionnel</a:t>
+            </a:r>
+          </a:p>
+          <a:p>
+            <a:pPr lvl="0"/>
+            <a:r>
+              <a:rPr lang="fr-FR" dirty="0"/>
+              <a:t>Utilisation d’une classe C++ pour l’envoi des données </a:t>
+            </a:r>
+          </a:p>
+          <a:p>
+            <a:r>
+              <a:rPr lang="fr-FR" b="1" dirty="0"/>
+              <a:t>Étudiant 2 : ARTHUR Brice en charge de l’IHM web de supervision dynamique</a:t>
+            </a:r>
+            <a:endParaRPr lang="fr-FR" dirty="0"/>
+          </a:p>
+          <a:p>
+            <a:pPr lvl="0"/>
+            <a:r>
+              <a:rPr lang="fr-FR" dirty="0"/>
+              <a:t>Analyse du projet et de sa partie</a:t>
+            </a:r>
+          </a:p>
+          <a:p>
+            <a:pPr lvl="0"/>
+            <a:r>
+              <a:rPr lang="fr-FR" dirty="0"/>
+              <a:t>Création du site web de supervision avec accès protégé par mot de passe</a:t>
+            </a:r>
+          </a:p>
+          <a:p>
+            <a:pPr lvl="0"/>
+            <a:r>
+              <a:rPr lang="fr-FR" dirty="0"/>
+              <a:t>Gestion du Back Office (ajout, modification, suppression des utilisateurs et bateaux)</a:t>
+            </a:r>
+          </a:p>
+          <a:p>
+            <a:pPr lvl="0"/>
+            <a:r>
+              <a:rPr lang="fr-FR" dirty="0"/>
+              <a:t>Étude d’une API de cartographie web open source</a:t>
+            </a:r>
+          </a:p>
+          <a:p>
+            <a:pPr lvl="0"/>
+            <a:r>
+              <a:rPr lang="fr-FR" dirty="0"/>
+              <a:t>Mise en place d’un serveur TCP pour récupérer les informations des bateaux</a:t>
+            </a:r>
+          </a:p>
+          <a:p>
+            <a:endParaRPr lang="fr-FR" dirty="0"/>
+          </a:p>
+        </p:txBody>
+      </p:sp>
+    </p:spTree>
+    <p:extLst>
+      <p:ext uri="{BB962C8B-B14F-4D97-AF65-F5344CB8AC3E}">
+        <p14:creationId xmlns:p14="http://schemas.microsoft.com/office/powerpoint/2010/main" val="2460223613"/>
+      </p:ext>
+    </p:extLst>
+  </p:cSld>
+  <p:clrMapOvr>
+    <a:masterClrMapping/>
+  </p:clrMapOvr>
+  <mc:AlternateContent xmlns:mc="http://schemas.openxmlformats.org/markup-compatibility/2006" xmlns:p14="http://schemas.microsoft.com/office/powerpoint/2010/main">
+    <mc:Choice Requires="p14">
+      <p:transition spd="slow" p14:dur="2000"/>
+    </mc:Choice>
+    <mc:Fallback xmlns="">
+      <p:transition spd="slow"/>
+    </mc:Fallback>
+  </mc:AlternateContent>
+</p:sld>
+</file>
+
 <file path=ppt/slides/slide25.xml><?xml version="1.0" encoding="utf-8"?>
 <p:sld xmlns:a="http://schemas.openxmlformats.org/drawingml/2006/main" xmlns:r="http://schemas.openxmlformats.org/officeDocument/2006/relationships" xmlns:p="http://schemas.openxmlformats.org/presentationml/2006/main" show="0">
   <p:cSld>
@@ -9432,53 +9553,45 @@
       </p:grpSpPr>
       <p:sp>
         <p:nvSpPr>
-          <p:cNvPr id="2" name="Titre 1"/>
-          <p:cNvSpPr>
-            <a:spLocks noGrp="1"/>
-          </p:cNvSpPr>
-          <p:nvPr>
-            <p:ph type="title"/>
+          <p:cNvPr id="3" name="Espace réservé du contenu 2"/>
+          <p:cNvSpPr>
+            <a:spLocks noGrp="1"/>
+          </p:cNvSpPr>
+          <p:nvPr>
+            <p:ph idx="1"/>
           </p:nvPr>
         </p:nvSpPr>
         <p:spPr/>
         <p:txBody>
-          <a:bodyPr/>
-          <a:lstStyle/>
-          <a:p>
-            <a:r>
-              <a:rPr lang="fr-FR" dirty="0" smtClean="0"/>
-              <a:t>Répartition des tâches</a:t>
-            </a:r>
-            <a:endParaRPr lang="fr-FR" dirty="0"/>
-          </a:p>
-        </p:txBody>
-      </p:sp>
-      <p:sp>
-        <p:nvSpPr>
-          <p:cNvPr id="3" name="Espace réservé du contenu 2"/>
-          <p:cNvSpPr>
-            <a:spLocks noGrp="1"/>
-          </p:cNvSpPr>
-          <p:nvPr>
-            <p:ph idx="1"/>
-          </p:nvPr>
-        </p:nvSpPr>
-        <p:spPr/>
-        <p:txBody>
           <a:bodyPr>
-            <a:normAutofit fontScale="47500" lnSpcReduction="20000"/>
+            <a:normAutofit fontScale="62500" lnSpcReduction="20000"/>
           </a:bodyPr>
           <a:lstStyle/>
           <a:p>
+            <a:pPr lvl="0"/>
             <a:r>
               <a:rPr lang="fr-FR" dirty="0"/>
-              <a:t>	Voici la répartition des tâches qui nous est imposée par le sujet de BTS SN. </a:t>
+              <a:t>Affichage des bateaux du système en temps réel sur une page de supervision </a:t>
+            </a:r>
+          </a:p>
+          <a:p>
+            <a:pPr lvl="0"/>
+            <a:r>
+              <a:rPr lang="fr-FR" dirty="0"/>
+              <a:t>Création de 3 classes PHP (User et BDD et TCP)</a:t>
+            </a:r>
+          </a:p>
+          <a:p>
+            <a:pPr lvl="0"/>
+            <a:r>
+              <a:rPr lang="fr-FR" dirty="0"/>
+              <a:t>Création d’une page anomalie (déplacement des bateaux sans être loué + localisation hors zone) </a:t>
             </a:r>
           </a:p>
           <a:p>
             <a:r>
               <a:rPr lang="fr-FR" b="1" dirty="0"/>
-              <a:t>Étudiant 1 : BORGES Damien en charge du système embarqué autonome</a:t>
+              <a:t>Étudiant 3 : MARTIN Vincent en charge du centre de traitement </a:t>
             </a:r>
             <a:endParaRPr lang="fr-FR" dirty="0"/>
           </a:p>
@@ -9493,77 +9606,49 @@
             <a:pPr lvl="0"/>
             <a:r>
               <a:rPr lang="fr-FR" dirty="0"/>
-              <a:t>Étude comparative des composantes du système embarqué </a:t>
+              <a:t>Utilisation d’un système de réception des informations mobiles</a:t>
             </a:r>
           </a:p>
           <a:p>
             <a:pPr lvl="0"/>
             <a:r>
               <a:rPr lang="fr-FR" dirty="0"/>
-              <a:t>Mise en place d’une application de simulation d’envoi de données pour l’étudiant 3</a:t>
+              <a:t>Application C++ qui récupère les informations des systèmes embarqués </a:t>
             </a:r>
           </a:p>
           <a:p>
             <a:pPr lvl="0"/>
             <a:r>
               <a:rPr lang="fr-FR" dirty="0"/>
-              <a:t>Choix des composants du système embarqué </a:t>
+              <a:t>Traitement des informations (découpage de trame, analyse de vitesse…)</a:t>
             </a:r>
           </a:p>
           <a:p>
             <a:pPr lvl="0"/>
             <a:r>
               <a:rPr lang="fr-FR" dirty="0"/>
-              <a:t>Réalisation d’un prototype fonctionnel</a:t>
+              <a:t>Réalisation d’un service C++ Linux qui envoie en TCP les informations au site web</a:t>
             </a:r>
           </a:p>
           <a:p>
             <a:pPr lvl="0"/>
             <a:r>
               <a:rPr lang="fr-FR" dirty="0"/>
-              <a:t>Utilisation d’une classe C++ pour l’envoi des données </a:t>
-            </a:r>
-          </a:p>
-          <a:p>
-            <a:r>
-              <a:rPr lang="fr-FR" b="1" dirty="0"/>
-              <a:t>Étudiant 2 : ARTHUR Brice en charge de l’IHM web de supervision dynamique</a:t>
-            </a:r>
-            <a:endParaRPr lang="fr-FR" dirty="0"/>
+              <a:t>Mise en place d’une fonctionnalité d’historisation des données des bateaux </a:t>
+            </a:r>
           </a:p>
           <a:p>
             <a:pPr lvl="0"/>
             <a:r>
               <a:rPr lang="fr-FR" dirty="0"/>
-              <a:t>Analyse du projet et de sa partie</a:t>
+              <a:t>Création des classes C++ (BDD, TCP, Système embarqué)</a:t>
             </a:r>
           </a:p>
           <a:p>
             <a:pPr lvl="0"/>
             <a:r>
               <a:rPr lang="fr-FR" dirty="0"/>
-              <a:t>Création du site web de supervision avec accès protégé par mot de passe</a:t>
-            </a:r>
-          </a:p>
-          <a:p>
-            <a:pPr lvl="0"/>
-            <a:r>
-              <a:rPr lang="fr-FR" dirty="0"/>
-              <a:t>Gestion du Back Office (ajout, modification, suppression des utilisateurs et bateaux)</a:t>
-            </a:r>
-          </a:p>
-          <a:p>
-            <a:pPr lvl="0"/>
-            <a:r>
-              <a:rPr lang="fr-FR" dirty="0"/>
-              <a:t>Étude d’une API de cartographie web open source</a:t>
-            </a:r>
-          </a:p>
-          <a:p>
-            <a:pPr lvl="0"/>
-            <a:r>
-              <a:rPr lang="fr-FR" dirty="0"/>
-              <a:t>Mise en place d’un serveur TCP pour récupérer les informations des bateaux</a:t>
+              <a:t>Doit proposer en premier un simulateur TCP d’envoi de données pour l’étudiant 2</a:t>
             </a:r>
           </a:p>
           <a:p>
@@ -9574,18 +9659,18 @@
     </p:spTree>
     <p:extLst>
       <p:ext uri="{BB962C8B-B14F-4D97-AF65-F5344CB8AC3E}">
-        <p14:creationId xmlns:p14="http://schemas.microsoft.com/office/powerpoint/2010/main" val="2460223613"/>
+        <p14:creationId xmlns:p14="http://schemas.microsoft.com/office/powerpoint/2010/main" val="451147993"/>
       </p:ext>
     </p:extLst>
   </p:cSld>
   <p:clrMapOvr>
     <a:masterClrMapping/>
   </p:clrMapOvr>
-  <mc:AlternateContent xmlns:mc="http://schemas.openxmlformats.org/markup-compatibility/2006">
-    <mc:Choice xmlns:p14="http://schemas.microsoft.com/office/powerpoint/2010/main" Requires="p14">
+  <mc:AlternateContent xmlns:mc="http://schemas.openxmlformats.org/markup-compatibility/2006" xmlns:p14="http://schemas.microsoft.com/office/powerpoint/2010/main">
+    <mc:Choice Requires="p14">
       <p:transition spd="slow" p14:dur="2000"/>
     </mc:Choice>
-    <mc:Fallback>
+    <mc:Fallback xmlns="">
       <p:transition spd="slow"/>
     </mc:Fallback>
   </mc:AlternateContent>
@@ -9611,149 +9696,6 @@
       </p:grpSpPr>
       <p:sp>
         <p:nvSpPr>
-          <p:cNvPr id="3" name="Espace réservé du contenu 2"/>
-          <p:cNvSpPr>
-            <a:spLocks noGrp="1"/>
-          </p:cNvSpPr>
-          <p:nvPr>
-            <p:ph idx="1"/>
-          </p:nvPr>
-        </p:nvSpPr>
-        <p:spPr/>
-        <p:txBody>
-          <a:bodyPr>
-            <a:normAutofit fontScale="62500" lnSpcReduction="20000"/>
-          </a:bodyPr>
-          <a:lstStyle/>
-          <a:p>
-            <a:pPr lvl="0"/>
-            <a:r>
-              <a:rPr lang="fr-FR" dirty="0"/>
-              <a:t>Affichage des bateaux du système en temps réel sur une page de supervision </a:t>
-            </a:r>
-          </a:p>
-          <a:p>
-            <a:pPr lvl="0"/>
-            <a:r>
-              <a:rPr lang="fr-FR" dirty="0"/>
-              <a:t>Création de 3 classes PHP (User et BDD et TCP)</a:t>
-            </a:r>
-          </a:p>
-          <a:p>
-            <a:pPr lvl="0"/>
-            <a:r>
-              <a:rPr lang="fr-FR" dirty="0"/>
-              <a:t>Création d’une page anomalie (déplacement des bateaux sans être loué + localisation hors zone) </a:t>
-            </a:r>
-          </a:p>
-          <a:p>
-            <a:r>
-              <a:rPr lang="fr-FR" b="1" dirty="0"/>
-              <a:t>Étudiant 3 : MARTIN Vincent en charge du centre de traitement </a:t>
-            </a:r>
-            <a:endParaRPr lang="fr-FR" dirty="0"/>
-          </a:p>
-          <a:p>
-            <a:pPr lvl="0"/>
-            <a:r>
-              <a:rPr lang="fr-FR" dirty="0"/>
-              <a:t>Analyse du projet et de sa partie</a:t>
-            </a:r>
-          </a:p>
-          <a:p>
-            <a:pPr lvl="0"/>
-            <a:r>
-              <a:rPr lang="fr-FR" dirty="0"/>
-              <a:t>Utilisation d’un système de réception des informations mobiles</a:t>
-            </a:r>
-          </a:p>
-          <a:p>
-            <a:pPr lvl="0"/>
-            <a:r>
-              <a:rPr lang="fr-FR" dirty="0"/>
-              <a:t>Application C++ qui récupère les informations des systèmes embarqués </a:t>
-            </a:r>
-          </a:p>
-          <a:p>
-            <a:pPr lvl="0"/>
-            <a:r>
-              <a:rPr lang="fr-FR" dirty="0"/>
-              <a:t>Traitement des informations (découpage de trame, analyse de vitesse…)</a:t>
-            </a:r>
-          </a:p>
-          <a:p>
-            <a:pPr lvl="0"/>
-            <a:r>
-              <a:rPr lang="fr-FR" dirty="0"/>
-              <a:t>Réalisation d’un service C++ Linux qui envoie en TCP les informations au site web</a:t>
-            </a:r>
-          </a:p>
-          <a:p>
-            <a:pPr lvl="0"/>
-            <a:r>
-              <a:rPr lang="fr-FR" dirty="0"/>
-              <a:t>Mise en place d’une fonctionnalité d’historisation des données des bateaux </a:t>
-            </a:r>
-          </a:p>
-          <a:p>
-            <a:pPr lvl="0"/>
-            <a:r>
-              <a:rPr lang="fr-FR" dirty="0"/>
-              <a:t>Création des classes C++ (BDD, TCP, Système embarqué)</a:t>
-            </a:r>
-          </a:p>
-          <a:p>
-            <a:pPr lvl="0"/>
-            <a:r>
-              <a:rPr lang="fr-FR" dirty="0"/>
-              <a:t>Doit proposer en premier un simulateur TCP d’envoi de données pour l’étudiant 2</a:t>
-            </a:r>
-          </a:p>
-          <a:p>
-            <a:endParaRPr lang="fr-FR" dirty="0"/>
-          </a:p>
-        </p:txBody>
-      </p:sp>
-    </p:spTree>
-    <p:extLst>
-      <p:ext uri="{BB962C8B-B14F-4D97-AF65-F5344CB8AC3E}">
-        <p14:creationId xmlns:p14="http://schemas.microsoft.com/office/powerpoint/2010/main" val="451147993"/>
-      </p:ext>
-    </p:extLst>
-  </p:cSld>
-  <p:clrMapOvr>
-    <a:masterClrMapping/>
-  </p:clrMapOvr>
-  <mc:AlternateContent xmlns:mc="http://schemas.openxmlformats.org/markup-compatibility/2006">
-    <mc:Choice xmlns:p14="http://schemas.microsoft.com/office/powerpoint/2010/main" Requires="p14">
-      <p:transition spd="slow" p14:dur="2000"/>
-    </mc:Choice>
-    <mc:Fallback>
-      <p:transition spd="slow"/>
-    </mc:Fallback>
-  </mc:AlternateContent>
-</p:sld>
-</file>
-
-<file path=ppt/slides/slide27.xml><?xml version="1.0" encoding="utf-8"?>
-<p:sld xmlns:a="http://schemas.openxmlformats.org/drawingml/2006/main" xmlns:r="http://schemas.openxmlformats.org/officeDocument/2006/relationships" xmlns:p="http://schemas.openxmlformats.org/presentationml/2006/main" show="0">
-  <p:cSld>
-    <p:spTree>
-      <p:nvGrpSpPr>
-        <p:cNvPr id="1" name=""/>
-        <p:cNvGrpSpPr/>
-        <p:nvPr/>
-      </p:nvGrpSpPr>
-      <p:grpSpPr>
-        <a:xfrm>
-          <a:off x="0" y="0"/>
-          <a:ext cx="0" cy="0"/>
-          <a:chOff x="0" y="0"/>
-          <a:chExt cx="0" cy="0"/>
-        </a:xfrm>
-      </p:grpSpPr>
-      <p:sp>
-        <p:nvSpPr>
           <p:cNvPr id="2" name="Titre 1"/>
           <p:cNvSpPr>
             <a:spLocks noGrp="1"/>
@@ -9826,18 +9768,18 @@
   <p:clrMapOvr>
     <a:masterClrMapping/>
   </p:clrMapOvr>
-  <mc:AlternateContent xmlns:mc="http://schemas.openxmlformats.org/markup-compatibility/2006">
-    <mc:Choice xmlns:p14="http://schemas.microsoft.com/office/powerpoint/2010/main" Requires="p14">
+  <mc:AlternateContent xmlns:mc="http://schemas.openxmlformats.org/markup-compatibility/2006" xmlns:p14="http://schemas.microsoft.com/office/powerpoint/2010/main">
+    <mc:Choice Requires="p14">
       <p:transition spd="slow" p14:dur="2000"/>
     </mc:Choice>
-    <mc:Fallback>
+    <mc:Fallback xmlns="">
       <p:transition spd="slow"/>
     </mc:Fallback>
   </mc:AlternateContent>
 </p:sld>
 </file>
 
-<file path=ppt/slides/slide28.xml><?xml version="1.0" encoding="utf-8"?>
+<file path=ppt/slides/slide27.xml><?xml version="1.0" encoding="utf-8"?>
 <p:sld xmlns:a="http://schemas.openxmlformats.org/drawingml/2006/main" xmlns:r="http://schemas.openxmlformats.org/officeDocument/2006/relationships" xmlns:p="http://schemas.openxmlformats.org/presentationml/2006/main" show="0">
   <p:cSld>
     <p:spTree>
@@ -9888,11 +9830,108 @@
   <p:clrMapOvr>
     <a:masterClrMapping/>
   </p:clrMapOvr>
-  <mc:AlternateContent xmlns:mc="http://schemas.openxmlformats.org/markup-compatibility/2006">
-    <mc:Choice xmlns:p14="http://schemas.microsoft.com/office/powerpoint/2010/main" Requires="p14">
+  <mc:AlternateContent xmlns:mc="http://schemas.openxmlformats.org/markup-compatibility/2006" xmlns:p14="http://schemas.microsoft.com/office/powerpoint/2010/main">
+    <mc:Choice Requires="p14">
       <p:transition spd="slow" p14:dur="2000"/>
     </mc:Choice>
-    <mc:Fallback>
+    <mc:Fallback xmlns="">
+      <p:transition spd="slow"/>
+    </mc:Fallback>
+  </mc:AlternateContent>
+</p:sld>
+</file>
+
+<file path=ppt/slides/slide28.xml><?xml version="1.0" encoding="utf-8"?>
+<p:sld xmlns:a="http://schemas.openxmlformats.org/drawingml/2006/main" xmlns:r="http://schemas.openxmlformats.org/officeDocument/2006/relationships" xmlns:p="http://schemas.openxmlformats.org/presentationml/2006/main" show="0">
+  <p:cSld>
+    <p:spTree>
+      <p:nvGrpSpPr>
+        <p:cNvPr id="1" name=""/>
+        <p:cNvGrpSpPr/>
+        <p:nvPr/>
+      </p:nvGrpSpPr>
+      <p:grpSpPr>
+        <a:xfrm>
+          <a:off x="0" y="0"/>
+          <a:ext cx="0" cy="0"/>
+          <a:chOff x="0" y="0"/>
+          <a:chExt cx="0" cy="0"/>
+        </a:xfrm>
+      </p:grpSpPr>
+      <p:sp>
+        <p:nvSpPr>
+          <p:cNvPr id="2" name="Titre 1"/>
+          <p:cNvSpPr>
+            <a:spLocks noGrp="1"/>
+          </p:cNvSpPr>
+          <p:nvPr>
+            <p:ph type="title"/>
+          </p:nvPr>
+        </p:nvSpPr>
+        <p:spPr/>
+        <p:txBody>
+          <a:bodyPr/>
+          <a:lstStyle/>
+          <a:p>
+            <a:r>
+              <a:rPr lang="fr-FR" dirty="0" smtClean="0"/>
+              <a:t>Compte rendu d’activité(CRA)</a:t>
+            </a:r>
+            <a:endParaRPr lang="fr-FR" dirty="0"/>
+          </a:p>
+        </p:txBody>
+      </p:sp>
+      <p:sp>
+        <p:nvSpPr>
+          <p:cNvPr id="3" name="Espace réservé du contenu 2"/>
+          <p:cNvSpPr>
+            <a:spLocks noGrp="1"/>
+          </p:cNvSpPr>
+          <p:nvPr>
+            <p:ph idx="1"/>
+          </p:nvPr>
+        </p:nvSpPr>
+        <p:spPr/>
+        <p:txBody>
+          <a:bodyPr/>
+          <a:lstStyle/>
+          <a:p>
+            <a:pPr marL="0" indent="0">
+              <a:buNone/>
+            </a:pPr>
+            <a:r>
+              <a:rPr lang="fr-FR" dirty="0"/>
+              <a:t>Pour avoir un suivi de notre activité, nous avons réalisé un CRA horaire sous Excel. Pour chaque heure nous </a:t>
+            </a:r>
+            <a:r>
+              <a:rPr lang="fr-FR" dirty="0" err="1"/>
+              <a:t>historisons</a:t>
+            </a:r>
+            <a:r>
+              <a:rPr lang="fr-FR" dirty="0"/>
+              <a:t> les tâches qui ont été effectuées. </a:t>
+            </a:r>
+          </a:p>
+          <a:p>
+            <a:endParaRPr lang="fr-FR" dirty="0"/>
+          </a:p>
+        </p:txBody>
+      </p:sp>
+    </p:spTree>
+    <p:extLst>
+      <p:ext uri="{BB962C8B-B14F-4D97-AF65-F5344CB8AC3E}">
+        <p14:creationId xmlns:p14="http://schemas.microsoft.com/office/powerpoint/2010/main" val="731920284"/>
+      </p:ext>
+    </p:extLst>
+  </p:cSld>
+  <p:clrMapOvr>
+    <a:masterClrMapping/>
+  </p:clrMapOvr>
+  <mc:AlternateContent xmlns:mc="http://schemas.openxmlformats.org/markup-compatibility/2006" xmlns:p14="http://schemas.microsoft.com/office/powerpoint/2010/main">
+    <mc:Choice Requires="p14">
+      <p:transition spd="slow" p14:dur="2000"/>
+    </mc:Choice>
+    <mc:Fallback xmlns="">
       <p:transition spd="slow"/>
     </mc:Fallback>
   </mc:AlternateContent>
@@ -9933,7 +9972,7 @@
           <a:p>
             <a:r>
               <a:rPr lang="fr-FR" dirty="0" smtClean="0"/>
-              <a:t>Compte rendu d’activité(CRA)</a:t>
+              <a:t>Cahier de bord</a:t>
             </a:r>
             <a:endParaRPr lang="fr-FR" dirty="0"/>
           </a:p>
@@ -9959,37 +9998,26 @@
             </a:pPr>
             <a:r>
               <a:rPr lang="fr-FR" dirty="0"/>
-              <a:t>Pour avoir un suivi de notre activité, nous avons réalisé un CRA horaire sous Excel. Pour chaque heure nous </a:t>
-            </a:r>
-            <a:r>
-              <a:rPr lang="fr-FR" dirty="0" err="1"/>
-              <a:t>historisons</a:t>
-            </a:r>
-            <a:r>
-              <a:rPr lang="fr-FR" dirty="0"/>
-              <a:t> les tâches qui ont été effectuées. </a:t>
-            </a:r>
-          </a:p>
-          <a:p>
-            <a:endParaRPr lang="fr-FR" dirty="0"/>
+              <a:t>Tous les jours nous tenons à jour un cahier de bord dans lequel sont détaillés les différents travaux réalisés durant les heures de projet. Ce cahier de bord permet de faire une synthèse de travaux qui sera présentée dans les parties individuelles du rapport de projet. </a:t>
+            </a:r>
           </a:p>
         </p:txBody>
       </p:sp>
     </p:spTree>
     <p:extLst>
       <p:ext uri="{BB962C8B-B14F-4D97-AF65-F5344CB8AC3E}">
-        <p14:creationId xmlns:p14="http://schemas.microsoft.com/office/powerpoint/2010/main" val="731920284"/>
+        <p14:creationId xmlns:p14="http://schemas.microsoft.com/office/powerpoint/2010/main" val="3286391984"/>
       </p:ext>
     </p:extLst>
   </p:cSld>
   <p:clrMapOvr>
     <a:masterClrMapping/>
   </p:clrMapOvr>
-  <mc:AlternateContent xmlns:mc="http://schemas.openxmlformats.org/markup-compatibility/2006">
-    <mc:Choice xmlns:p14="http://schemas.microsoft.com/office/powerpoint/2010/main" Requires="p14">
+  <mc:AlternateContent xmlns:mc="http://schemas.openxmlformats.org/markup-compatibility/2006" xmlns:p14="http://schemas.microsoft.com/office/powerpoint/2010/main">
+    <mc:Choice Requires="p14">
       <p:transition spd="slow" p14:dur="2000"/>
     </mc:Choice>
-    <mc:Fallback>
+    <mc:Fallback xmlns="">
       <p:transition spd="slow"/>
     </mc:Fallback>
   </mc:AlternateContent>
@@ -10132,92 +10160,6 @@
           <a:lstStyle/>
           <a:p>
             <a:r>
-              <a:rPr lang="fr-FR" dirty="0" smtClean="0"/>
-              <a:t>Cahier de bord</a:t>
-            </a:r>
-            <a:endParaRPr lang="fr-FR" dirty="0"/>
-          </a:p>
-        </p:txBody>
-      </p:sp>
-      <p:sp>
-        <p:nvSpPr>
-          <p:cNvPr id="3" name="Espace réservé du contenu 2"/>
-          <p:cNvSpPr>
-            <a:spLocks noGrp="1"/>
-          </p:cNvSpPr>
-          <p:nvPr>
-            <p:ph idx="1"/>
-          </p:nvPr>
-        </p:nvSpPr>
-        <p:spPr/>
-        <p:txBody>
-          <a:bodyPr/>
-          <a:lstStyle/>
-          <a:p>
-            <a:pPr marL="0" indent="0">
-              <a:buNone/>
-            </a:pPr>
-            <a:r>
-              <a:rPr lang="fr-FR" dirty="0"/>
-              <a:t>Tous les jours nous tenons à jour un cahier de bord dans lequel sont détaillés les différents travaux réalisés durant les heures de projet. Ce cahier de bord permet de faire une synthèse de travaux qui sera présentée dans les parties individuelles du rapport de projet. </a:t>
-            </a:r>
-          </a:p>
-        </p:txBody>
-      </p:sp>
-    </p:spTree>
-    <p:extLst>
-      <p:ext uri="{BB962C8B-B14F-4D97-AF65-F5344CB8AC3E}">
-        <p14:creationId xmlns:p14="http://schemas.microsoft.com/office/powerpoint/2010/main" val="3286391984"/>
-      </p:ext>
-    </p:extLst>
-  </p:cSld>
-  <p:clrMapOvr>
-    <a:masterClrMapping/>
-  </p:clrMapOvr>
-  <mc:AlternateContent xmlns:mc="http://schemas.openxmlformats.org/markup-compatibility/2006">
-    <mc:Choice xmlns:p14="http://schemas.microsoft.com/office/powerpoint/2010/main" Requires="p14">
-      <p:transition spd="slow" p14:dur="2000"/>
-    </mc:Choice>
-    <mc:Fallback>
-      <p:transition spd="slow"/>
-    </mc:Fallback>
-  </mc:AlternateContent>
-</p:sld>
-</file>
-
-<file path=ppt/slides/slide31.xml><?xml version="1.0" encoding="utf-8"?>
-<p:sld xmlns:a="http://schemas.openxmlformats.org/drawingml/2006/main" xmlns:r="http://schemas.openxmlformats.org/officeDocument/2006/relationships" xmlns:p="http://schemas.openxmlformats.org/presentationml/2006/main" show="0">
-  <p:cSld>
-    <p:spTree>
-      <p:nvGrpSpPr>
-        <p:cNvPr id="1" name=""/>
-        <p:cNvGrpSpPr/>
-        <p:nvPr/>
-      </p:nvGrpSpPr>
-      <p:grpSpPr>
-        <a:xfrm>
-          <a:off x="0" y="0"/>
-          <a:ext cx="0" cy="0"/>
-          <a:chOff x="0" y="0"/>
-          <a:chExt cx="0" cy="0"/>
-        </a:xfrm>
-      </p:grpSpPr>
-      <p:sp>
-        <p:nvSpPr>
-          <p:cNvPr id="2" name="Titre 1"/>
-          <p:cNvSpPr>
-            <a:spLocks noGrp="1"/>
-          </p:cNvSpPr>
-          <p:nvPr>
-            <p:ph type="title"/>
-          </p:nvPr>
-        </p:nvSpPr>
-        <p:spPr/>
-        <p:txBody>
-          <a:bodyPr/>
-          <a:lstStyle/>
-          <a:p>
-            <a:r>
               <a:rPr lang="fr-FR" dirty="0" err="1" smtClean="0"/>
               <a:t>Github</a:t>
             </a:r>
@@ -10289,18 +10231,18 @@
   <p:clrMapOvr>
     <a:masterClrMapping/>
   </p:clrMapOvr>
-  <mc:AlternateContent xmlns:mc="http://schemas.openxmlformats.org/markup-compatibility/2006">
-    <mc:Choice xmlns:p14="http://schemas.microsoft.com/office/powerpoint/2010/main" Requires="p14">
+  <mc:AlternateContent xmlns:mc="http://schemas.openxmlformats.org/markup-compatibility/2006" xmlns:p14="http://schemas.microsoft.com/office/powerpoint/2010/main">
+    <mc:Choice Requires="p14">
       <p:transition spd="slow" p14:dur="2000"/>
     </mc:Choice>
-    <mc:Fallback>
+    <mc:Fallback xmlns="">
       <p:transition spd="slow"/>
     </mc:Fallback>
   </mc:AlternateContent>
 </p:sld>
 </file>
 
-<file path=ppt/slides/slide32.xml><?xml version="1.0" encoding="utf-8"?>
+<file path=ppt/slides/slide31.xml><?xml version="1.0" encoding="utf-8"?>
 <p:sld xmlns:a="http://schemas.openxmlformats.org/drawingml/2006/main" xmlns:r="http://schemas.openxmlformats.org/officeDocument/2006/relationships" xmlns:p="http://schemas.openxmlformats.org/presentationml/2006/main" show="0">
   <p:cSld>
     <p:spTree>
@@ -10433,11 +10375,74 @@
   <p:clrMapOvr>
     <a:masterClrMapping/>
   </p:clrMapOvr>
-  <mc:AlternateContent xmlns:mc="http://schemas.openxmlformats.org/markup-compatibility/2006">
-    <mc:Choice xmlns:p14="http://schemas.microsoft.com/office/powerpoint/2010/main" Requires="p14">
+  <mc:AlternateContent xmlns:mc="http://schemas.openxmlformats.org/markup-compatibility/2006" xmlns:p14="http://schemas.microsoft.com/office/powerpoint/2010/main">
+    <mc:Choice Requires="p14">
       <p:transition spd="slow" p14:dur="2000"/>
     </mc:Choice>
-    <mc:Fallback>
+    <mc:Fallback xmlns="">
+      <p:transition spd="slow"/>
+    </mc:Fallback>
+  </mc:AlternateContent>
+</p:sld>
+</file>
+
+<file path=ppt/slides/slide32.xml><?xml version="1.0" encoding="utf-8"?>
+<p:sld xmlns:a="http://schemas.openxmlformats.org/drawingml/2006/main" xmlns:r="http://schemas.openxmlformats.org/officeDocument/2006/relationships" xmlns:p="http://schemas.openxmlformats.org/presentationml/2006/main" show="0">
+  <p:cSld>
+    <p:spTree>
+      <p:nvGrpSpPr>
+        <p:cNvPr id="1" name=""/>
+        <p:cNvGrpSpPr/>
+        <p:nvPr/>
+      </p:nvGrpSpPr>
+      <p:grpSpPr>
+        <a:xfrm>
+          <a:off x="0" y="0"/>
+          <a:ext cx="0" cy="0"/>
+          <a:chOff x="0" y="0"/>
+          <a:chExt cx="0" cy="0"/>
+        </a:xfrm>
+      </p:grpSpPr>
+      <p:sp>
+        <p:nvSpPr>
+          <p:cNvPr id="3" name="Espace réservé du contenu 2"/>
+          <p:cNvSpPr>
+            <a:spLocks noGrp="1"/>
+          </p:cNvSpPr>
+          <p:nvPr>
+            <p:ph idx="1"/>
+          </p:nvPr>
+        </p:nvSpPr>
+        <p:spPr/>
+        <p:txBody>
+          <a:bodyPr/>
+          <a:lstStyle/>
+          <a:p>
+            <a:pPr marL="0" indent="0">
+              <a:buNone/>
+            </a:pPr>
+            <a:r>
+              <a:rPr lang="fr-FR" dirty="0"/>
+              <a:t>En arrivant sur l’hébergeur, il y a toujours la version la plus à jour de notre projet. Il est très facile de récupérer une version antérieure en cas de problème. En début de projet nous avons créé toutes nos classes et méthodes qui ont été utilisées dans nos diagrammes de séquence. </a:t>
+            </a:r>
+          </a:p>
+        </p:txBody>
+      </p:sp>
+    </p:spTree>
+    <p:extLst>
+      <p:ext uri="{BB962C8B-B14F-4D97-AF65-F5344CB8AC3E}">
+        <p14:creationId xmlns:p14="http://schemas.microsoft.com/office/powerpoint/2010/main" val="1013837233"/>
+      </p:ext>
+    </p:extLst>
+  </p:cSld>
+  <p:clrMapOvr>
+    <a:masterClrMapping/>
+  </p:clrMapOvr>
+  <mc:AlternateContent xmlns:mc="http://schemas.openxmlformats.org/markup-compatibility/2006" xmlns:p14="http://schemas.microsoft.com/office/powerpoint/2010/main">
+    <mc:Choice Requires="p14">
+      <p:transition spd="slow" p14:dur="2000"/>
+    </mc:Choice>
+    <mc:Fallback xmlns="">
       <p:transition spd="slow"/>
     </mc:Fallback>
   </mc:AlternateContent>
@@ -10463,6 +10468,32 @@
       </p:grpSpPr>
       <p:sp>
         <p:nvSpPr>
+          <p:cNvPr id="2" name="Titre 1"/>
+          <p:cNvSpPr>
+            <a:spLocks noGrp="1"/>
+          </p:cNvSpPr>
+          <p:nvPr>
+            <p:ph type="title"/>
+          </p:nvPr>
+        </p:nvSpPr>
+        <p:spPr/>
+        <p:txBody>
+          <a:bodyPr/>
+          <a:lstStyle/>
+          <a:p>
+            <a:r>
+              <a:rPr lang="fr-FR" dirty="0"/>
+              <a:t>Démarrage de projet et classe de simulation</a:t>
+            </a:r>
+            <a:br>
+              <a:rPr lang="fr-FR" dirty="0"/>
+            </a:br>
+            <a:endParaRPr lang="fr-FR" dirty="0"/>
+          </a:p>
+        </p:txBody>
+      </p:sp>
+      <p:sp>
+        <p:nvSpPr>
           <p:cNvPr id="3" name="Espace réservé du contenu 2"/>
           <p:cNvSpPr>
             <a:spLocks noGrp="1"/>
@@ -10480,8 +10511,20 @@
               <a:buNone/>
             </a:pPr>
             <a:r>
+              <a:rPr lang="fr-FR" dirty="0" smtClean="0"/>
+              <a:t>Durant </a:t>
+            </a:r>
+            <a:r>
               <a:rPr lang="fr-FR" dirty="0"/>
-              <a:t>En arrivant sur l’hébergeur, il y a toujours la version la plus à jour de notre projet. Il est très facile de récupérer une version antérieure en cas de problème. En début de projet nous avons créé toutes nos classes et méthodes qui ont été utilisées dans nos diagrammes de séquence. </a:t>
+              <a:t>l’analyse toutes les méthodes des classes ne sont pas implémentées, elles le seront progressivement à mesure que le projet avance. Les méthodes sont donc vides, mais retournent une valeur attendue simulée. Ainsi un développeur peut utiliser une classe non implémentée en mode simulation. Les méthodes seront par la suite implémentées et « </a:t>
+            </a:r>
+            <a:r>
+              <a:rPr lang="fr-FR" dirty="0" err="1"/>
+              <a:t>commité</a:t>
+            </a:r>
+            <a:r>
+              <a:rPr lang="fr-FR" dirty="0"/>
+              <a:t> » sur le projet sans impacter éventuellement celui qui l’utilise. </a:t>
             </a:r>
           </a:p>
         </p:txBody>
@@ -10489,18 +10532,18 @@
     </p:spTree>
     <p:extLst>
       <p:ext uri="{BB962C8B-B14F-4D97-AF65-F5344CB8AC3E}">
-        <p14:creationId xmlns:p14="http://schemas.microsoft.com/office/powerpoint/2010/main" val="1013837233"/>
+        <p14:creationId xmlns:p14="http://schemas.microsoft.com/office/powerpoint/2010/main" val="1886955562"/>
       </p:ext>
     </p:extLst>
   </p:cSld>
   <p:clrMapOvr>
     <a:masterClrMapping/>
   </p:clrMapOvr>
-  <mc:AlternateContent xmlns:mc="http://schemas.openxmlformats.org/markup-compatibility/2006">
-    <mc:Choice xmlns:p14="http://schemas.microsoft.com/office/powerpoint/2010/main" Requires="p14">
+  <mc:AlternateContent xmlns:mc="http://schemas.openxmlformats.org/markup-compatibility/2006" xmlns:p14="http://schemas.microsoft.com/office/powerpoint/2010/main">
+    <mc:Choice Requires="p14">
       <p:transition spd="slow" p14:dur="2000"/>
     </mc:Choice>
-    <mc:Fallback>
+    <mc:Fallback xmlns="">
       <p:transition spd="slow"/>
     </mc:Fallback>
   </mc:AlternateContent>
@@ -10541,107 +10584,6 @@
           <a:p>
             <a:r>
               <a:rPr lang="fr-FR" dirty="0"/>
-              <a:t>Démarrage de projet et classe de simulation</a:t>
-            </a:r>
-            <a:br>
-              <a:rPr lang="fr-FR" dirty="0"/>
-            </a:br>
-            <a:endParaRPr lang="fr-FR" dirty="0"/>
-          </a:p>
-        </p:txBody>
-      </p:sp>
-      <p:sp>
-        <p:nvSpPr>
-          <p:cNvPr id="3" name="Espace réservé du contenu 2"/>
-          <p:cNvSpPr>
-            <a:spLocks noGrp="1"/>
-          </p:cNvSpPr>
-          <p:nvPr>
-            <p:ph idx="1"/>
-          </p:nvPr>
-        </p:nvSpPr>
-        <p:spPr/>
-        <p:txBody>
-          <a:bodyPr/>
-          <a:lstStyle/>
-          <a:p>
-            <a:pPr marL="0" indent="0">
-              <a:buNone/>
-            </a:pPr>
-            <a:r>
-              <a:rPr lang="fr-FR" dirty="0" smtClean="0"/>
-              <a:t>Durant </a:t>
-            </a:r>
-            <a:r>
-              <a:rPr lang="fr-FR" dirty="0"/>
-              <a:t>l’analyse toutes les méthodes des classes ne sont pas implémentées, elles le seront progressivement à mesure que le projet avance. Les méthodes sont donc vides, mais retournent une valeur attendue simulée. Ainsi un développeur peut utiliser une classe non implémentée en mode simulation. Les méthodes seront par la suite implémentées et « </a:t>
-            </a:r>
-            <a:r>
-              <a:rPr lang="fr-FR" dirty="0" err="1"/>
-              <a:t>commité</a:t>
-            </a:r>
-            <a:r>
-              <a:rPr lang="fr-FR" dirty="0"/>
-              <a:t> » sur le projet sans impacter éventuellement celui qui l’utilise. </a:t>
-            </a:r>
-          </a:p>
-        </p:txBody>
-      </p:sp>
-    </p:spTree>
-    <p:extLst>
-      <p:ext uri="{BB962C8B-B14F-4D97-AF65-F5344CB8AC3E}">
-        <p14:creationId xmlns:p14="http://schemas.microsoft.com/office/powerpoint/2010/main" val="1886955562"/>
-      </p:ext>
-    </p:extLst>
-  </p:cSld>
-  <p:clrMapOvr>
-    <a:masterClrMapping/>
-  </p:clrMapOvr>
-  <mc:AlternateContent xmlns:mc="http://schemas.openxmlformats.org/markup-compatibility/2006">
-    <mc:Choice xmlns:p14="http://schemas.microsoft.com/office/powerpoint/2010/main" Requires="p14">
-      <p:transition spd="slow" p14:dur="2000"/>
-    </mc:Choice>
-    <mc:Fallback>
-      <p:transition spd="slow"/>
-    </mc:Fallback>
-  </mc:AlternateContent>
-</p:sld>
-</file>
-
-<file path=ppt/slides/slide35.xml><?xml version="1.0" encoding="utf-8"?>
-<p:sld xmlns:a="http://schemas.openxmlformats.org/drawingml/2006/main" xmlns:r="http://schemas.openxmlformats.org/officeDocument/2006/relationships" xmlns:p="http://schemas.openxmlformats.org/presentationml/2006/main" show="0">
-  <p:cSld>
-    <p:spTree>
-      <p:nvGrpSpPr>
-        <p:cNvPr id="1" name=""/>
-        <p:cNvGrpSpPr/>
-        <p:nvPr/>
-      </p:nvGrpSpPr>
-      <p:grpSpPr>
-        <a:xfrm>
-          <a:off x="0" y="0"/>
-          <a:ext cx="0" cy="0"/>
-          <a:chOff x="0" y="0"/>
-          <a:chExt cx="0" cy="0"/>
-        </a:xfrm>
-      </p:grpSpPr>
-      <p:sp>
-        <p:nvSpPr>
-          <p:cNvPr id="2" name="Titre 1"/>
-          <p:cNvSpPr>
-            <a:spLocks noGrp="1"/>
-          </p:cNvSpPr>
-          <p:nvPr>
-            <p:ph type="title"/>
-          </p:nvPr>
-        </p:nvSpPr>
-        <p:spPr/>
-        <p:txBody>
-          <a:bodyPr/>
-          <a:lstStyle/>
-          <a:p>
-            <a:r>
-              <a:rPr lang="fr-FR" dirty="0"/>
               <a:t>Logiciel d’analyse et de développement </a:t>
             </a:r>
             <a:br>
@@ -10705,18 +10647,18 @@
   <p:clrMapOvr>
     <a:masterClrMapping/>
   </p:clrMapOvr>
-  <mc:AlternateContent xmlns:mc="http://schemas.openxmlformats.org/markup-compatibility/2006">
-    <mc:Choice xmlns:p14="http://schemas.microsoft.com/office/powerpoint/2010/main" Requires="p14">
+  <mc:AlternateContent xmlns:mc="http://schemas.openxmlformats.org/markup-compatibility/2006" xmlns:p14="http://schemas.microsoft.com/office/powerpoint/2010/main">
+    <mc:Choice Requires="p14">
       <p:transition spd="slow" p14:dur="2000"/>
     </mc:Choice>
-    <mc:Fallback>
+    <mc:Fallback xmlns="">
       <p:transition spd="slow"/>
     </mc:Fallback>
   </mc:AlternateContent>
 </p:sld>
 </file>
 
-<file path=ppt/slides/slide36.xml><?xml version="1.0" encoding="utf-8"?>
+<file path=ppt/slides/slide35.xml><?xml version="1.0" encoding="utf-8"?>
 <p:sld xmlns:a="http://schemas.openxmlformats.org/drawingml/2006/main" xmlns:r="http://schemas.openxmlformats.org/officeDocument/2006/relationships" xmlns:p="http://schemas.openxmlformats.org/presentationml/2006/main" show="0">
   <p:cSld>
     <p:spTree>
@@ -10779,11 +10721,77 @@
   <p:clrMapOvr>
     <a:masterClrMapping/>
   </p:clrMapOvr>
-  <mc:AlternateContent xmlns:mc="http://schemas.openxmlformats.org/markup-compatibility/2006">
-    <mc:Choice xmlns:p14="http://schemas.microsoft.com/office/powerpoint/2010/main" Requires="p14">
+  <mc:AlternateContent xmlns:mc="http://schemas.openxmlformats.org/markup-compatibility/2006" xmlns:p14="http://schemas.microsoft.com/office/powerpoint/2010/main">
+    <mc:Choice Requires="p14">
       <p:transition spd="slow" p14:dur="2000"/>
     </mc:Choice>
-    <mc:Fallback>
+    <mc:Fallback xmlns="">
+      <p:transition spd="slow"/>
+    </mc:Fallback>
+  </mc:AlternateContent>
+</p:sld>
+</file>
+
+<file path=ppt/slides/slide36.xml><?xml version="1.0" encoding="utf-8"?>
+<p:sld xmlns:a="http://schemas.openxmlformats.org/drawingml/2006/main" xmlns:r="http://schemas.openxmlformats.org/officeDocument/2006/relationships" xmlns:p="http://schemas.openxmlformats.org/presentationml/2006/main" show="0">
+  <p:cSld>
+    <p:spTree>
+      <p:nvGrpSpPr>
+        <p:cNvPr id="1" name=""/>
+        <p:cNvGrpSpPr/>
+        <p:nvPr/>
+      </p:nvGrpSpPr>
+      <p:grpSpPr>
+        <a:xfrm>
+          <a:off x="0" y="0"/>
+          <a:ext cx="0" cy="0"/>
+          <a:chOff x="0" y="0"/>
+          <a:chExt cx="0" cy="0"/>
+        </a:xfrm>
+      </p:grpSpPr>
+      <p:sp>
+        <p:nvSpPr>
+          <p:cNvPr id="3" name="Espace réservé du contenu 2"/>
+          <p:cNvSpPr>
+            <a:spLocks noGrp="1"/>
+          </p:cNvSpPr>
+          <p:nvPr>
+            <p:ph idx="1"/>
+          </p:nvPr>
+        </p:nvSpPr>
+        <p:spPr/>
+        <p:txBody>
+          <a:bodyPr/>
+          <a:lstStyle/>
+          <a:p>
+            <a:pPr marL="0" indent="0">
+              <a:buNone/>
+            </a:pPr>
+            <a:r>
+              <a:rPr lang="fr-FR" dirty="0"/>
+              <a:t>Cette application en ligne permet de sauvegarder nos diagrammes sur n’importe quelle machine en mode édition. L’avantage c’est que nous n’avons pas besoin d’installer une grosse application, l’espace est gratuit et suffisant pour nos besoins. </a:t>
+            </a:r>
+          </a:p>
+          <a:p>
+            <a:endParaRPr lang="fr-FR" dirty="0"/>
+          </a:p>
+        </p:txBody>
+      </p:sp>
+    </p:spTree>
+    <p:extLst>
+      <p:ext uri="{BB962C8B-B14F-4D97-AF65-F5344CB8AC3E}">
+        <p14:creationId xmlns:p14="http://schemas.microsoft.com/office/powerpoint/2010/main" val="835043509"/>
+      </p:ext>
+    </p:extLst>
+  </p:cSld>
+  <p:clrMapOvr>
+    <a:masterClrMapping/>
+  </p:clrMapOvr>
+  <mc:AlternateContent xmlns:mc="http://schemas.openxmlformats.org/markup-compatibility/2006" xmlns:p14="http://schemas.microsoft.com/office/powerpoint/2010/main">
+    <mc:Choice Requires="p14">
+      <p:transition spd="slow" p14:dur="2000"/>
+    </mc:Choice>
+    <mc:Fallback xmlns="">
       <p:transition spd="slow"/>
     </mc:Fallback>
   </mc:AlternateContent>
@@ -10809,6 +10817,32 @@
       </p:grpSpPr>
       <p:sp>
         <p:nvSpPr>
+          <p:cNvPr id="2" name="Titre 1"/>
+          <p:cNvSpPr>
+            <a:spLocks noGrp="1"/>
+          </p:cNvSpPr>
+          <p:nvPr>
+            <p:ph type="title"/>
+          </p:nvPr>
+        </p:nvSpPr>
+        <p:spPr/>
+        <p:txBody>
+          <a:bodyPr/>
+          <a:lstStyle/>
+          <a:p>
+            <a:r>
+              <a:rPr lang="fr-FR" dirty="0" smtClean="0"/>
+              <a:t>Choix </a:t>
+            </a:r>
+            <a:r>
+              <a:rPr lang="fr-FR" dirty="0"/>
+              <a:t>technique et étude physique </a:t>
+            </a:r>
+          </a:p>
+        </p:txBody>
+      </p:sp>
+      <p:sp>
+        <p:nvSpPr>
           <p:cNvPr id="3" name="Espace réservé du contenu 2"/>
           <p:cNvSpPr>
             <a:spLocks noGrp="1"/>
@@ -10827,29 +10861,26 @@
             </a:pPr>
             <a:r>
               <a:rPr lang="fr-FR" dirty="0"/>
-              <a:t>Cette application en ligne permet de sauvegarder nos diagrammes sur n’importe quelle machine en mode édition. L’avantage c’est que nous n’avons pas besoin d’installer une grosse application, l’espace est gratuit et suffisant pour nos besoins. </a:t>
-            </a:r>
-          </a:p>
-          <a:p>
-            <a:endParaRPr lang="fr-FR" dirty="0"/>
+              <a:t>Dans cette partie nous allons uniquement présenter les solutions qui ont été retenues. Les études techniques plus approfondies présentant d’autres solutions seront détaillées dans les parties individuelles. </a:t>
+            </a:r>
           </a:p>
         </p:txBody>
       </p:sp>
     </p:spTree>
     <p:extLst>
       <p:ext uri="{BB962C8B-B14F-4D97-AF65-F5344CB8AC3E}">
-        <p14:creationId xmlns:p14="http://schemas.microsoft.com/office/powerpoint/2010/main" val="835043509"/>
+        <p14:creationId xmlns:p14="http://schemas.microsoft.com/office/powerpoint/2010/main" val="3083872884"/>
       </p:ext>
     </p:extLst>
   </p:cSld>
   <p:clrMapOvr>
     <a:masterClrMapping/>
   </p:clrMapOvr>
-  <mc:AlternateContent xmlns:mc="http://schemas.openxmlformats.org/markup-compatibility/2006">
-    <mc:Choice xmlns:p14="http://schemas.microsoft.com/office/powerpoint/2010/main" Requires="p14">
+  <mc:AlternateContent xmlns:mc="http://schemas.openxmlformats.org/markup-compatibility/2006" xmlns:p14="http://schemas.microsoft.com/office/powerpoint/2010/main">
+    <mc:Choice Requires="p14">
       <p:transition spd="slow" p14:dur="2000"/>
     </mc:Choice>
-    <mc:Fallback>
+    <mc:Fallback xmlns="">
       <p:transition spd="slow"/>
     </mc:Fallback>
   </mc:AlternateContent>
@@ -10889,95 +10920,6 @@
           <a:lstStyle/>
           <a:p>
             <a:r>
-              <a:rPr lang="fr-FR" dirty="0" smtClean="0"/>
-              <a:t>Choix </a:t>
-            </a:r>
-            <a:r>
-              <a:rPr lang="fr-FR" dirty="0"/>
-              <a:t>technique et étude physique </a:t>
-            </a:r>
-          </a:p>
-        </p:txBody>
-      </p:sp>
-      <p:sp>
-        <p:nvSpPr>
-          <p:cNvPr id="3" name="Espace réservé du contenu 2"/>
-          <p:cNvSpPr>
-            <a:spLocks noGrp="1"/>
-          </p:cNvSpPr>
-          <p:nvPr>
-            <p:ph idx="1"/>
-          </p:nvPr>
-        </p:nvSpPr>
-        <p:spPr/>
-        <p:txBody>
-          <a:bodyPr/>
-          <a:lstStyle/>
-          <a:p>
-            <a:pPr marL="0" indent="0">
-              <a:buNone/>
-            </a:pPr>
-            <a:r>
-              <a:rPr lang="fr-FR" dirty="0"/>
-              <a:t>Dans cette partie nous allons uniquement présenter les solutions qui ont été retenues. Les études techniques plus approfondies présentant d’autres solutions seront détaillées dans les parties individuelles. </a:t>
-            </a:r>
-          </a:p>
-        </p:txBody>
-      </p:sp>
-    </p:spTree>
-    <p:extLst>
-      <p:ext uri="{BB962C8B-B14F-4D97-AF65-F5344CB8AC3E}">
-        <p14:creationId xmlns:p14="http://schemas.microsoft.com/office/powerpoint/2010/main" val="3083872884"/>
-      </p:ext>
-    </p:extLst>
-  </p:cSld>
-  <p:clrMapOvr>
-    <a:masterClrMapping/>
-  </p:clrMapOvr>
-  <mc:AlternateContent xmlns:mc="http://schemas.openxmlformats.org/markup-compatibility/2006">
-    <mc:Choice xmlns:p14="http://schemas.microsoft.com/office/powerpoint/2010/main" Requires="p14">
-      <p:transition spd="slow" p14:dur="2000"/>
-    </mc:Choice>
-    <mc:Fallback>
-      <p:transition spd="slow"/>
-    </mc:Fallback>
-  </mc:AlternateContent>
-</p:sld>
-</file>
-
-<file path=ppt/slides/slide39.xml><?xml version="1.0" encoding="utf-8"?>
-<p:sld xmlns:a="http://schemas.openxmlformats.org/drawingml/2006/main" xmlns:r="http://schemas.openxmlformats.org/officeDocument/2006/relationships" xmlns:p="http://schemas.openxmlformats.org/presentationml/2006/main" show="0">
-  <p:cSld>
-    <p:spTree>
-      <p:nvGrpSpPr>
-        <p:cNvPr id="1" name=""/>
-        <p:cNvGrpSpPr/>
-        <p:nvPr/>
-      </p:nvGrpSpPr>
-      <p:grpSpPr>
-        <a:xfrm>
-          <a:off x="0" y="0"/>
-          <a:ext cx="0" cy="0"/>
-          <a:chOff x="0" y="0"/>
-          <a:chExt cx="0" cy="0"/>
-        </a:xfrm>
-      </p:grpSpPr>
-      <p:sp>
-        <p:nvSpPr>
-          <p:cNvPr id="2" name="Titre 1"/>
-          <p:cNvSpPr>
-            <a:spLocks noGrp="1"/>
-          </p:cNvSpPr>
-          <p:nvPr>
-            <p:ph type="title"/>
-          </p:nvPr>
-        </p:nvSpPr>
-        <p:spPr/>
-        <p:txBody>
-          <a:bodyPr/>
-          <a:lstStyle/>
-          <a:p>
-            <a:r>
               <a:rPr lang="fr-FR" dirty="0"/>
               <a:t>Choix de la carte pour le système embarqué </a:t>
             </a:r>
@@ -11031,140 +10973,18 @@
   <p:clrMapOvr>
     <a:masterClrMapping/>
   </p:clrMapOvr>
-  <mc:AlternateContent xmlns:mc="http://schemas.openxmlformats.org/markup-compatibility/2006">
-    <mc:Choice xmlns:p14="http://schemas.microsoft.com/office/powerpoint/2010/main" Requires="p14">
+  <mc:AlternateContent xmlns:mc="http://schemas.openxmlformats.org/markup-compatibility/2006" xmlns:p14="http://schemas.microsoft.com/office/powerpoint/2010/main">
+    <mc:Choice Requires="p14">
       <p:transition spd="slow" p14:dur="2000"/>
     </mc:Choice>
-    <mc:Fallback>
+    <mc:Fallback xmlns="">
       <p:transition spd="slow"/>
     </mc:Fallback>
   </mc:AlternateContent>
 </p:sld>
 </file>
 
-<file path=ppt/slides/slide4.xml><?xml version="1.0" encoding="utf-8"?>
-<p:sld xmlns:a="http://schemas.openxmlformats.org/drawingml/2006/main" xmlns:r="http://schemas.openxmlformats.org/officeDocument/2006/relationships" xmlns:p="http://schemas.openxmlformats.org/presentationml/2006/main">
-  <p:cSld>
-    <p:spTree>
-      <p:nvGrpSpPr>
-        <p:cNvPr id="1" name=""/>
-        <p:cNvGrpSpPr/>
-        <p:nvPr/>
-      </p:nvGrpSpPr>
-      <p:grpSpPr>
-        <a:xfrm>
-          <a:off x="0" y="0"/>
-          <a:ext cx="0" cy="0"/>
-          <a:chOff x="0" y="0"/>
-          <a:chExt cx="0" cy="0"/>
-        </a:xfrm>
-      </p:grpSpPr>
-      <p:sp>
-        <p:nvSpPr>
-          <p:cNvPr id="3" name="Espace réservé du contenu 2"/>
-          <p:cNvSpPr>
-            <a:spLocks noGrp="1"/>
-          </p:cNvSpPr>
-          <p:nvPr>
-            <p:ph idx="1"/>
-          </p:nvPr>
-        </p:nvSpPr>
-        <p:spPr/>
-        <p:txBody>
-          <a:bodyPr>
-            <a:normAutofit fontScale="85000" lnSpcReduction="20000"/>
-          </a:bodyPr>
-          <a:lstStyle/>
-          <a:p>
-            <a:pPr marL="0" indent="0">
-              <a:buNone/>
-            </a:pPr>
-            <a:r>
-              <a:rPr lang="fr-FR" dirty="0"/>
-              <a:t>Le client est un gestionnaire d’une agence proposant la location de bateaux à moteur sans permis. </a:t>
-            </a:r>
-            <a:r>
-              <a:rPr lang="fr-FR" dirty="0" err="1"/>
-              <a:t>Babou</a:t>
-            </a:r>
-            <a:r>
-              <a:rPr lang="fr-FR" dirty="0"/>
-              <a:t> marine est implanté à Cahors dans la commune de Long depuis 1928. Cette entreprise de niveau national est spécialisée dans les croisières fluviales dans toute la France grâce à ses nombreuses agences.  </a:t>
-            </a:r>
-          </a:p>
-          <a:p>
-            <a:pPr marL="0" indent="0">
-              <a:buNone/>
-            </a:pPr>
-            <a:r>
-              <a:rPr lang="fr-FR" dirty="0"/>
-              <a:t>	Voici un extrait du cahier des charges du projet </a:t>
-            </a:r>
-            <a:r>
-              <a:rPr lang="fr-FR" dirty="0" smtClean="0"/>
-              <a:t>:</a:t>
-            </a:r>
-            <a:endParaRPr lang="fr-FR" dirty="0"/>
-          </a:p>
-          <a:p>
-            <a:pPr marL="0" indent="0">
-              <a:buNone/>
-            </a:pPr>
-            <a:r>
-              <a:rPr lang="fr-FR" i="1" dirty="0" smtClean="0"/>
-              <a:t> «</a:t>
-            </a:r>
-            <a:r>
-              <a:rPr lang="fr-FR" i="1" dirty="0"/>
-              <a:t> Actuellement, il n’y a pas de système de géolocalisation en temps réel ni de système embarqué permettant d’envoyer la vitesse et la profondeur instantanée et ainsi prévenir en cas d’anomalie. Pour localiser leurs bateaux, la société fait appel à la bonne fois des plaisanciers et aux différents check point que doivent effectuer les bateaux sur les différents fleuves (passage d’écluse par exemple). »</a:t>
-            </a:r>
-            <a:endParaRPr lang="fr-FR" dirty="0"/>
-          </a:p>
-          <a:p>
-            <a:pPr marL="0" indent="0">
-              <a:buNone/>
-            </a:pPr>
-            <a:r>
-              <a:rPr lang="fr-FR" i="1" dirty="0"/>
-              <a:t>	</a:t>
-            </a:r>
-            <a:r>
-              <a:rPr lang="fr-FR" dirty="0"/>
-              <a:t>Notre projet sera donc de proposer un prototype de système de </a:t>
-            </a:r>
-            <a:r>
-              <a:rPr lang="fr-FR" dirty="0" err="1"/>
-              <a:t>tracking</a:t>
-            </a:r>
-            <a:r>
-              <a:rPr lang="fr-FR" dirty="0"/>
-              <a:t> GPS national communiquant par réseau mobile permettant de savoir en temps réel où sont situés les bateaux sans permis en cours d’utilisation dans toute la France ainsi que leur profondeur, vitesse et niveau de batterie restante. </a:t>
-            </a:r>
-            <a:r>
-              <a:rPr lang="fr-FR" i="1" dirty="0"/>
-              <a:t>	</a:t>
-            </a:r>
-            <a:endParaRPr lang="fr-FR" dirty="0"/>
-          </a:p>
-          <a:p>
-            <a:endParaRPr lang="fr-FR" dirty="0"/>
-          </a:p>
-        </p:txBody>
-      </p:sp>
-    </p:spTree>
-    <p:extLst>
-      <p:ext uri="{BB962C8B-B14F-4D97-AF65-F5344CB8AC3E}">
-        <p14:creationId xmlns:p14="http://schemas.microsoft.com/office/powerpoint/2010/main" val="3075728333"/>
-      </p:ext>
-    </p:extLst>
-  </p:cSld>
-  <p:clrMapOvr>
-    <a:masterClrMapping/>
-  </p:clrMapOvr>
-</p:sld>
-</file>
-
-<file path=ppt/slides/slide40.xml><?xml version="1.0" encoding="utf-8"?>
+<file path=ppt/slides/slide39.xml><?xml version="1.0" encoding="utf-8"?>
 <p:sld xmlns:a="http://schemas.openxmlformats.org/drawingml/2006/main" xmlns:r="http://schemas.openxmlformats.org/officeDocument/2006/relationships" xmlns:p="http://schemas.openxmlformats.org/presentationml/2006/main" show="0">
   <p:cSld>
     <p:spTree>
@@ -11224,11 +11044,184 @@
   <p:clrMapOvr>
     <a:masterClrMapping/>
   </p:clrMapOvr>
-  <mc:AlternateContent xmlns:mc="http://schemas.openxmlformats.org/markup-compatibility/2006">
-    <mc:Choice xmlns:p14="http://schemas.microsoft.com/office/powerpoint/2010/main" Requires="p14">
+  <mc:AlternateContent xmlns:mc="http://schemas.openxmlformats.org/markup-compatibility/2006" xmlns:p14="http://schemas.microsoft.com/office/powerpoint/2010/main">
+    <mc:Choice Requires="p14">
       <p:transition spd="slow" p14:dur="2000"/>
     </mc:Choice>
-    <mc:Fallback>
+    <mc:Fallback xmlns="">
+      <p:transition spd="slow"/>
+    </mc:Fallback>
+  </mc:AlternateContent>
+</p:sld>
+</file>
+
+<file path=ppt/slides/slide4.xml><?xml version="1.0" encoding="utf-8"?>
+<p:sld xmlns:a="http://schemas.openxmlformats.org/drawingml/2006/main" xmlns:r="http://schemas.openxmlformats.org/officeDocument/2006/relationships" xmlns:p="http://schemas.openxmlformats.org/presentationml/2006/main">
+  <p:cSld>
+    <p:spTree>
+      <p:nvGrpSpPr>
+        <p:cNvPr id="1" name=""/>
+        <p:cNvGrpSpPr/>
+        <p:nvPr/>
+      </p:nvGrpSpPr>
+      <p:grpSpPr>
+        <a:xfrm>
+          <a:off x="0" y="0"/>
+          <a:ext cx="0" cy="0"/>
+          <a:chOff x="0" y="0"/>
+          <a:chExt cx="0" cy="0"/>
+        </a:xfrm>
+      </p:grpSpPr>
+      <p:sp>
+        <p:nvSpPr>
+          <p:cNvPr id="3" name="Espace réservé du contenu 2"/>
+          <p:cNvSpPr>
+            <a:spLocks noGrp="1"/>
+          </p:cNvSpPr>
+          <p:nvPr>
+            <p:ph idx="1"/>
+          </p:nvPr>
+        </p:nvSpPr>
+        <p:spPr/>
+        <p:txBody>
+          <a:bodyPr>
+            <a:normAutofit/>
+          </a:bodyPr>
+          <a:lstStyle/>
+          <a:p>
+            <a:pPr marL="0" indent="0">
+              <a:buNone/>
+            </a:pPr>
+            <a:r>
+              <a:rPr lang="fr-FR" i="1" dirty="0"/>
+              <a:t>	</a:t>
+            </a:r>
+            <a:r>
+              <a:rPr lang="fr-FR" dirty="0"/>
+              <a:t>Notre projet </a:t>
+            </a:r>
+            <a:r>
+              <a:rPr lang="fr-FR" dirty="0" smtClean="0"/>
+              <a:t>est de </a:t>
+            </a:r>
+            <a:r>
+              <a:rPr lang="fr-FR" dirty="0"/>
+              <a:t>proposer un prototype de système de </a:t>
+            </a:r>
+            <a:r>
+              <a:rPr lang="fr-FR" dirty="0" err="1"/>
+              <a:t>tracking</a:t>
+            </a:r>
+            <a:r>
+              <a:rPr lang="fr-FR" dirty="0"/>
+              <a:t> GPS national communiquant par réseau mobile permettant de savoir en temps réel où sont situés les bateaux sans permis en cours d’utilisation dans toute la France ainsi que leur profondeur, vitesse et niveau de batterie restante. </a:t>
+            </a:r>
+            <a:r>
+              <a:rPr lang="fr-FR" i="1" dirty="0"/>
+              <a:t>	</a:t>
+            </a:r>
+            <a:endParaRPr lang="fr-FR" dirty="0"/>
+          </a:p>
+          <a:p>
+            <a:endParaRPr lang="fr-FR" dirty="0"/>
+          </a:p>
+        </p:txBody>
+      </p:sp>
+    </p:spTree>
+    <p:extLst>
+      <p:ext uri="{BB962C8B-B14F-4D97-AF65-F5344CB8AC3E}">
+        <p14:creationId xmlns:p14="http://schemas.microsoft.com/office/powerpoint/2010/main" val="3075728333"/>
+      </p:ext>
+    </p:extLst>
+  </p:cSld>
+  <p:clrMapOvr>
+    <a:masterClrMapping/>
+  </p:clrMapOvr>
+</p:sld>
+</file>
+
+<file path=ppt/slides/slide40.xml><?xml version="1.0" encoding="utf-8"?>
+<p:sld xmlns:a="http://schemas.openxmlformats.org/drawingml/2006/main" xmlns:r="http://schemas.openxmlformats.org/officeDocument/2006/relationships" xmlns:p="http://schemas.openxmlformats.org/presentationml/2006/main" show="0">
+  <p:cSld>
+    <p:spTree>
+      <p:nvGrpSpPr>
+        <p:cNvPr id="1" name=""/>
+        <p:cNvGrpSpPr/>
+        <p:nvPr/>
+      </p:nvGrpSpPr>
+      <p:grpSpPr>
+        <a:xfrm>
+          <a:off x="0" y="0"/>
+          <a:ext cx="0" cy="0"/>
+          <a:chOff x="0" y="0"/>
+          <a:chExt cx="0" cy="0"/>
+        </a:xfrm>
+      </p:grpSpPr>
+      <p:sp>
+        <p:nvSpPr>
+          <p:cNvPr id="2" name="Titre 1"/>
+          <p:cNvSpPr>
+            <a:spLocks noGrp="1"/>
+          </p:cNvSpPr>
+          <p:nvPr>
+            <p:ph type="title"/>
+          </p:nvPr>
+        </p:nvSpPr>
+        <p:spPr/>
+        <p:txBody>
+          <a:bodyPr/>
+          <a:lstStyle/>
+          <a:p>
+            <a:r>
+              <a:rPr lang="fr-FR" dirty="0"/>
+              <a:t>Choix des capteurs et module  </a:t>
+            </a:r>
+            <a:br>
+              <a:rPr lang="fr-FR" dirty="0"/>
+            </a:br>
+            <a:endParaRPr lang="fr-FR" dirty="0"/>
+          </a:p>
+        </p:txBody>
+      </p:sp>
+      <p:pic>
+        <p:nvPicPr>
+          <p:cNvPr id="5" name="Image 4"/>
+          <p:cNvPicPr>
+            <a:picLocks noChangeAspect="1"/>
+          </p:cNvPicPr>
+          <p:nvPr/>
+        </p:nvPicPr>
+        <p:blipFill>
+          <a:blip r:embed="rId2"/>
+          <a:stretch>
+            <a:fillRect/>
+          </a:stretch>
+        </p:blipFill>
+        <p:spPr>
+          <a:xfrm>
+            <a:off x="3457664" y="2277454"/>
+            <a:ext cx="4610100" cy="4114800"/>
+          </a:xfrm>
+          <a:prstGeom prst="rect">
+            <a:avLst/>
+          </a:prstGeom>
+        </p:spPr>
+      </p:pic>
+    </p:spTree>
+    <p:extLst>
+      <p:ext uri="{BB962C8B-B14F-4D97-AF65-F5344CB8AC3E}">
+        <p14:creationId xmlns:p14="http://schemas.microsoft.com/office/powerpoint/2010/main" val="2658122945"/>
+      </p:ext>
+    </p:extLst>
+  </p:cSld>
+  <p:clrMapOvr>
+    <a:masterClrMapping/>
+  </p:clrMapOvr>
+  <mc:AlternateContent xmlns:mc="http://schemas.openxmlformats.org/markup-compatibility/2006" xmlns:p14="http://schemas.microsoft.com/office/powerpoint/2010/main">
+    <mc:Choice Requires="p14">
+      <p:transition spd="slow" p14:dur="2000"/>
+    </mc:Choice>
+    <mc:Fallback xmlns="">
       <p:transition spd="slow"/>
     </mc:Fallback>
   </mc:AlternateContent>
@@ -11269,54 +11262,115 @@
           <a:p>
             <a:r>
               <a:rPr lang="fr-FR" dirty="0"/>
-              <a:t>Choix des capteurs et module  </a:t>
-            </a:r>
-            <a:br>
+              <a:t>Choix des moyens de communication </a:t>
+            </a:r>
+          </a:p>
+        </p:txBody>
+      </p:sp>
+      <p:sp>
+        <p:nvSpPr>
+          <p:cNvPr id="3" name="Espace réservé du contenu 2"/>
+          <p:cNvSpPr>
+            <a:spLocks noGrp="1"/>
+          </p:cNvSpPr>
+          <p:nvPr>
+            <p:ph idx="1"/>
+          </p:nvPr>
+        </p:nvSpPr>
+        <p:spPr/>
+        <p:txBody>
+          <a:bodyPr/>
+          <a:lstStyle/>
+          <a:p>
+            <a:pPr marL="0" indent="0">
+              <a:buNone/>
+            </a:pPr>
+            <a:r>
               <a:rPr lang="fr-FR" dirty="0"/>
-            </a:br>
+              <a:t>Les liaisons de communication qui sont à étudier dans notre projet sont les suivantes </a:t>
+            </a:r>
+            <a:r>
+              <a:rPr lang="fr-FR" dirty="0" smtClean="0"/>
+              <a:t>:</a:t>
+            </a:r>
+          </a:p>
+          <a:p>
+            <a:pPr lvl="0"/>
+            <a:r>
+              <a:rPr lang="fr-FR" dirty="0"/>
+              <a:t>Liaison système embarquée </a:t>
+            </a:r>
+            <a:r>
+              <a:rPr lang="fr-FR" dirty="0">
+                <a:sym typeface="Wingdings" panose="05000000000000000000" pitchFamily="2" charset="2"/>
+              </a:rPr>
+              <a:t></a:t>
+            </a:r>
+            <a:r>
+              <a:rPr lang="fr-FR" dirty="0"/>
+              <a:t>serveur TCP</a:t>
+            </a:r>
+          </a:p>
+          <a:p>
+            <a:pPr lvl="0"/>
+            <a:r>
+              <a:rPr lang="fr-FR" dirty="0"/>
+              <a:t>Liaison serveur TCP </a:t>
+            </a:r>
+            <a:r>
+              <a:rPr lang="fr-FR" dirty="0">
+                <a:sym typeface="Wingdings" panose="05000000000000000000" pitchFamily="2" charset="2"/>
+              </a:rPr>
+              <a:t></a:t>
+            </a:r>
+            <a:r>
+              <a:rPr lang="fr-FR" dirty="0"/>
+              <a:t>BDD</a:t>
+            </a:r>
+          </a:p>
+          <a:p>
+            <a:pPr lvl="0"/>
+            <a:r>
+              <a:rPr lang="fr-FR" dirty="0"/>
+              <a:t>Liaison serveur TCP </a:t>
+            </a:r>
+            <a:r>
+              <a:rPr lang="fr-FR" dirty="0">
+                <a:sym typeface="Wingdings" panose="05000000000000000000" pitchFamily="2" charset="2"/>
+              </a:rPr>
+              <a:t></a:t>
+            </a:r>
+            <a:r>
+              <a:rPr lang="fr-FR" dirty="0"/>
+              <a:t>IHM web</a:t>
+            </a:r>
+          </a:p>
+          <a:p>
+            <a:pPr marL="0" indent="0">
+              <a:buNone/>
+            </a:pPr>
             <a:endParaRPr lang="fr-FR" dirty="0"/>
           </a:p>
-        </p:txBody>
-      </p:sp>
-      <p:pic>
-        <p:nvPicPr>
-          <p:cNvPr id="5" name="Image 4"/>
-          <p:cNvPicPr>
-            <a:picLocks noChangeAspect="1"/>
-          </p:cNvPicPr>
-          <p:nvPr/>
-        </p:nvPicPr>
-        <p:blipFill>
-          <a:blip r:embed="rId2"/>
-          <a:stretch>
-            <a:fillRect/>
-          </a:stretch>
-        </p:blipFill>
-        <p:spPr>
-          <a:xfrm>
-            <a:off x="3457664" y="2277454"/>
-            <a:ext cx="4610100" cy="4114800"/>
-          </a:xfrm>
-          <a:prstGeom prst="rect">
-            <a:avLst/>
-          </a:prstGeom>
-        </p:spPr>
-      </p:pic>
+          <a:p>
+            <a:endParaRPr lang="fr-FR" dirty="0"/>
+          </a:p>
+        </p:txBody>
+      </p:sp>
     </p:spTree>
     <p:extLst>
       <p:ext uri="{BB962C8B-B14F-4D97-AF65-F5344CB8AC3E}">
-        <p14:creationId xmlns:p14="http://schemas.microsoft.com/office/powerpoint/2010/main" val="2658122945"/>
+        <p14:creationId xmlns:p14="http://schemas.microsoft.com/office/powerpoint/2010/main" val="237074667"/>
       </p:ext>
     </p:extLst>
   </p:cSld>
   <p:clrMapOvr>
     <a:masterClrMapping/>
   </p:clrMapOvr>
-  <mc:AlternateContent xmlns:mc="http://schemas.openxmlformats.org/markup-compatibility/2006">
-    <mc:Choice xmlns:p14="http://schemas.microsoft.com/office/powerpoint/2010/main" Requires="p14">
+  <mc:AlternateContent xmlns:mc="http://schemas.openxmlformats.org/markup-compatibility/2006" xmlns:p14="http://schemas.microsoft.com/office/powerpoint/2010/main">
+    <mc:Choice Requires="p14">
       <p:transition spd="slow" p14:dur="2000"/>
     </mc:Choice>
-    <mc:Fallback>
+    <mc:Fallback xmlns="">
       <p:transition spd="slow"/>
     </mc:Fallback>
   </mc:AlternateContent>
@@ -11356,116 +11410,53 @@
           <a:lstStyle/>
           <a:p>
             <a:r>
+              <a:rPr lang="fr-FR" dirty="0" smtClean="0"/>
+              <a:t>Recette</a:t>
+            </a:r>
+            <a:endParaRPr lang="fr-FR" dirty="0"/>
+          </a:p>
+        </p:txBody>
+      </p:sp>
+      <p:sp>
+        <p:nvSpPr>
+          <p:cNvPr id="3" name="Espace réservé du contenu 2"/>
+          <p:cNvSpPr>
+            <a:spLocks noGrp="1"/>
+          </p:cNvSpPr>
+          <p:nvPr>
+            <p:ph idx="1"/>
+          </p:nvPr>
+        </p:nvSpPr>
+        <p:spPr/>
+        <p:txBody>
+          <a:bodyPr/>
+          <a:lstStyle/>
+          <a:p>
+            <a:pPr marL="0" indent="0">
+              <a:buNone/>
+            </a:pPr>
+            <a:r>
               <a:rPr lang="fr-FR" dirty="0"/>
-              <a:t>Choix des moyens de communication </a:t>
-            </a:r>
-          </a:p>
-        </p:txBody>
-      </p:sp>
-      <p:sp>
-        <p:nvSpPr>
-          <p:cNvPr id="3" name="Espace réservé du contenu 2"/>
-          <p:cNvSpPr>
-            <a:spLocks noGrp="1"/>
-          </p:cNvSpPr>
-          <p:nvPr>
-            <p:ph idx="1"/>
-          </p:nvPr>
-        </p:nvSpPr>
-        <p:spPr/>
-        <p:txBody>
-          <a:bodyPr/>
-          <a:lstStyle/>
-          <a:p>
-            <a:pPr marL="0" indent="0">
-              <a:buNone/>
-            </a:pPr>
-            <a:r>
-              <a:rPr lang="fr-FR" dirty="0"/>
-              <a:t>Les liaisons de communication qui sont à étudier dans notre projet sont les suivantes </a:t>
-            </a:r>
-            <a:r>
-              <a:rPr lang="fr-FR" dirty="0" smtClean="0"/>
-              <a:t>:</a:t>
-            </a:r>
-          </a:p>
-          <a:p>
-            <a:pPr lvl="0"/>
-            <a:r>
-              <a:rPr lang="fr-FR" dirty="0"/>
-              <a:t>Liaison système embarquée </a:t>
-            </a:r>
-            <a:r>
-              <a:rPr lang="fr-FR" dirty="0">
-                <a:sym typeface="Wingdings" panose="05000000000000000000" pitchFamily="2" charset="2"/>
-              </a:rPr>
-              <a:t></a:t>
-            </a:r>
-            <a:r>
-              <a:rPr lang="fr-FR" dirty="0"/>
-              <a:t>serveur TCP</a:t>
-            </a:r>
-          </a:p>
-          <a:p>
-            <a:pPr lvl="0"/>
-            <a:r>
-              <a:rPr lang="fr-FR" dirty="0"/>
-              <a:t>Liaison serveur TCP </a:t>
-            </a:r>
-            <a:r>
-              <a:rPr lang="fr-FR" dirty="0">
-                <a:sym typeface="Wingdings" panose="05000000000000000000" pitchFamily="2" charset="2"/>
-              </a:rPr>
-              <a:t></a:t>
-            </a:r>
-            <a:r>
-              <a:rPr lang="fr-FR" dirty="0"/>
-              <a:t>BDD</a:t>
-            </a:r>
-          </a:p>
-          <a:p>
-            <a:pPr lvl="0"/>
-            <a:r>
-              <a:rPr lang="fr-FR" dirty="0"/>
-              <a:t>Liaison serveur TCP </a:t>
-            </a:r>
-            <a:r>
-              <a:rPr lang="fr-FR" dirty="0">
-                <a:sym typeface="Wingdings" panose="05000000000000000000" pitchFamily="2" charset="2"/>
-              </a:rPr>
-              <a:t></a:t>
-            </a:r>
-            <a:r>
-              <a:rPr lang="fr-FR" dirty="0"/>
-              <a:t>IHM web</a:t>
-            </a:r>
-          </a:p>
-          <a:p>
-            <a:pPr marL="0" indent="0">
-              <a:buNone/>
-            </a:pPr>
-            <a:endParaRPr lang="fr-FR" dirty="0"/>
-          </a:p>
-          <a:p>
-            <a:endParaRPr lang="fr-FR" dirty="0"/>
+              <a:t>Pour valider entièrement la recette client, nous devons reprendre toutes les fonctionnalités système attendues. Elles seront validées par un test d’intégration dans chaque partie individuelle, nous avons une recette des fonctionnalités détaillées qui seront validées par des tests unitaires. </a:t>
+            </a:r>
           </a:p>
         </p:txBody>
       </p:sp>
     </p:spTree>
     <p:extLst>
       <p:ext uri="{BB962C8B-B14F-4D97-AF65-F5344CB8AC3E}">
-        <p14:creationId xmlns:p14="http://schemas.microsoft.com/office/powerpoint/2010/main" val="237074667"/>
+        <p14:creationId xmlns:p14="http://schemas.microsoft.com/office/powerpoint/2010/main" val="1578040671"/>
       </p:ext>
     </p:extLst>
   </p:cSld>
   <p:clrMapOvr>
     <a:masterClrMapping/>
   </p:clrMapOvr>
-  <mc:AlternateContent xmlns:mc="http://schemas.openxmlformats.org/markup-compatibility/2006">
-    <mc:Choice xmlns:p14="http://schemas.microsoft.com/office/powerpoint/2010/main" Requires="p14">
+  <mc:AlternateContent xmlns:mc="http://schemas.openxmlformats.org/markup-compatibility/2006" xmlns:p14="http://schemas.microsoft.com/office/powerpoint/2010/main">
+    <mc:Choice Requires="p14">
       <p:transition spd="slow" p14:dur="2000"/>
     </mc:Choice>
-    <mc:Fallback>
+    <mc:Fallback xmlns="">
       <p:transition spd="slow"/>
     </mc:Fallback>
   </mc:AlternateContent>
@@ -11489,69 +11480,45 @@
           <a:chExt cx="0" cy="0"/>
         </a:xfrm>
       </p:grpSpPr>
-      <p:sp>
-        <p:nvSpPr>
-          <p:cNvPr id="2" name="Titre 1"/>
-          <p:cNvSpPr>
-            <a:spLocks noGrp="1"/>
-          </p:cNvSpPr>
-          <p:nvPr>
-            <p:ph type="title"/>
-          </p:nvPr>
-        </p:nvSpPr>
-        <p:spPr/>
-        <p:txBody>
-          <a:bodyPr/>
-          <a:lstStyle/>
-          <a:p>
-            <a:r>
-              <a:rPr lang="fr-FR" dirty="0" smtClean="0"/>
-              <a:t>Recette</a:t>
-            </a:r>
-            <a:endParaRPr lang="fr-FR" dirty="0"/>
-          </a:p>
-        </p:txBody>
-      </p:sp>
-      <p:sp>
-        <p:nvSpPr>
-          <p:cNvPr id="3" name="Espace réservé du contenu 2"/>
-          <p:cNvSpPr>
-            <a:spLocks noGrp="1"/>
-          </p:cNvSpPr>
-          <p:nvPr>
-            <p:ph idx="1"/>
-          </p:nvPr>
-        </p:nvSpPr>
-        <p:spPr/>
-        <p:txBody>
-          <a:bodyPr/>
-          <a:lstStyle/>
-          <a:p>
-            <a:pPr marL="0" indent="0">
-              <a:buNone/>
-            </a:pPr>
-            <a:r>
-              <a:rPr lang="fr-FR" dirty="0"/>
-              <a:t>Pour valider entièrement la recette client, nous devons reprendre toutes les fonctionnalités système attendues. Elles seront validées par un test d’intégration dans chaque partie individuelle, nous avons une recette des fonctionnalités détaillées qui seront validées par des tests unitaires. </a:t>
-            </a:r>
-          </a:p>
-        </p:txBody>
-      </p:sp>
+      <p:pic>
+        <p:nvPicPr>
+          <p:cNvPr id="4" name="Image 3"/>
+          <p:cNvPicPr>
+            <a:picLocks noChangeAspect="1"/>
+          </p:cNvPicPr>
+          <p:nvPr/>
+        </p:nvPicPr>
+        <p:blipFill>
+          <a:blip r:embed="rId2"/>
+          <a:stretch>
+            <a:fillRect/>
+          </a:stretch>
+        </p:blipFill>
+        <p:spPr>
+          <a:xfrm>
+            <a:off x="2777650" y="2226446"/>
+            <a:ext cx="4705350" cy="3943350"/>
+          </a:xfrm>
+          <a:prstGeom prst="rect">
+            <a:avLst/>
+          </a:prstGeom>
+        </p:spPr>
+      </p:pic>
     </p:spTree>
     <p:extLst>
       <p:ext uri="{BB962C8B-B14F-4D97-AF65-F5344CB8AC3E}">
-        <p14:creationId xmlns:p14="http://schemas.microsoft.com/office/powerpoint/2010/main" val="1578040671"/>
+        <p14:creationId xmlns:p14="http://schemas.microsoft.com/office/powerpoint/2010/main" val="215607024"/>
       </p:ext>
     </p:extLst>
   </p:cSld>
   <p:clrMapOvr>
     <a:masterClrMapping/>
   </p:clrMapOvr>
-  <mc:AlternateContent xmlns:mc="http://schemas.openxmlformats.org/markup-compatibility/2006">
-    <mc:Choice xmlns:p14="http://schemas.microsoft.com/office/powerpoint/2010/main" Requires="p14">
+  <mc:AlternateContent xmlns:mc="http://schemas.openxmlformats.org/markup-compatibility/2006" xmlns:p14="http://schemas.microsoft.com/office/powerpoint/2010/main">
+    <mc:Choice Requires="p14">
       <p:transition spd="slow" p14:dur="2000"/>
     </mc:Choice>
-    <mc:Fallback>
+    <mc:Fallback xmlns="">
       <p:transition spd="slow"/>
     </mc:Fallback>
   </mc:AlternateContent>
@@ -11591,8 +11558,8 @@
         </p:blipFill>
         <p:spPr>
           <a:xfrm>
-            <a:off x="2777650" y="2226446"/>
-            <a:ext cx="4705350" cy="3943350"/>
+            <a:off x="2793895" y="2256667"/>
+            <a:ext cx="4638675" cy="1609725"/>
           </a:xfrm>
           <a:prstGeom prst="rect">
             <a:avLst/>
@@ -11602,18 +11569,18 @@
     </p:spTree>
     <p:extLst>
       <p:ext uri="{BB962C8B-B14F-4D97-AF65-F5344CB8AC3E}">
-        <p14:creationId xmlns:p14="http://schemas.microsoft.com/office/powerpoint/2010/main" val="215607024"/>
+        <p14:creationId xmlns:p14="http://schemas.microsoft.com/office/powerpoint/2010/main" val="556482373"/>
       </p:ext>
     </p:extLst>
   </p:cSld>
   <p:clrMapOvr>
     <a:masterClrMapping/>
   </p:clrMapOvr>
-  <mc:AlternateContent xmlns:mc="http://schemas.openxmlformats.org/markup-compatibility/2006">
-    <mc:Choice xmlns:p14="http://schemas.microsoft.com/office/powerpoint/2010/main" Requires="p14">
+  <mc:AlternateContent xmlns:mc="http://schemas.openxmlformats.org/markup-compatibility/2006" xmlns:p14="http://schemas.microsoft.com/office/powerpoint/2010/main">
+    <mc:Choice Requires="p14">
       <p:transition spd="slow" p14:dur="2000"/>
     </mc:Choice>
-    <mc:Fallback>
+    <mc:Fallback xmlns="">
       <p:transition spd="slow"/>
     </mc:Fallback>
   </mc:AlternateContent>
@@ -11621,6 +11588,99 @@
 </file>
 
 <file path=ppt/slides/slide45.xml><?xml version="1.0" encoding="utf-8"?>
+<p:sld xmlns:a="http://schemas.openxmlformats.org/drawingml/2006/main" xmlns:r="http://schemas.openxmlformats.org/officeDocument/2006/relationships" xmlns:p="http://schemas.openxmlformats.org/presentationml/2006/main" show="0">
+  <p:cSld>
+    <p:spTree>
+      <p:nvGrpSpPr>
+        <p:cNvPr id="1" name=""/>
+        <p:cNvGrpSpPr/>
+        <p:nvPr/>
+      </p:nvGrpSpPr>
+      <p:grpSpPr>
+        <a:xfrm>
+          <a:off x="0" y="0"/>
+          <a:ext cx="0" cy="0"/>
+          <a:chOff x="0" y="0"/>
+          <a:chExt cx="0" cy="0"/>
+        </a:xfrm>
+      </p:grpSpPr>
+      <p:sp>
+        <p:nvSpPr>
+          <p:cNvPr id="2" name="Titre 1"/>
+          <p:cNvSpPr>
+            <a:spLocks noGrp="1"/>
+          </p:cNvSpPr>
+          <p:nvPr>
+            <p:ph type="title"/>
+          </p:nvPr>
+        </p:nvSpPr>
+        <p:spPr/>
+        <p:txBody>
+          <a:bodyPr/>
+          <a:lstStyle/>
+          <a:p>
+            <a:r>
+              <a:rPr lang="fr-FR" dirty="0" smtClean="0"/>
+              <a:t>Test d’intégration du prototype</a:t>
+            </a:r>
+            <a:endParaRPr lang="fr-FR" dirty="0"/>
+          </a:p>
+        </p:txBody>
+      </p:sp>
+      <p:sp>
+        <p:nvSpPr>
+          <p:cNvPr id="3" name="Espace réservé du contenu 2"/>
+          <p:cNvSpPr>
+            <a:spLocks noGrp="1"/>
+          </p:cNvSpPr>
+          <p:nvPr>
+            <p:ph idx="1"/>
+          </p:nvPr>
+        </p:nvSpPr>
+        <p:spPr/>
+        <p:txBody>
+          <a:bodyPr/>
+          <a:lstStyle/>
+          <a:p>
+            <a:pPr marL="0" indent="0">
+              <a:buNone/>
+            </a:pPr>
+            <a:r>
+              <a:rPr lang="fr-FR" dirty="0" smtClean="0"/>
+              <a:t>Voici </a:t>
+            </a:r>
+            <a:r>
+              <a:rPr lang="fr-FR" dirty="0"/>
+              <a:t>le cahier de test d’intégration qui sera validé dans chaque partie individuelle par des tests unitaires. </a:t>
+            </a:r>
+          </a:p>
+          <a:p>
+            <a:endParaRPr lang="fr-FR" dirty="0"/>
+          </a:p>
+        </p:txBody>
+      </p:sp>
+    </p:spTree>
+    <p:extLst>
+      <p:ext uri="{BB962C8B-B14F-4D97-AF65-F5344CB8AC3E}">
+        <p14:creationId xmlns:p14="http://schemas.microsoft.com/office/powerpoint/2010/main" val="2182160540"/>
+      </p:ext>
+    </p:extLst>
+  </p:cSld>
+  <p:clrMapOvr>
+    <a:masterClrMapping/>
+  </p:clrMapOvr>
+  <mc:AlternateContent xmlns:mc="http://schemas.openxmlformats.org/markup-compatibility/2006" xmlns:p14="http://schemas.microsoft.com/office/powerpoint/2010/main">
+    <mc:Choice Requires="p14">
+      <p:transition spd="slow" p14:dur="2000"/>
+    </mc:Choice>
+    <mc:Fallback xmlns="">
+      <p:transition spd="slow"/>
+    </mc:Fallback>
+  </mc:AlternateContent>
+</p:sld>
+</file>
+
+<file path=ppt/slides/slide46.xml><?xml version="1.0" encoding="utf-8"?>
 <p:sld xmlns:a="http://schemas.openxmlformats.org/drawingml/2006/main" xmlns:r="http://schemas.openxmlformats.org/officeDocument/2006/relationships" xmlns:p="http://schemas.openxmlformats.org/presentationml/2006/main" show="0">
   <p:cSld>
     <p:spTree>
@@ -11653,8 +11713,8 @@
         </p:blipFill>
         <p:spPr>
           <a:xfrm>
-            <a:off x="2793895" y="2256667"/>
-            <a:ext cx="4638675" cy="1609725"/>
+            <a:off x="2908953" y="2514600"/>
+            <a:ext cx="5143500" cy="3657600"/>
           </a:xfrm>
           <a:prstGeom prst="rect">
             <a:avLst/>
@@ -11664,111 +11724,18 @@
     </p:spTree>
     <p:extLst>
       <p:ext uri="{BB962C8B-B14F-4D97-AF65-F5344CB8AC3E}">
-        <p14:creationId xmlns:p14="http://schemas.microsoft.com/office/powerpoint/2010/main" val="556482373"/>
+        <p14:creationId xmlns:p14="http://schemas.microsoft.com/office/powerpoint/2010/main" val="3023766590"/>
       </p:ext>
     </p:extLst>
   </p:cSld>
   <p:clrMapOvr>
     <a:masterClrMapping/>
   </p:clrMapOvr>
-  <mc:AlternateContent xmlns:mc="http://schemas.openxmlformats.org/markup-compatibility/2006">
-    <mc:Choice xmlns:p14="http://schemas.microsoft.com/office/powerpoint/2010/main" Requires="p14">
+  <mc:AlternateContent xmlns:mc="http://schemas.openxmlformats.org/markup-compatibility/2006" xmlns:p14="http://schemas.microsoft.com/office/powerpoint/2010/main">
+    <mc:Choice Requires="p14">
       <p:transition spd="slow" p14:dur="2000"/>
     </mc:Choice>
-    <mc:Fallback>
-      <p:transition spd="slow"/>
-    </mc:Fallback>
-  </mc:AlternateContent>
-</p:sld>
-</file>
-
-<file path=ppt/slides/slide46.xml><?xml version="1.0" encoding="utf-8"?>
-<p:sld xmlns:a="http://schemas.openxmlformats.org/drawingml/2006/main" xmlns:r="http://schemas.openxmlformats.org/officeDocument/2006/relationships" xmlns:p="http://schemas.openxmlformats.org/presentationml/2006/main" show="0">
-  <p:cSld>
-    <p:spTree>
-      <p:nvGrpSpPr>
-        <p:cNvPr id="1" name=""/>
-        <p:cNvGrpSpPr/>
-        <p:nvPr/>
-      </p:nvGrpSpPr>
-      <p:grpSpPr>
-        <a:xfrm>
-          <a:off x="0" y="0"/>
-          <a:ext cx="0" cy="0"/>
-          <a:chOff x="0" y="0"/>
-          <a:chExt cx="0" cy="0"/>
-        </a:xfrm>
-      </p:grpSpPr>
-      <p:sp>
-        <p:nvSpPr>
-          <p:cNvPr id="2" name="Titre 1"/>
-          <p:cNvSpPr>
-            <a:spLocks noGrp="1"/>
-          </p:cNvSpPr>
-          <p:nvPr>
-            <p:ph type="title"/>
-          </p:nvPr>
-        </p:nvSpPr>
-        <p:spPr/>
-        <p:txBody>
-          <a:bodyPr/>
-          <a:lstStyle/>
-          <a:p>
-            <a:r>
-              <a:rPr lang="fr-FR" dirty="0" smtClean="0"/>
-              <a:t>Test d’intégration du prototype</a:t>
-            </a:r>
-            <a:endParaRPr lang="fr-FR" dirty="0"/>
-          </a:p>
-        </p:txBody>
-      </p:sp>
-      <p:sp>
-        <p:nvSpPr>
-          <p:cNvPr id="3" name="Espace réservé du contenu 2"/>
-          <p:cNvSpPr>
-            <a:spLocks noGrp="1"/>
-          </p:cNvSpPr>
-          <p:nvPr>
-            <p:ph idx="1"/>
-          </p:nvPr>
-        </p:nvSpPr>
-        <p:spPr/>
-        <p:txBody>
-          <a:bodyPr/>
-          <a:lstStyle/>
-          <a:p>
-            <a:pPr marL="0" indent="0">
-              <a:buNone/>
-            </a:pPr>
-            <a:r>
-              <a:rPr lang="fr-FR" dirty="0" smtClean="0"/>
-              <a:t>Voici </a:t>
-            </a:r>
-            <a:r>
-              <a:rPr lang="fr-FR" dirty="0"/>
-              <a:t>le cahier de test d’intégration qui sera validé dans chaque partie individuelle par des tests unitaires. </a:t>
-            </a:r>
-          </a:p>
-          <a:p>
-            <a:endParaRPr lang="fr-FR" dirty="0"/>
-          </a:p>
-        </p:txBody>
-      </p:sp>
-    </p:spTree>
-    <p:extLst>
-      <p:ext uri="{BB962C8B-B14F-4D97-AF65-F5344CB8AC3E}">
-        <p14:creationId xmlns:p14="http://schemas.microsoft.com/office/powerpoint/2010/main" val="2182160540"/>
-      </p:ext>
-    </p:extLst>
-  </p:cSld>
-  <p:clrMapOvr>
-    <a:masterClrMapping/>
-  </p:clrMapOvr>
-  <mc:AlternateContent xmlns:mc="http://schemas.openxmlformats.org/markup-compatibility/2006">
-    <mc:Choice xmlns:p14="http://schemas.microsoft.com/office/powerpoint/2010/main" Requires="p14">
-      <p:transition spd="slow" p14:dur="2000"/>
-    </mc:Choice>
-    <mc:Fallback>
+    <mc:Fallback xmlns="">
       <p:transition spd="slow"/>
     </mc:Fallback>
   </mc:AlternateContent>
@@ -11808,8 +11775,8 @@
         </p:blipFill>
         <p:spPr>
           <a:xfrm>
-            <a:off x="2908953" y="2514600"/>
-            <a:ext cx="5143500" cy="3657600"/>
+            <a:off x="2614523" y="2517137"/>
+            <a:ext cx="5800725" cy="3857625"/>
           </a:xfrm>
           <a:prstGeom prst="rect">
             <a:avLst/>
@@ -11819,18 +11786,18 @@
     </p:spTree>
     <p:extLst>
       <p:ext uri="{BB962C8B-B14F-4D97-AF65-F5344CB8AC3E}">
-        <p14:creationId xmlns:p14="http://schemas.microsoft.com/office/powerpoint/2010/main" val="3023766590"/>
+        <p14:creationId xmlns:p14="http://schemas.microsoft.com/office/powerpoint/2010/main" val="2603919722"/>
       </p:ext>
     </p:extLst>
   </p:cSld>
   <p:clrMapOvr>
     <a:masterClrMapping/>
   </p:clrMapOvr>
-  <mc:AlternateContent xmlns:mc="http://schemas.openxmlformats.org/markup-compatibility/2006">
-    <mc:Choice xmlns:p14="http://schemas.microsoft.com/office/powerpoint/2010/main" Requires="p14">
+  <mc:AlternateContent xmlns:mc="http://schemas.openxmlformats.org/markup-compatibility/2006" xmlns:p14="http://schemas.microsoft.com/office/powerpoint/2010/main">
+    <mc:Choice Requires="p14">
       <p:transition spd="slow" p14:dur="2000"/>
     </mc:Choice>
-    <mc:Fallback>
+    <mc:Fallback xmlns="">
       <p:transition spd="slow"/>
     </mc:Fallback>
   </mc:AlternateContent>
@@ -11870,8 +11837,8 @@
         </p:blipFill>
         <p:spPr>
           <a:xfrm>
-            <a:off x="2614523" y="2517137"/>
-            <a:ext cx="5800725" cy="3857625"/>
+            <a:off x="2797769" y="2292143"/>
+            <a:ext cx="5810250" cy="3829050"/>
           </a:xfrm>
           <a:prstGeom prst="rect">
             <a:avLst/>
@@ -11881,18 +11848,18 @@
     </p:spTree>
     <p:extLst>
       <p:ext uri="{BB962C8B-B14F-4D97-AF65-F5344CB8AC3E}">
-        <p14:creationId xmlns:p14="http://schemas.microsoft.com/office/powerpoint/2010/main" val="2603919722"/>
+        <p14:creationId xmlns:p14="http://schemas.microsoft.com/office/powerpoint/2010/main" val="2194532817"/>
       </p:ext>
     </p:extLst>
   </p:cSld>
   <p:clrMapOvr>
     <a:masterClrMapping/>
   </p:clrMapOvr>
-  <mc:AlternateContent xmlns:mc="http://schemas.openxmlformats.org/markup-compatibility/2006">
-    <mc:Choice xmlns:p14="http://schemas.microsoft.com/office/powerpoint/2010/main" Requires="p14">
+  <mc:AlternateContent xmlns:mc="http://schemas.openxmlformats.org/markup-compatibility/2006" xmlns:p14="http://schemas.microsoft.com/office/powerpoint/2010/main">
+    <mc:Choice Requires="p14">
       <p:transition spd="slow" p14:dur="2000"/>
     </mc:Choice>
-    <mc:Fallback>
+    <mc:Fallback xmlns="">
       <p:transition spd="slow"/>
     </mc:Fallback>
   </mc:AlternateContent>
@@ -11932,8 +11899,8 @@
         </p:blipFill>
         <p:spPr>
           <a:xfrm>
-            <a:off x="2797769" y="2292143"/>
-            <a:ext cx="5810250" cy="3829050"/>
+            <a:off x="2715114" y="2306831"/>
+            <a:ext cx="5838825" cy="3543300"/>
           </a:xfrm>
           <a:prstGeom prst="rect">
             <a:avLst/>
@@ -11943,18 +11910,18 @@
     </p:spTree>
     <p:extLst>
       <p:ext uri="{BB962C8B-B14F-4D97-AF65-F5344CB8AC3E}">
-        <p14:creationId xmlns:p14="http://schemas.microsoft.com/office/powerpoint/2010/main" val="2194532817"/>
+        <p14:creationId xmlns:p14="http://schemas.microsoft.com/office/powerpoint/2010/main" val="3240668456"/>
       </p:ext>
     </p:extLst>
   </p:cSld>
   <p:clrMapOvr>
     <a:masterClrMapping/>
   </p:clrMapOvr>
-  <mc:AlternateContent xmlns:mc="http://schemas.openxmlformats.org/markup-compatibility/2006">
-    <mc:Choice xmlns:p14="http://schemas.microsoft.com/office/powerpoint/2010/main" Requires="p14">
+  <mc:AlternateContent xmlns:mc="http://schemas.openxmlformats.org/markup-compatibility/2006" xmlns:p14="http://schemas.microsoft.com/office/powerpoint/2010/main">
+    <mc:Choice Requires="p14">
       <p:transition spd="slow" p14:dur="2000"/>
     </mc:Choice>
-    <mc:Fallback>
+    <mc:Fallback xmlns="">
       <p:transition spd="slow"/>
     </mc:Fallback>
   </mc:AlternateContent>
@@ -12080,45 +12047,77 @@
           <a:chExt cx="0" cy="0"/>
         </a:xfrm>
       </p:grpSpPr>
-      <p:pic>
-        <p:nvPicPr>
-          <p:cNvPr id="4" name="Image 3"/>
-          <p:cNvPicPr>
-            <a:picLocks noChangeAspect="1"/>
-          </p:cNvPicPr>
-          <p:nvPr/>
-        </p:nvPicPr>
-        <p:blipFill>
-          <a:blip r:embed="rId2"/>
-          <a:stretch>
-            <a:fillRect/>
-          </a:stretch>
-        </p:blipFill>
-        <p:spPr>
-          <a:xfrm>
-            <a:off x="2715114" y="2306831"/>
-            <a:ext cx="5838825" cy="3543300"/>
-          </a:xfrm>
-          <a:prstGeom prst="rect">
-            <a:avLst/>
-          </a:prstGeom>
-        </p:spPr>
-      </p:pic>
+      <p:sp>
+        <p:nvSpPr>
+          <p:cNvPr id="2" name="Titre 1"/>
+          <p:cNvSpPr>
+            <a:spLocks noGrp="1"/>
+          </p:cNvSpPr>
+          <p:nvPr>
+            <p:ph type="title"/>
+          </p:nvPr>
+        </p:nvSpPr>
+        <p:spPr/>
+        <p:txBody>
+          <a:bodyPr/>
+          <a:lstStyle/>
+          <a:p>
+            <a:r>
+              <a:rPr lang="fr-FR" dirty="0" smtClean="0"/>
+              <a:t>Avancements et conclusion</a:t>
+            </a:r>
+            <a:endParaRPr lang="fr-FR" dirty="0"/>
+          </a:p>
+        </p:txBody>
+      </p:sp>
+      <p:sp>
+        <p:nvSpPr>
+          <p:cNvPr id="3" name="Espace réservé du contenu 2"/>
+          <p:cNvSpPr>
+            <a:spLocks noGrp="1"/>
+          </p:cNvSpPr>
+          <p:nvPr>
+            <p:ph idx="1"/>
+          </p:nvPr>
+        </p:nvSpPr>
+        <p:spPr/>
+        <p:txBody>
+          <a:bodyPr/>
+          <a:lstStyle/>
+          <a:p>
+            <a:pPr marL="0" indent="0">
+              <a:buNone/>
+            </a:pPr>
+            <a:r>
+              <a:rPr lang="fr-FR" dirty="0"/>
+              <a:t>Nous pouvons constater actuellement que l’analyse nous a retardés dans l’avancement du projet cependant cela nous a permis de mieux nous rendre compte de la complexité du projet. Nous savons désormais que nous partons dans la bonne direction. La préparation du projet afin de faciliter le travail en équipe a également pris du temps, mais nous commençons à bien maitriser le </a:t>
+            </a:r>
+            <a:r>
+              <a:rPr lang="fr-FR" dirty="0" err="1"/>
+              <a:t>versionning</a:t>
+            </a:r>
+            <a:r>
+              <a:rPr lang="fr-FR" dirty="0"/>
+              <a:t> ainsi que le travail collaboratif. Les délais d’attente pour recevoir les composants nous empêchent d’avancer sur certains points d’où </a:t>
+            </a:r>
+          </a:p>
+        </p:txBody>
+      </p:sp>
     </p:spTree>
     <p:extLst>
       <p:ext uri="{BB962C8B-B14F-4D97-AF65-F5344CB8AC3E}">
-        <p14:creationId xmlns:p14="http://schemas.microsoft.com/office/powerpoint/2010/main" val="3240668456"/>
+        <p14:creationId xmlns:p14="http://schemas.microsoft.com/office/powerpoint/2010/main" val="1360733732"/>
       </p:ext>
     </p:extLst>
   </p:cSld>
   <p:clrMapOvr>
     <a:masterClrMapping/>
   </p:clrMapOvr>
-  <mc:AlternateContent xmlns:mc="http://schemas.openxmlformats.org/markup-compatibility/2006">
-    <mc:Choice xmlns:p14="http://schemas.microsoft.com/office/powerpoint/2010/main" Requires="p14">
+  <mc:AlternateContent xmlns:mc="http://schemas.openxmlformats.org/markup-compatibility/2006" xmlns:p14="http://schemas.microsoft.com/office/powerpoint/2010/main">
+    <mc:Choice Requires="p14">
       <p:transition spd="slow" p14:dur="2000"/>
     </mc:Choice>
-    <mc:Fallback>
+    <mc:Fallback xmlns="">
       <p:transition spd="slow"/>
     </mc:Fallback>
   </mc:AlternateContent>
@@ -12144,12 +12143,12 @@
       </p:grpSpPr>
       <p:sp>
         <p:nvSpPr>
-          <p:cNvPr id="2" name="Titre 1"/>
-          <p:cNvSpPr>
-            <a:spLocks noGrp="1"/>
-          </p:cNvSpPr>
-          <p:nvPr>
-            <p:ph type="title"/>
+          <p:cNvPr id="3" name="Espace réservé du contenu 2"/>
+          <p:cNvSpPr>
+            <a:spLocks noGrp="1"/>
+          </p:cNvSpPr>
+          <p:nvPr>
+            <p:ph idx="1"/>
           </p:nvPr>
         </p:nvSpPr>
         <p:spPr/>
@@ -12157,35 +12156,12 @@
           <a:bodyPr/>
           <a:lstStyle/>
           <a:p>
-            <a:r>
-              <a:rPr lang="fr-FR" dirty="0" smtClean="0"/>
-              <a:t>Avancements et conclusion</a:t>
-            </a:r>
-            <a:endParaRPr lang="fr-FR" dirty="0"/>
-          </a:p>
-        </p:txBody>
-      </p:sp>
-      <p:sp>
-        <p:nvSpPr>
-          <p:cNvPr id="3" name="Espace réservé du contenu 2"/>
-          <p:cNvSpPr>
-            <a:spLocks noGrp="1"/>
-          </p:cNvSpPr>
-          <p:nvPr>
-            <p:ph idx="1"/>
-          </p:nvPr>
-        </p:nvSpPr>
-        <p:spPr/>
-        <p:txBody>
-          <a:bodyPr/>
-          <a:lstStyle/>
-          <a:p>
             <a:pPr marL="0" indent="0">
               <a:buNone/>
             </a:pPr>
             <a:r>
               <a:rPr lang="fr-FR" dirty="0"/>
-              <a:t>Nous pouvons constater actuellement que l’analyse nous a retardés dans l’avancement du projet cependant cela nous a permis de mieux nous rendre compte de la complexité du projet. Nous savons désormais que nous partons dans la bonne direction. La préparation du projet afin de faciliter le travail en équipe a également pris du temps, mais nous commençons à bien maitriser le </a:t>
+              <a:t>l’obligation pour le moment de simuler. Néanmoins la chaine d’information circule correctement de bout en bout. La préparation au travail en groupe nous a permis de nous rendre compte des points sensibles à appréhender pour travailler dans de bonnes conditions (partages des classes, </a:t>
             </a:r>
             <a:r>
               <a:rPr lang="fr-FR" dirty="0" err="1"/>
@@ -12193,7 +12169,7 @@
             </a:r>
             <a:r>
               <a:rPr lang="fr-FR" dirty="0"/>
-              <a:t> ainsi que le travail collaboratif. Les délais d’attente pour recevoir les composants nous empêchent d’avancer sur certains points d’où </a:t>
+              <a:t> et partage de l’analyse). Nous avons rencontré d’autres problèmes techniques qui sont détaillés dans les parties individuelles notamment en ce qui concerne (insérer multiples problèmes). Ces choix ont été réalisés dans le but de contourner les contraintes rencontrées tout en respectant au mieux la demande du client. </a:t>
             </a:r>
           </a:p>
         </p:txBody>
@@ -12201,18 +12177,18 @@
     </p:spTree>
     <p:extLst>
       <p:ext uri="{BB962C8B-B14F-4D97-AF65-F5344CB8AC3E}">
-        <p14:creationId xmlns:p14="http://schemas.microsoft.com/office/powerpoint/2010/main" val="1360733732"/>
+        <p14:creationId xmlns:p14="http://schemas.microsoft.com/office/powerpoint/2010/main" val="3824126596"/>
       </p:ext>
     </p:extLst>
   </p:cSld>
   <p:clrMapOvr>
     <a:masterClrMapping/>
   </p:clrMapOvr>
-  <mc:AlternateContent xmlns:mc="http://schemas.openxmlformats.org/markup-compatibility/2006">
-    <mc:Choice xmlns:p14="http://schemas.microsoft.com/office/powerpoint/2010/main" Requires="p14">
+  <mc:AlternateContent xmlns:mc="http://schemas.openxmlformats.org/markup-compatibility/2006" xmlns:p14="http://schemas.microsoft.com/office/powerpoint/2010/main">
+    <mc:Choice Requires="p14">
       <p:transition spd="slow" p14:dur="2000"/>
     </mc:Choice>
-    <mc:Fallback>
+    <mc:Fallback xmlns="">
       <p:transition spd="slow"/>
     </mc:Fallback>
   </mc:AlternateContent>
@@ -12220,7 +12196,7 @@
 </file>
 
 <file path=ppt/slides/slide52.xml><?xml version="1.0" encoding="utf-8"?>
-<p:sld xmlns:a="http://schemas.openxmlformats.org/drawingml/2006/main" xmlns:r="http://schemas.openxmlformats.org/officeDocument/2006/relationships" xmlns:p="http://schemas.openxmlformats.org/presentationml/2006/main" show="0">
+<p:sld xmlns:a="http://schemas.openxmlformats.org/drawingml/2006/main" xmlns:r="http://schemas.openxmlformats.org/officeDocument/2006/relationships" xmlns:p="http://schemas.openxmlformats.org/presentationml/2006/main">
   <p:cSld>
     <p:spTree>
       <p:nvGrpSpPr>
@@ -12238,6 +12214,34 @@
       </p:grpSpPr>
       <p:sp>
         <p:nvSpPr>
+          <p:cNvPr id="2" name="Titre 1"/>
+          <p:cNvSpPr>
+            <a:spLocks noGrp="1"/>
+          </p:cNvSpPr>
+          <p:nvPr>
+            <p:ph type="title"/>
+          </p:nvPr>
+        </p:nvSpPr>
+        <p:spPr/>
+        <p:txBody>
+          <a:bodyPr>
+            <a:normAutofit fontScale="90000"/>
+          </a:bodyPr>
+          <a:lstStyle/>
+          <a:p>
+            <a:r>
+              <a:rPr lang="fr-FR" dirty="0"/>
+              <a:t>Partie 2: Présentation de la partie individuelle.</a:t>
+            </a:r>
+            <a:br>
+              <a:rPr lang="fr-FR" dirty="0"/>
+            </a:br>
+            <a:endParaRPr lang="fr-FR" dirty="0"/>
+          </a:p>
+        </p:txBody>
+      </p:sp>
+      <p:sp>
+        <p:nvSpPr>
           <p:cNvPr id="3" name="Espace réservé du contenu 2"/>
           <p:cNvSpPr>
             <a:spLocks noGrp="1"/>
@@ -12251,42 +12255,20 @@
           <a:bodyPr/>
           <a:lstStyle/>
           <a:p>
-            <a:pPr marL="0" indent="0">
-              <a:buNone/>
-            </a:pPr>
-            <a:r>
-              <a:rPr lang="fr-FR" dirty="0"/>
-              <a:t>l’obligation pour le moment de simuler. Néanmoins la chaine d’information circule correctement de bout en bout. La préparation au travail en groupe nous a permis de nous rendre compte des points sensibles à appréhender pour travailler dans de bonnes conditions (partages des classes, </a:t>
-            </a:r>
-            <a:r>
-              <a:rPr lang="fr-FR" dirty="0" err="1"/>
-              <a:t>versionning</a:t>
-            </a:r>
-            <a:r>
-              <a:rPr lang="fr-FR" dirty="0"/>
-              <a:t> et partage de l’analyse). Nous avons rencontré d’autres problèmes techniques qui sont détaillés dans les parties individuelles notamment en ce qui concerne (insérer multiples problèmes). Ces choix ont été réalisés dans le but de contourner les contraintes rencontrées tout en respectant au mieux la demande du client. </a:t>
-            </a:r>
+            <a:endParaRPr lang="fr-FR"/>
           </a:p>
         </p:txBody>
       </p:sp>
     </p:spTree>
     <p:extLst>
       <p:ext uri="{BB962C8B-B14F-4D97-AF65-F5344CB8AC3E}">
-        <p14:creationId xmlns:p14="http://schemas.microsoft.com/office/powerpoint/2010/main" val="3824126596"/>
+        <p14:creationId xmlns:p14="http://schemas.microsoft.com/office/powerpoint/2010/main" val="188006270"/>
       </p:ext>
     </p:extLst>
   </p:cSld>
   <p:clrMapOvr>
     <a:masterClrMapping/>
   </p:clrMapOvr>
-  <mc:AlternateContent xmlns:mc="http://schemas.openxmlformats.org/markup-compatibility/2006">
-    <mc:Choice xmlns:p14="http://schemas.microsoft.com/office/powerpoint/2010/main" Requires="p14">
-      <p:transition spd="slow" p14:dur="2000"/>
-    </mc:Choice>
-    <mc:Fallback>
-      <p:transition spd="slow"/>
-    </mc:Fallback>
-  </mc:AlternateContent>
 </p:sld>
 </file>
 
@@ -12319,45 +12301,91 @@
         </p:nvSpPr>
         <p:spPr/>
         <p:txBody>
+          <a:bodyPr/>
+          <a:lstStyle/>
+          <a:p>
+            <a:r>
+              <a:rPr lang="fr-FR" dirty="0" smtClean="0"/>
+              <a:t>Diagramme de cas d’utilisation détaillé</a:t>
+            </a:r>
+            <a:endParaRPr lang="fr-FR" dirty="0"/>
+          </a:p>
+        </p:txBody>
+      </p:sp>
+      <p:sp>
+        <p:nvSpPr>
+          <p:cNvPr id="5" name="Rectangle 4"/>
+          <p:cNvSpPr/>
+          <p:nvPr/>
+        </p:nvSpPr>
+        <p:spPr>
+          <a:xfrm>
+            <a:off x="2109977" y="6101696"/>
+            <a:ext cx="6096000" cy="685059"/>
+          </a:xfrm>
+          <a:prstGeom prst="rect">
+            <a:avLst/>
+          </a:prstGeom>
+        </p:spPr>
+        <p:txBody>
           <a:bodyPr>
-            <a:normAutofit fontScale="90000"/>
+            <a:spAutoFit/>
           </a:bodyPr>
           <a:lstStyle/>
           <a:p>
-            <a:r>
-              <a:rPr lang="fr-FR" dirty="0"/>
-              <a:t>Partie 2: Présentation de la partie individuelle.</a:t>
-            </a:r>
-            <a:br>
-              <a:rPr lang="fr-FR" dirty="0"/>
-            </a:br>
-            <a:endParaRPr lang="fr-FR" dirty="0"/>
-          </a:p>
-        </p:txBody>
-      </p:sp>
-      <p:sp>
-        <p:nvSpPr>
-          <p:cNvPr id="3" name="Espace réservé du contenu 2"/>
-          <p:cNvSpPr>
-            <a:spLocks noGrp="1"/>
-          </p:cNvSpPr>
-          <p:nvPr>
-            <p:ph idx="1"/>
-          </p:nvPr>
-        </p:nvSpPr>
-        <p:spPr/>
-        <p:txBody>
-          <a:bodyPr/>
-          <a:lstStyle/>
-          <a:p>
-            <a:endParaRPr lang="fr-FR"/>
-          </a:p>
-        </p:txBody>
-      </p:sp>
+            <a:pPr algn="ctr">
+              <a:lnSpc>
+                <a:spcPct val="107000"/>
+              </a:lnSpc>
+              <a:spcAft>
+                <a:spcPts val="800"/>
+              </a:spcAft>
+            </a:pPr>
+            <a:r>
+              <a:rPr lang="fr-FR" dirty="0">
+                <a:latin typeface="Calibri" panose="020F0502020204030204" pitchFamily="34" charset="0"/>
+                <a:ea typeface="Calibri" panose="020F0502020204030204" pitchFamily="34" charset="0"/>
+                <a:cs typeface="Times New Roman" panose="02020603050405020304" pitchFamily="18" charset="0"/>
+              </a:rPr>
+              <a:t>Les différentes bulles représentent les fonctionnalités que propose le système.</a:t>
+            </a:r>
+            <a:endParaRPr lang="fr-FR" sz="1600" dirty="0">
+              <a:effectLst/>
+              <a:latin typeface="Calibri" panose="020F0502020204030204" pitchFamily="34" charset="0"/>
+              <a:ea typeface="Calibri" panose="020F0502020204030204" pitchFamily="34" charset="0"/>
+              <a:cs typeface="Times New Roman" panose="02020603050405020304" pitchFamily="18" charset="0"/>
+            </a:endParaRPr>
+          </a:p>
+        </p:txBody>
+      </p:sp>
+      <p:pic>
+        <p:nvPicPr>
+          <p:cNvPr id="3" name="Image 2"/>
+          <p:cNvPicPr>
+            <a:picLocks noChangeAspect="1"/>
+          </p:cNvPicPr>
+          <p:nvPr/>
+        </p:nvPicPr>
+        <p:blipFill>
+          <a:blip r:embed="rId2"/>
+          <a:stretch>
+            <a:fillRect/>
+          </a:stretch>
+        </p:blipFill>
+        <p:spPr>
+          <a:xfrm>
+            <a:off x="1782730" y="2123222"/>
+            <a:ext cx="7087805" cy="3978474"/>
+          </a:xfrm>
+          <a:prstGeom prst="rect">
+            <a:avLst/>
+          </a:prstGeom>
+        </p:spPr>
+      </p:pic>
     </p:spTree>
     <p:extLst>
       <p:ext uri="{BB962C8B-B14F-4D97-AF65-F5344CB8AC3E}">
-        <p14:creationId xmlns:p14="http://schemas.microsoft.com/office/powerpoint/2010/main" val="188006270"/>
+        <p14:creationId xmlns:p14="http://schemas.microsoft.com/office/powerpoint/2010/main" val="2091273352"/>
       </p:ext>
     </p:extLst>
   </p:cSld>
@@ -12386,12 +12414,12 @@
       </p:grpSpPr>
       <p:sp>
         <p:nvSpPr>
-          <p:cNvPr id="2" name="Titre 1"/>
-          <p:cNvSpPr>
-            <a:spLocks noGrp="1"/>
-          </p:cNvSpPr>
-          <p:nvPr>
-            <p:ph type="title"/>
+          <p:cNvPr id="3" name="Espace réservé du contenu 2"/>
+          <p:cNvSpPr>
+            <a:spLocks noGrp="1"/>
+          </p:cNvSpPr>
+          <p:nvPr>
+            <p:ph idx="1"/>
           </p:nvPr>
         </p:nvSpPr>
         <p:spPr/>
@@ -12399,97 +12427,30 @@
           <a:bodyPr/>
           <a:lstStyle/>
           <a:p>
+            <a:pPr marL="0" indent="0">
+              <a:buNone/>
+            </a:pPr>
             <a:r>
               <a:rPr lang="fr-FR" dirty="0" smtClean="0"/>
-              <a:t>Diagramme de cas d’utilisation détaillé</a:t>
-            </a:r>
+              <a:t>Une </a:t>
+            </a:r>
+            <a:r>
+              <a:rPr lang="fr-FR" dirty="0"/>
+              <a:t>fois connecté à l’appli, l’user a accès aux fonctionnalités de l’appli tel que la visualisation de ses bateaux, la visualisation de ses anomalies, afficher l’historique des données de ses bateaux.</a:t>
+            </a:r>
+          </a:p>
+          <a:p>
             <a:endParaRPr lang="fr-FR" dirty="0"/>
           </a:p>
-        </p:txBody>
-      </p:sp>
-      <p:pic>
-        <p:nvPicPr>
-          <p:cNvPr id="4" name="Image 3" descr="C:\Users\Arthur Brice\Documents\GitHub\Babou_Marine\Diagramme\Arthur\Nouveau\use case.png"/>
-          <p:cNvPicPr/>
-          <p:nvPr/>
-        </p:nvPicPr>
-        <p:blipFill>
-          <a:blip r:embed="rId2">
-            <a:extLst>
-              <a:ext uri="{28A0092B-C50C-407E-A947-70E740481C1C}">
-                <a14:useLocalDpi xmlns:a14="http://schemas.microsoft.com/office/drawing/2010/main" val="0"/>
-              </a:ext>
-            </a:extLst>
-          </a:blip>
-          <a:srcRect/>
-          <a:stretch>
-            <a:fillRect/>
-          </a:stretch>
-        </p:blipFill>
-        <p:spPr bwMode="auto">
-          <a:xfrm>
-            <a:off x="1214683" y="2063051"/>
-            <a:ext cx="7886588" cy="4038645"/>
-          </a:xfrm>
-          <a:prstGeom prst="rect">
-            <a:avLst/>
-          </a:prstGeom>
-          <a:noFill/>
-          <a:ln>
-            <a:noFill/>
-          </a:ln>
-        </p:spPr>
-      </p:pic>
-      <p:sp>
-        <p:nvSpPr>
-          <p:cNvPr id="5" name="Rectangle 4"/>
-          <p:cNvSpPr/>
-          <p:nvPr/>
-        </p:nvSpPr>
-        <p:spPr>
-          <a:xfrm>
-            <a:off x="2109977" y="6101696"/>
-            <a:ext cx="6096000" cy="685059"/>
-          </a:xfrm>
-          <a:prstGeom prst="rect">
-            <a:avLst/>
-          </a:prstGeom>
-        </p:spPr>
-        <p:txBody>
-          <a:bodyPr>
-            <a:spAutoFit/>
-          </a:bodyPr>
-          <a:lstStyle/>
-          <a:p>
-            <a:pPr algn="ctr">
-              <a:lnSpc>
-                <a:spcPct val="107000"/>
-              </a:lnSpc>
-              <a:spcAft>
-                <a:spcPts val="800"/>
-              </a:spcAft>
-            </a:pPr>
-            <a:r>
-              <a:rPr lang="fr-FR" dirty="0">
-                <a:latin typeface="Calibri" panose="020F0502020204030204" pitchFamily="34" charset="0"/>
-                <a:ea typeface="Calibri" panose="020F0502020204030204" pitchFamily="34" charset="0"/>
-                <a:cs typeface="Times New Roman" panose="02020603050405020304" pitchFamily="18" charset="0"/>
-              </a:rPr>
-              <a:t>Les différentes bulles représentent les fonctionnalités que propose le système.</a:t>
-            </a:r>
-            <a:endParaRPr lang="fr-FR" sz="1600" dirty="0">
-              <a:effectLst/>
-              <a:latin typeface="Calibri" panose="020F0502020204030204" pitchFamily="34" charset="0"/>
-              <a:ea typeface="Calibri" panose="020F0502020204030204" pitchFamily="34" charset="0"/>
-              <a:cs typeface="Times New Roman" panose="02020603050405020304" pitchFamily="18" charset="0"/>
-            </a:endParaRPr>
+          <a:p>
+            <a:endParaRPr lang="fr-FR" dirty="0"/>
           </a:p>
         </p:txBody>
       </p:sp>
     </p:spTree>
     <p:extLst>
       <p:ext uri="{BB962C8B-B14F-4D97-AF65-F5344CB8AC3E}">
-        <p14:creationId xmlns:p14="http://schemas.microsoft.com/office/powerpoint/2010/main" val="2091273352"/>
+        <p14:creationId xmlns:p14="http://schemas.microsoft.com/office/powerpoint/2010/main" val="748676560"/>
       </p:ext>
     </p:extLst>
   </p:cSld>
@@ -12518,6 +12479,29 @@
       </p:grpSpPr>
       <p:sp>
         <p:nvSpPr>
+          <p:cNvPr id="2" name="Titre 1"/>
+          <p:cNvSpPr>
+            <a:spLocks noGrp="1"/>
+          </p:cNvSpPr>
+          <p:nvPr>
+            <p:ph type="title"/>
+          </p:nvPr>
+        </p:nvSpPr>
+        <p:spPr/>
+        <p:txBody>
+          <a:bodyPr/>
+          <a:lstStyle/>
+          <a:p>
+            <a:r>
+              <a:rPr lang="fr-FR" dirty="0" smtClean="0"/>
+              <a:t>Module de test, connexion à l’IHM</a:t>
+            </a:r>
+            <a:endParaRPr lang="fr-FR" dirty="0"/>
+          </a:p>
+        </p:txBody>
+      </p:sp>
+      <p:sp>
+        <p:nvSpPr>
           <p:cNvPr id="3" name="Espace réservé du contenu 2"/>
           <p:cNvSpPr>
             <a:spLocks noGrp="1"/>
@@ -12526,7 +12510,12 @@
             <p:ph idx="1"/>
           </p:nvPr>
         </p:nvSpPr>
-        <p:spPr/>
+        <p:spPr>
+          <a:xfrm>
+            <a:off x="680320" y="2336873"/>
+            <a:ext cx="9613861" cy="3599316"/>
+          </a:xfrm>
+        </p:spPr>
         <p:txBody>
           <a:bodyPr/>
           <a:lstStyle/>
@@ -12536,12 +12525,17 @@
             </a:pPr>
             <a:r>
               <a:rPr lang="fr-FR" dirty="0"/>
-              <a:t>On peut voir que le user arrive sur la page il doit tout d’abord se connecter à l’appli web, si il ne possède pas de comptes sur l’appli web, il devra s’inscrire via le formulaire de connexion</a:t>
-            </a:r>
-            <a:r>
-              <a:rPr lang="fr-FR" dirty="0" smtClean="0"/>
-              <a:t>.</a:t>
-            </a:r>
+              <a:t>Ce module de test a pour but de confirmer la fonctionnalité de connexion à l’appli web.</a:t>
+            </a:r>
+          </a:p>
+          <a:p>
+            <a:endParaRPr lang="fr-FR" dirty="0" smtClean="0"/>
+          </a:p>
+          <a:p>
+            <a:endParaRPr lang="fr-FR" dirty="0"/>
+          </a:p>
+          <a:p>
+            <a:endParaRPr lang="fr-FR" dirty="0" smtClean="0"/>
           </a:p>
           <a:p>
             <a:pPr marL="0" indent="0">
@@ -12549,21 +12543,46 @@
             </a:pPr>
             <a:r>
               <a:rPr lang="fr-FR" dirty="0"/>
-              <a:t>Une fois connecté à l’appli, l’user a accès aux fonctionnalités de l’appli tel que la visualisation de ses bateaux, la visualisation de ses anomalies, afficher l’historique des données de ses bateaux.</a:t>
+              <a:t>Pour réaliser cette fonctionnalité j’utilise un serveur Apache2 accompagné d’un module PHP. L’IHM va permettre de à l’utilisateur de se connecter et d’accéder aux fonctionnalités dont ils disposent sur l’appli.</a:t>
             </a:r>
           </a:p>
           <a:p>
             <a:endParaRPr lang="fr-FR" dirty="0"/>
           </a:p>
-          <a:p>
-            <a:endParaRPr lang="fr-FR" dirty="0"/>
-          </a:p>
-        </p:txBody>
-      </p:sp>
+        </p:txBody>
+      </p:sp>
+      <p:pic>
+        <p:nvPicPr>
+          <p:cNvPr id="4" name="Image 3"/>
+          <p:cNvPicPr/>
+          <p:nvPr/>
+        </p:nvPicPr>
+        <p:blipFill>
+          <a:blip r:embed="rId2">
+            <a:extLst>
+              <a:ext uri="{28A0092B-C50C-407E-A947-70E740481C1C}">
+                <a14:useLocalDpi xmlns:a14="http://schemas.microsoft.com/office/drawing/2010/main" val="0"/>
+              </a:ext>
+            </a:extLst>
+          </a:blip>
+          <a:stretch>
+            <a:fillRect/>
+          </a:stretch>
+        </p:blipFill>
+        <p:spPr>
+          <a:xfrm>
+            <a:off x="1003419" y="3212606"/>
+            <a:ext cx="2876372" cy="1308119"/>
+          </a:xfrm>
+          <a:prstGeom prst="rect">
+            <a:avLst/>
+          </a:prstGeom>
+        </p:spPr>
+      </p:pic>
     </p:spTree>
     <p:extLst>
       <p:ext uri="{BB962C8B-B14F-4D97-AF65-F5344CB8AC3E}">
-        <p14:creationId xmlns:p14="http://schemas.microsoft.com/office/powerpoint/2010/main" val="748676560"/>
+        <p14:creationId xmlns:p14="http://schemas.microsoft.com/office/powerpoint/2010/main" val="2267521902"/>
       </p:ext>
     </p:extLst>
   </p:cSld>
@@ -12607,7 +12626,7 @@
           <a:p>
             <a:r>
               <a:rPr lang="fr-FR" dirty="0" smtClean="0"/>
-              <a:t>Module de test, connexion à l’IHM</a:t>
+              <a:t>Déploiement du module</a:t>
             </a:r>
             <a:endParaRPr lang="fr-FR" dirty="0"/>
           </a:p>
@@ -12623,12 +12642,7 @@
             <p:ph idx="1"/>
           </p:nvPr>
         </p:nvSpPr>
-        <p:spPr>
-          <a:xfrm>
-            <a:off x="680320" y="2336873"/>
-            <a:ext cx="9613861" cy="3599316"/>
-          </a:xfrm>
-        </p:spPr>
+        <p:spPr/>
         <p:txBody>
           <a:bodyPr/>
           <a:lstStyle/>
@@ -12638,25 +12652,7 @@
             </a:pPr>
             <a:r>
               <a:rPr lang="fr-FR" dirty="0"/>
-              <a:t>Ce module de test a pour but de confirmer la fonctionnalité de connexion à l’appli web.</a:t>
-            </a:r>
-          </a:p>
-          <a:p>
-            <a:endParaRPr lang="fr-FR" dirty="0" smtClean="0"/>
-          </a:p>
-          <a:p>
-            <a:endParaRPr lang="fr-FR" dirty="0"/>
-          </a:p>
-          <a:p>
-            <a:endParaRPr lang="fr-FR" dirty="0" smtClean="0"/>
-          </a:p>
-          <a:p>
-            <a:pPr marL="0" indent="0">
-              <a:buNone/>
-            </a:pPr>
-            <a:r>
-              <a:rPr lang="fr-FR" dirty="0"/>
-              <a:t>Pour réaliser cette fonctionnalité j’utilise un serveur Apache2 accompagné d’un module PHP. L’IHM va permettre de à l’utilisateur de se connecter et d’accéder aux fonctionnalités dont ils disposent sur l’appli.</a:t>
+              <a:t>Pour cette fonctionnalité, le logement se fera sur le module PHP.</a:t>
             </a:r>
           </a:p>
           <a:p>
@@ -12684,8 +12680,8 @@
         </p:blipFill>
         <p:spPr>
           <a:xfrm>
-            <a:off x="1003419" y="3212606"/>
-            <a:ext cx="2876372" cy="1308119"/>
+            <a:off x="848455" y="2934476"/>
+            <a:ext cx="5760720" cy="2404110"/>
           </a:xfrm>
           <a:prstGeom prst="rect">
             <a:avLst/>
@@ -12695,7 +12691,7 @@
     </p:spTree>
     <p:extLst>
       <p:ext uri="{BB962C8B-B14F-4D97-AF65-F5344CB8AC3E}">
-        <p14:creationId xmlns:p14="http://schemas.microsoft.com/office/powerpoint/2010/main" val="2267521902"/>
+        <p14:creationId xmlns:p14="http://schemas.microsoft.com/office/powerpoint/2010/main" val="4259891586"/>
       </p:ext>
     </p:extLst>
   </p:cSld>
@@ -12724,115 +12720,6 @@
       </p:grpSpPr>
       <p:sp>
         <p:nvSpPr>
-          <p:cNvPr id="2" name="Titre 1"/>
-          <p:cNvSpPr>
-            <a:spLocks noGrp="1"/>
-          </p:cNvSpPr>
-          <p:nvPr>
-            <p:ph type="title"/>
-          </p:nvPr>
-        </p:nvSpPr>
-        <p:spPr/>
-        <p:txBody>
-          <a:bodyPr/>
-          <a:lstStyle/>
-          <a:p>
-            <a:r>
-              <a:rPr lang="fr-FR" dirty="0" smtClean="0"/>
-              <a:t>Déploiement du module</a:t>
-            </a:r>
-            <a:endParaRPr lang="fr-FR" dirty="0"/>
-          </a:p>
-        </p:txBody>
-      </p:sp>
-      <p:sp>
-        <p:nvSpPr>
-          <p:cNvPr id="3" name="Espace réservé du contenu 2"/>
-          <p:cNvSpPr>
-            <a:spLocks noGrp="1"/>
-          </p:cNvSpPr>
-          <p:nvPr>
-            <p:ph idx="1"/>
-          </p:nvPr>
-        </p:nvSpPr>
-        <p:spPr/>
-        <p:txBody>
-          <a:bodyPr/>
-          <a:lstStyle/>
-          <a:p>
-            <a:pPr marL="0" indent="0">
-              <a:buNone/>
-            </a:pPr>
-            <a:r>
-              <a:rPr lang="fr-FR" dirty="0"/>
-              <a:t>Pour cette fonctionnalité, le logement se fera sur le module PHP.</a:t>
-            </a:r>
-          </a:p>
-          <a:p>
-            <a:endParaRPr lang="fr-FR" dirty="0"/>
-          </a:p>
-        </p:txBody>
-      </p:sp>
-      <p:pic>
-        <p:nvPicPr>
-          <p:cNvPr id="4" name="Image 3"/>
-          <p:cNvPicPr/>
-          <p:nvPr/>
-        </p:nvPicPr>
-        <p:blipFill>
-          <a:blip r:embed="rId2">
-            <a:extLst>
-              <a:ext uri="{28A0092B-C50C-407E-A947-70E740481C1C}">
-                <a14:useLocalDpi xmlns:a14="http://schemas.microsoft.com/office/drawing/2010/main" val="0"/>
-              </a:ext>
-            </a:extLst>
-          </a:blip>
-          <a:stretch>
-            <a:fillRect/>
-          </a:stretch>
-        </p:blipFill>
-        <p:spPr>
-          <a:xfrm>
-            <a:off x="848455" y="2934476"/>
-            <a:ext cx="5760720" cy="2404110"/>
-          </a:xfrm>
-          <a:prstGeom prst="rect">
-            <a:avLst/>
-          </a:prstGeom>
-        </p:spPr>
-      </p:pic>
-    </p:spTree>
-    <p:extLst>
-      <p:ext uri="{BB962C8B-B14F-4D97-AF65-F5344CB8AC3E}">
-        <p14:creationId xmlns:p14="http://schemas.microsoft.com/office/powerpoint/2010/main" val="4259891586"/>
-      </p:ext>
-    </p:extLst>
-  </p:cSld>
-  <p:clrMapOvr>
-    <a:masterClrMapping/>
-  </p:clrMapOvr>
-</p:sld>
-</file>
-
-<file path=ppt/slides/slide58.xml><?xml version="1.0" encoding="utf-8"?>
-<p:sld xmlns:a="http://schemas.openxmlformats.org/drawingml/2006/main" xmlns:r="http://schemas.openxmlformats.org/officeDocument/2006/relationships" xmlns:p="http://schemas.openxmlformats.org/presentationml/2006/main">
-  <p:cSld>
-    <p:spTree>
-      <p:nvGrpSpPr>
-        <p:cNvPr id="1" name=""/>
-        <p:cNvGrpSpPr/>
-        <p:nvPr/>
-      </p:nvGrpSpPr>
-      <p:grpSpPr>
-        <a:xfrm>
-          <a:off x="0" y="0"/>
-          <a:ext cx="0" cy="0"/>
-          <a:chOff x="0" y="0"/>
-          <a:chExt cx="0" cy="0"/>
-        </a:xfrm>
-      </p:grpSpPr>
-      <p:sp>
-        <p:nvSpPr>
           <p:cNvPr id="3" name="Espace réservé du contenu 2"/>
           <p:cNvSpPr>
             <a:spLocks noGrp="1"/>
@@ -12859,17 +12746,12 @@
               <a:buNone/>
             </a:pPr>
             <a:r>
+              <a:rPr lang="fr-FR" dirty="0" smtClean="0"/>
+              <a:t>Pour </a:t>
+            </a:r>
+            <a:r>
               <a:rPr lang="fr-FR" dirty="0"/>
-              <a:t>Par la suite, lorsque l’utilisateur se rend sur le site il pourra accéder au formulaire de connexion.</a:t>
-            </a:r>
-          </a:p>
-          <a:p>
-            <a:pPr marL="0" indent="0">
-              <a:buNone/>
-            </a:pPr>
-            <a:r>
-              <a:rPr lang="fr-FR" dirty="0"/>
-              <a:t>Pour procéder au test de la fonctionnalité, on se rend sur l’appli web et on se connecte via le formulaire de connexion. </a:t>
+              <a:t>procéder au test de la fonctionnalité, on se rend sur l’appli web et on se connecte via le formulaire de connexion. </a:t>
             </a:r>
           </a:p>
           <a:p>
@@ -12890,7 +12772,7 @@
 </p:sld>
 </file>
 
-<file path=ppt/slides/slide59.xml><?xml version="1.0" encoding="utf-8"?>
+<file path=ppt/slides/slide58.xml><?xml version="1.0" encoding="utf-8"?>
 <p:sld xmlns:a="http://schemas.openxmlformats.org/drawingml/2006/main" xmlns:r="http://schemas.openxmlformats.org/officeDocument/2006/relationships" xmlns:p="http://schemas.openxmlformats.org/presentationml/2006/main">
   <p:cSld>
     <p:spTree>
@@ -12933,6 +12815,86 @@
     <p:extLst>
       <p:ext uri="{BB962C8B-B14F-4D97-AF65-F5344CB8AC3E}">
         <p14:creationId xmlns:p14="http://schemas.microsoft.com/office/powerpoint/2010/main" val="992007939"/>
+      </p:ext>
+    </p:extLst>
+  </p:cSld>
+  <p:clrMapOvr>
+    <a:masterClrMapping/>
+  </p:clrMapOvr>
+</p:sld>
+</file>
+
+<file path=ppt/slides/slide59.xml><?xml version="1.0" encoding="utf-8"?>
+<p:sld xmlns:a="http://schemas.openxmlformats.org/drawingml/2006/main" xmlns:r="http://schemas.openxmlformats.org/officeDocument/2006/relationships" xmlns:p="http://schemas.openxmlformats.org/presentationml/2006/main">
+  <p:cSld>
+    <p:spTree>
+      <p:nvGrpSpPr>
+        <p:cNvPr id="1" name=""/>
+        <p:cNvGrpSpPr/>
+        <p:nvPr/>
+      </p:nvGrpSpPr>
+      <p:grpSpPr>
+        <a:xfrm>
+          <a:off x="0" y="0"/>
+          <a:ext cx="0" cy="0"/>
+          <a:chOff x="0" y="0"/>
+          <a:chExt cx="0" cy="0"/>
+        </a:xfrm>
+      </p:grpSpPr>
+      <p:sp>
+        <p:nvSpPr>
+          <p:cNvPr id="3" name="Espace réservé du contenu 2"/>
+          <p:cNvSpPr>
+            <a:spLocks noGrp="1"/>
+          </p:cNvSpPr>
+          <p:nvPr>
+            <p:ph idx="1"/>
+          </p:nvPr>
+        </p:nvSpPr>
+        <p:spPr/>
+        <p:txBody>
+          <a:bodyPr/>
+          <a:lstStyle/>
+          <a:p>
+            <a:pPr marL="0" indent="0">
+              <a:buNone/>
+            </a:pPr>
+            <a:r>
+              <a:rPr lang="fr-FR" dirty="0"/>
+              <a:t>Si les logs saisis par l’utilisateur sont bons, il arrivera sur l’IHM et accèdera aux fonctionnalités qui lui sont accordés selon ses privilèges, sinon, un message d’erreur s’affichera et il devra ressaisir ses identifiants.</a:t>
+            </a:r>
+          </a:p>
+          <a:p>
+            <a:endParaRPr lang="fr-FR" dirty="0"/>
+          </a:p>
+        </p:txBody>
+      </p:sp>
+      <p:pic>
+        <p:nvPicPr>
+          <p:cNvPr id="5" name="Image 4"/>
+          <p:cNvPicPr/>
+          <p:nvPr/>
+        </p:nvPicPr>
+        <p:blipFill>
+          <a:blip r:embed="rId2"/>
+          <a:stretch>
+            <a:fillRect/>
+          </a:stretch>
+        </p:blipFill>
+        <p:spPr>
+          <a:xfrm>
+            <a:off x="2615324" y="4200747"/>
+            <a:ext cx="5286375" cy="1362075"/>
+          </a:xfrm>
+          <a:prstGeom prst="rect">
+            <a:avLst/>
+          </a:prstGeom>
+        </p:spPr>
+      </p:pic>
+    </p:spTree>
+    <p:extLst>
+      <p:ext uri="{BB962C8B-B14F-4D97-AF65-F5344CB8AC3E}">
+        <p14:creationId xmlns:p14="http://schemas.microsoft.com/office/powerpoint/2010/main" val="2895448634"/>
       </p:ext>
     </p:extLst>
   </p:cSld>
@@ -13048,12 +13010,12 @@
       </p:grpSpPr>
       <p:sp>
         <p:nvSpPr>
-          <p:cNvPr id="3" name="Espace réservé du contenu 2"/>
-          <p:cNvSpPr>
-            <a:spLocks noGrp="1"/>
-          </p:cNvSpPr>
-          <p:nvPr>
-            <p:ph idx="1"/>
+          <p:cNvPr id="2" name="Titre 1"/>
+          <p:cNvSpPr>
+            <a:spLocks noGrp="1"/>
+          </p:cNvSpPr>
+          <p:nvPr>
+            <p:ph type="title"/>
           </p:nvPr>
         </p:nvSpPr>
         <p:spPr/>
@@ -13061,45 +13023,95 @@
           <a:bodyPr/>
           <a:lstStyle/>
           <a:p>
-            <a:pPr marL="0" indent="0">
-              <a:buNone/>
-            </a:pPr>
             <a:r>
               <a:rPr lang="fr-FR" dirty="0"/>
-              <a:t>Si les logs saisis par l’utilisateur sont bons, il arrivera sur l’IHM et accèdera aux fonctionnalités qui lui sont accordés selon ses privilèges, sinon, un message d’erreur s’affichera et il devra ressaisir ses identifiants.</a:t>
-            </a:r>
-          </a:p>
-          <a:p>
+              <a:t>UML liés au module de test :</a:t>
+            </a:r>
+            <a:br>
+              <a:rPr lang="fr-FR" dirty="0"/>
+            </a:br>
             <a:endParaRPr lang="fr-FR" dirty="0"/>
           </a:p>
         </p:txBody>
       </p:sp>
       <p:pic>
         <p:nvPicPr>
-          <p:cNvPr id="5" name="Image 4"/>
+          <p:cNvPr id="4" name="Image 3"/>
           <p:cNvPicPr/>
           <p:nvPr/>
         </p:nvPicPr>
         <p:blipFill>
-          <a:blip r:embed="rId2"/>
+          <a:blip r:embed="rId2">
+            <a:extLst>
+              <a:ext uri="{28A0092B-C50C-407E-A947-70E740481C1C}">
+                <a14:useLocalDpi xmlns:a14="http://schemas.microsoft.com/office/drawing/2010/main" val="0"/>
+              </a:ext>
+            </a:extLst>
+          </a:blip>
           <a:stretch>
             <a:fillRect/>
           </a:stretch>
         </p:blipFill>
         <p:spPr>
           <a:xfrm>
-            <a:off x="2615324" y="4200747"/>
-            <a:ext cx="5286375" cy="1362075"/>
+            <a:off x="3218044" y="2217391"/>
+            <a:ext cx="4217670" cy="4217592"/>
           </a:xfrm>
           <a:prstGeom prst="rect">
             <a:avLst/>
           </a:prstGeom>
         </p:spPr>
       </p:pic>
+      <p:sp>
+        <p:nvSpPr>
+          <p:cNvPr id="5" name="Rectangle 4"/>
+          <p:cNvSpPr/>
+          <p:nvPr/>
+        </p:nvSpPr>
+        <p:spPr>
+          <a:xfrm>
+            <a:off x="7961832" y="2582269"/>
+            <a:ext cx="3976643" cy="981423"/>
+          </a:xfrm>
+          <a:prstGeom prst="rect">
+            <a:avLst/>
+          </a:prstGeom>
+        </p:spPr>
+        <p:txBody>
+          <a:bodyPr wrap="square">
+            <a:spAutoFit/>
+          </a:bodyPr>
+          <a:lstStyle/>
+          <a:p>
+            <a:pPr>
+              <a:lnSpc>
+                <a:spcPct val="107000"/>
+              </a:lnSpc>
+              <a:spcAft>
+                <a:spcPts val="800"/>
+              </a:spcAft>
+            </a:pPr>
+            <a:r>
+              <a:rPr lang="fr-FR" dirty="0">
+                <a:latin typeface="Calibri" panose="020F0502020204030204" pitchFamily="34" charset="0"/>
+                <a:ea typeface="Calibri" panose="020F0502020204030204" pitchFamily="34" charset="0"/>
+                <a:cs typeface="Times New Roman" panose="02020603050405020304" pitchFamily="18" charset="0"/>
+              </a:rPr>
+              <a:t>Voici le diagramme de séquence correspondant à la fonctionnalité « connexion ».</a:t>
+            </a:r>
+            <a:endParaRPr lang="fr-FR" dirty="0">
+              <a:effectLst/>
+              <a:latin typeface="Calibri" panose="020F0502020204030204" pitchFamily="34" charset="0"/>
+              <a:ea typeface="Calibri" panose="020F0502020204030204" pitchFamily="34" charset="0"/>
+              <a:cs typeface="Times New Roman" panose="02020603050405020304" pitchFamily="18" charset="0"/>
+            </a:endParaRPr>
+          </a:p>
+        </p:txBody>
+      </p:sp>
     </p:spTree>
     <p:extLst>
       <p:ext uri="{BB962C8B-B14F-4D97-AF65-F5344CB8AC3E}">
-        <p14:creationId xmlns:p14="http://schemas.microsoft.com/office/powerpoint/2010/main" val="2895448634"/>
+        <p14:creationId xmlns:p14="http://schemas.microsoft.com/office/powerpoint/2010/main" val="436959369"/>
       </p:ext>
     </p:extLst>
   </p:cSld>
@@ -13143,7 +13155,7 @@
           <a:p>
             <a:r>
               <a:rPr lang="fr-FR" dirty="0"/>
-              <a:t>UML liés au module de test :</a:t>
+              <a:t>Problèmes rencontrés :</a:t>
             </a:r>
             <a:br>
               <a:rPr lang="fr-FR" dirty="0"/>
@@ -13152,84 +13164,38 @@
           </a:p>
         </p:txBody>
       </p:sp>
-      <p:pic>
-        <p:nvPicPr>
-          <p:cNvPr id="4" name="Image 3"/>
-          <p:cNvPicPr/>
-          <p:nvPr/>
-        </p:nvPicPr>
-        <p:blipFill>
-          <a:blip r:embed="rId2">
-            <a:extLst>
-              <a:ext uri="{28A0092B-C50C-407E-A947-70E740481C1C}">
-                <a14:useLocalDpi xmlns:a14="http://schemas.microsoft.com/office/drawing/2010/main" val="0"/>
-              </a:ext>
-            </a:extLst>
-          </a:blip>
-          <a:stretch>
-            <a:fillRect/>
-          </a:stretch>
-        </p:blipFill>
-        <p:spPr>
-          <a:xfrm>
-            <a:off x="3218044" y="2217391"/>
-            <a:ext cx="4217670" cy="4217592"/>
-          </a:xfrm>
-          <a:prstGeom prst="rect">
-            <a:avLst/>
-          </a:prstGeom>
-        </p:spPr>
-      </p:pic>
-      <p:sp>
-        <p:nvSpPr>
-          <p:cNvPr id="5" name="Rectangle 4"/>
-          <p:cNvSpPr/>
-          <p:nvPr/>
-        </p:nvSpPr>
-        <p:spPr>
-          <a:xfrm>
-            <a:off x="7961832" y="2582269"/>
-            <a:ext cx="3976643" cy="981423"/>
-          </a:xfrm>
-          <a:prstGeom prst="rect">
-            <a:avLst/>
-          </a:prstGeom>
-        </p:spPr>
-        <p:txBody>
-          <a:bodyPr wrap="square">
-            <a:spAutoFit/>
-          </a:bodyPr>
-          <a:lstStyle/>
-          <a:p>
-            <a:pPr>
-              <a:lnSpc>
-                <a:spcPct val="107000"/>
-              </a:lnSpc>
-              <a:spcAft>
-                <a:spcPts val="800"/>
-              </a:spcAft>
+      <p:sp>
+        <p:nvSpPr>
+          <p:cNvPr id="3" name="Espace réservé du contenu 2"/>
+          <p:cNvSpPr>
+            <a:spLocks noGrp="1"/>
+          </p:cNvSpPr>
+          <p:nvPr>
+            <p:ph idx="1"/>
+          </p:nvPr>
+        </p:nvSpPr>
+        <p:spPr/>
+        <p:txBody>
+          <a:bodyPr/>
+          <a:lstStyle/>
+          <a:p>
+            <a:pPr marL="0" indent="0">
+              <a:buNone/>
             </a:pPr>
             <a:r>
-              <a:rPr lang="fr-FR" dirty="0">
-                <a:latin typeface="Calibri" panose="020F0502020204030204" pitchFamily="34" charset="0"/>
-                <a:ea typeface="Calibri" panose="020F0502020204030204" pitchFamily="34" charset="0"/>
-                <a:cs typeface="Times New Roman" panose="02020603050405020304" pitchFamily="18" charset="0"/>
-              </a:rPr>
-              <a:t>Voici le diagramme de séquence correspondant à la fonctionnalité « connexion ».</a:t>
-            </a:r>
-            <a:endParaRPr lang="fr-FR" dirty="0">
-              <a:effectLst/>
-              <a:latin typeface="Calibri" panose="020F0502020204030204" pitchFamily="34" charset="0"/>
-              <a:ea typeface="Calibri" panose="020F0502020204030204" pitchFamily="34" charset="0"/>
-              <a:cs typeface="Times New Roman" panose="02020603050405020304" pitchFamily="18" charset="0"/>
-            </a:endParaRPr>
+              <a:rPr lang="fr-FR" dirty="0"/>
+              <a:t>Problèmes rencontrés notamment au niveau de la communication de la BDD.</a:t>
+            </a:r>
+          </a:p>
+          <a:p>
+            <a:endParaRPr lang="fr-FR" dirty="0"/>
           </a:p>
         </p:txBody>
       </p:sp>
     </p:spTree>
     <p:extLst>
       <p:ext uri="{BB962C8B-B14F-4D97-AF65-F5344CB8AC3E}">
-        <p14:creationId xmlns:p14="http://schemas.microsoft.com/office/powerpoint/2010/main" val="436959369"/>
+        <p14:creationId xmlns:p14="http://schemas.microsoft.com/office/powerpoint/2010/main" val="2743363269"/>
       </p:ext>
     </p:extLst>
   </p:cSld>
@@ -13272,48 +13238,138 @@
           <a:lstStyle/>
           <a:p>
             <a:r>
-              <a:rPr lang="fr-FR" dirty="0"/>
-              <a:t>Problèmes rencontrés :</a:t>
-            </a:r>
-            <a:br>
-              <a:rPr lang="fr-FR" dirty="0"/>
-            </a:br>
+              <a:rPr lang="fr-FR" dirty="0" smtClean="0"/>
+              <a:t>Module de test, gestion Back Office</a:t>
+            </a:r>
             <a:endParaRPr lang="fr-FR" dirty="0"/>
           </a:p>
         </p:txBody>
       </p:sp>
-      <p:sp>
-        <p:nvSpPr>
-          <p:cNvPr id="3" name="Espace réservé du contenu 2"/>
-          <p:cNvSpPr>
-            <a:spLocks noGrp="1"/>
-          </p:cNvSpPr>
+      <p:pic>
+        <p:nvPicPr>
+          <p:cNvPr id="4" name="Espace réservé du contenu 3"/>
+          <p:cNvPicPr>
+            <a:picLocks noGrp="1"/>
+          </p:cNvPicPr>
           <p:nvPr>
             <p:ph idx="1"/>
           </p:nvPr>
-        </p:nvSpPr>
-        <p:spPr/>
-        <p:txBody>
-          <a:bodyPr/>
-          <a:lstStyle/>
-          <a:p>
-            <a:pPr marL="0" indent="0">
-              <a:buNone/>
+        </p:nvPicPr>
+        <p:blipFill>
+          <a:blip r:embed="rId2"/>
+          <a:stretch>
+            <a:fillRect/>
+          </a:stretch>
+        </p:blipFill>
+        <p:spPr>
+          <a:xfrm>
+            <a:off x="483768" y="3014818"/>
+            <a:ext cx="2558535" cy="856427"/>
+          </a:xfrm>
+          <a:prstGeom prst="rect">
+            <a:avLst/>
+          </a:prstGeom>
+        </p:spPr>
+      </p:pic>
+      <p:sp>
+        <p:nvSpPr>
+          <p:cNvPr id="5" name="Rectangle 4"/>
+          <p:cNvSpPr/>
+          <p:nvPr/>
+        </p:nvSpPr>
+        <p:spPr>
+          <a:xfrm>
+            <a:off x="544082" y="2239826"/>
+            <a:ext cx="8266631" cy="369332"/>
+          </a:xfrm>
+          <a:prstGeom prst="rect">
+            <a:avLst/>
+          </a:prstGeom>
+        </p:spPr>
+        <p:txBody>
+          <a:bodyPr wrap="square">
+            <a:spAutoFit/>
+          </a:bodyPr>
+          <a:lstStyle/>
+          <a:p>
+            <a:r>
+              <a:rPr lang="fr-FR" dirty="0">
+                <a:latin typeface="Calibri" panose="020F0502020204030204" pitchFamily="34" charset="0"/>
+                <a:ea typeface="Calibri" panose="020F0502020204030204" pitchFamily="34" charset="0"/>
+                <a:cs typeface="Times New Roman" panose="02020603050405020304" pitchFamily="18" charset="0"/>
+              </a:rPr>
+              <a:t>Ce module de test a pour but de confirmer la fonctionnalité de gestion du back office.</a:t>
+            </a:r>
+            <a:endParaRPr lang="fr-FR" dirty="0"/>
+          </a:p>
+        </p:txBody>
+      </p:sp>
+      <p:sp>
+        <p:nvSpPr>
+          <p:cNvPr id="6" name="Rectangle 5"/>
+          <p:cNvSpPr/>
+          <p:nvPr/>
+        </p:nvSpPr>
+        <p:spPr>
+          <a:xfrm>
+            <a:off x="483768" y="4245413"/>
+            <a:ext cx="11078692" cy="981423"/>
+          </a:xfrm>
+          <a:prstGeom prst="rect">
+            <a:avLst/>
+          </a:prstGeom>
+        </p:spPr>
+        <p:txBody>
+          <a:bodyPr wrap="square">
+            <a:spAutoFit/>
+          </a:bodyPr>
+          <a:lstStyle/>
+          <a:p>
+            <a:pPr>
+              <a:lnSpc>
+                <a:spcPct val="107000"/>
+              </a:lnSpc>
+              <a:spcAft>
+                <a:spcPts val="800"/>
+              </a:spcAft>
             </a:pPr>
             <a:r>
-              <a:rPr lang="fr-FR" dirty="0"/>
-              <a:t>Problèmes rencontrés notamment au niveau de la communication de la BDD.</a:t>
-            </a:r>
-          </a:p>
-          <a:p>
-            <a:endParaRPr lang="fr-FR" dirty="0"/>
+              <a:rPr lang="fr-FR" dirty="0">
+                <a:latin typeface="Calibri" panose="020F0502020204030204" pitchFamily="34" charset="0"/>
+                <a:ea typeface="Calibri" panose="020F0502020204030204" pitchFamily="34" charset="0"/>
+                <a:cs typeface="Times New Roman" panose="02020603050405020304" pitchFamily="18" charset="0"/>
+              </a:rPr>
+              <a:t>Pour réaliser cette fonctionnalité j’utilise un serveur Apache2 accompagné d’un module PHP. L’IHM va permettre à l’administrateur de pouvoir en premier lieux d’ajouter un utilisateur soit en tant que gestionnaire soit en tant qu’</a:t>
+            </a:r>
+            <a:r>
+              <a:rPr lang="fr-FR" dirty="0" err="1">
+                <a:latin typeface="Calibri" panose="020F0502020204030204" pitchFamily="34" charset="0"/>
+                <a:ea typeface="Calibri" panose="020F0502020204030204" pitchFamily="34" charset="0"/>
+                <a:cs typeface="Times New Roman" panose="02020603050405020304" pitchFamily="18" charset="0"/>
+              </a:rPr>
+              <a:t>admin</a:t>
+            </a:r>
+            <a:r>
+              <a:rPr lang="fr-FR" dirty="0">
+                <a:latin typeface="Calibri" panose="020F0502020204030204" pitchFamily="34" charset="0"/>
+                <a:ea typeface="Calibri" panose="020F0502020204030204" pitchFamily="34" charset="0"/>
+                <a:cs typeface="Times New Roman" panose="02020603050405020304" pitchFamily="18" charset="0"/>
+              </a:rPr>
+              <a:t>. Il peut par la suite modifier un compte ou bien le supprimer.</a:t>
+            </a:r>
+            <a:endParaRPr lang="fr-FR" dirty="0">
+              <a:effectLst/>
+              <a:latin typeface="Calibri" panose="020F0502020204030204" pitchFamily="34" charset="0"/>
+              <a:ea typeface="Calibri" panose="020F0502020204030204" pitchFamily="34" charset="0"/>
+              <a:cs typeface="Times New Roman" panose="02020603050405020304" pitchFamily="18" charset="0"/>
+            </a:endParaRPr>
           </a:p>
         </p:txBody>
       </p:sp>
     </p:spTree>
     <p:extLst>
       <p:ext uri="{BB962C8B-B14F-4D97-AF65-F5344CB8AC3E}">
-        <p14:creationId xmlns:p14="http://schemas.microsoft.com/office/powerpoint/2010/main" val="2743363269"/>
+        <p14:creationId xmlns:p14="http://schemas.microsoft.com/office/powerpoint/2010/main" val="3922790202"/>
       </p:ext>
     </p:extLst>
   </p:cSld>
@@ -13340,38 +13396,11 @@
           <a:chExt cx="0" cy="0"/>
         </a:xfrm>
       </p:grpSpPr>
-      <p:sp>
-        <p:nvSpPr>
-          <p:cNvPr id="2" name="Titre 1"/>
-          <p:cNvSpPr>
-            <a:spLocks noGrp="1"/>
-          </p:cNvSpPr>
-          <p:nvPr>
-            <p:ph type="title"/>
-          </p:nvPr>
-        </p:nvSpPr>
-        <p:spPr/>
-        <p:txBody>
-          <a:bodyPr/>
-          <a:lstStyle/>
-          <a:p>
-            <a:r>
-              <a:rPr lang="fr-FR" dirty="0" smtClean="0"/>
-              <a:t>Module de test, gestion Back Office</a:t>
-            </a:r>
-            <a:endParaRPr lang="fr-FR" dirty="0"/>
-          </a:p>
-        </p:txBody>
-      </p:sp>
       <p:pic>
         <p:nvPicPr>
-          <p:cNvPr id="4" name="Espace réservé du contenu 3"/>
-          <p:cNvPicPr>
-            <a:picLocks noGrp="1"/>
-          </p:cNvPicPr>
-          <p:nvPr>
-            <p:ph idx="1"/>
-          </p:nvPr>
+          <p:cNvPr id="4" name="Image 3"/>
+          <p:cNvPicPr/>
+          <p:nvPr/>
         </p:nvPicPr>
         <p:blipFill>
           <a:blip r:embed="rId2"/>
@@ -13381,113 +13410,18 @@
         </p:blipFill>
         <p:spPr>
           <a:xfrm>
-            <a:off x="483768" y="3014818"/>
-            <a:ext cx="2558535" cy="856427"/>
+            <a:off x="1369748" y="2527079"/>
+            <a:ext cx="6928218" cy="3224239"/>
           </a:xfrm>
           <a:prstGeom prst="rect">
             <a:avLst/>
           </a:prstGeom>
         </p:spPr>
       </p:pic>
-      <p:sp>
-        <p:nvSpPr>
-          <p:cNvPr id="5" name="Rectangle 4"/>
-          <p:cNvSpPr/>
-          <p:nvPr/>
-        </p:nvSpPr>
-        <p:spPr>
-          <a:xfrm>
-            <a:off x="544082" y="2239826"/>
-            <a:ext cx="8266631" cy="369332"/>
-          </a:xfrm>
-          <a:prstGeom prst="rect">
-            <a:avLst/>
-          </a:prstGeom>
-        </p:spPr>
-        <p:txBody>
-          <a:bodyPr wrap="square">
-            <a:spAutoFit/>
-          </a:bodyPr>
-          <a:lstStyle/>
-          <a:p>
-            <a:r>
-              <a:rPr lang="fr-FR" dirty="0">
-                <a:latin typeface="Calibri" panose="020F0502020204030204" pitchFamily="34" charset="0"/>
-                <a:ea typeface="Calibri" panose="020F0502020204030204" pitchFamily="34" charset="0"/>
-                <a:cs typeface="Times New Roman" panose="02020603050405020304" pitchFamily="18" charset="0"/>
-              </a:rPr>
-              <a:t>Ce module de test a pour but de confirmer la fonctionnalité de gestion du back office.</a:t>
-            </a:r>
-            <a:endParaRPr lang="fr-FR" dirty="0"/>
-          </a:p>
-        </p:txBody>
-      </p:sp>
-      <p:sp>
-        <p:nvSpPr>
-          <p:cNvPr id="6" name="Rectangle 5"/>
-          <p:cNvSpPr/>
-          <p:nvPr/>
-        </p:nvSpPr>
-        <p:spPr>
-          <a:xfrm>
-            <a:off x="483768" y="4245413"/>
-            <a:ext cx="11078692" cy="981423"/>
-          </a:xfrm>
-          <a:prstGeom prst="rect">
-            <a:avLst/>
-          </a:prstGeom>
-        </p:spPr>
-        <p:txBody>
-          <a:bodyPr wrap="square">
-            <a:spAutoFit/>
-          </a:bodyPr>
-          <a:lstStyle/>
-          <a:p>
-            <a:pPr>
-              <a:lnSpc>
-                <a:spcPct val="107000"/>
-              </a:lnSpc>
-              <a:spcAft>
-                <a:spcPts val="800"/>
-              </a:spcAft>
-            </a:pPr>
-            <a:r>
-              <a:rPr lang="fr-FR" dirty="0">
-                <a:latin typeface="Calibri" panose="020F0502020204030204" pitchFamily="34" charset="0"/>
-                <a:ea typeface="Calibri" panose="020F0502020204030204" pitchFamily="34" charset="0"/>
-                <a:cs typeface="Times New Roman" panose="02020603050405020304" pitchFamily="18" charset="0"/>
-              </a:rPr>
-              <a:t>Pour réaliser cette fonctionnalité j’utilise un serveur Apache2 accompagné d’un module PHP. L’IHM va permettre à l’administrateur de pouvoir en premier lieux d’ajouter un utilisateur soit en tant que gestionnaire soit en tant qu’</a:t>
-            </a:r>
-            <a:r>
-              <a:rPr lang="fr-FR" dirty="0" err="1">
-                <a:latin typeface="Calibri" panose="020F0502020204030204" pitchFamily="34" charset="0"/>
-                <a:ea typeface="Calibri" panose="020F0502020204030204" pitchFamily="34" charset="0"/>
-                <a:cs typeface="Times New Roman" panose="02020603050405020304" pitchFamily="18" charset="0"/>
-              </a:rPr>
-              <a:t>admin</a:t>
-            </a:r>
-            <a:r>
-              <a:rPr lang="fr-FR" dirty="0">
-                <a:latin typeface="Calibri" panose="020F0502020204030204" pitchFamily="34" charset="0"/>
-                <a:ea typeface="Calibri" panose="020F0502020204030204" pitchFamily="34" charset="0"/>
-                <a:cs typeface="Times New Roman" panose="02020603050405020304" pitchFamily="18" charset="0"/>
-              </a:rPr>
-              <a:t>. Il peut par la suite modifier un compte ou bien le supprimer.</a:t>
-            </a:r>
-            <a:endParaRPr lang="fr-FR" dirty="0">
-              <a:effectLst/>
-              <a:latin typeface="Calibri" panose="020F0502020204030204" pitchFamily="34" charset="0"/>
-              <a:ea typeface="Calibri" panose="020F0502020204030204" pitchFamily="34" charset="0"/>
-              <a:cs typeface="Times New Roman" panose="02020603050405020304" pitchFamily="18" charset="0"/>
-            </a:endParaRPr>
-          </a:p>
-        </p:txBody>
-      </p:sp>
     </p:spTree>
     <p:extLst>
       <p:ext uri="{BB962C8B-B14F-4D97-AF65-F5344CB8AC3E}">
-        <p14:creationId xmlns:p14="http://schemas.microsoft.com/office/powerpoint/2010/main" val="3922790202"/>
+        <p14:creationId xmlns:p14="http://schemas.microsoft.com/office/powerpoint/2010/main" val="222654593"/>
       </p:ext>
     </p:extLst>
   </p:cSld>
@@ -13528,18 +13462,64 @@
         </p:blipFill>
         <p:spPr>
           <a:xfrm>
-            <a:off x="1369748" y="2527079"/>
-            <a:ext cx="6928218" cy="3224239"/>
+            <a:off x="1139011" y="2152859"/>
+            <a:ext cx="7560607" cy="3239536"/>
           </a:xfrm>
           <a:prstGeom prst="rect">
             <a:avLst/>
           </a:prstGeom>
         </p:spPr>
       </p:pic>
+      <p:sp>
+        <p:nvSpPr>
+          <p:cNvPr id="5" name="Rectangle 4"/>
+          <p:cNvSpPr/>
+          <p:nvPr/>
+        </p:nvSpPr>
+        <p:spPr>
+          <a:xfrm>
+            <a:off x="999643" y="5672943"/>
+            <a:ext cx="9024574" cy="685059"/>
+          </a:xfrm>
+          <a:prstGeom prst="rect">
+            <a:avLst/>
+          </a:prstGeom>
+        </p:spPr>
+        <p:txBody>
+          <a:bodyPr wrap="square">
+            <a:spAutoFit/>
+          </a:bodyPr>
+          <a:lstStyle/>
+          <a:p>
+            <a:pPr>
+              <a:lnSpc>
+                <a:spcPct val="107000"/>
+              </a:lnSpc>
+              <a:spcAft>
+                <a:spcPts val="800"/>
+              </a:spcAft>
+            </a:pPr>
+            <a:r>
+              <a:rPr lang="fr-FR" dirty="0">
+                <a:latin typeface="Calibri" panose="020F0502020204030204" pitchFamily="34" charset="0"/>
+                <a:ea typeface="Calibri" panose="020F0502020204030204" pitchFamily="34" charset="0"/>
+                <a:cs typeface="Times New Roman" panose="02020603050405020304" pitchFamily="18" charset="0"/>
+              </a:rPr>
+              <a:t>Ces deux captures d’écran correspondent à la fonction PHP permettant à l’administrateur d’ajouter un utilisateur sur l’IHM via le formulaire.</a:t>
+            </a:r>
+            <a:endParaRPr lang="fr-FR" dirty="0">
+              <a:effectLst/>
+              <a:latin typeface="Calibri" panose="020F0502020204030204" pitchFamily="34" charset="0"/>
+              <a:ea typeface="Calibri" panose="020F0502020204030204" pitchFamily="34" charset="0"/>
+              <a:cs typeface="Times New Roman" panose="02020603050405020304" pitchFamily="18" charset="0"/>
+            </a:endParaRPr>
+          </a:p>
+        </p:txBody>
+      </p:sp>
     </p:spTree>
     <p:extLst>
       <p:ext uri="{BB962C8B-B14F-4D97-AF65-F5344CB8AC3E}">
-        <p14:creationId xmlns:p14="http://schemas.microsoft.com/office/powerpoint/2010/main" val="222654593"/>
+        <p14:creationId xmlns:p14="http://schemas.microsoft.com/office/powerpoint/2010/main" val="1614052615"/>
       </p:ext>
     </p:extLst>
   </p:cSld>
@@ -13580,64 +13560,18 @@
         </p:blipFill>
         <p:spPr>
           <a:xfrm>
-            <a:off x="1104828" y="2169951"/>
-            <a:ext cx="7560607" cy="3239536"/>
+            <a:off x="1600484" y="2733207"/>
+            <a:ext cx="7287142" cy="3060841"/>
           </a:xfrm>
           <a:prstGeom prst="rect">
             <a:avLst/>
           </a:prstGeom>
         </p:spPr>
       </p:pic>
-      <p:sp>
-        <p:nvSpPr>
-          <p:cNvPr id="5" name="Rectangle 4"/>
-          <p:cNvSpPr/>
-          <p:nvPr/>
-        </p:nvSpPr>
-        <p:spPr>
-          <a:xfrm>
-            <a:off x="999643" y="5672943"/>
-            <a:ext cx="9024574" cy="685059"/>
-          </a:xfrm>
-          <a:prstGeom prst="rect">
-            <a:avLst/>
-          </a:prstGeom>
-        </p:spPr>
-        <p:txBody>
-          <a:bodyPr wrap="square">
-            <a:spAutoFit/>
-          </a:bodyPr>
-          <a:lstStyle/>
-          <a:p>
-            <a:pPr>
-              <a:lnSpc>
-                <a:spcPct val="107000"/>
-              </a:lnSpc>
-              <a:spcAft>
-                <a:spcPts val="800"/>
-              </a:spcAft>
-            </a:pPr>
-            <a:r>
-              <a:rPr lang="fr-FR" dirty="0">
-                <a:latin typeface="Calibri" panose="020F0502020204030204" pitchFamily="34" charset="0"/>
-                <a:ea typeface="Calibri" panose="020F0502020204030204" pitchFamily="34" charset="0"/>
-                <a:cs typeface="Times New Roman" panose="02020603050405020304" pitchFamily="18" charset="0"/>
-              </a:rPr>
-              <a:t>Ces deux captures d’écran correspondent à la fonction PHP permettant à l’administrateur d’ajouter un utilisateur sur l’IHM via le formulaire.</a:t>
-            </a:r>
-            <a:endParaRPr lang="fr-FR" dirty="0">
-              <a:effectLst/>
-              <a:latin typeface="Calibri" panose="020F0502020204030204" pitchFamily="34" charset="0"/>
-              <a:ea typeface="Calibri" panose="020F0502020204030204" pitchFamily="34" charset="0"/>
-              <a:cs typeface="Times New Roman" panose="02020603050405020304" pitchFamily="18" charset="0"/>
-            </a:endParaRPr>
-          </a:p>
-        </p:txBody>
-      </p:sp>
     </p:spTree>
     <p:extLst>
       <p:ext uri="{BB962C8B-B14F-4D97-AF65-F5344CB8AC3E}">
-        <p14:creationId xmlns:p14="http://schemas.microsoft.com/office/powerpoint/2010/main" val="1614052615"/>
+        <p14:creationId xmlns:p14="http://schemas.microsoft.com/office/powerpoint/2010/main" val="3732474710"/>
       </p:ext>
     </p:extLst>
   </p:cSld>
@@ -13678,18 +13612,64 @@
         </p:blipFill>
         <p:spPr>
           <a:xfrm>
-            <a:off x="1600484" y="2733207"/>
-            <a:ext cx="7287142" cy="3060841"/>
+            <a:off x="1643213" y="2177038"/>
+            <a:ext cx="7235867" cy="3651194"/>
           </a:xfrm>
           <a:prstGeom prst="rect">
             <a:avLst/>
           </a:prstGeom>
         </p:spPr>
       </p:pic>
+      <p:sp>
+        <p:nvSpPr>
+          <p:cNvPr id="5" name="Rectangle 4"/>
+          <p:cNvSpPr/>
+          <p:nvPr/>
+        </p:nvSpPr>
+        <p:spPr>
+          <a:xfrm>
+            <a:off x="1643213" y="5828232"/>
+            <a:ext cx="7659881" cy="685059"/>
+          </a:xfrm>
+          <a:prstGeom prst="rect">
+            <a:avLst/>
+          </a:prstGeom>
+        </p:spPr>
+        <p:txBody>
+          <a:bodyPr wrap="square">
+            <a:spAutoFit/>
+          </a:bodyPr>
+          <a:lstStyle/>
+          <a:p>
+            <a:pPr>
+              <a:lnSpc>
+                <a:spcPct val="107000"/>
+              </a:lnSpc>
+              <a:spcAft>
+                <a:spcPts val="800"/>
+              </a:spcAft>
+            </a:pPr>
+            <a:r>
+              <a:rPr lang="fr-FR" dirty="0">
+                <a:latin typeface="Calibri" panose="020F0502020204030204" pitchFamily="34" charset="0"/>
+                <a:ea typeface="Calibri" panose="020F0502020204030204" pitchFamily="34" charset="0"/>
+                <a:cs typeface="Times New Roman" panose="02020603050405020304" pitchFamily="18" charset="0"/>
+              </a:rPr>
+              <a:t>Ces deux captures correspondent à la fonction PHP permettant à l’administrateur de supprimer un utilisateur depuis l’IHM.</a:t>
+            </a:r>
+            <a:endParaRPr lang="fr-FR" dirty="0">
+              <a:effectLst/>
+              <a:latin typeface="Calibri" panose="020F0502020204030204" pitchFamily="34" charset="0"/>
+              <a:ea typeface="Calibri" panose="020F0502020204030204" pitchFamily="34" charset="0"/>
+              <a:cs typeface="Times New Roman" panose="02020603050405020304" pitchFamily="18" charset="0"/>
+            </a:endParaRPr>
+          </a:p>
+        </p:txBody>
+      </p:sp>
     </p:spTree>
     <p:extLst>
       <p:ext uri="{BB962C8B-B14F-4D97-AF65-F5344CB8AC3E}">
-        <p14:creationId xmlns:p14="http://schemas.microsoft.com/office/powerpoint/2010/main" val="3732474710"/>
+        <p14:creationId xmlns:p14="http://schemas.microsoft.com/office/powerpoint/2010/main" val="1272777729"/>
       </p:ext>
     </p:extLst>
   </p:cSld>
@@ -13730,64 +13710,18 @@
         </p:blipFill>
         <p:spPr>
           <a:xfrm>
-            <a:off x="1643213" y="2177038"/>
-            <a:ext cx="7235867" cy="3651194"/>
+            <a:off x="1523572" y="2291391"/>
+            <a:ext cx="7680249" cy="3562479"/>
           </a:xfrm>
           <a:prstGeom prst="rect">
             <a:avLst/>
           </a:prstGeom>
         </p:spPr>
       </p:pic>
-      <p:sp>
-        <p:nvSpPr>
-          <p:cNvPr id="5" name="Rectangle 4"/>
-          <p:cNvSpPr/>
-          <p:nvPr/>
-        </p:nvSpPr>
-        <p:spPr>
-          <a:xfrm>
-            <a:off x="1643213" y="5828232"/>
-            <a:ext cx="7659881" cy="685059"/>
-          </a:xfrm>
-          <a:prstGeom prst="rect">
-            <a:avLst/>
-          </a:prstGeom>
-        </p:spPr>
-        <p:txBody>
-          <a:bodyPr wrap="square">
-            <a:spAutoFit/>
-          </a:bodyPr>
-          <a:lstStyle/>
-          <a:p>
-            <a:pPr>
-              <a:lnSpc>
-                <a:spcPct val="107000"/>
-              </a:lnSpc>
-              <a:spcAft>
-                <a:spcPts val="800"/>
-              </a:spcAft>
-            </a:pPr>
-            <a:r>
-              <a:rPr lang="fr-FR" dirty="0">
-                <a:latin typeface="Calibri" panose="020F0502020204030204" pitchFamily="34" charset="0"/>
-                <a:ea typeface="Calibri" panose="020F0502020204030204" pitchFamily="34" charset="0"/>
-                <a:cs typeface="Times New Roman" panose="02020603050405020304" pitchFamily="18" charset="0"/>
-              </a:rPr>
-              <a:t>Ces deux captures correspondent à la fonction PHP permettant à l’administrateur de supprimer un utilisateur depuis l’IHM.</a:t>
-            </a:r>
-            <a:endParaRPr lang="fr-FR" dirty="0">
-              <a:effectLst/>
-              <a:latin typeface="Calibri" panose="020F0502020204030204" pitchFamily="34" charset="0"/>
-              <a:ea typeface="Calibri" panose="020F0502020204030204" pitchFamily="34" charset="0"/>
-              <a:cs typeface="Times New Roman" panose="02020603050405020304" pitchFamily="18" charset="0"/>
-            </a:endParaRPr>
-          </a:p>
-        </p:txBody>
-      </p:sp>
     </p:spTree>
     <p:extLst>
       <p:ext uri="{BB962C8B-B14F-4D97-AF65-F5344CB8AC3E}">
-        <p14:creationId xmlns:p14="http://schemas.microsoft.com/office/powerpoint/2010/main" val="1272777729"/>
+        <p14:creationId xmlns:p14="http://schemas.microsoft.com/office/powerpoint/2010/main" val="847586132"/>
       </p:ext>
     </p:extLst>
   </p:cSld>
@@ -13828,18 +13762,64 @@
         </p:blipFill>
         <p:spPr>
           <a:xfrm>
-            <a:off x="1523572" y="2291391"/>
-            <a:ext cx="7680249" cy="3562479"/>
+            <a:off x="1421022" y="2335343"/>
+            <a:ext cx="8004989" cy="3210877"/>
           </a:xfrm>
           <a:prstGeom prst="rect">
             <a:avLst/>
           </a:prstGeom>
         </p:spPr>
       </p:pic>
+      <p:sp>
+        <p:nvSpPr>
+          <p:cNvPr id="5" name="Rectangle 4"/>
+          <p:cNvSpPr/>
+          <p:nvPr/>
+        </p:nvSpPr>
+        <p:spPr>
+          <a:xfrm>
+            <a:off x="1421022" y="5732764"/>
+            <a:ext cx="7221410" cy="685059"/>
+          </a:xfrm>
+          <a:prstGeom prst="rect">
+            <a:avLst/>
+          </a:prstGeom>
+        </p:spPr>
+        <p:txBody>
+          <a:bodyPr wrap="square">
+            <a:spAutoFit/>
+          </a:bodyPr>
+          <a:lstStyle/>
+          <a:p>
+            <a:pPr>
+              <a:lnSpc>
+                <a:spcPct val="107000"/>
+              </a:lnSpc>
+              <a:spcAft>
+                <a:spcPts val="800"/>
+              </a:spcAft>
+            </a:pPr>
+            <a:r>
+              <a:rPr lang="fr-FR" dirty="0">
+                <a:latin typeface="Calibri" panose="020F0502020204030204" pitchFamily="34" charset="0"/>
+                <a:ea typeface="Calibri" panose="020F0502020204030204" pitchFamily="34" charset="0"/>
+                <a:cs typeface="Times New Roman" panose="02020603050405020304" pitchFamily="18" charset="0"/>
+              </a:rPr>
+              <a:t>Ces deux captures correspondent à la fonction PHP permettant à l’administrateur de modifier l’identifiant d’un utilisateur depuis l’IHM.</a:t>
+            </a:r>
+            <a:endParaRPr lang="fr-FR" dirty="0">
+              <a:effectLst/>
+              <a:latin typeface="Calibri" panose="020F0502020204030204" pitchFamily="34" charset="0"/>
+              <a:ea typeface="Calibri" panose="020F0502020204030204" pitchFamily="34" charset="0"/>
+              <a:cs typeface="Times New Roman" panose="02020603050405020304" pitchFamily="18" charset="0"/>
+            </a:endParaRPr>
+          </a:p>
+        </p:txBody>
+      </p:sp>
     </p:spTree>
     <p:extLst>
       <p:ext uri="{BB962C8B-B14F-4D97-AF65-F5344CB8AC3E}">
-        <p14:creationId xmlns:p14="http://schemas.microsoft.com/office/powerpoint/2010/main" val="847586132"/>
+        <p14:creationId xmlns:p14="http://schemas.microsoft.com/office/powerpoint/2010/main" val="2154053850"/>
       </p:ext>
     </p:extLst>
   </p:cSld>
@@ -13880,64 +13860,18 @@
         </p:blipFill>
         <p:spPr>
           <a:xfrm>
-            <a:off x="1421022" y="2335343"/>
-            <a:ext cx="8004989" cy="3210877"/>
+            <a:off x="1557755" y="2262074"/>
+            <a:ext cx="7423875" cy="3591795"/>
           </a:xfrm>
           <a:prstGeom prst="rect">
             <a:avLst/>
           </a:prstGeom>
         </p:spPr>
       </p:pic>
-      <p:sp>
-        <p:nvSpPr>
-          <p:cNvPr id="5" name="Rectangle 4"/>
-          <p:cNvSpPr/>
-          <p:nvPr/>
-        </p:nvSpPr>
-        <p:spPr>
-          <a:xfrm>
-            <a:off x="1421022" y="5732764"/>
-            <a:ext cx="7221410" cy="685059"/>
-          </a:xfrm>
-          <a:prstGeom prst="rect">
-            <a:avLst/>
-          </a:prstGeom>
-        </p:spPr>
-        <p:txBody>
-          <a:bodyPr wrap="square">
-            <a:spAutoFit/>
-          </a:bodyPr>
-          <a:lstStyle/>
-          <a:p>
-            <a:pPr>
-              <a:lnSpc>
-                <a:spcPct val="107000"/>
-              </a:lnSpc>
-              <a:spcAft>
-                <a:spcPts val="800"/>
-              </a:spcAft>
-            </a:pPr>
-            <a:r>
-              <a:rPr lang="fr-FR" dirty="0">
-                <a:latin typeface="Calibri" panose="020F0502020204030204" pitchFamily="34" charset="0"/>
-                <a:ea typeface="Calibri" panose="020F0502020204030204" pitchFamily="34" charset="0"/>
-                <a:cs typeface="Times New Roman" panose="02020603050405020304" pitchFamily="18" charset="0"/>
-              </a:rPr>
-              <a:t>Ces deux captures correspondent à la fonction PHP permettant à l’administrateur de modifier l’identifiant d’un utilisateur depuis l’IHM.</a:t>
-            </a:r>
-            <a:endParaRPr lang="fr-FR" dirty="0">
-              <a:effectLst/>
-              <a:latin typeface="Calibri" panose="020F0502020204030204" pitchFamily="34" charset="0"/>
-              <a:ea typeface="Calibri" panose="020F0502020204030204" pitchFamily="34" charset="0"/>
-              <a:cs typeface="Times New Roman" panose="02020603050405020304" pitchFamily="18" charset="0"/>
-            </a:endParaRPr>
-          </a:p>
-        </p:txBody>
-      </p:sp>
     </p:spTree>
     <p:extLst>
       <p:ext uri="{BB962C8B-B14F-4D97-AF65-F5344CB8AC3E}">
-        <p14:creationId xmlns:p14="http://schemas.microsoft.com/office/powerpoint/2010/main" val="2154053850"/>
+        <p14:creationId xmlns:p14="http://schemas.microsoft.com/office/powerpoint/2010/main" val="1048918281"/>
       </p:ext>
     </p:extLst>
   </p:cSld>
@@ -14059,18 +13993,64 @@
         </p:blipFill>
         <p:spPr>
           <a:xfrm>
-            <a:off x="1557755" y="2262074"/>
-            <a:ext cx="7423875" cy="3591795"/>
+            <a:off x="1207377" y="2400795"/>
+            <a:ext cx="7312779" cy="3384708"/>
           </a:xfrm>
           <a:prstGeom prst="rect">
             <a:avLst/>
           </a:prstGeom>
         </p:spPr>
       </p:pic>
+      <p:sp>
+        <p:nvSpPr>
+          <p:cNvPr id="5" name="Rectangle 4"/>
+          <p:cNvSpPr/>
+          <p:nvPr/>
+        </p:nvSpPr>
+        <p:spPr>
+          <a:xfrm>
+            <a:off x="1207376" y="5785503"/>
+            <a:ext cx="8039173" cy="685059"/>
+          </a:xfrm>
+          <a:prstGeom prst="rect">
+            <a:avLst/>
+          </a:prstGeom>
+        </p:spPr>
+        <p:txBody>
+          <a:bodyPr wrap="square">
+            <a:spAutoFit/>
+          </a:bodyPr>
+          <a:lstStyle/>
+          <a:p>
+            <a:pPr>
+              <a:lnSpc>
+                <a:spcPct val="107000"/>
+              </a:lnSpc>
+              <a:spcAft>
+                <a:spcPts val="800"/>
+              </a:spcAft>
+            </a:pPr>
+            <a:r>
+              <a:rPr lang="fr-FR" dirty="0">
+                <a:latin typeface="Calibri" panose="020F0502020204030204" pitchFamily="34" charset="0"/>
+                <a:ea typeface="Calibri" panose="020F0502020204030204" pitchFamily="34" charset="0"/>
+                <a:cs typeface="Times New Roman" panose="02020603050405020304" pitchFamily="18" charset="0"/>
+              </a:rPr>
+              <a:t>Ces deux captures correspondent à la fonction PHP permettant à l’administrateur de pouvoir modifier le mot de passe d’un utilisateur depuis l’IHM.</a:t>
+            </a:r>
+            <a:endParaRPr lang="fr-FR" dirty="0">
+              <a:effectLst/>
+              <a:latin typeface="Calibri" panose="020F0502020204030204" pitchFamily="34" charset="0"/>
+              <a:ea typeface="Calibri" panose="020F0502020204030204" pitchFamily="34" charset="0"/>
+              <a:cs typeface="Times New Roman" panose="02020603050405020304" pitchFamily="18" charset="0"/>
+            </a:endParaRPr>
+          </a:p>
+        </p:txBody>
+      </p:sp>
     </p:spTree>
     <p:extLst>
       <p:ext uri="{BB962C8B-B14F-4D97-AF65-F5344CB8AC3E}">
-        <p14:creationId xmlns:p14="http://schemas.microsoft.com/office/powerpoint/2010/main" val="1048918281"/>
+        <p14:creationId xmlns:p14="http://schemas.microsoft.com/office/powerpoint/2010/main" val="3741439145"/>
       </p:ext>
     </p:extLst>
   </p:cSld>
@@ -14111,8 +14091,8 @@
         </p:blipFill>
         <p:spPr>
           <a:xfrm>
-            <a:off x="1207377" y="2400795"/>
-            <a:ext cx="7312779" cy="3384708"/>
+            <a:off x="1053125" y="2092832"/>
+            <a:ext cx="5760720" cy="4176395"/>
           </a:xfrm>
           <a:prstGeom prst="rect">
             <a:avLst/>
@@ -14127,8 +14107,8 @@
         </p:nvSpPr>
         <p:spPr>
           <a:xfrm>
-            <a:off x="1207376" y="5785503"/>
-            <a:ext cx="8039173" cy="685059"/>
+            <a:off x="6902151" y="2505355"/>
+            <a:ext cx="4215928" cy="981423"/>
           </a:xfrm>
           <a:prstGeom prst="rect">
             <a:avLst/>
@@ -14154,7 +14134,7 @@
                 <a:ea typeface="Calibri" panose="020F0502020204030204" pitchFamily="34" charset="0"/>
                 <a:cs typeface="Times New Roman" panose="02020603050405020304" pitchFamily="18" charset="0"/>
               </a:rPr>
-              <a:t>Ces deux captures correspondent à la fonction PHP permettant à l’administrateur de pouvoir modifier le mot de passe d’un utilisateur depuis l’IHM.</a:t>
+              <a:t>Ici une capture d’écran de l’IHM web sur laquelle on peut voir le formulaire d’ajout d’utilisateur.</a:t>
             </a:r>
             <a:endParaRPr lang="fr-FR" dirty="0">
               <a:effectLst/>
@@ -14168,7 +14148,7 @@
     </p:spTree>
     <p:extLst>
       <p:ext uri="{BB962C8B-B14F-4D97-AF65-F5344CB8AC3E}">
-        <p14:creationId xmlns:p14="http://schemas.microsoft.com/office/powerpoint/2010/main" val="3741439145"/>
+        <p14:creationId xmlns:p14="http://schemas.microsoft.com/office/powerpoint/2010/main" val="2906157395"/>
       </p:ext>
     </p:extLst>
   </p:cSld>
@@ -14209,8 +14189,8 @@
         </p:blipFill>
         <p:spPr>
           <a:xfrm>
-            <a:off x="1053125" y="2092832"/>
-            <a:ext cx="5760720" cy="4176395"/>
+            <a:off x="908276" y="2217924"/>
+            <a:ext cx="5760720" cy="4131310"/>
           </a:xfrm>
           <a:prstGeom prst="rect">
             <a:avLst/>
@@ -14225,8 +14205,8 @@
         </p:nvSpPr>
         <p:spPr>
           <a:xfrm>
-            <a:off x="6902151" y="2505355"/>
-            <a:ext cx="4215928" cy="981423"/>
+            <a:off x="6668995" y="2308803"/>
+            <a:ext cx="5278025" cy="685059"/>
           </a:xfrm>
           <a:prstGeom prst="rect">
             <a:avLst/>
@@ -14252,7 +14232,7 @@
                 <a:ea typeface="Calibri" panose="020F0502020204030204" pitchFamily="34" charset="0"/>
                 <a:cs typeface="Times New Roman" panose="02020603050405020304" pitchFamily="18" charset="0"/>
               </a:rPr>
-              <a:t>Ici une capture d’écran de l’IHM web sur laquelle on peut voir le formulaire d’ajout d’utilisateur.</a:t>
+              <a:t>Cette capture d’écran de l’IHM correspond à la modification de compte d’un utilisateur.</a:t>
             </a:r>
             <a:endParaRPr lang="fr-FR" dirty="0">
               <a:effectLst/>
@@ -14266,7 +14246,7 @@
     </p:spTree>
     <p:extLst>
       <p:ext uri="{BB962C8B-B14F-4D97-AF65-F5344CB8AC3E}">
-        <p14:creationId xmlns:p14="http://schemas.microsoft.com/office/powerpoint/2010/main" val="2906157395"/>
+        <p14:creationId xmlns:p14="http://schemas.microsoft.com/office/powerpoint/2010/main" val="915675606"/>
       </p:ext>
     </p:extLst>
   </p:cSld>
@@ -14277,6 +14257,123 @@
 </file>
 
 <file path=ppt/slides/slide73.xml><?xml version="1.0" encoding="utf-8"?>
+<p:sld xmlns:a="http://schemas.openxmlformats.org/drawingml/2006/main" xmlns:r="http://schemas.openxmlformats.org/officeDocument/2006/relationships" xmlns:p="http://schemas.openxmlformats.org/presentationml/2006/main">
+  <p:cSld>
+    <p:spTree>
+      <p:nvGrpSpPr>
+        <p:cNvPr id="1" name=""/>
+        <p:cNvGrpSpPr/>
+        <p:nvPr/>
+      </p:nvGrpSpPr>
+      <p:grpSpPr>
+        <a:xfrm>
+          <a:off x="0" y="0"/>
+          <a:ext cx="0" cy="0"/>
+          <a:chOff x="0" y="0"/>
+          <a:chExt cx="0" cy="0"/>
+        </a:xfrm>
+      </p:grpSpPr>
+      <p:sp>
+        <p:nvSpPr>
+          <p:cNvPr id="2" name="Titre 1"/>
+          <p:cNvSpPr>
+            <a:spLocks noGrp="1"/>
+          </p:cNvSpPr>
+          <p:nvPr>
+            <p:ph type="title"/>
+          </p:nvPr>
+        </p:nvSpPr>
+        <p:spPr/>
+        <p:txBody>
+          <a:bodyPr/>
+          <a:lstStyle/>
+          <a:p>
+            <a:endParaRPr lang="fr-FR" dirty="0"/>
+          </a:p>
+        </p:txBody>
+      </p:sp>
+      <p:pic>
+        <p:nvPicPr>
+          <p:cNvPr id="4" name="Image 3"/>
+          <p:cNvPicPr/>
+          <p:nvPr/>
+        </p:nvPicPr>
+        <p:blipFill>
+          <a:blip r:embed="rId2"/>
+          <a:stretch>
+            <a:fillRect/>
+          </a:stretch>
+        </p:blipFill>
+        <p:spPr>
+          <a:xfrm>
+            <a:off x="509405" y="2269307"/>
+            <a:ext cx="5760720" cy="4062730"/>
+          </a:xfrm>
+          <a:prstGeom prst="rect">
+            <a:avLst/>
+          </a:prstGeom>
+        </p:spPr>
+      </p:pic>
+      <p:sp>
+        <p:nvSpPr>
+          <p:cNvPr id="5" name="Rectangle 4"/>
+          <p:cNvSpPr/>
+          <p:nvPr/>
+        </p:nvSpPr>
+        <p:spPr>
+          <a:xfrm>
+            <a:off x="6270125" y="2269307"/>
+            <a:ext cx="6096000" cy="981423"/>
+          </a:xfrm>
+          <a:prstGeom prst="rect">
+            <a:avLst/>
+          </a:prstGeom>
+        </p:spPr>
+        <p:txBody>
+          <a:bodyPr>
+            <a:spAutoFit/>
+          </a:bodyPr>
+          <a:lstStyle/>
+          <a:p>
+            <a:pPr>
+              <a:lnSpc>
+                <a:spcPct val="107000"/>
+              </a:lnSpc>
+              <a:spcAft>
+                <a:spcPts val="800"/>
+              </a:spcAft>
+            </a:pPr>
+            <a:r>
+              <a:rPr lang="fr-FR" dirty="0">
+                <a:latin typeface="Calibri" panose="020F0502020204030204" pitchFamily="34" charset="0"/>
+                <a:ea typeface="Calibri" panose="020F0502020204030204" pitchFamily="34" charset="0"/>
+                <a:cs typeface="Times New Roman" panose="02020603050405020304" pitchFamily="18" charset="0"/>
+              </a:rPr>
+              <a:t>Ici deux captures d’écran de d’une des fonctionnalités de la gestion du back office qui est la modification d’un user (identifiant, mot de passe, privilèges).</a:t>
+            </a:r>
+            <a:endParaRPr lang="fr-FR" dirty="0">
+              <a:effectLst/>
+              <a:latin typeface="Calibri" panose="020F0502020204030204" pitchFamily="34" charset="0"/>
+              <a:ea typeface="Calibri" panose="020F0502020204030204" pitchFamily="34" charset="0"/>
+              <a:cs typeface="Times New Roman" panose="02020603050405020304" pitchFamily="18" charset="0"/>
+            </a:endParaRPr>
+          </a:p>
+        </p:txBody>
+      </p:sp>
+    </p:spTree>
+    <p:extLst>
+      <p:ext uri="{BB962C8B-B14F-4D97-AF65-F5344CB8AC3E}">
+        <p14:creationId xmlns:p14="http://schemas.microsoft.com/office/powerpoint/2010/main" val="336212512"/>
+      </p:ext>
+    </p:extLst>
+  </p:cSld>
+  <p:clrMapOvr>
+    <a:masterClrMapping/>
+  </p:clrMapOvr>
+</p:sld>
+</file>
+
+<file path=ppt/slides/slide74.xml><?xml version="1.0" encoding="utf-8"?>
 <p:sld xmlns:a="http://schemas.openxmlformats.org/drawingml/2006/main" xmlns:r="http://schemas.openxmlformats.org/officeDocument/2006/relationships" xmlns:p="http://schemas.openxmlformats.org/presentationml/2006/main">
   <p:cSld>
     <p:spTree>
@@ -14307,8 +14404,8 @@
         </p:blipFill>
         <p:spPr>
           <a:xfrm>
-            <a:off x="908276" y="2217924"/>
-            <a:ext cx="5760720" cy="4131310"/>
+            <a:off x="301524" y="2342802"/>
+            <a:ext cx="5760720" cy="2748280"/>
           </a:xfrm>
           <a:prstGeom prst="rect">
             <a:avLst/>
@@ -14323,8 +14420,8 @@
         </p:nvSpPr>
         <p:spPr>
           <a:xfrm>
-            <a:off x="6668995" y="2308803"/>
-            <a:ext cx="5278025" cy="685059"/>
+            <a:off x="6235582" y="2137703"/>
+            <a:ext cx="5685801" cy="1676741"/>
           </a:xfrm>
           <a:prstGeom prst="rect">
             <a:avLst/>
@@ -14350,7 +14447,25 @@
                 <a:ea typeface="Calibri" panose="020F0502020204030204" pitchFamily="34" charset="0"/>
                 <a:cs typeface="Times New Roman" panose="02020603050405020304" pitchFamily="18" charset="0"/>
               </a:rPr>
-              <a:t>Cette capture d’écran de l’IHM correspond à la modification de compte d’un utilisateur.</a:t>
+              <a:t> </a:t>
+            </a:r>
+          </a:p>
+          <a:p>
+            <a:pPr>
+              <a:lnSpc>
+                <a:spcPct val="107000"/>
+              </a:lnSpc>
+              <a:spcAft>
+                <a:spcPts val="800"/>
+              </a:spcAft>
+            </a:pPr>
+            <a:r>
+              <a:rPr lang="fr-FR" dirty="0">
+                <a:latin typeface="Calibri" panose="020F0502020204030204" pitchFamily="34" charset="0"/>
+                <a:ea typeface="Calibri" panose="020F0502020204030204" pitchFamily="34" charset="0"/>
+                <a:cs typeface="Times New Roman" panose="02020603050405020304" pitchFamily="18" charset="0"/>
+              </a:rPr>
+              <a:t>Ici une capture d’écran de la dernière fonctionnalité de la gestion du back office qui est la suppression d’utilisateur. On entre l’identifiant du compte à supprimer et on clique sur « Supprimer ».</a:t>
             </a:r>
             <a:endParaRPr lang="fr-FR" dirty="0">
               <a:effectLst/>
@@ -14364,7 +14479,7 @@
     </p:spTree>
     <p:extLst>
       <p:ext uri="{BB962C8B-B14F-4D97-AF65-F5344CB8AC3E}">
-        <p14:creationId xmlns:p14="http://schemas.microsoft.com/office/powerpoint/2010/main" val="915675606"/>
+        <p14:creationId xmlns:p14="http://schemas.microsoft.com/office/powerpoint/2010/main" val="466423135"/>
       </p:ext>
     </p:extLst>
   </p:cSld>
@@ -14374,7 +14489,7 @@
 </p:sld>
 </file>
 
-<file path=ppt/slides/slide74.xml><?xml version="1.0" encoding="utf-8"?>
+<file path=ppt/slides/slide75.xml><?xml version="1.0" encoding="utf-8"?>
 <p:sld xmlns:a="http://schemas.openxmlformats.org/drawingml/2006/main" xmlns:r="http://schemas.openxmlformats.org/officeDocument/2006/relationships" xmlns:p="http://schemas.openxmlformats.org/presentationml/2006/main">
   <p:cSld>
     <p:spTree>
@@ -14406,15 +14521,23 @@
           <a:bodyPr/>
           <a:lstStyle/>
           <a:p>
+            <a:r>
+              <a:rPr lang="fr-FR" dirty="0" smtClean="0"/>
+              <a:t>Module de test, Historique des bateaux</a:t>
+            </a:r>
             <a:endParaRPr lang="fr-FR" dirty="0"/>
           </a:p>
         </p:txBody>
       </p:sp>
       <p:pic>
         <p:nvPicPr>
-          <p:cNvPr id="4" name="Image 3"/>
-          <p:cNvPicPr/>
-          <p:nvPr/>
+          <p:cNvPr id="4" name="Espace réservé du contenu 3"/>
+          <p:cNvPicPr>
+            <a:picLocks noGrp="1"/>
+          </p:cNvPicPr>
+          <p:nvPr>
+            <p:ph idx="1"/>
+          </p:nvPr>
         </p:nvPicPr>
         <p:blipFill>
           <a:blip r:embed="rId2"/>
@@ -14424,8 +14547,8 @@
         </p:blipFill>
         <p:spPr>
           <a:xfrm>
-            <a:off x="509405" y="2269307"/>
-            <a:ext cx="5760720" cy="4062730"/>
+            <a:off x="680321" y="3023364"/>
+            <a:ext cx="2618356" cy="1052980"/>
           </a:xfrm>
           <a:prstGeom prst="rect">
             <a:avLst/>
@@ -14440,8 +14563,8 @@
         </p:nvSpPr>
         <p:spPr>
           <a:xfrm>
-            <a:off x="6270125" y="2269307"/>
-            <a:ext cx="6096000" cy="981423"/>
+            <a:off x="560680" y="2210692"/>
+            <a:ext cx="6096000" cy="685059"/>
           </a:xfrm>
           <a:prstGeom prst="rect">
             <a:avLst/>
@@ -14449,6 +14572,58 @@
         </p:spPr>
         <p:txBody>
           <a:bodyPr>
+            <a:spAutoFit/>
+          </a:bodyPr>
+          <a:lstStyle/>
+          <a:p>
+            <a:pPr>
+              <a:lnSpc>
+                <a:spcPct val="107000"/>
+              </a:lnSpc>
+              <a:spcBef>
+                <a:spcPts val="1200"/>
+              </a:spcBef>
+              <a:spcAft>
+                <a:spcPts val="0"/>
+              </a:spcAft>
+              <a:tabLst>
+                <a:tab pos="3452495" algn="l"/>
+              </a:tabLst>
+            </a:pPr>
+            <a:r>
+              <a:rPr lang="fr-FR" b="1" dirty="0">
+                <a:latin typeface="Calibri Light" panose="020F0302020204030204" pitchFamily="34" charset="0"/>
+                <a:ea typeface="Times New Roman" panose="02020603050405020304" pitchFamily="18" charset="0"/>
+                <a:cs typeface="Times New Roman" panose="02020603050405020304" pitchFamily="18" charset="0"/>
+              </a:rPr>
+              <a:t>Ce module de test aura pour but de confirmer la fonctionnalité  d’historisation des bateaux.</a:t>
+            </a:r>
+            <a:endParaRPr lang="fr-FR" sz="2800" b="1" dirty="0">
+              <a:effectLst/>
+              <a:latin typeface="Calibri Light" panose="020F0302020204030204" pitchFamily="34" charset="0"/>
+              <a:ea typeface="Times New Roman" panose="02020603050405020304" pitchFamily="18" charset="0"/>
+              <a:cs typeface="Times New Roman" panose="02020603050405020304" pitchFamily="18" charset="0"/>
+            </a:endParaRPr>
+          </a:p>
+        </p:txBody>
+      </p:sp>
+      <p:sp>
+        <p:nvSpPr>
+          <p:cNvPr id="6" name="Rectangle 5"/>
+          <p:cNvSpPr/>
+          <p:nvPr/>
+        </p:nvSpPr>
+        <p:spPr>
+          <a:xfrm>
+            <a:off x="560680" y="4322708"/>
+            <a:ext cx="10839410" cy="685059"/>
+          </a:xfrm>
+          <a:prstGeom prst="rect">
+            <a:avLst/>
+          </a:prstGeom>
+        </p:spPr>
+        <p:txBody>
+          <a:bodyPr wrap="square">
             <a:spAutoFit/>
           </a:bodyPr>
           <a:lstStyle/>
@@ -14467,7 +14642,7 @@
                 <a:ea typeface="Calibri" panose="020F0502020204030204" pitchFamily="34" charset="0"/>
                 <a:cs typeface="Times New Roman" panose="02020603050405020304" pitchFamily="18" charset="0"/>
               </a:rPr>
-              <a:t>Ici deux captures d’écran de d’une des fonctionnalités de la gestion du back office qui est la modification d’un user (identifiant, mot de passe, privilèges).</a:t>
+              <a:t>Pour réaliser cette fonctionnalité j’utilise un serveur Apache2 accompagné d’un module PHP. L’IHM va permettre à l’utilisateur d’afficher l’historique de donnée de ses bateaux.</a:t>
             </a:r>
             <a:endParaRPr lang="fr-FR" dirty="0">
               <a:effectLst/>
@@ -14481,7 +14656,7 @@
     </p:spTree>
     <p:extLst>
       <p:ext uri="{BB962C8B-B14F-4D97-AF65-F5344CB8AC3E}">
-        <p14:creationId xmlns:p14="http://schemas.microsoft.com/office/powerpoint/2010/main" val="336212512"/>
+        <p14:creationId xmlns:p14="http://schemas.microsoft.com/office/powerpoint/2010/main" val="4095681012"/>
       </p:ext>
     </p:extLst>
   </p:cSld>
@@ -14491,7 +14666,7 @@
 </p:sld>
 </file>
 
-<file path=ppt/slides/slide75.xml><?xml version="1.0" encoding="utf-8"?>
+<file path=ppt/slides/slide76.xml><?xml version="1.0" encoding="utf-8"?>
 <p:sld xmlns:a="http://schemas.openxmlformats.org/drawingml/2006/main" xmlns:r="http://schemas.openxmlformats.org/officeDocument/2006/relationships" xmlns:p="http://schemas.openxmlformats.org/presentationml/2006/main">
   <p:cSld>
     <p:spTree>
@@ -14522,8 +14697,8 @@
         </p:blipFill>
         <p:spPr>
           <a:xfrm>
-            <a:off x="301524" y="2342802"/>
-            <a:ext cx="5760720" cy="2748280"/>
+            <a:off x="557898" y="2291379"/>
+            <a:ext cx="5760720" cy="3505835"/>
           </a:xfrm>
           <a:prstGeom prst="rect">
             <a:avLst/>
@@ -14538,15 +14713,15 @@
         </p:nvSpPr>
         <p:spPr>
           <a:xfrm>
-            <a:off x="6235582" y="2137703"/>
-            <a:ext cx="5685801" cy="1676741"/>
+            <a:off x="6318618" y="2402808"/>
+            <a:ext cx="6096000" cy="685059"/>
           </a:xfrm>
           <a:prstGeom prst="rect">
             <a:avLst/>
           </a:prstGeom>
         </p:spPr>
         <p:txBody>
-          <a:bodyPr wrap="square">
+          <a:bodyPr>
             <a:spAutoFit/>
           </a:bodyPr>
           <a:lstStyle/>
@@ -14565,25 +14740,7 @@
                 <a:ea typeface="Calibri" panose="020F0502020204030204" pitchFamily="34" charset="0"/>
                 <a:cs typeface="Times New Roman" panose="02020603050405020304" pitchFamily="18" charset="0"/>
               </a:rPr>
-              <a:t> </a:t>
-            </a:r>
-          </a:p>
-          <a:p>
-            <a:pPr>
-              <a:lnSpc>
-                <a:spcPct val="107000"/>
-              </a:lnSpc>
-              <a:spcAft>
-                <a:spcPts val="800"/>
-              </a:spcAft>
-            </a:pPr>
-            <a:r>
-              <a:rPr lang="fr-FR" dirty="0">
-                <a:latin typeface="Calibri" panose="020F0502020204030204" pitchFamily="34" charset="0"/>
-                <a:ea typeface="Calibri" panose="020F0502020204030204" pitchFamily="34" charset="0"/>
-                <a:cs typeface="Times New Roman" panose="02020603050405020304" pitchFamily="18" charset="0"/>
-              </a:rPr>
-              <a:t>Ici une capture d’écran de la dernière fonctionnalité de la gestion du back office qui est la suppression d’utilisateur. On entre l’identifiant du compte à supprimer et on clique sur « Supprimer ».</a:t>
+              <a:t>Cette capture d’écran de l’IHM correspond au filtrage de l’historique.</a:t>
             </a:r>
             <a:endParaRPr lang="fr-FR" dirty="0">
               <a:effectLst/>
@@ -14597,184 +14754,7 @@
     </p:spTree>
     <p:extLst>
       <p:ext uri="{BB962C8B-B14F-4D97-AF65-F5344CB8AC3E}">
-        <p14:creationId xmlns:p14="http://schemas.microsoft.com/office/powerpoint/2010/main" val="466423135"/>
-      </p:ext>
-    </p:extLst>
-  </p:cSld>
-  <p:clrMapOvr>
-    <a:masterClrMapping/>
-  </p:clrMapOvr>
-</p:sld>
-</file>
-
-<file path=ppt/slides/slide76.xml><?xml version="1.0" encoding="utf-8"?>
-<p:sld xmlns:a="http://schemas.openxmlformats.org/drawingml/2006/main" xmlns:r="http://schemas.openxmlformats.org/officeDocument/2006/relationships" xmlns:p="http://schemas.openxmlformats.org/presentationml/2006/main">
-  <p:cSld>
-    <p:spTree>
-      <p:nvGrpSpPr>
-        <p:cNvPr id="1" name=""/>
-        <p:cNvGrpSpPr/>
-        <p:nvPr/>
-      </p:nvGrpSpPr>
-      <p:grpSpPr>
-        <a:xfrm>
-          <a:off x="0" y="0"/>
-          <a:ext cx="0" cy="0"/>
-          <a:chOff x="0" y="0"/>
-          <a:chExt cx="0" cy="0"/>
-        </a:xfrm>
-      </p:grpSpPr>
-      <p:sp>
-        <p:nvSpPr>
-          <p:cNvPr id="2" name="Titre 1"/>
-          <p:cNvSpPr>
-            <a:spLocks noGrp="1"/>
-          </p:cNvSpPr>
-          <p:nvPr>
-            <p:ph type="title"/>
-          </p:nvPr>
-        </p:nvSpPr>
-        <p:spPr/>
-        <p:txBody>
-          <a:bodyPr/>
-          <a:lstStyle/>
-          <a:p>
-            <a:r>
-              <a:rPr lang="fr-FR" dirty="0" smtClean="0"/>
-              <a:t>Module de test, Historique des bateaux</a:t>
-            </a:r>
-            <a:endParaRPr lang="fr-FR" dirty="0"/>
-          </a:p>
-        </p:txBody>
-      </p:sp>
-      <p:pic>
-        <p:nvPicPr>
-          <p:cNvPr id="4" name="Espace réservé du contenu 3"/>
-          <p:cNvPicPr>
-            <a:picLocks noGrp="1"/>
-          </p:cNvPicPr>
-          <p:nvPr>
-            <p:ph idx="1"/>
-          </p:nvPr>
-        </p:nvPicPr>
-        <p:blipFill>
-          <a:blip r:embed="rId2"/>
-          <a:stretch>
-            <a:fillRect/>
-          </a:stretch>
-        </p:blipFill>
-        <p:spPr>
-          <a:xfrm>
-            <a:off x="680321" y="3023364"/>
-            <a:ext cx="2618356" cy="1052980"/>
-          </a:xfrm>
-          <a:prstGeom prst="rect">
-            <a:avLst/>
-          </a:prstGeom>
-        </p:spPr>
-      </p:pic>
-      <p:sp>
-        <p:nvSpPr>
-          <p:cNvPr id="5" name="Rectangle 4"/>
-          <p:cNvSpPr/>
-          <p:nvPr/>
-        </p:nvSpPr>
-        <p:spPr>
-          <a:xfrm>
-            <a:off x="560680" y="2210692"/>
-            <a:ext cx="6096000" cy="685059"/>
-          </a:xfrm>
-          <a:prstGeom prst="rect">
-            <a:avLst/>
-          </a:prstGeom>
-        </p:spPr>
-        <p:txBody>
-          <a:bodyPr>
-            <a:spAutoFit/>
-          </a:bodyPr>
-          <a:lstStyle/>
-          <a:p>
-            <a:pPr>
-              <a:lnSpc>
-                <a:spcPct val="107000"/>
-              </a:lnSpc>
-              <a:spcBef>
-                <a:spcPts val="1200"/>
-              </a:spcBef>
-              <a:spcAft>
-                <a:spcPts val="0"/>
-              </a:spcAft>
-              <a:tabLst>
-                <a:tab pos="3452495" algn="l"/>
-              </a:tabLst>
-            </a:pPr>
-            <a:r>
-              <a:rPr lang="fr-FR" b="1" dirty="0">
-                <a:latin typeface="Calibri Light" panose="020F0302020204030204" pitchFamily="34" charset="0"/>
-                <a:ea typeface="Times New Roman" panose="02020603050405020304" pitchFamily="18" charset="0"/>
-                <a:cs typeface="Times New Roman" panose="02020603050405020304" pitchFamily="18" charset="0"/>
-              </a:rPr>
-              <a:t>Ce module de test aura pour but de confirmer la fonctionnalité  d’historisation des bateaux.</a:t>
-            </a:r>
-            <a:endParaRPr lang="fr-FR" sz="2800" b="1" dirty="0">
-              <a:effectLst/>
-              <a:latin typeface="Calibri Light" panose="020F0302020204030204" pitchFamily="34" charset="0"/>
-              <a:ea typeface="Times New Roman" panose="02020603050405020304" pitchFamily="18" charset="0"/>
-              <a:cs typeface="Times New Roman" panose="02020603050405020304" pitchFamily="18" charset="0"/>
-            </a:endParaRPr>
-          </a:p>
-        </p:txBody>
-      </p:sp>
-      <p:sp>
-        <p:nvSpPr>
-          <p:cNvPr id="6" name="Rectangle 5"/>
-          <p:cNvSpPr/>
-          <p:nvPr/>
-        </p:nvSpPr>
-        <p:spPr>
-          <a:xfrm>
-            <a:off x="560680" y="4322708"/>
-            <a:ext cx="10839410" cy="685059"/>
-          </a:xfrm>
-          <a:prstGeom prst="rect">
-            <a:avLst/>
-          </a:prstGeom>
-        </p:spPr>
-        <p:txBody>
-          <a:bodyPr wrap="square">
-            <a:spAutoFit/>
-          </a:bodyPr>
-          <a:lstStyle/>
-          <a:p>
-            <a:pPr>
-              <a:lnSpc>
-                <a:spcPct val="107000"/>
-              </a:lnSpc>
-              <a:spcAft>
-                <a:spcPts val="800"/>
-              </a:spcAft>
-            </a:pPr>
-            <a:r>
-              <a:rPr lang="fr-FR" dirty="0">
-                <a:latin typeface="Calibri" panose="020F0502020204030204" pitchFamily="34" charset="0"/>
-                <a:ea typeface="Calibri" panose="020F0502020204030204" pitchFamily="34" charset="0"/>
-                <a:cs typeface="Times New Roman" panose="02020603050405020304" pitchFamily="18" charset="0"/>
-              </a:rPr>
-              <a:t>Pour réaliser cette fonctionnalité j’utilise un serveur Apache2 accompagné d’un module PHP. L’IHM va permettre à l’utilisateur d’afficher l’historique de donnée de ses bateaux.</a:t>
-            </a:r>
-            <a:endParaRPr lang="fr-FR" dirty="0">
-              <a:effectLst/>
-              <a:latin typeface="Calibri" panose="020F0502020204030204" pitchFamily="34" charset="0"/>
-              <a:ea typeface="Calibri" panose="020F0502020204030204" pitchFamily="34" charset="0"/>
-              <a:cs typeface="Times New Roman" panose="02020603050405020304" pitchFamily="18" charset="0"/>
-            </a:endParaRPr>
-          </a:p>
-        </p:txBody>
-      </p:sp>
-    </p:spTree>
-    <p:extLst>
-      <p:ext uri="{BB962C8B-B14F-4D97-AF65-F5344CB8AC3E}">
-        <p14:creationId xmlns:p14="http://schemas.microsoft.com/office/powerpoint/2010/main" val="4095681012"/>
+        <p14:creationId xmlns:p14="http://schemas.microsoft.com/office/powerpoint/2010/main" val="321817164"/>
       </p:ext>
     </p:extLst>
   </p:cSld>
@@ -14815,8 +14795,8 @@
         </p:blipFill>
         <p:spPr>
           <a:xfrm>
-            <a:off x="557898" y="2291379"/>
-            <a:ext cx="5760720" cy="3505835"/>
+            <a:off x="258794" y="2229357"/>
+            <a:ext cx="7116225" cy="2838299"/>
           </a:xfrm>
           <a:prstGeom prst="rect">
             <a:avLst/>
@@ -14831,15 +14811,15 @@
         </p:nvSpPr>
         <p:spPr>
           <a:xfrm>
-            <a:off x="6318618" y="2402808"/>
-            <a:ext cx="6096000" cy="685059"/>
+            <a:off x="7542873" y="2229357"/>
+            <a:ext cx="4848530" cy="2862194"/>
           </a:xfrm>
           <a:prstGeom prst="rect">
             <a:avLst/>
           </a:prstGeom>
         </p:spPr>
         <p:txBody>
-          <a:bodyPr>
+          <a:bodyPr wrap="square">
             <a:spAutoFit/>
           </a:bodyPr>
           <a:lstStyle/>
@@ -14858,12 +14838,132 @@
                 <a:ea typeface="Calibri" panose="020F0502020204030204" pitchFamily="34" charset="0"/>
                 <a:cs typeface="Times New Roman" panose="02020603050405020304" pitchFamily="18" charset="0"/>
               </a:rPr>
-              <a:t>Cette capture d’écran de l’IHM correspond au filtrage de l’historique.</a:t>
+              <a:t>Cette capture d’écran de l’IHM correspond à l’affichage des données du tableau avec les données suivantes :</a:t>
+            </a:r>
+          </a:p>
+          <a:p>
+            <a:pPr marL="342900" lvl="0" indent="-342900">
+              <a:lnSpc>
+                <a:spcPct val="107000"/>
+              </a:lnSpc>
+              <a:spcAft>
+                <a:spcPts val="0"/>
+              </a:spcAft>
+              <a:buFont typeface="Calibri Light" panose="020F0302020204030204" pitchFamily="34" charset="0"/>
+              <a:buChar char="-"/>
+            </a:pPr>
+            <a:r>
+              <a:rPr lang="fr-FR" dirty="0">
+                <a:latin typeface="Calibri" panose="020F0502020204030204" pitchFamily="34" charset="0"/>
+                <a:ea typeface="Times New Roman" panose="02020603050405020304" pitchFamily="18" charset="0"/>
+                <a:cs typeface="Times New Roman" panose="02020603050405020304" pitchFamily="18" charset="0"/>
+              </a:rPr>
+              <a:t>L’identifiant</a:t>
+            </a:r>
+          </a:p>
+          <a:p>
+            <a:pPr marL="342900" lvl="0" indent="-342900">
+              <a:lnSpc>
+                <a:spcPct val="107000"/>
+              </a:lnSpc>
+              <a:spcAft>
+                <a:spcPts val="0"/>
+              </a:spcAft>
+              <a:buFont typeface="Calibri Light" panose="020F0302020204030204" pitchFamily="34" charset="0"/>
+              <a:buChar char="-"/>
+            </a:pPr>
+            <a:r>
+              <a:rPr lang="fr-FR" dirty="0">
+                <a:latin typeface="Calibri" panose="020F0502020204030204" pitchFamily="34" charset="0"/>
+                <a:ea typeface="Times New Roman" panose="02020603050405020304" pitchFamily="18" charset="0"/>
+                <a:cs typeface="Times New Roman" panose="02020603050405020304" pitchFamily="18" charset="0"/>
+              </a:rPr>
+              <a:t>Le positionnement GPS</a:t>
+            </a:r>
+          </a:p>
+          <a:p>
+            <a:pPr marL="342900" lvl="0" indent="-342900">
+              <a:lnSpc>
+                <a:spcPct val="107000"/>
+              </a:lnSpc>
+              <a:spcAft>
+                <a:spcPts val="0"/>
+              </a:spcAft>
+              <a:buFont typeface="Calibri Light" panose="020F0302020204030204" pitchFamily="34" charset="0"/>
+              <a:buChar char="-"/>
+            </a:pPr>
+            <a:r>
+              <a:rPr lang="fr-FR" dirty="0">
+                <a:latin typeface="Calibri" panose="020F0502020204030204" pitchFamily="34" charset="0"/>
+                <a:ea typeface="Times New Roman" panose="02020603050405020304" pitchFamily="18" charset="0"/>
+                <a:cs typeface="Times New Roman" panose="02020603050405020304" pitchFamily="18" charset="0"/>
+              </a:rPr>
+              <a:t>La profondeur </a:t>
+            </a:r>
+          </a:p>
+          <a:p>
+            <a:pPr marL="342900" lvl="0" indent="-342900">
+              <a:lnSpc>
+                <a:spcPct val="107000"/>
+              </a:lnSpc>
+              <a:spcAft>
+                <a:spcPts val="0"/>
+              </a:spcAft>
+              <a:buFont typeface="Calibri Light" panose="020F0302020204030204" pitchFamily="34" charset="0"/>
+              <a:buChar char="-"/>
+            </a:pPr>
+            <a:r>
+              <a:rPr lang="fr-FR" dirty="0">
+                <a:latin typeface="Calibri" panose="020F0502020204030204" pitchFamily="34" charset="0"/>
+                <a:ea typeface="Times New Roman" panose="02020603050405020304" pitchFamily="18" charset="0"/>
+                <a:cs typeface="Times New Roman" panose="02020603050405020304" pitchFamily="18" charset="0"/>
+              </a:rPr>
+              <a:t>La vitesse </a:t>
+            </a:r>
+          </a:p>
+          <a:p>
+            <a:pPr marL="342900" lvl="0" indent="-342900">
+              <a:lnSpc>
+                <a:spcPct val="107000"/>
+              </a:lnSpc>
+              <a:spcAft>
+                <a:spcPts val="0"/>
+              </a:spcAft>
+              <a:buFont typeface="Calibri Light" panose="020F0302020204030204" pitchFamily="34" charset="0"/>
+              <a:buChar char="-"/>
+            </a:pPr>
+            <a:r>
+              <a:rPr lang="fr-FR" dirty="0">
+                <a:latin typeface="Calibri" panose="020F0502020204030204" pitchFamily="34" charset="0"/>
+                <a:ea typeface="Times New Roman" panose="02020603050405020304" pitchFamily="18" charset="0"/>
+                <a:cs typeface="Times New Roman" panose="02020603050405020304" pitchFamily="18" charset="0"/>
+              </a:rPr>
+              <a:t>Le niveau de batterie </a:t>
+            </a:r>
+          </a:p>
+          <a:p>
+            <a:pPr marL="342900" lvl="0" indent="-342900">
+              <a:lnSpc>
+                <a:spcPct val="107000"/>
+              </a:lnSpc>
+              <a:spcAft>
+                <a:spcPts val="800"/>
+              </a:spcAft>
+              <a:buFont typeface="Calibri Light" panose="020F0302020204030204" pitchFamily="34" charset="0"/>
+              <a:buChar char="-"/>
+            </a:pPr>
+            <a:r>
+              <a:rPr lang="fr-FR" dirty="0">
+                <a:latin typeface="Calibri" panose="020F0502020204030204" pitchFamily="34" charset="0"/>
+                <a:ea typeface="Times New Roman" panose="02020603050405020304" pitchFamily="18" charset="0"/>
+                <a:cs typeface="Times New Roman" panose="02020603050405020304" pitchFamily="18" charset="0"/>
+              </a:rPr>
+              <a:t>Date de réception </a:t>
             </a:r>
             <a:endParaRPr lang="fr-FR" dirty="0">
               <a:effectLst/>
               <a:latin typeface="Calibri" panose="020F0502020204030204" pitchFamily="34" charset="0"/>
-              <a:ea typeface="Calibri" panose="020F0502020204030204" pitchFamily="34" charset="0"/>
+              <a:ea typeface="Times New Roman" panose="02020603050405020304" pitchFamily="18" charset="0"/>
               <a:cs typeface="Times New Roman" panose="02020603050405020304" pitchFamily="18" charset="0"/>
             </a:endParaRPr>
           </a:p>
@@ -14872,7 +14972,7 @@
     </p:spTree>
     <p:extLst>
       <p:ext uri="{BB962C8B-B14F-4D97-AF65-F5344CB8AC3E}">
-        <p14:creationId xmlns:p14="http://schemas.microsoft.com/office/powerpoint/2010/main" val="321817164"/>
+        <p14:creationId xmlns:p14="http://schemas.microsoft.com/office/powerpoint/2010/main" val="2408392620"/>
       </p:ext>
     </p:extLst>
   </p:cSld>
@@ -14899,6 +14999,29 @@
           <a:chExt cx="0" cy="0"/>
         </a:xfrm>
       </p:grpSpPr>
+      <p:sp>
+        <p:nvSpPr>
+          <p:cNvPr id="2" name="Titre 1"/>
+          <p:cNvSpPr>
+            <a:spLocks noGrp="1"/>
+          </p:cNvSpPr>
+          <p:nvPr>
+            <p:ph type="title"/>
+          </p:nvPr>
+        </p:nvSpPr>
+        <p:spPr/>
+        <p:txBody>
+          <a:bodyPr/>
+          <a:lstStyle/>
+          <a:p>
+            <a:r>
+              <a:rPr lang="fr-FR" dirty="0" smtClean="0"/>
+              <a:t>UML liés au module de test:</a:t>
+            </a:r>
+            <a:endParaRPr lang="fr-FR" dirty="0"/>
+          </a:p>
+        </p:txBody>
+      </p:sp>
       <p:pic>
         <p:nvPicPr>
           <p:cNvPr id="4" name="Image 3"/>
@@ -14906,191 +15029,31 @@
           <p:nvPr/>
         </p:nvPicPr>
         <p:blipFill>
-          <a:blip r:embed="rId2"/>
+          <a:blip r:embed="rId2">
+            <a:extLst>
+              <a:ext uri="{28A0092B-C50C-407E-A947-70E740481C1C}">
+                <a14:useLocalDpi xmlns:a14="http://schemas.microsoft.com/office/drawing/2010/main" val="0"/>
+              </a:ext>
+            </a:extLst>
+          </a:blip>
           <a:stretch>
             <a:fillRect/>
           </a:stretch>
         </p:blipFill>
         <p:spPr>
           <a:xfrm>
-            <a:off x="258794" y="2229357"/>
-            <a:ext cx="7116225" cy="2838299"/>
+            <a:off x="985188" y="2399279"/>
+            <a:ext cx="5760720" cy="3119120"/>
           </a:xfrm>
           <a:prstGeom prst="rect">
             <a:avLst/>
           </a:prstGeom>
         </p:spPr>
       </p:pic>
-      <p:sp>
-        <p:nvSpPr>
-          <p:cNvPr id="5" name="Rectangle 4"/>
-          <p:cNvSpPr/>
-          <p:nvPr/>
-        </p:nvSpPr>
-        <p:spPr>
-          <a:xfrm>
-            <a:off x="7542873" y="2229357"/>
-            <a:ext cx="4848530" cy="2862194"/>
-          </a:xfrm>
-          <a:prstGeom prst="rect">
-            <a:avLst/>
-          </a:prstGeom>
-        </p:spPr>
-        <p:txBody>
-          <a:bodyPr wrap="square">
-            <a:spAutoFit/>
-          </a:bodyPr>
-          <a:lstStyle/>
-          <a:p>
-            <a:pPr>
-              <a:lnSpc>
-                <a:spcPct val="107000"/>
-              </a:lnSpc>
-              <a:spcAft>
-                <a:spcPts val="800"/>
-              </a:spcAft>
-            </a:pPr>
-            <a:r>
-              <a:rPr lang="fr-FR" dirty="0">
-                <a:latin typeface="Calibri" panose="020F0502020204030204" pitchFamily="34" charset="0"/>
-                <a:ea typeface="Calibri" panose="020F0502020204030204" pitchFamily="34" charset="0"/>
-                <a:cs typeface="Times New Roman" panose="02020603050405020304" pitchFamily="18" charset="0"/>
-              </a:rPr>
-              <a:t>Cette capture d’écran de l’IHM correspond à l’affichage des données du tableau avec les données suivantes :</a:t>
-            </a:r>
-          </a:p>
-          <a:p>
-            <a:pPr marL="342900" lvl="0" indent="-342900">
-              <a:lnSpc>
-                <a:spcPct val="107000"/>
-              </a:lnSpc>
-              <a:spcAft>
-                <a:spcPts val="0"/>
-              </a:spcAft>
-              <a:buFont typeface="Calibri Light" panose="020F0302020204030204" pitchFamily="34" charset="0"/>
-              <a:buChar char="-"/>
-            </a:pPr>
-            <a:r>
-              <a:rPr lang="fr-FR" dirty="0">
-                <a:latin typeface="Calibri" panose="020F0502020204030204" pitchFamily="34" charset="0"/>
-                <a:ea typeface="Times New Roman" panose="02020603050405020304" pitchFamily="18" charset="0"/>
-                <a:cs typeface="Times New Roman" panose="02020603050405020304" pitchFamily="18" charset="0"/>
-              </a:rPr>
-              <a:t>L’identifiant</a:t>
-            </a:r>
-          </a:p>
-          <a:p>
-            <a:pPr marL="342900" lvl="0" indent="-342900">
-              <a:lnSpc>
-                <a:spcPct val="107000"/>
-              </a:lnSpc>
-              <a:spcAft>
-                <a:spcPts val="0"/>
-              </a:spcAft>
-              <a:buFont typeface="Calibri Light" panose="020F0302020204030204" pitchFamily="34" charset="0"/>
-              <a:buChar char="-"/>
-            </a:pPr>
-            <a:r>
-              <a:rPr lang="fr-FR" dirty="0">
-                <a:latin typeface="Calibri" panose="020F0502020204030204" pitchFamily="34" charset="0"/>
-                <a:ea typeface="Times New Roman" panose="02020603050405020304" pitchFamily="18" charset="0"/>
-                <a:cs typeface="Times New Roman" panose="02020603050405020304" pitchFamily="18" charset="0"/>
-              </a:rPr>
-              <a:t>Le positionnement GPS</a:t>
-            </a:r>
-          </a:p>
-          <a:p>
-            <a:pPr marL="342900" lvl="0" indent="-342900">
-              <a:lnSpc>
-                <a:spcPct val="107000"/>
-              </a:lnSpc>
-              <a:spcAft>
-                <a:spcPts val="0"/>
-              </a:spcAft>
-              <a:buFont typeface="Calibri Light" panose="020F0302020204030204" pitchFamily="34" charset="0"/>
-              <a:buChar char="-"/>
-            </a:pPr>
-            <a:r>
-              <a:rPr lang="fr-FR" dirty="0">
-                <a:latin typeface="Calibri" panose="020F0502020204030204" pitchFamily="34" charset="0"/>
-                <a:ea typeface="Times New Roman" panose="02020603050405020304" pitchFamily="18" charset="0"/>
-                <a:cs typeface="Times New Roman" panose="02020603050405020304" pitchFamily="18" charset="0"/>
-              </a:rPr>
-              <a:t>La profondeur </a:t>
-            </a:r>
-          </a:p>
-          <a:p>
-            <a:pPr marL="342900" lvl="0" indent="-342900">
-              <a:lnSpc>
-                <a:spcPct val="107000"/>
-              </a:lnSpc>
-              <a:spcAft>
-                <a:spcPts val="0"/>
-              </a:spcAft>
-              <a:buFont typeface="Calibri Light" panose="020F0302020204030204" pitchFamily="34" charset="0"/>
-              <a:buChar char="-"/>
-            </a:pPr>
-            <a:r>
-              <a:rPr lang="fr-FR" dirty="0">
-                <a:latin typeface="Calibri" panose="020F0502020204030204" pitchFamily="34" charset="0"/>
-                <a:ea typeface="Times New Roman" panose="02020603050405020304" pitchFamily="18" charset="0"/>
-                <a:cs typeface="Times New Roman" panose="02020603050405020304" pitchFamily="18" charset="0"/>
-              </a:rPr>
-              <a:t>La vitesse </a:t>
-            </a:r>
-          </a:p>
-          <a:p>
-            <a:pPr marL="342900" lvl="0" indent="-342900">
-              <a:lnSpc>
-                <a:spcPct val="107000"/>
-              </a:lnSpc>
-              <a:spcAft>
-                <a:spcPts val="0"/>
-              </a:spcAft>
-              <a:buFont typeface="Calibri Light" panose="020F0302020204030204" pitchFamily="34" charset="0"/>
-              <a:buChar char="-"/>
-            </a:pPr>
-            <a:r>
-              <a:rPr lang="fr-FR" dirty="0">
-                <a:latin typeface="Calibri" panose="020F0502020204030204" pitchFamily="34" charset="0"/>
-                <a:ea typeface="Times New Roman" panose="02020603050405020304" pitchFamily="18" charset="0"/>
-                <a:cs typeface="Times New Roman" panose="02020603050405020304" pitchFamily="18" charset="0"/>
-              </a:rPr>
-              <a:t>Le niveau de batterie </a:t>
-            </a:r>
-          </a:p>
-          <a:p>
-            <a:pPr marL="342900" lvl="0" indent="-342900">
-              <a:lnSpc>
-                <a:spcPct val="107000"/>
-              </a:lnSpc>
-              <a:spcAft>
-                <a:spcPts val="800"/>
-              </a:spcAft>
-              <a:buFont typeface="Calibri Light" panose="020F0302020204030204" pitchFamily="34" charset="0"/>
-              <a:buChar char="-"/>
-            </a:pPr>
-            <a:r>
-              <a:rPr lang="fr-FR" dirty="0">
-                <a:latin typeface="Calibri" panose="020F0502020204030204" pitchFamily="34" charset="0"/>
-                <a:ea typeface="Times New Roman" panose="02020603050405020304" pitchFamily="18" charset="0"/>
-                <a:cs typeface="Times New Roman" panose="02020603050405020304" pitchFamily="18" charset="0"/>
-              </a:rPr>
-              <a:t>Date de réception </a:t>
-            </a:r>
-            <a:endParaRPr lang="fr-FR" dirty="0">
-              <a:effectLst/>
-              <a:latin typeface="Calibri" panose="020F0502020204030204" pitchFamily="34" charset="0"/>
-              <a:ea typeface="Times New Roman" panose="02020603050405020304" pitchFamily="18" charset="0"/>
-              <a:cs typeface="Times New Roman" panose="02020603050405020304" pitchFamily="18" charset="0"/>
-            </a:endParaRPr>
-          </a:p>
-        </p:txBody>
-      </p:sp>
     </p:spTree>
     <p:extLst>
       <p:ext uri="{BB962C8B-B14F-4D97-AF65-F5344CB8AC3E}">
-        <p14:creationId xmlns:p14="http://schemas.microsoft.com/office/powerpoint/2010/main" val="2408392620"/>
+        <p14:creationId xmlns:p14="http://schemas.microsoft.com/office/powerpoint/2010/main" val="2862454602"/>
       </p:ext>
     </p:extLst>
   </p:cSld>
@@ -15133,45 +15096,48 @@
           <a:lstStyle/>
           <a:p>
             <a:r>
-              <a:rPr lang="fr-FR" dirty="0" smtClean="0"/>
-              <a:t>UML liés au module de test:</a:t>
-            </a:r>
+              <a:rPr lang="fr-FR" dirty="0"/>
+              <a:t>Problèmes rencontrés : </a:t>
+            </a:r>
+            <a:br>
+              <a:rPr lang="fr-FR" dirty="0"/>
+            </a:br>
             <a:endParaRPr lang="fr-FR" dirty="0"/>
           </a:p>
         </p:txBody>
       </p:sp>
-      <p:pic>
-        <p:nvPicPr>
-          <p:cNvPr id="4" name="Image 3"/>
-          <p:cNvPicPr/>
-          <p:nvPr/>
-        </p:nvPicPr>
-        <p:blipFill>
-          <a:blip r:embed="rId2">
-            <a:extLst>
-              <a:ext uri="{28A0092B-C50C-407E-A947-70E740481C1C}">
-                <a14:useLocalDpi xmlns:a14="http://schemas.microsoft.com/office/drawing/2010/main" val="0"/>
-              </a:ext>
-            </a:extLst>
-          </a:blip>
-          <a:stretch>
-            <a:fillRect/>
-          </a:stretch>
-        </p:blipFill>
-        <p:spPr>
-          <a:xfrm>
-            <a:off x="985188" y="2399279"/>
-            <a:ext cx="5760720" cy="3119120"/>
-          </a:xfrm>
-          <a:prstGeom prst="rect">
-            <a:avLst/>
-          </a:prstGeom>
-        </p:spPr>
-      </p:pic>
+      <p:sp>
+        <p:nvSpPr>
+          <p:cNvPr id="3" name="Espace réservé du contenu 2"/>
+          <p:cNvSpPr>
+            <a:spLocks noGrp="1"/>
+          </p:cNvSpPr>
+          <p:nvPr>
+            <p:ph idx="1"/>
+          </p:nvPr>
+        </p:nvSpPr>
+        <p:spPr/>
+        <p:txBody>
+          <a:bodyPr/>
+          <a:lstStyle/>
+          <a:p>
+            <a:pPr marL="0" indent="0">
+              <a:buNone/>
+            </a:pPr>
+            <a:r>
+              <a:rPr lang="fr-FR" dirty="0"/>
+              <a:t>Problèmes pour récupérer les données depuis la BDD.</a:t>
+            </a:r>
+          </a:p>
+          <a:p>
+            <a:endParaRPr lang="fr-FR" dirty="0"/>
+          </a:p>
+        </p:txBody>
+      </p:sp>
     </p:spTree>
     <p:extLst>
       <p:ext uri="{BB962C8B-B14F-4D97-AF65-F5344CB8AC3E}">
-        <p14:creationId xmlns:p14="http://schemas.microsoft.com/office/powerpoint/2010/main" val="2862454602"/>
+        <p14:creationId xmlns:p14="http://schemas.microsoft.com/office/powerpoint/2010/main" val="1636502990"/>
       </p:ext>
     </p:extLst>
   </p:cSld>
@@ -15307,48 +15273,45 @@
           <a:lstStyle/>
           <a:p>
             <a:r>
-              <a:rPr lang="fr-FR" dirty="0"/>
-              <a:t>Problèmes rencontrés : </a:t>
-            </a:r>
-            <a:br>
-              <a:rPr lang="fr-FR" dirty="0"/>
-            </a:br>
+              <a:rPr lang="fr-FR" dirty="0" smtClean="0"/>
+              <a:t>Scénarios(description simplifiée)</a:t>
+            </a:r>
             <a:endParaRPr lang="fr-FR" dirty="0"/>
           </a:p>
         </p:txBody>
       </p:sp>
-      <p:sp>
-        <p:nvSpPr>
-          <p:cNvPr id="3" name="Espace réservé du contenu 2"/>
-          <p:cNvSpPr>
-            <a:spLocks noGrp="1"/>
-          </p:cNvSpPr>
-          <p:nvPr>
-            <p:ph idx="1"/>
-          </p:nvPr>
-        </p:nvSpPr>
-        <p:spPr/>
-        <p:txBody>
-          <a:bodyPr/>
-          <a:lstStyle/>
-          <a:p>
-            <a:pPr marL="0" indent="0">
-              <a:buNone/>
-            </a:pPr>
-            <a:r>
-              <a:rPr lang="fr-FR" dirty="0"/>
-              <a:t>Problèmes pour récupérer les données depuis la BDD.</a:t>
-            </a:r>
-          </a:p>
-          <a:p>
-            <a:endParaRPr lang="fr-FR" dirty="0"/>
-          </a:p>
-        </p:txBody>
-      </p:sp>
+      <p:pic>
+        <p:nvPicPr>
+          <p:cNvPr id="4" name="Image 3"/>
+          <p:cNvPicPr/>
+          <p:nvPr/>
+        </p:nvPicPr>
+        <p:blipFill>
+          <a:blip r:embed="rId2">
+            <a:extLst>
+              <a:ext uri="{28A0092B-C50C-407E-A947-70E740481C1C}">
+                <a14:useLocalDpi xmlns:a14="http://schemas.microsoft.com/office/drawing/2010/main" val="0"/>
+              </a:ext>
+            </a:extLst>
+          </a:blip>
+          <a:stretch>
+            <a:fillRect/>
+          </a:stretch>
+        </p:blipFill>
+        <p:spPr>
+          <a:xfrm>
+            <a:off x="680321" y="2378088"/>
+            <a:ext cx="6526566" cy="3270682"/>
+          </a:xfrm>
+          <a:prstGeom prst="rect">
+            <a:avLst/>
+          </a:prstGeom>
+        </p:spPr>
+      </p:pic>
     </p:spTree>
     <p:extLst>
       <p:ext uri="{BB962C8B-B14F-4D97-AF65-F5344CB8AC3E}">
-        <p14:creationId xmlns:p14="http://schemas.microsoft.com/office/powerpoint/2010/main" val="1636502990"/>
+        <p14:creationId xmlns:p14="http://schemas.microsoft.com/office/powerpoint/2010/main" val="452377449"/>
       </p:ext>
     </p:extLst>
   </p:cSld>
@@ -15375,29 +15338,6 @@
           <a:chExt cx="0" cy="0"/>
         </a:xfrm>
       </p:grpSpPr>
-      <p:sp>
-        <p:nvSpPr>
-          <p:cNvPr id="2" name="Titre 1"/>
-          <p:cNvSpPr>
-            <a:spLocks noGrp="1"/>
-          </p:cNvSpPr>
-          <p:nvPr>
-            <p:ph type="title"/>
-          </p:nvPr>
-        </p:nvSpPr>
-        <p:spPr/>
-        <p:txBody>
-          <a:bodyPr/>
-          <a:lstStyle/>
-          <a:p>
-            <a:r>
-              <a:rPr lang="fr-FR" dirty="0" smtClean="0"/>
-              <a:t>Scénarios(description simplifiée)</a:t>
-            </a:r>
-            <a:endParaRPr lang="fr-FR" dirty="0"/>
-          </a:p>
-        </p:txBody>
-      </p:sp>
       <p:pic>
         <p:nvPicPr>
           <p:cNvPr id="4" name="Image 3"/>
@@ -15418,8 +15358,8 @@
         </p:blipFill>
         <p:spPr>
           <a:xfrm>
-            <a:off x="680321" y="2378088"/>
-            <a:ext cx="6526566" cy="3270682"/>
+            <a:off x="549350" y="2579436"/>
+            <a:ext cx="6586387" cy="2924056"/>
           </a:xfrm>
           <a:prstGeom prst="rect">
             <a:avLst/>
@@ -15429,7 +15369,7 @@
     </p:spTree>
     <p:extLst>
       <p:ext uri="{BB962C8B-B14F-4D97-AF65-F5344CB8AC3E}">
-        <p14:creationId xmlns:p14="http://schemas.microsoft.com/office/powerpoint/2010/main" val="452377449"/>
+        <p14:creationId xmlns:p14="http://schemas.microsoft.com/office/powerpoint/2010/main" val="3818596641"/>
       </p:ext>
     </p:extLst>
   </p:cSld>
@@ -15476,8 +15416,8 @@
         </p:blipFill>
         <p:spPr>
           <a:xfrm>
-            <a:off x="549350" y="2579436"/>
-            <a:ext cx="6586387" cy="2924056"/>
+            <a:off x="745906" y="2493936"/>
+            <a:ext cx="6518019" cy="2650632"/>
           </a:xfrm>
           <a:prstGeom prst="rect">
             <a:avLst/>
@@ -15487,7 +15427,7 @@
     </p:spTree>
     <p:extLst>
       <p:ext uri="{BB962C8B-B14F-4D97-AF65-F5344CB8AC3E}">
-        <p14:creationId xmlns:p14="http://schemas.microsoft.com/office/powerpoint/2010/main" val="3818596641"/>
+        <p14:creationId xmlns:p14="http://schemas.microsoft.com/office/powerpoint/2010/main" val="3866977762"/>
       </p:ext>
     </p:extLst>
   </p:cSld>
@@ -15534,8 +15474,8 @@
         </p:blipFill>
         <p:spPr>
           <a:xfrm>
-            <a:off x="745906" y="2493936"/>
-            <a:ext cx="6518019" cy="2650632"/>
+            <a:off x="421164" y="2465994"/>
+            <a:ext cx="6663299" cy="2772579"/>
           </a:xfrm>
           <a:prstGeom prst="rect">
             <a:avLst/>
@@ -15545,7 +15485,7 @@
     </p:spTree>
     <p:extLst>
       <p:ext uri="{BB962C8B-B14F-4D97-AF65-F5344CB8AC3E}">
-        <p14:creationId xmlns:p14="http://schemas.microsoft.com/office/powerpoint/2010/main" val="3866977762"/>
+        <p14:creationId xmlns:p14="http://schemas.microsoft.com/office/powerpoint/2010/main" val="1377866347"/>
       </p:ext>
     </p:extLst>
   </p:cSld>
@@ -15556,6 +15496,86 @@
 </file>
 
 <file path=ppt/slides/slide84.xml><?xml version="1.0" encoding="utf-8"?>
+<p:sld xmlns:a="http://schemas.openxmlformats.org/drawingml/2006/main" xmlns:r="http://schemas.openxmlformats.org/officeDocument/2006/relationships" xmlns:p="http://schemas.openxmlformats.org/presentationml/2006/main">
+  <p:cSld>
+    <p:spTree>
+      <p:nvGrpSpPr>
+        <p:cNvPr id="1" name=""/>
+        <p:cNvGrpSpPr/>
+        <p:nvPr/>
+      </p:nvGrpSpPr>
+      <p:grpSpPr>
+        <a:xfrm>
+          <a:off x="0" y="0"/>
+          <a:ext cx="0" cy="0"/>
+          <a:chOff x="0" y="0"/>
+          <a:chExt cx="0" cy="0"/>
+        </a:xfrm>
+      </p:grpSpPr>
+      <p:sp>
+        <p:nvSpPr>
+          <p:cNvPr id="2" name="Titre 1"/>
+          <p:cNvSpPr>
+            <a:spLocks noGrp="1"/>
+          </p:cNvSpPr>
+          <p:nvPr>
+            <p:ph type="title"/>
+          </p:nvPr>
+        </p:nvSpPr>
+        <p:spPr/>
+        <p:txBody>
+          <a:bodyPr/>
+          <a:lstStyle/>
+          <a:p>
+            <a:r>
+              <a:rPr lang="fr-FR" dirty="0"/>
+              <a:t>Scénarios (description détaillé)</a:t>
+            </a:r>
+          </a:p>
+        </p:txBody>
+      </p:sp>
+      <p:pic>
+        <p:nvPicPr>
+          <p:cNvPr id="4" name="Image 3"/>
+          <p:cNvPicPr/>
+          <p:nvPr/>
+        </p:nvPicPr>
+        <p:blipFill>
+          <a:blip r:embed="rId2">
+            <a:extLst>
+              <a:ext uri="{28A0092B-C50C-407E-A947-70E740481C1C}">
+                <a14:useLocalDpi xmlns:a14="http://schemas.microsoft.com/office/drawing/2010/main" val="0"/>
+              </a:ext>
+            </a:extLst>
+          </a:blip>
+          <a:stretch>
+            <a:fillRect/>
+          </a:stretch>
+        </p:blipFill>
+        <p:spPr>
+          <a:xfrm>
+            <a:off x="2429427" y="2308177"/>
+            <a:ext cx="5760720" cy="3694430"/>
+          </a:xfrm>
+          <a:prstGeom prst="rect">
+            <a:avLst/>
+          </a:prstGeom>
+        </p:spPr>
+      </p:pic>
+    </p:spTree>
+    <p:extLst>
+      <p:ext uri="{BB962C8B-B14F-4D97-AF65-F5344CB8AC3E}">
+        <p14:creationId xmlns:p14="http://schemas.microsoft.com/office/powerpoint/2010/main" val="1031295991"/>
+      </p:ext>
+    </p:extLst>
+  </p:cSld>
+  <p:clrMapOvr>
+    <a:masterClrMapping/>
+  </p:clrMapOvr>
+</p:sld>
+</file>
+
+<file path=ppt/slides/slide85.xml><?xml version="1.0" encoding="utf-8"?>
 <p:sld xmlns:a="http://schemas.openxmlformats.org/drawingml/2006/main" xmlns:r="http://schemas.openxmlformats.org/officeDocument/2006/relationships" xmlns:p="http://schemas.openxmlformats.org/presentationml/2006/main">
   <p:cSld>
     <p:spTree>
@@ -15592,8 +15612,8 @@
         </p:blipFill>
         <p:spPr>
           <a:xfrm>
-            <a:off x="421164" y="2465994"/>
-            <a:ext cx="6663299" cy="2772579"/>
+            <a:off x="1574847" y="2794979"/>
+            <a:ext cx="5760720" cy="3079750"/>
           </a:xfrm>
           <a:prstGeom prst="rect">
             <a:avLst/>
@@ -15603,87 +15623,7 @@
     </p:spTree>
     <p:extLst>
       <p:ext uri="{BB962C8B-B14F-4D97-AF65-F5344CB8AC3E}">
-        <p14:creationId xmlns:p14="http://schemas.microsoft.com/office/powerpoint/2010/main" val="1377866347"/>
-      </p:ext>
-    </p:extLst>
-  </p:cSld>
-  <p:clrMapOvr>
-    <a:masterClrMapping/>
-  </p:clrMapOvr>
-</p:sld>
-</file>
-
-<file path=ppt/slides/slide85.xml><?xml version="1.0" encoding="utf-8"?>
-<p:sld xmlns:a="http://schemas.openxmlformats.org/drawingml/2006/main" xmlns:r="http://schemas.openxmlformats.org/officeDocument/2006/relationships" xmlns:p="http://schemas.openxmlformats.org/presentationml/2006/main">
-  <p:cSld>
-    <p:spTree>
-      <p:nvGrpSpPr>
-        <p:cNvPr id="1" name=""/>
-        <p:cNvGrpSpPr/>
-        <p:nvPr/>
-      </p:nvGrpSpPr>
-      <p:grpSpPr>
-        <a:xfrm>
-          <a:off x="0" y="0"/>
-          <a:ext cx="0" cy="0"/>
-          <a:chOff x="0" y="0"/>
-          <a:chExt cx="0" cy="0"/>
-        </a:xfrm>
-      </p:grpSpPr>
-      <p:sp>
-        <p:nvSpPr>
-          <p:cNvPr id="2" name="Titre 1"/>
-          <p:cNvSpPr>
-            <a:spLocks noGrp="1"/>
-          </p:cNvSpPr>
-          <p:nvPr>
-            <p:ph type="title"/>
-          </p:nvPr>
-        </p:nvSpPr>
-        <p:spPr/>
-        <p:txBody>
-          <a:bodyPr/>
-          <a:lstStyle/>
-          <a:p>
-            <a:r>
-              <a:rPr lang="fr-FR" dirty="0"/>
-              <a:t>Scénarios (description détaillé)</a:t>
-            </a:r>
-          </a:p>
-        </p:txBody>
-      </p:sp>
-      <p:pic>
-        <p:nvPicPr>
-          <p:cNvPr id="4" name="Image 3"/>
-          <p:cNvPicPr/>
-          <p:nvPr/>
-        </p:nvPicPr>
-        <p:blipFill>
-          <a:blip r:embed="rId2">
-            <a:extLst>
-              <a:ext uri="{28A0092B-C50C-407E-A947-70E740481C1C}">
-                <a14:useLocalDpi xmlns:a14="http://schemas.microsoft.com/office/drawing/2010/main" val="0"/>
-              </a:ext>
-            </a:extLst>
-          </a:blip>
-          <a:stretch>
-            <a:fillRect/>
-          </a:stretch>
-        </p:blipFill>
-        <p:spPr>
-          <a:xfrm>
-            <a:off x="2429427" y="2308177"/>
-            <a:ext cx="5760720" cy="3694430"/>
-          </a:xfrm>
-          <a:prstGeom prst="rect">
-            <a:avLst/>
-          </a:prstGeom>
-        </p:spPr>
-      </p:pic>
-    </p:spTree>
-    <p:extLst>
-      <p:ext uri="{BB962C8B-B14F-4D97-AF65-F5344CB8AC3E}">
-        <p14:creationId xmlns:p14="http://schemas.microsoft.com/office/powerpoint/2010/main" val="1031295991"/>
+        <p14:creationId xmlns:p14="http://schemas.microsoft.com/office/powerpoint/2010/main" val="2833193496"/>
       </p:ext>
     </p:extLst>
   </p:cSld>
@@ -15730,8 +15670,8 @@
         </p:blipFill>
         <p:spPr>
           <a:xfrm>
-            <a:off x="1574847" y="2794979"/>
-            <a:ext cx="5760720" cy="3079750"/>
+            <a:off x="1856858" y="2499469"/>
+            <a:ext cx="5760720" cy="3414395"/>
           </a:xfrm>
           <a:prstGeom prst="rect">
             <a:avLst/>
@@ -15741,7 +15681,7 @@
     </p:spTree>
     <p:extLst>
       <p:ext uri="{BB962C8B-B14F-4D97-AF65-F5344CB8AC3E}">
-        <p14:creationId xmlns:p14="http://schemas.microsoft.com/office/powerpoint/2010/main" val="2833193496"/>
+        <p14:creationId xmlns:p14="http://schemas.microsoft.com/office/powerpoint/2010/main" val="2615340110"/>
       </p:ext>
     </p:extLst>
   </p:cSld>
@@ -15752,6 +15692,120 @@
 </file>
 
 <file path=ppt/slides/slide87.xml><?xml version="1.0" encoding="utf-8"?>
+<p:sld xmlns:a="http://schemas.openxmlformats.org/drawingml/2006/main" xmlns:r="http://schemas.openxmlformats.org/officeDocument/2006/relationships" xmlns:p="http://schemas.openxmlformats.org/presentationml/2006/main">
+  <p:cSld>
+    <p:spTree>
+      <p:nvGrpSpPr>
+        <p:cNvPr id="1" name=""/>
+        <p:cNvGrpSpPr/>
+        <p:nvPr/>
+      </p:nvGrpSpPr>
+      <p:grpSpPr>
+        <a:xfrm>
+          <a:off x="0" y="0"/>
+          <a:ext cx="0" cy="0"/>
+          <a:chOff x="0" y="0"/>
+          <a:chExt cx="0" cy="0"/>
+        </a:xfrm>
+      </p:grpSpPr>
+      <p:sp>
+        <p:nvSpPr>
+          <p:cNvPr id="2" name="Titre 1"/>
+          <p:cNvSpPr>
+            <a:spLocks noGrp="1"/>
+          </p:cNvSpPr>
+          <p:nvPr>
+            <p:ph type="title"/>
+          </p:nvPr>
+        </p:nvSpPr>
+        <p:spPr/>
+        <p:txBody>
+          <a:bodyPr/>
+          <a:lstStyle/>
+          <a:p>
+            <a:r>
+              <a:rPr lang="fr-FR" dirty="0" smtClean="0"/>
+              <a:t>Diagrammes de séquences</a:t>
+            </a:r>
+            <a:endParaRPr lang="fr-FR" dirty="0"/>
+          </a:p>
+        </p:txBody>
+      </p:sp>
+      <p:pic>
+        <p:nvPicPr>
+          <p:cNvPr id="4" name="Image 3"/>
+          <p:cNvPicPr/>
+          <p:nvPr/>
+        </p:nvPicPr>
+        <p:blipFill>
+          <a:blip r:embed="rId2">
+            <a:extLst>
+              <a:ext uri="{28A0092B-C50C-407E-A947-70E740481C1C}">
+                <a14:useLocalDpi xmlns:a14="http://schemas.microsoft.com/office/drawing/2010/main" val="0"/>
+              </a:ext>
+            </a:extLst>
+          </a:blip>
+          <a:stretch>
+            <a:fillRect/>
+          </a:stretch>
+        </p:blipFill>
+        <p:spPr>
+          <a:xfrm>
+            <a:off x="2507831" y="2516182"/>
+            <a:ext cx="5958840" cy="4064635"/>
+          </a:xfrm>
+          <a:prstGeom prst="rect">
+            <a:avLst/>
+          </a:prstGeom>
+        </p:spPr>
+      </p:pic>
+      <p:sp>
+        <p:nvSpPr>
+          <p:cNvPr id="5" name="Rectangle 4"/>
+          <p:cNvSpPr/>
+          <p:nvPr/>
+        </p:nvSpPr>
+        <p:spPr>
+          <a:xfrm>
+            <a:off x="3947535" y="1990508"/>
+            <a:ext cx="2553584" cy="369332"/>
+          </a:xfrm>
+          <a:prstGeom prst="rect">
+            <a:avLst/>
+          </a:prstGeom>
+        </p:spPr>
+        <p:txBody>
+          <a:bodyPr wrap="none">
+            <a:spAutoFit/>
+          </a:bodyPr>
+          <a:lstStyle/>
+          <a:p>
+            <a:r>
+              <a:rPr lang="fr-FR" dirty="0">
+                <a:latin typeface="Calibri" panose="020F0502020204030204" pitchFamily="34" charset="0"/>
+                <a:ea typeface="Calibri" panose="020F0502020204030204" pitchFamily="34" charset="0"/>
+                <a:cs typeface="Times New Roman" panose="02020603050405020304" pitchFamily="18" charset="0"/>
+              </a:rPr>
+              <a:t>Visualisation des bateaux</a:t>
+            </a:r>
+            <a:endParaRPr lang="fr-FR" dirty="0"/>
+          </a:p>
+        </p:txBody>
+      </p:sp>
+    </p:spTree>
+    <p:extLst>
+      <p:ext uri="{BB962C8B-B14F-4D97-AF65-F5344CB8AC3E}">
+        <p14:creationId xmlns:p14="http://schemas.microsoft.com/office/powerpoint/2010/main" val="192338617"/>
+      </p:ext>
+    </p:extLst>
+  </p:cSld>
+  <p:clrMapOvr>
+    <a:masterClrMapping/>
+  </p:clrMapOvr>
+</p:sld>
+</file>
+
+<file path=ppt/slides/slide88.xml><?xml version="1.0" encoding="utf-8"?>
 <p:sld xmlns:a="http://schemas.openxmlformats.org/drawingml/2006/main" xmlns:r="http://schemas.openxmlformats.org/officeDocument/2006/relationships" xmlns:p="http://schemas.openxmlformats.org/presentationml/2006/main">
   <p:cSld>
     <p:spTree>
@@ -15788,112 +15842,31 @@
         </p:blipFill>
         <p:spPr>
           <a:xfrm>
-            <a:off x="1856858" y="2499469"/>
-            <a:ext cx="5760720" cy="3414395"/>
+            <a:off x="355534" y="2051549"/>
+            <a:ext cx="6849110" cy="4699628"/>
           </a:xfrm>
           <a:prstGeom prst="rect">
             <a:avLst/>
           </a:prstGeom>
         </p:spPr>
       </p:pic>
-    </p:spTree>
-    <p:extLst>
-      <p:ext uri="{BB962C8B-B14F-4D97-AF65-F5344CB8AC3E}">
-        <p14:creationId xmlns:p14="http://schemas.microsoft.com/office/powerpoint/2010/main" val="2615340110"/>
-      </p:ext>
-    </p:extLst>
-  </p:cSld>
-  <p:clrMapOvr>
-    <a:masterClrMapping/>
-  </p:clrMapOvr>
-</p:sld>
-</file>
-
-<file path=ppt/slides/slide88.xml><?xml version="1.0" encoding="utf-8"?>
-<p:sld xmlns:a="http://schemas.openxmlformats.org/drawingml/2006/main" xmlns:r="http://schemas.openxmlformats.org/officeDocument/2006/relationships" xmlns:p="http://schemas.openxmlformats.org/presentationml/2006/main">
-  <p:cSld>
-    <p:spTree>
-      <p:nvGrpSpPr>
-        <p:cNvPr id="1" name=""/>
-        <p:cNvGrpSpPr/>
-        <p:nvPr/>
-      </p:nvGrpSpPr>
-      <p:grpSpPr>
-        <a:xfrm>
-          <a:off x="0" y="0"/>
-          <a:ext cx="0" cy="0"/>
-          <a:chOff x="0" y="0"/>
-          <a:chExt cx="0" cy="0"/>
-        </a:xfrm>
-      </p:grpSpPr>
-      <p:sp>
-        <p:nvSpPr>
-          <p:cNvPr id="2" name="Titre 1"/>
-          <p:cNvSpPr>
-            <a:spLocks noGrp="1"/>
-          </p:cNvSpPr>
-          <p:nvPr>
-            <p:ph type="title"/>
-          </p:nvPr>
-        </p:nvSpPr>
-        <p:spPr/>
-        <p:txBody>
-          <a:bodyPr/>
-          <a:lstStyle/>
-          <a:p>
-            <a:r>
-              <a:rPr lang="fr-FR" dirty="0" smtClean="0"/>
-              <a:t>Diagrammes de séquences</a:t>
-            </a:r>
-            <a:endParaRPr lang="fr-FR" dirty="0"/>
-          </a:p>
-        </p:txBody>
-      </p:sp>
-      <p:pic>
-        <p:nvPicPr>
-          <p:cNvPr id="4" name="Image 3"/>
-          <p:cNvPicPr/>
+      <p:sp>
+        <p:nvSpPr>
+          <p:cNvPr id="5" name="Rectangle 4"/>
+          <p:cNvSpPr/>
           <p:nvPr/>
-        </p:nvPicPr>
-        <p:blipFill>
-          <a:blip r:embed="rId2">
-            <a:extLst>
-              <a:ext uri="{28A0092B-C50C-407E-A947-70E740481C1C}">
-                <a14:useLocalDpi xmlns:a14="http://schemas.microsoft.com/office/drawing/2010/main" val="0"/>
-              </a:ext>
-            </a:extLst>
-          </a:blip>
-          <a:stretch>
-            <a:fillRect/>
-          </a:stretch>
-        </p:blipFill>
-        <p:spPr>
-          <a:xfrm>
-            <a:off x="2507831" y="2516182"/>
-            <a:ext cx="5958840" cy="4064635"/>
+        </p:nvSpPr>
+        <p:spPr>
+          <a:xfrm>
+            <a:off x="7366989" y="2167564"/>
+            <a:ext cx="3289618" cy="646331"/>
           </a:xfrm>
           <a:prstGeom prst="rect">
             <a:avLst/>
           </a:prstGeom>
         </p:spPr>
-      </p:pic>
-      <p:sp>
-        <p:nvSpPr>
-          <p:cNvPr id="5" name="Rectangle 4"/>
-          <p:cNvSpPr/>
-          <p:nvPr/>
-        </p:nvSpPr>
-        <p:spPr>
-          <a:xfrm>
-            <a:off x="3947535" y="1990508"/>
-            <a:ext cx="2553584" cy="369332"/>
-          </a:xfrm>
-          <a:prstGeom prst="rect">
-            <a:avLst/>
-          </a:prstGeom>
-        </p:spPr>
-        <p:txBody>
-          <a:bodyPr wrap="none">
+        <p:txBody>
+          <a:bodyPr wrap="square">
             <a:spAutoFit/>
           </a:bodyPr>
           <a:lstStyle/>
@@ -15904,7 +15877,7 @@
                 <a:ea typeface="Calibri" panose="020F0502020204030204" pitchFamily="34" charset="0"/>
                 <a:cs typeface="Times New Roman" panose="02020603050405020304" pitchFamily="18" charset="0"/>
               </a:rPr>
-              <a:t>Visualisation des bateaux</a:t>
+              <a:t>Diagramme de séquence visualisation des anomalies</a:t>
             </a:r>
             <a:endParaRPr lang="fr-FR" dirty="0"/>
           </a:p>
@@ -15913,7 +15886,7 @@
     </p:spTree>
     <p:extLst>
       <p:ext uri="{BB962C8B-B14F-4D97-AF65-F5344CB8AC3E}">
-        <p14:creationId xmlns:p14="http://schemas.microsoft.com/office/powerpoint/2010/main" val="192338617"/>
+        <p14:creationId xmlns:p14="http://schemas.microsoft.com/office/powerpoint/2010/main" val="1481983145"/>
       </p:ext>
     </p:extLst>
   </p:cSld>
@@ -15960,8 +15933,8 @@
         </p:blipFill>
         <p:spPr>
           <a:xfrm>
-            <a:off x="355534" y="2051549"/>
-            <a:ext cx="6849110" cy="4699628"/>
+            <a:off x="1739621" y="2131933"/>
+            <a:ext cx="4217670" cy="4474210"/>
           </a:xfrm>
           <a:prstGeom prst="rect">
             <a:avLst/>
@@ -15976,35 +15949,59 @@
         </p:nvSpPr>
         <p:spPr>
           <a:xfrm>
-            <a:off x="7366989" y="2167564"/>
-            <a:ext cx="3289618" cy="646331"/>
+            <a:off x="6271996" y="2354435"/>
+            <a:ext cx="2369944" cy="375552"/>
           </a:xfrm>
           <a:prstGeom prst="rect">
             <a:avLst/>
           </a:prstGeom>
         </p:spPr>
         <p:txBody>
-          <a:bodyPr wrap="square">
+          <a:bodyPr wrap="none">
             <a:spAutoFit/>
           </a:bodyPr>
           <a:lstStyle/>
           <a:p>
-            <a:r>
-              <a:rPr lang="fr-FR" dirty="0">
-                <a:latin typeface="Calibri" panose="020F0502020204030204" pitchFamily="34" charset="0"/>
-                <a:ea typeface="Calibri" panose="020F0502020204030204" pitchFamily="34" charset="0"/>
+            <a:pPr>
+              <a:lnSpc>
+                <a:spcPct val="107000"/>
+              </a:lnSpc>
+              <a:spcBef>
+                <a:spcPts val="1200"/>
+              </a:spcBef>
+              <a:spcAft>
+                <a:spcPts val="0"/>
+              </a:spcAft>
+            </a:pPr>
+            <a:r>
+              <a:rPr lang="fr-FR" b="1" dirty="0" smtClean="0">
+                <a:latin typeface="Calibri Light" panose="020F0302020204030204" pitchFamily="34" charset="0"/>
+                <a:ea typeface="Times New Roman" panose="02020603050405020304" pitchFamily="18" charset="0"/>
                 <a:cs typeface="Times New Roman" panose="02020603050405020304" pitchFamily="18" charset="0"/>
               </a:rPr>
-              <a:t>Diagramme de séquence visualisation des anomalies</a:t>
-            </a:r>
-            <a:endParaRPr lang="fr-FR" dirty="0"/>
+              <a:t>Connexion </a:t>
+            </a:r>
+            <a:r>
+              <a:rPr lang="fr-FR" b="1" dirty="0">
+                <a:latin typeface="Calibri Light" panose="020F0302020204030204" pitchFamily="34" charset="0"/>
+                <a:ea typeface="Times New Roman" panose="02020603050405020304" pitchFamily="18" charset="0"/>
+                <a:cs typeface="Times New Roman" panose="02020603050405020304" pitchFamily="18" charset="0"/>
+              </a:rPr>
+              <a:t>à l’appli web</a:t>
+            </a:r>
+            <a:endParaRPr lang="fr-FR" b="1" dirty="0">
+              <a:effectLst/>
+              <a:latin typeface="Calibri Light" panose="020F0302020204030204" pitchFamily="34" charset="0"/>
+              <a:ea typeface="Times New Roman" panose="02020603050405020304" pitchFamily="18" charset="0"/>
+              <a:cs typeface="Times New Roman" panose="02020603050405020304" pitchFamily="18" charset="0"/>
+            </a:endParaRPr>
           </a:p>
         </p:txBody>
       </p:sp>
     </p:spTree>
     <p:extLst>
       <p:ext uri="{BB962C8B-B14F-4D97-AF65-F5344CB8AC3E}">
-        <p14:creationId xmlns:p14="http://schemas.microsoft.com/office/powerpoint/2010/main" val="1481983145"/>
+        <p14:creationId xmlns:p14="http://schemas.microsoft.com/office/powerpoint/2010/main" val="1363356876"/>
       </p:ext>
     </p:extLst>
   </p:cSld>
@@ -16015,7 +16012,7 @@
 </file>
 
 <file path=ppt/slides/slide9.xml><?xml version="1.0" encoding="utf-8"?>
-<p:sld xmlns:a="http://schemas.openxmlformats.org/drawingml/2006/main" xmlns:r="http://schemas.openxmlformats.org/officeDocument/2006/relationships" xmlns:p="http://schemas.openxmlformats.org/presentationml/2006/main">
+<p:sld xmlns:a="http://schemas.openxmlformats.org/drawingml/2006/main" xmlns:r="http://schemas.openxmlformats.org/officeDocument/2006/relationships" xmlns:p="http://schemas.openxmlformats.org/presentationml/2006/main" show="0">
   <p:cSld>
     <p:spTree>
       <p:nvGrpSpPr>
@@ -16081,6 +16078,14 @@
   <p:clrMapOvr>
     <a:masterClrMapping/>
   </p:clrMapOvr>
+  <mc:AlternateContent xmlns:mc="http://schemas.openxmlformats.org/markup-compatibility/2006">
+    <mc:Choice xmlns:p14="http://schemas.microsoft.com/office/powerpoint/2010/main" Requires="p14">
+      <p:transition spd="slow" p14:dur="2000"/>
+    </mc:Choice>
+    <mc:Fallback>
+      <p:transition spd="slow"/>
+    </mc:Fallback>
+  </mc:AlternateContent>
 </p:sld>
 </file>
 
@@ -16121,8 +16126,8 @@
         </p:blipFill>
         <p:spPr>
           <a:xfrm>
-            <a:off x="1739621" y="2131933"/>
-            <a:ext cx="4217670" cy="4474210"/>
+            <a:off x="441039" y="2273255"/>
+            <a:ext cx="6330012" cy="4024995"/>
           </a:xfrm>
           <a:prstGeom prst="rect">
             <a:avLst/>
@@ -16137,8 +16142,8 @@
         </p:nvSpPr>
         <p:spPr>
           <a:xfrm>
-            <a:off x="6271996" y="2354435"/>
-            <a:ext cx="2369944" cy="375552"/>
+            <a:off x="7289655" y="2482622"/>
+            <a:ext cx="2368982" cy="375552"/>
           </a:xfrm>
           <a:prstGeom prst="rect">
             <a:avLst/>
@@ -16167,7 +16172,7 @@
                 <a:ea typeface="Times New Roman" panose="02020603050405020304" pitchFamily="18" charset="0"/>
                 <a:cs typeface="Times New Roman" panose="02020603050405020304" pitchFamily="18" charset="0"/>
               </a:rPr>
-              <a:t>Connexion </a:t>
+              <a:t>Inscription </a:t>
             </a:r>
             <a:r>
               <a:rPr lang="fr-FR" b="1" dirty="0">
@@ -16189,7 +16194,7 @@
     </p:spTree>
     <p:extLst>
       <p:ext uri="{BB962C8B-B14F-4D97-AF65-F5344CB8AC3E}">
-        <p14:creationId xmlns:p14="http://schemas.microsoft.com/office/powerpoint/2010/main" val="1363356876"/>
+        <p14:creationId xmlns:p14="http://schemas.microsoft.com/office/powerpoint/2010/main" val="2572494505"/>
       </p:ext>
     </p:extLst>
   </p:cSld>
@@ -16236,8 +16241,8 @@
         </p:blipFill>
         <p:spPr>
           <a:xfrm>
-            <a:off x="441039" y="2273255"/>
-            <a:ext cx="6330012" cy="4024995"/>
+            <a:off x="1006979" y="2454016"/>
+            <a:ext cx="6400800" cy="3334385"/>
           </a:xfrm>
           <a:prstGeom prst="rect">
             <a:avLst/>
@@ -16252,8 +16257,8 @@
         </p:nvSpPr>
         <p:spPr>
           <a:xfrm>
-            <a:off x="7289655" y="2482622"/>
-            <a:ext cx="2368982" cy="375552"/>
+            <a:off x="7646687" y="2644992"/>
+            <a:ext cx="3813288" cy="375552"/>
           </a:xfrm>
           <a:prstGeom prst="rect">
             <a:avLst/>
@@ -16282,7 +16287,7 @@
                 <a:ea typeface="Times New Roman" panose="02020603050405020304" pitchFamily="18" charset="0"/>
                 <a:cs typeface="Times New Roman" panose="02020603050405020304" pitchFamily="18" charset="0"/>
               </a:rPr>
-              <a:t>Inscription </a:t>
+              <a:t>Envoi </a:t>
             </a:r>
             <a:r>
               <a:rPr lang="fr-FR" b="1" dirty="0">
@@ -16290,7 +16295,7 @@
                 <a:ea typeface="Times New Roman" panose="02020603050405020304" pitchFamily="18" charset="0"/>
                 <a:cs typeface="Times New Roman" panose="02020603050405020304" pitchFamily="18" charset="0"/>
               </a:rPr>
-              <a:t>à l’appli web</a:t>
+              <a:t>d’alerte sur le système embarqué</a:t>
             </a:r>
             <a:endParaRPr lang="fr-FR" b="1" dirty="0">
               <a:effectLst/>
@@ -16304,7 +16309,7 @@
     </p:spTree>
     <p:extLst>
       <p:ext uri="{BB962C8B-B14F-4D97-AF65-F5344CB8AC3E}">
-        <p14:creationId xmlns:p14="http://schemas.microsoft.com/office/powerpoint/2010/main" val="2572494505"/>
+        <p14:creationId xmlns:p14="http://schemas.microsoft.com/office/powerpoint/2010/main" val="2798700407"/>
       </p:ext>
     </p:extLst>
   </p:cSld>
@@ -16351,8 +16356,8 @@
         </p:blipFill>
         <p:spPr>
           <a:xfrm>
-            <a:off x="1006979" y="2454016"/>
-            <a:ext cx="6400800" cy="3334385"/>
+            <a:off x="554186" y="2437108"/>
+            <a:ext cx="6315075" cy="3419475"/>
           </a:xfrm>
           <a:prstGeom prst="rect">
             <a:avLst/>
@@ -16367,8 +16372,8 @@
         </p:nvSpPr>
         <p:spPr>
           <a:xfrm>
-            <a:off x="7646687" y="2644992"/>
-            <a:ext cx="3813288" cy="375552"/>
+            <a:off x="7077445" y="2437108"/>
+            <a:ext cx="3602076" cy="375552"/>
           </a:xfrm>
           <a:prstGeom prst="rect">
             <a:avLst/>
@@ -16397,7 +16402,7 @@
                 <a:ea typeface="Times New Roman" panose="02020603050405020304" pitchFamily="18" charset="0"/>
                 <a:cs typeface="Times New Roman" panose="02020603050405020304" pitchFamily="18" charset="0"/>
               </a:rPr>
-              <a:t>Envoi </a:t>
+              <a:t>Affichage </a:t>
             </a:r>
             <a:r>
               <a:rPr lang="fr-FR" b="1" dirty="0">
@@ -16405,7 +16410,7 @@
                 <a:ea typeface="Times New Roman" panose="02020603050405020304" pitchFamily="18" charset="0"/>
                 <a:cs typeface="Times New Roman" panose="02020603050405020304" pitchFamily="18" charset="0"/>
               </a:rPr>
-              <a:t>d’alerte sur le système embarqué</a:t>
+              <a:t>de l’historique des bateaux</a:t>
             </a:r>
             <a:endParaRPr lang="fr-FR" b="1" dirty="0">
               <a:effectLst/>
@@ -16419,7 +16424,7 @@
     </p:spTree>
     <p:extLst>
       <p:ext uri="{BB962C8B-B14F-4D97-AF65-F5344CB8AC3E}">
-        <p14:creationId xmlns:p14="http://schemas.microsoft.com/office/powerpoint/2010/main" val="2798700407"/>
+        <p14:creationId xmlns:p14="http://schemas.microsoft.com/office/powerpoint/2010/main" val="1141389397"/>
       </p:ext>
     </p:extLst>
   </p:cSld>
@@ -16466,121 +16471,6 @@
         </p:blipFill>
         <p:spPr>
           <a:xfrm>
-            <a:off x="554186" y="2437108"/>
-            <a:ext cx="6315075" cy="3419475"/>
-          </a:xfrm>
-          <a:prstGeom prst="rect">
-            <a:avLst/>
-          </a:prstGeom>
-        </p:spPr>
-      </p:pic>
-      <p:sp>
-        <p:nvSpPr>
-          <p:cNvPr id="5" name="Rectangle 4"/>
-          <p:cNvSpPr/>
-          <p:nvPr/>
-        </p:nvSpPr>
-        <p:spPr>
-          <a:xfrm>
-            <a:off x="7077445" y="2437108"/>
-            <a:ext cx="3602076" cy="375552"/>
-          </a:xfrm>
-          <a:prstGeom prst="rect">
-            <a:avLst/>
-          </a:prstGeom>
-        </p:spPr>
-        <p:txBody>
-          <a:bodyPr wrap="none">
-            <a:spAutoFit/>
-          </a:bodyPr>
-          <a:lstStyle/>
-          <a:p>
-            <a:pPr>
-              <a:lnSpc>
-                <a:spcPct val="107000"/>
-              </a:lnSpc>
-              <a:spcBef>
-                <a:spcPts val="1200"/>
-              </a:spcBef>
-              <a:spcAft>
-                <a:spcPts val="0"/>
-              </a:spcAft>
-            </a:pPr>
-            <a:r>
-              <a:rPr lang="fr-FR" b="1" dirty="0" smtClean="0">
-                <a:latin typeface="Calibri Light" panose="020F0302020204030204" pitchFamily="34" charset="0"/>
-                <a:ea typeface="Times New Roman" panose="02020603050405020304" pitchFamily="18" charset="0"/>
-                <a:cs typeface="Times New Roman" panose="02020603050405020304" pitchFamily="18" charset="0"/>
-              </a:rPr>
-              <a:t>Affichage </a:t>
-            </a:r>
-            <a:r>
-              <a:rPr lang="fr-FR" b="1" dirty="0">
-                <a:latin typeface="Calibri Light" panose="020F0302020204030204" pitchFamily="34" charset="0"/>
-                <a:ea typeface="Times New Roman" panose="02020603050405020304" pitchFamily="18" charset="0"/>
-                <a:cs typeface="Times New Roman" panose="02020603050405020304" pitchFamily="18" charset="0"/>
-              </a:rPr>
-              <a:t>de l’historique des bateaux</a:t>
-            </a:r>
-            <a:endParaRPr lang="fr-FR" b="1" dirty="0">
-              <a:effectLst/>
-              <a:latin typeface="Calibri Light" panose="020F0302020204030204" pitchFamily="34" charset="0"/>
-              <a:ea typeface="Times New Roman" panose="02020603050405020304" pitchFamily="18" charset="0"/>
-              <a:cs typeface="Times New Roman" panose="02020603050405020304" pitchFamily="18" charset="0"/>
-            </a:endParaRPr>
-          </a:p>
-        </p:txBody>
-      </p:sp>
-    </p:spTree>
-    <p:extLst>
-      <p:ext uri="{BB962C8B-B14F-4D97-AF65-F5344CB8AC3E}">
-        <p14:creationId xmlns:p14="http://schemas.microsoft.com/office/powerpoint/2010/main" val="1141389397"/>
-      </p:ext>
-    </p:extLst>
-  </p:cSld>
-  <p:clrMapOvr>
-    <a:masterClrMapping/>
-  </p:clrMapOvr>
-</p:sld>
-</file>
-
-<file path=ppt/slides/slide94.xml><?xml version="1.0" encoding="utf-8"?>
-<p:sld xmlns:a="http://schemas.openxmlformats.org/drawingml/2006/main" xmlns:r="http://schemas.openxmlformats.org/officeDocument/2006/relationships" xmlns:p="http://schemas.openxmlformats.org/presentationml/2006/main">
-  <p:cSld>
-    <p:spTree>
-      <p:nvGrpSpPr>
-        <p:cNvPr id="1" name=""/>
-        <p:cNvGrpSpPr/>
-        <p:nvPr/>
-      </p:nvGrpSpPr>
-      <p:grpSpPr>
-        <a:xfrm>
-          <a:off x="0" y="0"/>
-          <a:ext cx="0" cy="0"/>
-          <a:chOff x="0" y="0"/>
-          <a:chExt cx="0" cy="0"/>
-        </a:xfrm>
-      </p:grpSpPr>
-      <p:pic>
-        <p:nvPicPr>
-          <p:cNvPr id="4" name="Image 3"/>
-          <p:cNvPicPr/>
-          <p:nvPr/>
-        </p:nvPicPr>
-        <p:blipFill>
-          <a:blip r:embed="rId2">
-            <a:extLst>
-              <a:ext uri="{28A0092B-C50C-407E-A947-70E740481C1C}">
-                <a14:useLocalDpi xmlns:a14="http://schemas.microsoft.com/office/drawing/2010/main" val="0"/>
-              </a:ext>
-            </a:extLst>
-          </a:blip>
-          <a:stretch>
-            <a:fillRect/>
-          </a:stretch>
-        </p:blipFill>
-        <p:spPr>
-          <a:xfrm>
             <a:off x="993734" y="2250892"/>
             <a:ext cx="5760720" cy="4099560"/>
           </a:xfrm>
@@ -16659,7 +16549,7 @@
 </p:sld>
 </file>
 
-<file path=ppt/slides/slide95.xml><?xml version="1.0" encoding="utf-8"?>
+<file path=ppt/slides/slide94.xml><?xml version="1.0" encoding="utf-8"?>
 <p:sld xmlns:a="http://schemas.openxmlformats.org/drawingml/2006/main" xmlns:r="http://schemas.openxmlformats.org/officeDocument/2006/relationships" xmlns:p="http://schemas.openxmlformats.org/presentationml/2006/main">
   <p:cSld>
     <p:spTree>
@@ -16800,7 +16690,7 @@
 </p:sld>
 </file>
 
-<file path=ppt/slides/slide96.xml><?xml version="1.0" encoding="utf-8"?>
+<file path=ppt/slides/slide95.xml><?xml version="1.0" encoding="utf-8"?>
 <p:sld xmlns:a="http://schemas.openxmlformats.org/drawingml/2006/main" xmlns:r="http://schemas.openxmlformats.org/officeDocument/2006/relationships" xmlns:p="http://schemas.openxmlformats.org/presentationml/2006/main">
   <p:cSld>
     <p:spTree>

--- a/Dossier/Arthur/revueArthurBRICE1.pptx
+++ b/Dossier/Arthur/revueArthurBRICE1.pptx
@@ -583,7 +583,7 @@
           <a:p>
             <a:fld id="{397E0307-B85C-446A-8EF0-0407D435D787}" type="datetimeFigureOut">
               <a:rPr lang="en-US" dirty="0"/>
-              <a:t>5/14/2020</a:t>
+              <a:t>5/18/2020</a:t>
             </a:fld>
             <a:endParaRPr lang="en-US" dirty="0"/>
           </a:p>
@@ -992,7 +992,7 @@
           <a:p>
             <a:fld id="{8BD862E7-95FA-4FC4-9EC5-DDBFA8DC7417}" type="datetimeFigureOut">
               <a:rPr lang="en-US" dirty="0"/>
-              <a:t>5/14/2020</a:t>
+              <a:t>5/18/2020</a:t>
             </a:fld>
             <a:endParaRPr lang="en-US" dirty="0"/>
           </a:p>
@@ -1323,7 +1323,7 @@
           <a:p>
             <a:fld id="{8DB987F2-A784-4F72-BB57-0E9EACDE722E}" type="datetimeFigureOut">
               <a:rPr lang="en-US" dirty="0"/>
-              <a:t>5/14/2020</a:t>
+              <a:t>5/18/2020</a:t>
             </a:fld>
             <a:endParaRPr lang="en-US" dirty="0"/>
           </a:p>
@@ -1723,7 +1723,7 @@
           <a:p>
             <a:fld id="{40BBD51E-4B19-444E-85C0-DBD7EB6263F4}" type="datetimeFigureOut">
               <a:rPr lang="en-US" dirty="0"/>
-              <a:t>5/14/2020</a:t>
+              <a:t>5/18/2020</a:t>
             </a:fld>
             <a:endParaRPr lang="en-US" dirty="0"/>
           </a:p>
@@ -2286,7 +2286,7 @@
           <a:p>
             <a:fld id="{F0D7255A-4AD5-4D3E-9A0A-689DA3BA976C}" type="datetimeFigureOut">
               <a:rPr lang="en-US" dirty="0"/>
-              <a:t>5/14/2020</a:t>
+              <a:t>5/18/2020</a:t>
             </a:fld>
             <a:endParaRPr lang="en-US" dirty="0"/>
           </a:p>
@@ -2962,7 +2962,7 @@
           <a:p>
             <a:fld id="{3EE0AD15-87AC-45B2-9EE5-8D165AF83CD7}" type="datetimeFigureOut">
               <a:rPr lang="en-US" dirty="0"/>
-              <a:t>5/14/2020</a:t>
+              <a:t>5/18/2020</a:t>
             </a:fld>
             <a:endParaRPr lang="en-US" dirty="0"/>
           </a:p>
@@ -3870,7 +3870,7 @@
           <a:p>
             <a:fld id="{FCC40CCD-F0D6-4CC2-A4C8-2D7D0D875F02}" type="datetimeFigureOut">
               <a:rPr lang="en-US" dirty="0"/>
-              <a:t>5/14/2020</a:t>
+              <a:t>5/18/2020</a:t>
             </a:fld>
             <a:endParaRPr lang="en-US" dirty="0"/>
           </a:p>
@@ -4178,7 +4178,7 @@
           <a:p>
             <a:fld id="{B3CFE2CC-454D-4466-AC55-B86DA0A87BAE}" type="datetimeFigureOut">
               <a:rPr lang="en-US" dirty="0"/>
-              <a:t>5/14/2020</a:t>
+              <a:t>5/18/2020</a:t>
             </a:fld>
             <a:endParaRPr lang="en-US" dirty="0"/>
           </a:p>
@@ -4437,7 +4437,7 @@
           <a:p>
             <a:fld id="{B647B1BF-4039-460D-A637-65428CBD720E}" type="datetimeFigureOut">
               <a:rPr lang="en-US" dirty="0"/>
-              <a:t>5/14/2020</a:t>
+              <a:t>5/18/2020</a:t>
             </a:fld>
             <a:endParaRPr lang="en-US" dirty="0"/>
           </a:p>
@@ -4756,7 +4756,7 @@
           <a:p>
             <a:fld id="{AAA39ACE-9343-4EBE-B5CA-AEA240A1DC53}" type="datetimeFigureOut">
               <a:rPr lang="en-US" dirty="0"/>
-              <a:t>5/14/2020</a:t>
+              <a:t>5/18/2020</a:t>
             </a:fld>
             <a:endParaRPr lang="en-US" dirty="0"/>
           </a:p>
@@ -5140,7 +5140,7 @@
           <a:p>
             <a:fld id="{C9A00F7B-89C5-4DF7-A309-6263220147D4}" type="datetimeFigureOut">
               <a:rPr lang="en-US" dirty="0"/>
-              <a:t>5/14/2020</a:t>
+              <a:t>5/18/2020</a:t>
             </a:fld>
             <a:endParaRPr lang="en-US" dirty="0"/>
           </a:p>
@@ -5511,7 +5511,7 @@
           <a:p>
             <a:fld id="{449C95DE-FD64-4606-AE61-EC1136867CC6}" type="datetimeFigureOut">
               <a:rPr lang="en-US" dirty="0"/>
-              <a:t>5/14/2020</a:t>
+              <a:t>5/18/2020</a:t>
             </a:fld>
             <a:endParaRPr lang="en-US" dirty="0"/>
           </a:p>
@@ -6012,7 +6012,7 @@
           <a:p>
             <a:fld id="{5DEB0BBD-30FE-4CF1-900A-0C45149F8AF8}" type="datetimeFigureOut">
               <a:rPr lang="en-US" dirty="0"/>
-              <a:t>5/14/2020</a:t>
+              <a:t>5/18/2020</a:t>
             </a:fld>
             <a:endParaRPr lang="en-US" dirty="0"/>
           </a:p>
@@ -6264,7 +6264,7 @@
           <a:p>
             <a:fld id="{B91A5F7F-3E81-4C65-A4D1-CB62D5B9DB91}" type="datetimeFigureOut">
               <a:rPr lang="en-US" dirty="0"/>
-              <a:t>5/14/2020</a:t>
+              <a:t>5/18/2020</a:t>
             </a:fld>
             <a:endParaRPr lang="en-US" dirty="0"/>
           </a:p>
@@ -6422,7 +6422,7 @@
           <a:p>
             <a:fld id="{377ECC86-1672-4627-AEFE-EC5485C73905}" type="datetimeFigureOut">
               <a:rPr lang="en-US" dirty="0"/>
-              <a:t>5/14/2020</a:t>
+              <a:t>5/18/2020</a:t>
             </a:fld>
             <a:endParaRPr lang="en-US" dirty="0"/>
           </a:p>
@@ -6807,7 +6807,7 @@
           <a:p>
             <a:fld id="{3CDCB01F-D966-4C62-B900-0BE008A90C98}" type="datetimeFigureOut">
               <a:rPr lang="en-US" dirty="0"/>
-              <a:t>5/14/2020</a:t>
+              <a:t>5/18/2020</a:t>
             </a:fld>
             <a:endParaRPr lang="en-US" dirty="0"/>
           </a:p>
@@ -7211,7 +7211,7 @@
           <a:p>
             <a:fld id="{5E73A0EA-7DC7-4964-BB97-B173EF3B859A}" type="datetimeFigureOut">
               <a:rPr lang="en-US" dirty="0"/>
-              <a:t>5/14/2020</a:t>
+              <a:t>5/18/2020</a:t>
             </a:fld>
             <a:endParaRPr lang="en-US" dirty="0"/>
           </a:p>
@@ -7450,7 +7450,7 @@
           <a:p>
             <a:fld id="{30EF52CC-F3D9-41D4-BCE4-C208E61A3F31}" type="datetimeFigureOut">
               <a:rPr lang="en-US" dirty="0"/>
-              <a:t>5/14/2020</a:t>
+              <a:t>5/18/2020</a:t>
             </a:fld>
             <a:endParaRPr lang="en-US" dirty="0"/>
           </a:p>
@@ -13598,10 +13598,58 @@
           <a:chExt cx="0" cy="0"/>
         </a:xfrm>
       </p:grpSpPr>
+      <p:sp>
+        <p:nvSpPr>
+          <p:cNvPr id="5" name="Rectangle 4"/>
+          <p:cNvSpPr/>
+          <p:nvPr/>
+        </p:nvSpPr>
+        <p:spPr>
+          <a:xfrm>
+            <a:off x="1643213" y="5828232"/>
+            <a:ext cx="7659881" cy="685059"/>
+          </a:xfrm>
+          <a:prstGeom prst="rect">
+            <a:avLst/>
+          </a:prstGeom>
+        </p:spPr>
+        <p:txBody>
+          <a:bodyPr wrap="square">
+            <a:spAutoFit/>
+          </a:bodyPr>
+          <a:lstStyle/>
+          <a:p>
+            <a:pPr>
+              <a:lnSpc>
+                <a:spcPct val="107000"/>
+              </a:lnSpc>
+              <a:spcAft>
+                <a:spcPts val="800"/>
+              </a:spcAft>
+            </a:pPr>
+            <a:r>
+              <a:rPr lang="fr-FR" dirty="0">
+                <a:latin typeface="Calibri" panose="020F0502020204030204" pitchFamily="34" charset="0"/>
+                <a:ea typeface="Calibri" panose="020F0502020204030204" pitchFamily="34" charset="0"/>
+                <a:cs typeface="Times New Roman" panose="02020603050405020304" pitchFamily="18" charset="0"/>
+              </a:rPr>
+              <a:t>Ces deux captures correspondent à la fonction PHP permettant à l’administrateur de supprimer un utilisateur depuis l’IHM.</a:t>
+            </a:r>
+            <a:endParaRPr lang="fr-FR" dirty="0">
+              <a:effectLst/>
+              <a:latin typeface="Calibri" panose="020F0502020204030204" pitchFamily="34" charset="0"/>
+              <a:ea typeface="Calibri" panose="020F0502020204030204" pitchFamily="34" charset="0"/>
+              <a:cs typeface="Times New Roman" panose="02020603050405020304" pitchFamily="18" charset="0"/>
+            </a:endParaRPr>
+          </a:p>
+        </p:txBody>
+      </p:sp>
       <p:pic>
         <p:nvPicPr>
-          <p:cNvPr id="4" name="Image 3"/>
-          <p:cNvPicPr/>
+          <p:cNvPr id="2" name="Image 1"/>
+          <p:cNvPicPr>
+            <a:picLocks noChangeAspect="1"/>
+          </p:cNvPicPr>
           <p:nvPr/>
         </p:nvPicPr>
         <p:blipFill>
@@ -13612,60 +13660,14 @@
         </p:blipFill>
         <p:spPr>
           <a:xfrm>
-            <a:off x="1643213" y="2177038"/>
-            <a:ext cx="7235867" cy="3651194"/>
+            <a:off x="1056695" y="2299086"/>
+            <a:ext cx="9839325" cy="3028950"/>
           </a:xfrm>
           <a:prstGeom prst="rect">
             <a:avLst/>
           </a:prstGeom>
         </p:spPr>
       </p:pic>
-      <p:sp>
-        <p:nvSpPr>
-          <p:cNvPr id="5" name="Rectangle 4"/>
-          <p:cNvSpPr/>
-          <p:nvPr/>
-        </p:nvSpPr>
-        <p:spPr>
-          <a:xfrm>
-            <a:off x="1643213" y="5828232"/>
-            <a:ext cx="7659881" cy="685059"/>
-          </a:xfrm>
-          <a:prstGeom prst="rect">
-            <a:avLst/>
-          </a:prstGeom>
-        </p:spPr>
-        <p:txBody>
-          <a:bodyPr wrap="square">
-            <a:spAutoFit/>
-          </a:bodyPr>
-          <a:lstStyle/>
-          <a:p>
-            <a:pPr>
-              <a:lnSpc>
-                <a:spcPct val="107000"/>
-              </a:lnSpc>
-              <a:spcAft>
-                <a:spcPts val="800"/>
-              </a:spcAft>
-            </a:pPr>
-            <a:r>
-              <a:rPr lang="fr-FR" dirty="0">
-                <a:latin typeface="Calibri" panose="020F0502020204030204" pitchFamily="34" charset="0"/>
-                <a:ea typeface="Calibri" panose="020F0502020204030204" pitchFamily="34" charset="0"/>
-                <a:cs typeface="Times New Roman" panose="02020603050405020304" pitchFamily="18" charset="0"/>
-              </a:rPr>
-              <a:t>Ces deux captures correspondent à la fonction PHP permettant à l’administrateur de supprimer un utilisateur depuis l’IHM.</a:t>
-            </a:r>
-            <a:endParaRPr lang="fr-FR" dirty="0">
-              <a:effectLst/>
-              <a:latin typeface="Calibri" panose="020F0502020204030204" pitchFamily="34" charset="0"/>
-              <a:ea typeface="Calibri" panose="020F0502020204030204" pitchFamily="34" charset="0"/>
-              <a:cs typeface="Times New Roman" panose="02020603050405020304" pitchFamily="18" charset="0"/>
-            </a:endParaRPr>
-          </a:p>
-        </p:txBody>
-      </p:sp>
     </p:spTree>
     <p:extLst>
       <p:ext uri="{BB962C8B-B14F-4D97-AF65-F5344CB8AC3E}">
@@ -16078,11 +16080,11 @@
   <p:clrMapOvr>
     <a:masterClrMapping/>
   </p:clrMapOvr>
-  <mc:AlternateContent xmlns:mc="http://schemas.openxmlformats.org/markup-compatibility/2006">
-    <mc:Choice xmlns:p14="http://schemas.microsoft.com/office/powerpoint/2010/main" Requires="p14">
+  <mc:AlternateContent xmlns:mc="http://schemas.openxmlformats.org/markup-compatibility/2006" xmlns:p14="http://schemas.microsoft.com/office/powerpoint/2010/main">
+    <mc:Choice Requires="p14">
       <p:transition spd="slow" p14:dur="2000"/>
     </mc:Choice>
-    <mc:Fallback>
+    <mc:Fallback xmlns="">
       <p:transition spd="slow"/>
     </mc:Fallback>
   </mc:AlternateContent>

--- a/Dossier/Arthur/revueArthurBRICE1.pptx
+++ b/Dossier/Arthur/revueArthurBRICE1.pptx
@@ -11229,7 +11229,7 @@
 </file>
 
 <file path=ppt/slides/slide41.xml><?xml version="1.0" encoding="utf-8"?>
-<p:sld xmlns:a="http://schemas.openxmlformats.org/drawingml/2006/main" xmlns:r="http://schemas.openxmlformats.org/officeDocument/2006/relationships" xmlns:p="http://schemas.openxmlformats.org/presentationml/2006/main" show="0">
+<p:sld xmlns:a="http://schemas.openxmlformats.org/drawingml/2006/main" xmlns:r="http://schemas.openxmlformats.org/officeDocument/2006/relationships" xmlns:p="http://schemas.openxmlformats.org/presentationml/2006/main">
   <p:cSld>
     <p:spTree>
       <p:nvGrpSpPr>
@@ -11366,11 +11366,11 @@
   <p:clrMapOvr>
     <a:masterClrMapping/>
   </p:clrMapOvr>
-  <mc:AlternateContent xmlns:mc="http://schemas.openxmlformats.org/markup-compatibility/2006" xmlns:p14="http://schemas.microsoft.com/office/powerpoint/2010/main">
-    <mc:Choice Requires="p14">
+  <mc:AlternateContent xmlns:mc="http://schemas.openxmlformats.org/markup-compatibility/2006">
+    <mc:Choice xmlns:p14="http://schemas.microsoft.com/office/powerpoint/2010/main" Requires="p14">
       <p:transition spd="slow" p14:dur="2000"/>
     </mc:Choice>
-    <mc:Fallback xmlns="">
+    <mc:Fallback>
       <p:transition spd="slow"/>
     </mc:Fallback>
   </mc:AlternateContent>
@@ -11378,7 +11378,7 @@
 </file>
 
 <file path=ppt/slides/slide42.xml><?xml version="1.0" encoding="utf-8"?>
-<p:sld xmlns:a="http://schemas.openxmlformats.org/drawingml/2006/main" xmlns:r="http://schemas.openxmlformats.org/officeDocument/2006/relationships" xmlns:p="http://schemas.openxmlformats.org/presentationml/2006/main" show="0">
+<p:sld xmlns:a="http://schemas.openxmlformats.org/drawingml/2006/main" xmlns:r="http://schemas.openxmlformats.org/officeDocument/2006/relationships" xmlns:p="http://schemas.openxmlformats.org/presentationml/2006/main">
   <p:cSld>
     <p:spTree>
       <p:nvGrpSpPr>
@@ -11452,11 +11452,11 @@
   <p:clrMapOvr>
     <a:masterClrMapping/>
   </p:clrMapOvr>
-  <mc:AlternateContent xmlns:mc="http://schemas.openxmlformats.org/markup-compatibility/2006" xmlns:p14="http://schemas.microsoft.com/office/powerpoint/2010/main">
-    <mc:Choice Requires="p14">
+  <mc:AlternateContent xmlns:mc="http://schemas.openxmlformats.org/markup-compatibility/2006">
+    <mc:Choice xmlns:p14="http://schemas.microsoft.com/office/powerpoint/2010/main" Requires="p14">
       <p:transition spd="slow" p14:dur="2000"/>
     </mc:Choice>
-    <mc:Fallback xmlns="">
+    <mc:Fallback>
       <p:transition spd="slow"/>
     </mc:Fallback>
   </mc:AlternateContent>
@@ -11464,7 +11464,7 @@
 </file>
 
 <file path=ppt/slides/slide43.xml><?xml version="1.0" encoding="utf-8"?>
-<p:sld xmlns:a="http://schemas.openxmlformats.org/drawingml/2006/main" xmlns:r="http://schemas.openxmlformats.org/officeDocument/2006/relationships" xmlns:p="http://schemas.openxmlformats.org/presentationml/2006/main" show="0">
+<p:sld xmlns:a="http://schemas.openxmlformats.org/drawingml/2006/main" xmlns:r="http://schemas.openxmlformats.org/officeDocument/2006/relationships" xmlns:p="http://schemas.openxmlformats.org/presentationml/2006/main">
   <p:cSld>
     <p:spTree>
       <p:nvGrpSpPr>
@@ -11482,7 +11482,7 @@
       </p:grpSpPr>
       <p:pic>
         <p:nvPicPr>
-          <p:cNvPr id="4" name="Image 3"/>
+          <p:cNvPr id="2" name="Image 1"/>
           <p:cNvPicPr>
             <a:picLocks noChangeAspect="1"/>
           </p:cNvPicPr>
@@ -11496,8 +11496,8 @@
         </p:blipFill>
         <p:spPr>
           <a:xfrm>
-            <a:off x="2777650" y="2226446"/>
-            <a:ext cx="4705350" cy="3943350"/>
+            <a:off x="3490156" y="2371992"/>
+            <a:ext cx="4476750" cy="3771900"/>
           </a:xfrm>
           <a:prstGeom prst="rect">
             <a:avLst/>
@@ -11514,11 +11514,11 @@
   <p:clrMapOvr>
     <a:masterClrMapping/>
   </p:clrMapOvr>
-  <mc:AlternateContent xmlns:mc="http://schemas.openxmlformats.org/markup-compatibility/2006" xmlns:p14="http://schemas.microsoft.com/office/powerpoint/2010/main">
-    <mc:Choice Requires="p14">
+  <mc:AlternateContent xmlns:mc="http://schemas.openxmlformats.org/markup-compatibility/2006">
+    <mc:Choice xmlns:p14="http://schemas.microsoft.com/office/powerpoint/2010/main" Requires="p14">
       <p:transition spd="slow" p14:dur="2000"/>
     </mc:Choice>
-    <mc:Fallback xmlns="">
+    <mc:Fallback>
       <p:transition spd="slow"/>
     </mc:Fallback>
   </mc:AlternateContent>
@@ -11526,7 +11526,7 @@
 </file>
 
 <file path=ppt/slides/slide44.xml><?xml version="1.0" encoding="utf-8"?>
-<p:sld xmlns:a="http://schemas.openxmlformats.org/drawingml/2006/main" xmlns:r="http://schemas.openxmlformats.org/officeDocument/2006/relationships" xmlns:p="http://schemas.openxmlformats.org/presentationml/2006/main" show="0">
+<p:sld xmlns:a="http://schemas.openxmlformats.org/drawingml/2006/main" xmlns:r="http://schemas.openxmlformats.org/officeDocument/2006/relationships" xmlns:p="http://schemas.openxmlformats.org/presentationml/2006/main">
   <p:cSld>
     <p:spTree>
       <p:nvGrpSpPr>
@@ -11544,7 +11544,7 @@
       </p:grpSpPr>
       <p:pic>
         <p:nvPicPr>
-          <p:cNvPr id="4" name="Image 3"/>
+          <p:cNvPr id="2" name="Image 1"/>
           <p:cNvPicPr>
             <a:picLocks noChangeAspect="1"/>
           </p:cNvPicPr>
@@ -11558,8 +11558,8 @@
         </p:blipFill>
         <p:spPr>
           <a:xfrm>
-            <a:off x="2793895" y="2256667"/>
-            <a:ext cx="4638675" cy="1609725"/>
+            <a:off x="3264894" y="2441872"/>
+            <a:ext cx="4619625" cy="1581150"/>
           </a:xfrm>
           <a:prstGeom prst="rect">
             <a:avLst/>
@@ -11576,11 +11576,11 @@
   <p:clrMapOvr>
     <a:masterClrMapping/>
   </p:clrMapOvr>
-  <mc:AlternateContent xmlns:mc="http://schemas.openxmlformats.org/markup-compatibility/2006" xmlns:p14="http://schemas.microsoft.com/office/powerpoint/2010/main">
-    <mc:Choice Requires="p14">
+  <mc:AlternateContent xmlns:mc="http://schemas.openxmlformats.org/markup-compatibility/2006">
+    <mc:Choice xmlns:p14="http://schemas.microsoft.com/office/powerpoint/2010/main" Requires="p14">
       <p:transition spd="slow" p14:dur="2000"/>
     </mc:Choice>
-    <mc:Fallback xmlns="">
+    <mc:Fallback>
       <p:transition spd="slow"/>
     </mc:Fallback>
   </mc:AlternateContent>

--- a/Dossier/Arthur/revueArthurBRICE1.pptx
+++ b/Dossier/Arthur/revueArthurBRICE1.pptx
@@ -24,83 +24,82 @@
     <p:sldId id="272" r:id="rId18"/>
     <p:sldId id="273" r:id="rId19"/>
     <p:sldId id="274" r:id="rId20"/>
-    <p:sldId id="275" r:id="rId21"/>
-    <p:sldId id="276" r:id="rId22"/>
-    <p:sldId id="277" r:id="rId23"/>
-    <p:sldId id="278" r:id="rId24"/>
-    <p:sldId id="279" r:id="rId25"/>
-    <p:sldId id="280" r:id="rId26"/>
-    <p:sldId id="281" r:id="rId27"/>
-    <p:sldId id="282" r:id="rId28"/>
-    <p:sldId id="283" r:id="rId29"/>
-    <p:sldId id="284" r:id="rId30"/>
-    <p:sldId id="285" r:id="rId31"/>
-    <p:sldId id="286" r:id="rId32"/>
-    <p:sldId id="287" r:id="rId33"/>
-    <p:sldId id="288" r:id="rId34"/>
-    <p:sldId id="289" r:id="rId35"/>
-    <p:sldId id="290" r:id="rId36"/>
-    <p:sldId id="291" r:id="rId37"/>
-    <p:sldId id="292" r:id="rId38"/>
-    <p:sldId id="293" r:id="rId39"/>
-    <p:sldId id="294" r:id="rId40"/>
-    <p:sldId id="295" r:id="rId41"/>
-    <p:sldId id="296" r:id="rId42"/>
-    <p:sldId id="297" r:id="rId43"/>
-    <p:sldId id="298" r:id="rId44"/>
-    <p:sldId id="299" r:id="rId45"/>
-    <p:sldId id="300" r:id="rId46"/>
-    <p:sldId id="301" r:id="rId47"/>
-    <p:sldId id="302" r:id="rId48"/>
-    <p:sldId id="303" r:id="rId49"/>
-    <p:sldId id="304" r:id="rId50"/>
-    <p:sldId id="305" r:id="rId51"/>
-    <p:sldId id="306" r:id="rId52"/>
-    <p:sldId id="307" r:id="rId53"/>
-    <p:sldId id="308" r:id="rId54"/>
-    <p:sldId id="309" r:id="rId55"/>
-    <p:sldId id="310" r:id="rId56"/>
-    <p:sldId id="311" r:id="rId57"/>
-    <p:sldId id="312" r:id="rId58"/>
-    <p:sldId id="313" r:id="rId59"/>
-    <p:sldId id="314" r:id="rId60"/>
-    <p:sldId id="315" r:id="rId61"/>
-    <p:sldId id="316" r:id="rId62"/>
-    <p:sldId id="317" r:id="rId63"/>
-    <p:sldId id="318" r:id="rId64"/>
-    <p:sldId id="319" r:id="rId65"/>
-    <p:sldId id="320" r:id="rId66"/>
-    <p:sldId id="321" r:id="rId67"/>
-    <p:sldId id="322" r:id="rId68"/>
-    <p:sldId id="323" r:id="rId69"/>
-    <p:sldId id="324" r:id="rId70"/>
-    <p:sldId id="325" r:id="rId71"/>
-    <p:sldId id="326" r:id="rId72"/>
-    <p:sldId id="327" r:id="rId73"/>
-    <p:sldId id="328" r:id="rId74"/>
-    <p:sldId id="329" r:id="rId75"/>
-    <p:sldId id="330" r:id="rId76"/>
-    <p:sldId id="331" r:id="rId77"/>
-    <p:sldId id="332" r:id="rId78"/>
-    <p:sldId id="333" r:id="rId79"/>
-    <p:sldId id="334" r:id="rId80"/>
-    <p:sldId id="335" r:id="rId81"/>
-    <p:sldId id="336" r:id="rId82"/>
-    <p:sldId id="337" r:id="rId83"/>
-    <p:sldId id="338" r:id="rId84"/>
-    <p:sldId id="339" r:id="rId85"/>
-    <p:sldId id="340" r:id="rId86"/>
-    <p:sldId id="341" r:id="rId87"/>
-    <p:sldId id="342" r:id="rId88"/>
-    <p:sldId id="343" r:id="rId89"/>
-    <p:sldId id="344" r:id="rId90"/>
-    <p:sldId id="345" r:id="rId91"/>
-    <p:sldId id="346" r:id="rId92"/>
-    <p:sldId id="347" r:id="rId93"/>
-    <p:sldId id="348" r:id="rId94"/>
-    <p:sldId id="349" r:id="rId95"/>
-    <p:sldId id="350" r:id="rId96"/>
-    <p:sldId id="351" r:id="rId97"/>
+    <p:sldId id="276" r:id="rId21"/>
+    <p:sldId id="277" r:id="rId22"/>
+    <p:sldId id="278" r:id="rId23"/>
+    <p:sldId id="279" r:id="rId24"/>
+    <p:sldId id="280" r:id="rId25"/>
+    <p:sldId id="281" r:id="rId26"/>
+    <p:sldId id="282" r:id="rId27"/>
+    <p:sldId id="283" r:id="rId28"/>
+    <p:sldId id="284" r:id="rId29"/>
+    <p:sldId id="285" r:id="rId30"/>
+    <p:sldId id="286" r:id="rId31"/>
+    <p:sldId id="287" r:id="rId32"/>
+    <p:sldId id="288" r:id="rId33"/>
+    <p:sldId id="289" r:id="rId34"/>
+    <p:sldId id="290" r:id="rId35"/>
+    <p:sldId id="291" r:id="rId36"/>
+    <p:sldId id="292" r:id="rId37"/>
+    <p:sldId id="293" r:id="rId38"/>
+    <p:sldId id="294" r:id="rId39"/>
+    <p:sldId id="295" r:id="rId40"/>
+    <p:sldId id="296" r:id="rId41"/>
+    <p:sldId id="297" r:id="rId42"/>
+    <p:sldId id="298" r:id="rId43"/>
+    <p:sldId id="299" r:id="rId44"/>
+    <p:sldId id="300" r:id="rId45"/>
+    <p:sldId id="301" r:id="rId46"/>
+    <p:sldId id="302" r:id="rId47"/>
+    <p:sldId id="303" r:id="rId48"/>
+    <p:sldId id="304" r:id="rId49"/>
+    <p:sldId id="305" r:id="rId50"/>
+    <p:sldId id="306" r:id="rId51"/>
+    <p:sldId id="307" r:id="rId52"/>
+    <p:sldId id="308" r:id="rId53"/>
+    <p:sldId id="309" r:id="rId54"/>
+    <p:sldId id="310" r:id="rId55"/>
+    <p:sldId id="311" r:id="rId56"/>
+    <p:sldId id="312" r:id="rId57"/>
+    <p:sldId id="313" r:id="rId58"/>
+    <p:sldId id="314" r:id="rId59"/>
+    <p:sldId id="315" r:id="rId60"/>
+    <p:sldId id="316" r:id="rId61"/>
+    <p:sldId id="317" r:id="rId62"/>
+    <p:sldId id="318" r:id="rId63"/>
+    <p:sldId id="319" r:id="rId64"/>
+    <p:sldId id="320" r:id="rId65"/>
+    <p:sldId id="321" r:id="rId66"/>
+    <p:sldId id="322" r:id="rId67"/>
+    <p:sldId id="323" r:id="rId68"/>
+    <p:sldId id="324" r:id="rId69"/>
+    <p:sldId id="325" r:id="rId70"/>
+    <p:sldId id="326" r:id="rId71"/>
+    <p:sldId id="327" r:id="rId72"/>
+    <p:sldId id="328" r:id="rId73"/>
+    <p:sldId id="329" r:id="rId74"/>
+    <p:sldId id="330" r:id="rId75"/>
+    <p:sldId id="331" r:id="rId76"/>
+    <p:sldId id="332" r:id="rId77"/>
+    <p:sldId id="333" r:id="rId78"/>
+    <p:sldId id="334" r:id="rId79"/>
+    <p:sldId id="335" r:id="rId80"/>
+    <p:sldId id="336" r:id="rId81"/>
+    <p:sldId id="337" r:id="rId82"/>
+    <p:sldId id="338" r:id="rId83"/>
+    <p:sldId id="339" r:id="rId84"/>
+    <p:sldId id="340" r:id="rId85"/>
+    <p:sldId id="341" r:id="rId86"/>
+    <p:sldId id="342" r:id="rId87"/>
+    <p:sldId id="343" r:id="rId88"/>
+    <p:sldId id="344" r:id="rId89"/>
+    <p:sldId id="345" r:id="rId90"/>
+    <p:sldId id="346" r:id="rId91"/>
+    <p:sldId id="347" r:id="rId92"/>
+    <p:sldId id="348" r:id="rId93"/>
+    <p:sldId id="349" r:id="rId94"/>
+    <p:sldId id="350" r:id="rId95"/>
+    <p:sldId id="351" r:id="rId96"/>
   </p:sldIdLst>
   <p:sldSz cx="12192000" cy="6858000"/>
   <p:notesSz cx="6858000" cy="9144000"/>
@@ -223,7 +222,6 @@
             <p14:sldId id="272"/>
             <p14:sldId id="273"/>
             <p14:sldId id="274"/>
-            <p14:sldId id="275"/>
             <p14:sldId id="276"/>
             <p14:sldId id="277"/>
             <p14:sldId id="278"/>
@@ -585,7 +583,7 @@
           <a:p>
             <a:fld id="{397E0307-B85C-446A-8EF0-0407D435D787}" type="datetimeFigureOut">
               <a:rPr lang="en-US" dirty="0"/>
-              <a:t>4/2/2020</a:t>
+              <a:t>5/18/2020</a:t>
             </a:fld>
             <a:endParaRPr lang="en-US" dirty="0"/>
           </a:p>
@@ -994,7 +992,7 @@
           <a:p>
             <a:fld id="{8BD862E7-95FA-4FC4-9EC5-DDBFA8DC7417}" type="datetimeFigureOut">
               <a:rPr lang="en-US" dirty="0"/>
-              <a:t>4/2/2020</a:t>
+              <a:t>5/18/2020</a:t>
             </a:fld>
             <a:endParaRPr lang="en-US" dirty="0"/>
           </a:p>
@@ -1325,7 +1323,7 @@
           <a:p>
             <a:fld id="{8DB987F2-A784-4F72-BB57-0E9EACDE722E}" type="datetimeFigureOut">
               <a:rPr lang="en-US" dirty="0"/>
-              <a:t>4/2/2020</a:t>
+              <a:t>5/18/2020</a:t>
             </a:fld>
             <a:endParaRPr lang="en-US" dirty="0"/>
           </a:p>
@@ -1725,7 +1723,7 @@
           <a:p>
             <a:fld id="{40BBD51E-4B19-444E-85C0-DBD7EB6263F4}" type="datetimeFigureOut">
               <a:rPr lang="en-US" dirty="0"/>
-              <a:t>4/2/2020</a:t>
+              <a:t>5/18/2020</a:t>
             </a:fld>
             <a:endParaRPr lang="en-US" dirty="0"/>
           </a:p>
@@ -2288,7 +2286,7 @@
           <a:p>
             <a:fld id="{F0D7255A-4AD5-4D3E-9A0A-689DA3BA976C}" type="datetimeFigureOut">
               <a:rPr lang="en-US" dirty="0"/>
-              <a:t>4/2/2020</a:t>
+              <a:t>5/18/2020</a:t>
             </a:fld>
             <a:endParaRPr lang="en-US" dirty="0"/>
           </a:p>
@@ -2964,7 +2962,7 @@
           <a:p>
             <a:fld id="{3EE0AD15-87AC-45B2-9EE5-8D165AF83CD7}" type="datetimeFigureOut">
               <a:rPr lang="en-US" dirty="0"/>
-              <a:t>4/2/2020</a:t>
+              <a:t>5/18/2020</a:t>
             </a:fld>
             <a:endParaRPr lang="en-US" dirty="0"/>
           </a:p>
@@ -3872,7 +3870,7 @@
           <a:p>
             <a:fld id="{FCC40CCD-F0D6-4CC2-A4C8-2D7D0D875F02}" type="datetimeFigureOut">
               <a:rPr lang="en-US" dirty="0"/>
-              <a:t>4/2/2020</a:t>
+              <a:t>5/18/2020</a:t>
             </a:fld>
             <a:endParaRPr lang="en-US" dirty="0"/>
           </a:p>
@@ -4180,7 +4178,7 @@
           <a:p>
             <a:fld id="{B3CFE2CC-454D-4466-AC55-B86DA0A87BAE}" type="datetimeFigureOut">
               <a:rPr lang="en-US" dirty="0"/>
-              <a:t>4/2/2020</a:t>
+              <a:t>5/18/2020</a:t>
             </a:fld>
             <a:endParaRPr lang="en-US" dirty="0"/>
           </a:p>
@@ -4439,7 +4437,7 @@
           <a:p>
             <a:fld id="{B647B1BF-4039-460D-A637-65428CBD720E}" type="datetimeFigureOut">
               <a:rPr lang="en-US" dirty="0"/>
-              <a:t>4/2/2020</a:t>
+              <a:t>5/18/2020</a:t>
             </a:fld>
             <a:endParaRPr lang="en-US" dirty="0"/>
           </a:p>
@@ -4758,7 +4756,7 @@
           <a:p>
             <a:fld id="{AAA39ACE-9343-4EBE-B5CA-AEA240A1DC53}" type="datetimeFigureOut">
               <a:rPr lang="en-US" dirty="0"/>
-              <a:t>4/2/2020</a:t>
+              <a:t>5/18/2020</a:t>
             </a:fld>
             <a:endParaRPr lang="en-US" dirty="0"/>
           </a:p>
@@ -5142,7 +5140,7 @@
           <a:p>
             <a:fld id="{C9A00F7B-89C5-4DF7-A309-6263220147D4}" type="datetimeFigureOut">
               <a:rPr lang="en-US" dirty="0"/>
-              <a:t>4/2/2020</a:t>
+              <a:t>5/18/2020</a:t>
             </a:fld>
             <a:endParaRPr lang="en-US" dirty="0"/>
           </a:p>
@@ -5513,7 +5511,7 @@
           <a:p>
             <a:fld id="{449C95DE-FD64-4606-AE61-EC1136867CC6}" type="datetimeFigureOut">
               <a:rPr lang="en-US" dirty="0"/>
-              <a:t>4/2/2020</a:t>
+              <a:t>5/18/2020</a:t>
             </a:fld>
             <a:endParaRPr lang="en-US" dirty="0"/>
           </a:p>
@@ -6014,7 +6012,7 @@
           <a:p>
             <a:fld id="{5DEB0BBD-30FE-4CF1-900A-0C45149F8AF8}" type="datetimeFigureOut">
               <a:rPr lang="en-US" dirty="0"/>
-              <a:t>4/2/2020</a:t>
+              <a:t>5/18/2020</a:t>
             </a:fld>
             <a:endParaRPr lang="en-US" dirty="0"/>
           </a:p>
@@ -6266,7 +6264,7 @@
           <a:p>
             <a:fld id="{B91A5F7F-3E81-4C65-A4D1-CB62D5B9DB91}" type="datetimeFigureOut">
               <a:rPr lang="en-US" dirty="0"/>
-              <a:t>4/2/2020</a:t>
+              <a:t>5/18/2020</a:t>
             </a:fld>
             <a:endParaRPr lang="en-US" dirty="0"/>
           </a:p>
@@ -6424,7 +6422,7 @@
           <a:p>
             <a:fld id="{377ECC86-1672-4627-AEFE-EC5485C73905}" type="datetimeFigureOut">
               <a:rPr lang="en-US" dirty="0"/>
-              <a:t>4/2/2020</a:t>
+              <a:t>5/18/2020</a:t>
             </a:fld>
             <a:endParaRPr lang="en-US" dirty="0"/>
           </a:p>
@@ -6809,7 +6807,7 @@
           <a:p>
             <a:fld id="{3CDCB01F-D966-4C62-B900-0BE008A90C98}" type="datetimeFigureOut">
               <a:rPr lang="en-US" dirty="0"/>
-              <a:t>4/2/2020</a:t>
+              <a:t>5/18/2020</a:t>
             </a:fld>
             <a:endParaRPr lang="en-US" dirty="0"/>
           </a:p>
@@ -7213,7 +7211,7 @@
           <a:p>
             <a:fld id="{5E73A0EA-7DC7-4964-BB97-B173EF3B859A}" type="datetimeFigureOut">
               <a:rPr lang="en-US" dirty="0"/>
-              <a:t>4/2/2020</a:t>
+              <a:t>5/18/2020</a:t>
             </a:fld>
             <a:endParaRPr lang="en-US" dirty="0"/>
           </a:p>
@@ -7452,7 +7450,7 @@
           <a:p>
             <a:fld id="{30EF52CC-F3D9-41D4-BCE4-C208E61A3F31}" type="datetimeFigureOut">
               <a:rPr lang="en-US" dirty="0"/>
-              <a:t>4/2/2020</a:t>
+              <a:t>5/18/2020</a:t>
             </a:fld>
             <a:endParaRPr lang="en-US" dirty="0"/>
           </a:p>
@@ -8001,11 +7999,11 @@
   <p:clrMapOvr>
     <a:masterClrMapping/>
   </p:clrMapOvr>
-  <mc:AlternateContent xmlns:mc="http://schemas.openxmlformats.org/markup-compatibility/2006">
-    <mc:Choice xmlns:p14="http://schemas.microsoft.com/office/powerpoint/2010/main" Requires="p14">
+  <mc:AlternateContent xmlns:mc="http://schemas.openxmlformats.org/markup-compatibility/2006" xmlns:p14="http://schemas.microsoft.com/office/powerpoint/2010/main">
+    <mc:Choice Requires="p14">
       <p:transition spd="slow" p14:dur="2000"/>
     </mc:Choice>
-    <mc:Fallback>
+    <mc:Fallback xmlns="">
       <p:transition spd="slow"/>
     </mc:Fallback>
   </mc:AlternateContent>
@@ -8115,11 +8113,11 @@
   <p:clrMapOvr>
     <a:masterClrMapping/>
   </p:clrMapOvr>
-  <mc:AlternateContent xmlns:mc="http://schemas.openxmlformats.org/markup-compatibility/2006">
-    <mc:Choice xmlns:p14="http://schemas.microsoft.com/office/powerpoint/2010/main" Requires="p14">
+  <mc:AlternateContent xmlns:mc="http://schemas.openxmlformats.org/markup-compatibility/2006" xmlns:p14="http://schemas.microsoft.com/office/powerpoint/2010/main">
+    <mc:Choice Requires="p14">
       <p:transition spd="slow" p14:dur="2000"/>
     </mc:Choice>
-    <mc:Fallback>
+    <mc:Fallback xmlns="">
       <p:transition spd="slow"/>
     </mc:Fallback>
   </mc:AlternateContent>
@@ -8980,6 +8978,29 @@
       </p:grpSpPr>
       <p:sp>
         <p:nvSpPr>
+          <p:cNvPr id="2" name="Titre 1"/>
+          <p:cNvSpPr>
+            <a:spLocks noGrp="1"/>
+          </p:cNvSpPr>
+          <p:nvPr>
+            <p:ph type="title"/>
+          </p:nvPr>
+        </p:nvSpPr>
+        <p:spPr/>
+        <p:txBody>
+          <a:bodyPr/>
+          <a:lstStyle/>
+          <a:p>
+            <a:r>
+              <a:rPr lang="fr-FR" dirty="0" smtClean="0"/>
+              <a:t>Organisation du projet</a:t>
+            </a:r>
+            <a:endParaRPr lang="fr-FR" dirty="0"/>
+          </a:p>
+        </p:txBody>
+      </p:sp>
+      <p:sp>
+        <p:nvSpPr>
           <p:cNvPr id="3" name="Espace réservé du contenu 2"/>
           <p:cNvSpPr>
             <a:spLocks noGrp="1"/>
@@ -8990,7 +9011,9 @@
         </p:nvSpPr>
         <p:spPr/>
         <p:txBody>
-          <a:bodyPr/>
+          <a:bodyPr>
+            <a:normAutofit fontScale="92500" lnSpcReduction="10000"/>
+          </a:bodyPr>
           <a:lstStyle/>
           <a:p>
             <a:pPr marL="0" indent="0">
@@ -8998,8 +9021,49 @@
             </a:pPr>
             <a:r>
               <a:rPr lang="fr-FR" dirty="0" smtClean="0"/>
-              <a:t>Les autres diagrammes se trouvent plus tard dans le diaporama.</a:t>
-            </a:r>
+              <a:t>Maintenant </a:t>
+            </a:r>
+            <a:r>
+              <a:rPr lang="fr-FR" dirty="0"/>
+              <a:t>que le sujet est correctement appréhendé, il est nécessaire d’organiser le temps de travail jusqu’à la date butoir. L’objectif est d’avoir un plan d’action établie afin de savoir si le projet commence à prendre du retard ou non. Pour la réalisation de ce projet, nous nous sommes organisés ainsi : 	</a:t>
+            </a:r>
+          </a:p>
+          <a:p>
+            <a:pPr lvl="0"/>
+            <a:r>
+              <a:rPr lang="fr-FR" dirty="0"/>
+              <a:t>Analyse</a:t>
+            </a:r>
+          </a:p>
+          <a:p>
+            <a:pPr lvl="0"/>
+            <a:r>
+              <a:rPr lang="fr-FR" dirty="0"/>
+              <a:t>Préparation</a:t>
+            </a:r>
+          </a:p>
+          <a:p>
+            <a:pPr lvl="0"/>
+            <a:r>
+              <a:rPr lang="fr-FR" dirty="0"/>
+              <a:t>Conception</a:t>
+            </a:r>
+          </a:p>
+          <a:p>
+            <a:pPr lvl="0"/>
+            <a:r>
+              <a:rPr lang="fr-FR" dirty="0"/>
+              <a:t>Module de test</a:t>
+            </a:r>
+          </a:p>
+          <a:p>
+            <a:pPr lvl="0"/>
+            <a:r>
+              <a:rPr lang="fr-FR" dirty="0"/>
+              <a:t>Intégration</a:t>
+            </a:r>
+          </a:p>
+          <a:p>
             <a:endParaRPr lang="fr-FR" dirty="0"/>
           </a:p>
         </p:txBody>
@@ -9007,13 +9071,21 @@
     </p:spTree>
     <p:extLst>
       <p:ext uri="{BB962C8B-B14F-4D97-AF65-F5344CB8AC3E}">
-        <p14:creationId xmlns:p14="http://schemas.microsoft.com/office/powerpoint/2010/main" val="367768203"/>
+        <p14:creationId xmlns:p14="http://schemas.microsoft.com/office/powerpoint/2010/main" val="3465663919"/>
       </p:ext>
     </p:extLst>
   </p:cSld>
   <p:clrMapOvr>
     <a:masterClrMapping/>
   </p:clrMapOvr>
+  <mc:AlternateContent xmlns:mc="http://schemas.openxmlformats.org/markup-compatibility/2006" xmlns:p14="http://schemas.microsoft.com/office/powerpoint/2010/main">
+    <mc:Choice Requires="p14">
+      <p:transition spd="slow" p14:dur="2000"/>
+    </mc:Choice>
+    <mc:Fallback xmlns="">
+      <p:transition spd="slow"/>
+    </mc:Fallback>
+  </mc:AlternateContent>
 </p:sld>
 </file>
 
@@ -9036,114 +9108,78 @@
       </p:grpSpPr>
       <p:sp>
         <p:nvSpPr>
-          <p:cNvPr id="2" name="Titre 1"/>
-          <p:cNvSpPr>
-            <a:spLocks noGrp="1"/>
-          </p:cNvSpPr>
-          <p:nvPr>
-            <p:ph type="title"/>
-          </p:nvPr>
-        </p:nvSpPr>
-        <p:spPr/>
+          <p:cNvPr id="3" name="Espace réservé du contenu 2"/>
+          <p:cNvSpPr>
+            <a:spLocks noGrp="1"/>
+          </p:cNvSpPr>
+          <p:nvPr>
+            <p:ph idx="1"/>
+          </p:nvPr>
+        </p:nvSpPr>
+        <p:spPr>
+          <a:xfrm>
+            <a:off x="680321" y="2336873"/>
+            <a:ext cx="9613861" cy="671247"/>
+          </a:xfrm>
+        </p:spPr>
         <p:txBody>
           <a:bodyPr/>
           <a:lstStyle/>
           <a:p>
+            <a:pPr marL="0" indent="0">
+              <a:buNone/>
+            </a:pPr>
             <a:r>
               <a:rPr lang="fr-FR" dirty="0" smtClean="0"/>
-              <a:t>Organisation du projet</a:t>
+              <a:t>Ce découpage correspond au modèle de projet en cycle V.</a:t>
             </a:r>
             <a:endParaRPr lang="fr-FR" dirty="0"/>
           </a:p>
         </p:txBody>
       </p:sp>
-      <p:sp>
-        <p:nvSpPr>
-          <p:cNvPr id="3" name="Espace réservé du contenu 2"/>
-          <p:cNvSpPr>
-            <a:spLocks noGrp="1"/>
-          </p:cNvSpPr>
-          <p:nvPr>
-            <p:ph idx="1"/>
-          </p:nvPr>
-        </p:nvSpPr>
-        <p:spPr/>
-        <p:txBody>
-          <a:bodyPr>
-            <a:normAutofit fontScale="92500" lnSpcReduction="10000"/>
-          </a:bodyPr>
-          <a:lstStyle/>
-          <a:p>
-            <a:pPr marL="0" indent="0">
-              <a:buNone/>
-            </a:pPr>
-            <a:r>
-              <a:rPr lang="fr-FR" dirty="0" smtClean="0"/>
-              <a:t>Maintenant </a:t>
-            </a:r>
-            <a:r>
-              <a:rPr lang="fr-FR" dirty="0"/>
-              <a:t>que le sujet est correctement appréhendé, il est nécessaire d’organiser le temps de travail jusqu’à la date butoir. L’objectif est d’avoir un plan d’action établie afin de savoir si le projet commence à prendre du retard ou non. Pour la réalisation de ce projet, nous nous sommes organisés ainsi : 	</a:t>
-            </a:r>
-          </a:p>
-          <a:p>
-            <a:pPr lvl="0"/>
-            <a:r>
-              <a:rPr lang="fr-FR" dirty="0"/>
-              <a:t>Analyse</a:t>
-            </a:r>
-          </a:p>
-          <a:p>
-            <a:pPr lvl="0"/>
-            <a:r>
-              <a:rPr lang="fr-FR" dirty="0"/>
-              <a:t>Préparation</a:t>
-            </a:r>
-          </a:p>
-          <a:p>
-            <a:pPr lvl="0"/>
-            <a:r>
-              <a:rPr lang="fr-FR" dirty="0"/>
-              <a:t>Conception</a:t>
-            </a:r>
-          </a:p>
-          <a:p>
-            <a:pPr lvl="0"/>
-            <a:r>
-              <a:rPr lang="fr-FR" dirty="0"/>
-              <a:t>Module de test</a:t>
-            </a:r>
-          </a:p>
-          <a:p>
-            <a:pPr lvl="0"/>
-            <a:r>
-              <a:rPr lang="fr-FR" dirty="0"/>
-              <a:t>Intégration</a:t>
-            </a:r>
-          </a:p>
-          <a:p>
-            <a:endParaRPr lang="fr-FR" dirty="0"/>
-          </a:p>
-        </p:txBody>
-      </p:sp>
+      <p:pic>
+        <p:nvPicPr>
+          <p:cNvPr id="4" name="Image 3"/>
+          <p:cNvPicPr/>
+          <p:nvPr/>
+        </p:nvPicPr>
+        <p:blipFill>
+          <a:blip r:embed="rId2">
+            <a:extLst>
+              <a:ext uri="{28A0092B-C50C-407E-A947-70E740481C1C}">
+                <a14:useLocalDpi xmlns:a14="http://schemas.microsoft.com/office/drawing/2010/main" val="0"/>
+              </a:ext>
+            </a:extLst>
+          </a:blip>
+          <a:srcRect/>
+          <a:stretch>
+            <a:fillRect/>
+          </a:stretch>
+        </p:blipFill>
+        <p:spPr bwMode="auto">
+          <a:xfrm>
+            <a:off x="2499576" y="3251081"/>
+            <a:ext cx="5975350" cy="3073400"/>
+          </a:xfrm>
+          <a:prstGeom prst="rect">
+            <a:avLst/>
+          </a:prstGeom>
+          <a:noFill/>
+          <a:ln>
+            <a:noFill/>
+          </a:ln>
+        </p:spPr>
+      </p:pic>
     </p:spTree>
     <p:extLst>
       <p:ext uri="{BB962C8B-B14F-4D97-AF65-F5344CB8AC3E}">
-        <p14:creationId xmlns:p14="http://schemas.microsoft.com/office/powerpoint/2010/main" val="3465663919"/>
+        <p14:creationId xmlns:p14="http://schemas.microsoft.com/office/powerpoint/2010/main" val="1373061746"/>
       </p:ext>
     </p:extLst>
   </p:cSld>
   <p:clrMapOvr>
     <a:masterClrMapping/>
   </p:clrMapOvr>
-  <mc:AlternateContent xmlns:mc="http://schemas.openxmlformats.org/markup-compatibility/2006">
-    <mc:Choice xmlns:p14="http://schemas.microsoft.com/office/powerpoint/2010/main" Requires="p14">
-      <p:transition spd="slow" p14:dur="2000"/>
-    </mc:Choice>
-    <mc:Fallback>
-      <p:transition spd="slow"/>
-    </mc:Fallback>
-  </mc:AlternateContent>
 </p:sld>
 </file>
 
@@ -9166,30 +9202,22 @@
       </p:grpSpPr>
       <p:sp>
         <p:nvSpPr>
-          <p:cNvPr id="3" name="Espace réservé du contenu 2"/>
-          <p:cNvSpPr>
-            <a:spLocks noGrp="1"/>
-          </p:cNvSpPr>
-          <p:nvPr>
-            <p:ph idx="1"/>
-          </p:nvPr>
-        </p:nvSpPr>
-        <p:spPr>
-          <a:xfrm>
-            <a:off x="680321" y="2336873"/>
-            <a:ext cx="9613861" cy="671247"/>
-          </a:xfrm>
-        </p:spPr>
+          <p:cNvPr id="2" name="Titre 1"/>
+          <p:cNvSpPr>
+            <a:spLocks noGrp="1"/>
+          </p:cNvSpPr>
+          <p:nvPr>
+            <p:ph type="title"/>
+          </p:nvPr>
+        </p:nvSpPr>
+        <p:spPr/>
         <p:txBody>
           <a:bodyPr/>
           <a:lstStyle/>
           <a:p>
-            <a:pPr marL="0" indent="0">
-              <a:buNone/>
-            </a:pPr>
             <a:r>
               <a:rPr lang="fr-FR" dirty="0" smtClean="0"/>
-              <a:t>Ce découpage correspond au modèle de projet en cycle V.</a:t>
+              <a:t>GANTT prévisionnel</a:t>
             </a:r>
             <a:endParaRPr lang="fr-FR" dirty="0"/>
           </a:p>
@@ -9197,7 +9225,7 @@
       </p:sp>
       <p:pic>
         <p:nvPicPr>
-          <p:cNvPr id="4" name="Image 3"/>
+          <p:cNvPr id="4" name="Image 3" descr="C:\Users\arthu\Desktop\GANTT PREVISIONNEL.PNG"/>
           <p:cNvPicPr/>
           <p:nvPr/>
         </p:nvPicPr>
@@ -9216,8 +9244,8 @@
         </p:blipFill>
         <p:spPr bwMode="auto">
           <a:xfrm>
-            <a:off x="2499576" y="3251081"/>
-            <a:ext cx="5975350" cy="3073400"/>
+            <a:off x="2865263" y="2445118"/>
+            <a:ext cx="5760720" cy="3967480"/>
           </a:xfrm>
           <a:prstGeom prst="rect">
             <a:avLst/>
@@ -9231,7 +9259,7 @@
     </p:spTree>
     <p:extLst>
       <p:ext uri="{BB962C8B-B14F-4D97-AF65-F5344CB8AC3E}">
-        <p14:creationId xmlns:p14="http://schemas.microsoft.com/office/powerpoint/2010/main" val="1373061746"/>
+        <p14:creationId xmlns:p14="http://schemas.microsoft.com/office/powerpoint/2010/main" val="1993969336"/>
       </p:ext>
     </p:extLst>
   </p:cSld>
@@ -9275,92 +9303,6 @@
           <a:p>
             <a:r>
               <a:rPr lang="fr-FR" dirty="0" smtClean="0"/>
-              <a:t>GANTT prévisionnel</a:t>
-            </a:r>
-            <a:endParaRPr lang="fr-FR" dirty="0"/>
-          </a:p>
-        </p:txBody>
-      </p:sp>
-      <p:pic>
-        <p:nvPicPr>
-          <p:cNvPr id="4" name="Image 3" descr="C:\Users\arthu\Desktop\GANTT PREVISIONNEL.PNG"/>
-          <p:cNvPicPr/>
-          <p:nvPr/>
-        </p:nvPicPr>
-        <p:blipFill>
-          <a:blip r:embed="rId2">
-            <a:extLst>
-              <a:ext uri="{28A0092B-C50C-407E-A947-70E740481C1C}">
-                <a14:useLocalDpi xmlns:a14="http://schemas.microsoft.com/office/drawing/2010/main" val="0"/>
-              </a:ext>
-            </a:extLst>
-          </a:blip>
-          <a:srcRect/>
-          <a:stretch>
-            <a:fillRect/>
-          </a:stretch>
-        </p:blipFill>
-        <p:spPr bwMode="auto">
-          <a:xfrm>
-            <a:off x="2865263" y="2445118"/>
-            <a:ext cx="5760720" cy="3967480"/>
-          </a:xfrm>
-          <a:prstGeom prst="rect">
-            <a:avLst/>
-          </a:prstGeom>
-          <a:noFill/>
-          <a:ln>
-            <a:noFill/>
-          </a:ln>
-        </p:spPr>
-      </p:pic>
-    </p:spTree>
-    <p:extLst>
-      <p:ext uri="{BB962C8B-B14F-4D97-AF65-F5344CB8AC3E}">
-        <p14:creationId xmlns:p14="http://schemas.microsoft.com/office/powerpoint/2010/main" val="1993969336"/>
-      </p:ext>
-    </p:extLst>
-  </p:cSld>
-  <p:clrMapOvr>
-    <a:masterClrMapping/>
-  </p:clrMapOvr>
-</p:sld>
-</file>
-
-<file path=ppt/slides/slide24.xml><?xml version="1.0" encoding="utf-8"?>
-<p:sld xmlns:a="http://schemas.openxmlformats.org/drawingml/2006/main" xmlns:r="http://schemas.openxmlformats.org/officeDocument/2006/relationships" xmlns:p="http://schemas.openxmlformats.org/presentationml/2006/main">
-  <p:cSld>
-    <p:spTree>
-      <p:nvGrpSpPr>
-        <p:cNvPr id="1" name=""/>
-        <p:cNvGrpSpPr/>
-        <p:nvPr/>
-      </p:nvGrpSpPr>
-      <p:grpSpPr>
-        <a:xfrm>
-          <a:off x="0" y="0"/>
-          <a:ext cx="0" cy="0"/>
-          <a:chOff x="0" y="0"/>
-          <a:chExt cx="0" cy="0"/>
-        </a:xfrm>
-      </p:grpSpPr>
-      <p:sp>
-        <p:nvSpPr>
-          <p:cNvPr id="2" name="Titre 1"/>
-          <p:cNvSpPr>
-            <a:spLocks noGrp="1"/>
-          </p:cNvSpPr>
-          <p:nvPr>
-            <p:ph type="title"/>
-          </p:nvPr>
-        </p:nvSpPr>
-        <p:spPr/>
-        <p:txBody>
-          <a:bodyPr/>
-          <a:lstStyle/>
-          <a:p>
-            <a:r>
-              <a:rPr lang="fr-FR" dirty="0" smtClean="0"/>
               <a:t>GANTT réel</a:t>
             </a:r>
             <a:endParaRPr lang="fr-FR" dirty="0"/>
@@ -9413,6 +9355,185 @@
 </p:sld>
 </file>
 
+<file path=ppt/slides/slide24.xml><?xml version="1.0" encoding="utf-8"?>
+<p:sld xmlns:a="http://schemas.openxmlformats.org/drawingml/2006/main" xmlns:r="http://schemas.openxmlformats.org/officeDocument/2006/relationships" xmlns:p="http://schemas.openxmlformats.org/presentationml/2006/main" show="0">
+  <p:cSld>
+    <p:spTree>
+      <p:nvGrpSpPr>
+        <p:cNvPr id="1" name=""/>
+        <p:cNvGrpSpPr/>
+        <p:nvPr/>
+      </p:nvGrpSpPr>
+      <p:grpSpPr>
+        <a:xfrm>
+          <a:off x="0" y="0"/>
+          <a:ext cx="0" cy="0"/>
+          <a:chOff x="0" y="0"/>
+          <a:chExt cx="0" cy="0"/>
+        </a:xfrm>
+      </p:grpSpPr>
+      <p:sp>
+        <p:nvSpPr>
+          <p:cNvPr id="2" name="Titre 1"/>
+          <p:cNvSpPr>
+            <a:spLocks noGrp="1"/>
+          </p:cNvSpPr>
+          <p:nvPr>
+            <p:ph type="title"/>
+          </p:nvPr>
+        </p:nvSpPr>
+        <p:spPr/>
+        <p:txBody>
+          <a:bodyPr/>
+          <a:lstStyle/>
+          <a:p>
+            <a:r>
+              <a:rPr lang="fr-FR" dirty="0" smtClean="0"/>
+              <a:t>Répartition des tâches</a:t>
+            </a:r>
+            <a:endParaRPr lang="fr-FR" dirty="0"/>
+          </a:p>
+        </p:txBody>
+      </p:sp>
+      <p:sp>
+        <p:nvSpPr>
+          <p:cNvPr id="3" name="Espace réservé du contenu 2"/>
+          <p:cNvSpPr>
+            <a:spLocks noGrp="1"/>
+          </p:cNvSpPr>
+          <p:nvPr>
+            <p:ph idx="1"/>
+          </p:nvPr>
+        </p:nvSpPr>
+        <p:spPr/>
+        <p:txBody>
+          <a:bodyPr>
+            <a:normAutofit fontScale="47500" lnSpcReduction="20000"/>
+          </a:bodyPr>
+          <a:lstStyle/>
+          <a:p>
+            <a:r>
+              <a:rPr lang="fr-FR" dirty="0"/>
+              <a:t>	Voici la répartition des tâches qui nous est imposée par le sujet de BTS SN. </a:t>
+            </a:r>
+          </a:p>
+          <a:p>
+            <a:r>
+              <a:rPr lang="fr-FR" b="1" dirty="0"/>
+              <a:t>Étudiant 1 : BORGES Damien en charge du système embarqué autonome</a:t>
+            </a:r>
+            <a:endParaRPr lang="fr-FR" dirty="0"/>
+          </a:p>
+          <a:p>
+            <a:pPr lvl="0"/>
+            <a:r>
+              <a:rPr lang="fr-FR" dirty="0"/>
+              <a:t>Analyse du projet et de sa partie</a:t>
+            </a:r>
+          </a:p>
+          <a:p>
+            <a:pPr lvl="0"/>
+            <a:r>
+              <a:rPr lang="fr-FR" dirty="0"/>
+              <a:t>Étude comparative des composantes du système embarqué </a:t>
+            </a:r>
+          </a:p>
+          <a:p>
+            <a:pPr lvl="0"/>
+            <a:r>
+              <a:rPr lang="fr-FR" dirty="0"/>
+              <a:t>Mise en place d’une application de simulation d’envoi de données pour l’étudiant 3</a:t>
+            </a:r>
+          </a:p>
+          <a:p>
+            <a:pPr lvl="0"/>
+            <a:r>
+              <a:rPr lang="fr-FR" dirty="0"/>
+              <a:t>Choix des composants du système embarqué </a:t>
+            </a:r>
+          </a:p>
+          <a:p>
+            <a:pPr lvl="0"/>
+            <a:r>
+              <a:rPr lang="fr-FR" dirty="0"/>
+              <a:t>Réalisation d’un prototype fonctionnel</a:t>
+            </a:r>
+          </a:p>
+          <a:p>
+            <a:pPr lvl="0"/>
+            <a:r>
+              <a:rPr lang="fr-FR" dirty="0"/>
+              <a:t>Utilisation d’une classe C++ pour l’envoi des données </a:t>
+            </a:r>
+          </a:p>
+          <a:p>
+            <a:r>
+              <a:rPr lang="fr-FR" b="1" dirty="0"/>
+              <a:t>Étudiant 2 : ARTHUR Brice en charge de l’IHM web de supervision dynamique</a:t>
+            </a:r>
+            <a:endParaRPr lang="fr-FR" dirty="0"/>
+          </a:p>
+          <a:p>
+            <a:pPr lvl="0"/>
+            <a:r>
+              <a:rPr lang="fr-FR" dirty="0"/>
+              <a:t>Analyse du projet et de sa partie</a:t>
+            </a:r>
+          </a:p>
+          <a:p>
+            <a:pPr lvl="0"/>
+            <a:r>
+              <a:rPr lang="fr-FR" dirty="0"/>
+              <a:t>Création du site web de supervision avec accès protégé par mot de passe</a:t>
+            </a:r>
+          </a:p>
+          <a:p>
+            <a:pPr lvl="0"/>
+            <a:r>
+              <a:rPr lang="fr-FR" dirty="0"/>
+              <a:t>Gestion du Back Office (ajout, modification, suppression des utilisateurs et bateaux)</a:t>
+            </a:r>
+          </a:p>
+          <a:p>
+            <a:pPr lvl="0"/>
+            <a:r>
+              <a:rPr lang="fr-FR" dirty="0"/>
+              <a:t>Étude d’une API de cartographie web open source</a:t>
+            </a:r>
+          </a:p>
+          <a:p>
+            <a:pPr lvl="0"/>
+            <a:r>
+              <a:rPr lang="fr-FR" dirty="0"/>
+              <a:t>Mise en place d’un serveur TCP pour récupérer les informations des bateaux</a:t>
+            </a:r>
+          </a:p>
+          <a:p>
+            <a:endParaRPr lang="fr-FR" dirty="0"/>
+          </a:p>
+        </p:txBody>
+      </p:sp>
+    </p:spTree>
+    <p:extLst>
+      <p:ext uri="{BB962C8B-B14F-4D97-AF65-F5344CB8AC3E}">
+        <p14:creationId xmlns:p14="http://schemas.microsoft.com/office/powerpoint/2010/main" val="2460223613"/>
+      </p:ext>
+    </p:extLst>
+  </p:cSld>
+  <p:clrMapOvr>
+    <a:masterClrMapping/>
+  </p:clrMapOvr>
+  <mc:AlternateContent xmlns:mc="http://schemas.openxmlformats.org/markup-compatibility/2006" xmlns:p14="http://schemas.microsoft.com/office/powerpoint/2010/main">
+    <mc:Choice Requires="p14">
+      <p:transition spd="slow" p14:dur="2000"/>
+    </mc:Choice>
+    <mc:Fallback xmlns="">
+      <p:transition spd="slow"/>
+    </mc:Fallback>
+  </mc:AlternateContent>
+</p:sld>
+</file>
+
 <file path=ppt/slides/slide25.xml><?xml version="1.0" encoding="utf-8"?>
 <p:sld xmlns:a="http://schemas.openxmlformats.org/drawingml/2006/main" xmlns:r="http://schemas.openxmlformats.org/officeDocument/2006/relationships" xmlns:p="http://schemas.openxmlformats.org/presentationml/2006/main" show="0">
   <p:cSld>
@@ -9432,53 +9553,45 @@
       </p:grpSpPr>
       <p:sp>
         <p:nvSpPr>
-          <p:cNvPr id="2" name="Titre 1"/>
-          <p:cNvSpPr>
-            <a:spLocks noGrp="1"/>
-          </p:cNvSpPr>
-          <p:nvPr>
-            <p:ph type="title"/>
+          <p:cNvPr id="3" name="Espace réservé du contenu 2"/>
+          <p:cNvSpPr>
+            <a:spLocks noGrp="1"/>
+          </p:cNvSpPr>
+          <p:nvPr>
+            <p:ph idx="1"/>
           </p:nvPr>
         </p:nvSpPr>
         <p:spPr/>
         <p:txBody>
-          <a:bodyPr/>
-          <a:lstStyle/>
-          <a:p>
-            <a:r>
-              <a:rPr lang="fr-FR" dirty="0" smtClean="0"/>
-              <a:t>Répartition des tâches</a:t>
-            </a:r>
-            <a:endParaRPr lang="fr-FR" dirty="0"/>
-          </a:p>
-        </p:txBody>
-      </p:sp>
-      <p:sp>
-        <p:nvSpPr>
-          <p:cNvPr id="3" name="Espace réservé du contenu 2"/>
-          <p:cNvSpPr>
-            <a:spLocks noGrp="1"/>
-          </p:cNvSpPr>
-          <p:nvPr>
-            <p:ph idx="1"/>
-          </p:nvPr>
-        </p:nvSpPr>
-        <p:spPr/>
-        <p:txBody>
           <a:bodyPr>
-            <a:normAutofit fontScale="47500" lnSpcReduction="20000"/>
+            <a:normAutofit fontScale="62500" lnSpcReduction="20000"/>
           </a:bodyPr>
           <a:lstStyle/>
           <a:p>
+            <a:pPr lvl="0"/>
             <a:r>
               <a:rPr lang="fr-FR" dirty="0"/>
-              <a:t>	Voici la répartition des tâches qui nous est imposée par le sujet de BTS SN. </a:t>
+              <a:t>Affichage des bateaux du système en temps réel sur une page de supervision </a:t>
+            </a:r>
+          </a:p>
+          <a:p>
+            <a:pPr lvl="0"/>
+            <a:r>
+              <a:rPr lang="fr-FR" dirty="0"/>
+              <a:t>Création de 3 classes PHP (User et BDD et TCP)</a:t>
+            </a:r>
+          </a:p>
+          <a:p>
+            <a:pPr lvl="0"/>
+            <a:r>
+              <a:rPr lang="fr-FR" dirty="0"/>
+              <a:t>Création d’une page anomalie (déplacement des bateaux sans être loué + localisation hors zone) </a:t>
             </a:r>
           </a:p>
           <a:p>
             <a:r>
               <a:rPr lang="fr-FR" b="1" dirty="0"/>
-              <a:t>Étudiant 1 : BORGES Damien en charge du système embarqué autonome</a:t>
+              <a:t>Étudiant 3 : MARTIN Vincent en charge du centre de traitement </a:t>
             </a:r>
             <a:endParaRPr lang="fr-FR" dirty="0"/>
           </a:p>
@@ -9493,77 +9606,49 @@
             <a:pPr lvl="0"/>
             <a:r>
               <a:rPr lang="fr-FR" dirty="0"/>
-              <a:t>Étude comparative des composantes du système embarqué </a:t>
+              <a:t>Utilisation d’un système de réception des informations mobiles</a:t>
             </a:r>
           </a:p>
           <a:p>
             <a:pPr lvl="0"/>
             <a:r>
               <a:rPr lang="fr-FR" dirty="0"/>
-              <a:t>Mise en place d’une application de simulation d’envoi de données pour l’étudiant 3</a:t>
+              <a:t>Application C++ qui récupère les informations des systèmes embarqués </a:t>
             </a:r>
           </a:p>
           <a:p>
             <a:pPr lvl="0"/>
             <a:r>
               <a:rPr lang="fr-FR" dirty="0"/>
-              <a:t>Choix des composants du système embarqué </a:t>
+              <a:t>Traitement des informations (découpage de trame, analyse de vitesse…)</a:t>
             </a:r>
           </a:p>
           <a:p>
             <a:pPr lvl="0"/>
             <a:r>
               <a:rPr lang="fr-FR" dirty="0"/>
-              <a:t>Réalisation d’un prototype fonctionnel</a:t>
+              <a:t>Réalisation d’un service C++ Linux qui envoie en TCP les informations au site web</a:t>
             </a:r>
           </a:p>
           <a:p>
             <a:pPr lvl="0"/>
             <a:r>
               <a:rPr lang="fr-FR" dirty="0"/>
-              <a:t>Utilisation d’une classe C++ pour l’envoi des données </a:t>
-            </a:r>
-          </a:p>
-          <a:p>
-            <a:r>
-              <a:rPr lang="fr-FR" b="1" dirty="0"/>
-              <a:t>Étudiant 2 : ARTHUR Brice en charge de l’IHM web de supervision dynamique</a:t>
-            </a:r>
-            <a:endParaRPr lang="fr-FR" dirty="0"/>
+              <a:t>Mise en place d’une fonctionnalité d’historisation des données des bateaux </a:t>
+            </a:r>
           </a:p>
           <a:p>
             <a:pPr lvl="0"/>
             <a:r>
               <a:rPr lang="fr-FR" dirty="0"/>
-              <a:t>Analyse du projet et de sa partie</a:t>
+              <a:t>Création des classes C++ (BDD, TCP, Système embarqué)</a:t>
             </a:r>
           </a:p>
           <a:p>
             <a:pPr lvl="0"/>
             <a:r>
               <a:rPr lang="fr-FR" dirty="0"/>
-              <a:t>Création du site web de supervision avec accès protégé par mot de passe</a:t>
-            </a:r>
-          </a:p>
-          <a:p>
-            <a:pPr lvl="0"/>
-            <a:r>
-              <a:rPr lang="fr-FR" dirty="0"/>
-              <a:t>Gestion du Back Office (ajout, modification, suppression des utilisateurs et bateaux)</a:t>
-            </a:r>
-          </a:p>
-          <a:p>
-            <a:pPr lvl="0"/>
-            <a:r>
-              <a:rPr lang="fr-FR" dirty="0"/>
-              <a:t>Étude d’une API de cartographie web open source</a:t>
-            </a:r>
-          </a:p>
-          <a:p>
-            <a:pPr lvl="0"/>
-            <a:r>
-              <a:rPr lang="fr-FR" dirty="0"/>
-              <a:t>Mise en place d’un serveur TCP pour récupérer les informations des bateaux</a:t>
+              <a:t>Doit proposer en premier un simulateur TCP d’envoi de données pour l’étudiant 2</a:t>
             </a:r>
           </a:p>
           <a:p>
@@ -9574,18 +9659,18 @@
     </p:spTree>
     <p:extLst>
       <p:ext uri="{BB962C8B-B14F-4D97-AF65-F5344CB8AC3E}">
-        <p14:creationId xmlns:p14="http://schemas.microsoft.com/office/powerpoint/2010/main" val="2460223613"/>
+        <p14:creationId xmlns:p14="http://schemas.microsoft.com/office/powerpoint/2010/main" val="451147993"/>
       </p:ext>
     </p:extLst>
   </p:cSld>
   <p:clrMapOvr>
     <a:masterClrMapping/>
   </p:clrMapOvr>
-  <mc:AlternateContent xmlns:mc="http://schemas.openxmlformats.org/markup-compatibility/2006">
-    <mc:Choice xmlns:p14="http://schemas.microsoft.com/office/powerpoint/2010/main" Requires="p14">
+  <mc:AlternateContent xmlns:mc="http://schemas.openxmlformats.org/markup-compatibility/2006" xmlns:p14="http://schemas.microsoft.com/office/powerpoint/2010/main">
+    <mc:Choice Requires="p14">
       <p:transition spd="slow" p14:dur="2000"/>
     </mc:Choice>
-    <mc:Fallback>
+    <mc:Fallback xmlns="">
       <p:transition spd="slow"/>
     </mc:Fallback>
   </mc:AlternateContent>
@@ -9611,149 +9696,6 @@
       </p:grpSpPr>
       <p:sp>
         <p:nvSpPr>
-          <p:cNvPr id="3" name="Espace réservé du contenu 2"/>
-          <p:cNvSpPr>
-            <a:spLocks noGrp="1"/>
-          </p:cNvSpPr>
-          <p:nvPr>
-            <p:ph idx="1"/>
-          </p:nvPr>
-        </p:nvSpPr>
-        <p:spPr/>
-        <p:txBody>
-          <a:bodyPr>
-            <a:normAutofit fontScale="62500" lnSpcReduction="20000"/>
-          </a:bodyPr>
-          <a:lstStyle/>
-          <a:p>
-            <a:pPr lvl="0"/>
-            <a:r>
-              <a:rPr lang="fr-FR" dirty="0"/>
-              <a:t>Affichage des bateaux du système en temps réel sur une page de supervision </a:t>
-            </a:r>
-          </a:p>
-          <a:p>
-            <a:pPr lvl="0"/>
-            <a:r>
-              <a:rPr lang="fr-FR" dirty="0"/>
-              <a:t>Création de 3 classes PHP (User et BDD et TCP)</a:t>
-            </a:r>
-          </a:p>
-          <a:p>
-            <a:pPr lvl="0"/>
-            <a:r>
-              <a:rPr lang="fr-FR" dirty="0"/>
-              <a:t>Création d’une page anomalie (déplacement des bateaux sans être loué + localisation hors zone) </a:t>
-            </a:r>
-          </a:p>
-          <a:p>
-            <a:r>
-              <a:rPr lang="fr-FR" b="1" dirty="0"/>
-              <a:t>Étudiant 3 : MARTIN Vincent en charge du centre de traitement </a:t>
-            </a:r>
-            <a:endParaRPr lang="fr-FR" dirty="0"/>
-          </a:p>
-          <a:p>
-            <a:pPr lvl="0"/>
-            <a:r>
-              <a:rPr lang="fr-FR" dirty="0"/>
-              <a:t>Analyse du projet et de sa partie</a:t>
-            </a:r>
-          </a:p>
-          <a:p>
-            <a:pPr lvl="0"/>
-            <a:r>
-              <a:rPr lang="fr-FR" dirty="0"/>
-              <a:t>Utilisation d’un système de réception des informations mobiles</a:t>
-            </a:r>
-          </a:p>
-          <a:p>
-            <a:pPr lvl="0"/>
-            <a:r>
-              <a:rPr lang="fr-FR" dirty="0"/>
-              <a:t>Application C++ qui récupère les informations des systèmes embarqués </a:t>
-            </a:r>
-          </a:p>
-          <a:p>
-            <a:pPr lvl="0"/>
-            <a:r>
-              <a:rPr lang="fr-FR" dirty="0"/>
-              <a:t>Traitement des informations (découpage de trame, analyse de vitesse…)</a:t>
-            </a:r>
-          </a:p>
-          <a:p>
-            <a:pPr lvl="0"/>
-            <a:r>
-              <a:rPr lang="fr-FR" dirty="0"/>
-              <a:t>Réalisation d’un service C++ Linux qui envoie en TCP les informations au site web</a:t>
-            </a:r>
-          </a:p>
-          <a:p>
-            <a:pPr lvl="0"/>
-            <a:r>
-              <a:rPr lang="fr-FR" dirty="0"/>
-              <a:t>Mise en place d’une fonctionnalité d’historisation des données des bateaux </a:t>
-            </a:r>
-          </a:p>
-          <a:p>
-            <a:pPr lvl="0"/>
-            <a:r>
-              <a:rPr lang="fr-FR" dirty="0"/>
-              <a:t>Création des classes C++ (BDD, TCP, Système embarqué)</a:t>
-            </a:r>
-          </a:p>
-          <a:p>
-            <a:pPr lvl="0"/>
-            <a:r>
-              <a:rPr lang="fr-FR" dirty="0"/>
-              <a:t>Doit proposer en premier un simulateur TCP d’envoi de données pour l’étudiant 2</a:t>
-            </a:r>
-          </a:p>
-          <a:p>
-            <a:endParaRPr lang="fr-FR" dirty="0"/>
-          </a:p>
-        </p:txBody>
-      </p:sp>
-    </p:spTree>
-    <p:extLst>
-      <p:ext uri="{BB962C8B-B14F-4D97-AF65-F5344CB8AC3E}">
-        <p14:creationId xmlns:p14="http://schemas.microsoft.com/office/powerpoint/2010/main" val="451147993"/>
-      </p:ext>
-    </p:extLst>
-  </p:cSld>
-  <p:clrMapOvr>
-    <a:masterClrMapping/>
-  </p:clrMapOvr>
-  <mc:AlternateContent xmlns:mc="http://schemas.openxmlformats.org/markup-compatibility/2006">
-    <mc:Choice xmlns:p14="http://schemas.microsoft.com/office/powerpoint/2010/main" Requires="p14">
-      <p:transition spd="slow" p14:dur="2000"/>
-    </mc:Choice>
-    <mc:Fallback>
-      <p:transition spd="slow"/>
-    </mc:Fallback>
-  </mc:AlternateContent>
-</p:sld>
-</file>
-
-<file path=ppt/slides/slide27.xml><?xml version="1.0" encoding="utf-8"?>
-<p:sld xmlns:a="http://schemas.openxmlformats.org/drawingml/2006/main" xmlns:r="http://schemas.openxmlformats.org/officeDocument/2006/relationships" xmlns:p="http://schemas.openxmlformats.org/presentationml/2006/main" show="0">
-  <p:cSld>
-    <p:spTree>
-      <p:nvGrpSpPr>
-        <p:cNvPr id="1" name=""/>
-        <p:cNvGrpSpPr/>
-        <p:nvPr/>
-      </p:nvGrpSpPr>
-      <p:grpSpPr>
-        <a:xfrm>
-          <a:off x="0" y="0"/>
-          <a:ext cx="0" cy="0"/>
-          <a:chOff x="0" y="0"/>
-          <a:chExt cx="0" cy="0"/>
-        </a:xfrm>
-      </p:grpSpPr>
-      <p:sp>
-        <p:nvSpPr>
           <p:cNvPr id="2" name="Titre 1"/>
           <p:cNvSpPr>
             <a:spLocks noGrp="1"/>
@@ -9826,18 +9768,18 @@
   <p:clrMapOvr>
     <a:masterClrMapping/>
   </p:clrMapOvr>
-  <mc:AlternateContent xmlns:mc="http://schemas.openxmlformats.org/markup-compatibility/2006">
-    <mc:Choice xmlns:p14="http://schemas.microsoft.com/office/powerpoint/2010/main" Requires="p14">
+  <mc:AlternateContent xmlns:mc="http://schemas.openxmlformats.org/markup-compatibility/2006" xmlns:p14="http://schemas.microsoft.com/office/powerpoint/2010/main">
+    <mc:Choice Requires="p14">
       <p:transition spd="slow" p14:dur="2000"/>
     </mc:Choice>
-    <mc:Fallback>
+    <mc:Fallback xmlns="">
       <p:transition spd="slow"/>
     </mc:Fallback>
   </mc:AlternateContent>
 </p:sld>
 </file>
 
-<file path=ppt/slides/slide28.xml><?xml version="1.0" encoding="utf-8"?>
+<file path=ppt/slides/slide27.xml><?xml version="1.0" encoding="utf-8"?>
 <p:sld xmlns:a="http://schemas.openxmlformats.org/drawingml/2006/main" xmlns:r="http://schemas.openxmlformats.org/officeDocument/2006/relationships" xmlns:p="http://schemas.openxmlformats.org/presentationml/2006/main" show="0">
   <p:cSld>
     <p:spTree>
@@ -9888,11 +9830,108 @@
   <p:clrMapOvr>
     <a:masterClrMapping/>
   </p:clrMapOvr>
-  <mc:AlternateContent xmlns:mc="http://schemas.openxmlformats.org/markup-compatibility/2006">
-    <mc:Choice xmlns:p14="http://schemas.microsoft.com/office/powerpoint/2010/main" Requires="p14">
+  <mc:AlternateContent xmlns:mc="http://schemas.openxmlformats.org/markup-compatibility/2006" xmlns:p14="http://schemas.microsoft.com/office/powerpoint/2010/main">
+    <mc:Choice Requires="p14">
       <p:transition spd="slow" p14:dur="2000"/>
     </mc:Choice>
-    <mc:Fallback>
+    <mc:Fallback xmlns="">
+      <p:transition spd="slow"/>
+    </mc:Fallback>
+  </mc:AlternateContent>
+</p:sld>
+</file>
+
+<file path=ppt/slides/slide28.xml><?xml version="1.0" encoding="utf-8"?>
+<p:sld xmlns:a="http://schemas.openxmlformats.org/drawingml/2006/main" xmlns:r="http://schemas.openxmlformats.org/officeDocument/2006/relationships" xmlns:p="http://schemas.openxmlformats.org/presentationml/2006/main" show="0">
+  <p:cSld>
+    <p:spTree>
+      <p:nvGrpSpPr>
+        <p:cNvPr id="1" name=""/>
+        <p:cNvGrpSpPr/>
+        <p:nvPr/>
+      </p:nvGrpSpPr>
+      <p:grpSpPr>
+        <a:xfrm>
+          <a:off x="0" y="0"/>
+          <a:ext cx="0" cy="0"/>
+          <a:chOff x="0" y="0"/>
+          <a:chExt cx="0" cy="0"/>
+        </a:xfrm>
+      </p:grpSpPr>
+      <p:sp>
+        <p:nvSpPr>
+          <p:cNvPr id="2" name="Titre 1"/>
+          <p:cNvSpPr>
+            <a:spLocks noGrp="1"/>
+          </p:cNvSpPr>
+          <p:nvPr>
+            <p:ph type="title"/>
+          </p:nvPr>
+        </p:nvSpPr>
+        <p:spPr/>
+        <p:txBody>
+          <a:bodyPr/>
+          <a:lstStyle/>
+          <a:p>
+            <a:r>
+              <a:rPr lang="fr-FR" dirty="0" smtClean="0"/>
+              <a:t>Compte rendu d’activité(CRA)</a:t>
+            </a:r>
+            <a:endParaRPr lang="fr-FR" dirty="0"/>
+          </a:p>
+        </p:txBody>
+      </p:sp>
+      <p:sp>
+        <p:nvSpPr>
+          <p:cNvPr id="3" name="Espace réservé du contenu 2"/>
+          <p:cNvSpPr>
+            <a:spLocks noGrp="1"/>
+          </p:cNvSpPr>
+          <p:nvPr>
+            <p:ph idx="1"/>
+          </p:nvPr>
+        </p:nvSpPr>
+        <p:spPr/>
+        <p:txBody>
+          <a:bodyPr/>
+          <a:lstStyle/>
+          <a:p>
+            <a:pPr marL="0" indent="0">
+              <a:buNone/>
+            </a:pPr>
+            <a:r>
+              <a:rPr lang="fr-FR" dirty="0"/>
+              <a:t>Pour avoir un suivi de notre activité, nous avons réalisé un CRA horaire sous Excel. Pour chaque heure nous </a:t>
+            </a:r>
+            <a:r>
+              <a:rPr lang="fr-FR" dirty="0" err="1"/>
+              <a:t>historisons</a:t>
+            </a:r>
+            <a:r>
+              <a:rPr lang="fr-FR" dirty="0"/>
+              <a:t> les tâches qui ont été effectuées. </a:t>
+            </a:r>
+          </a:p>
+          <a:p>
+            <a:endParaRPr lang="fr-FR" dirty="0"/>
+          </a:p>
+        </p:txBody>
+      </p:sp>
+    </p:spTree>
+    <p:extLst>
+      <p:ext uri="{BB962C8B-B14F-4D97-AF65-F5344CB8AC3E}">
+        <p14:creationId xmlns:p14="http://schemas.microsoft.com/office/powerpoint/2010/main" val="731920284"/>
+      </p:ext>
+    </p:extLst>
+  </p:cSld>
+  <p:clrMapOvr>
+    <a:masterClrMapping/>
+  </p:clrMapOvr>
+  <mc:AlternateContent xmlns:mc="http://schemas.openxmlformats.org/markup-compatibility/2006" xmlns:p14="http://schemas.microsoft.com/office/powerpoint/2010/main">
+    <mc:Choice Requires="p14">
+      <p:transition spd="slow" p14:dur="2000"/>
+    </mc:Choice>
+    <mc:Fallback xmlns="">
       <p:transition spd="slow"/>
     </mc:Fallback>
   </mc:AlternateContent>
@@ -9933,7 +9972,7 @@
           <a:p>
             <a:r>
               <a:rPr lang="fr-FR" dirty="0" smtClean="0"/>
-              <a:t>Compte rendu d’activité(CRA)</a:t>
+              <a:t>Cahier de bord</a:t>
             </a:r>
             <a:endParaRPr lang="fr-FR" dirty="0"/>
           </a:p>
@@ -9959,37 +9998,26 @@
             </a:pPr>
             <a:r>
               <a:rPr lang="fr-FR" dirty="0"/>
-              <a:t>Pour avoir un suivi de notre activité, nous avons réalisé un CRA horaire sous Excel. Pour chaque heure nous </a:t>
-            </a:r>
-            <a:r>
-              <a:rPr lang="fr-FR" dirty="0" err="1"/>
-              <a:t>historisons</a:t>
-            </a:r>
-            <a:r>
-              <a:rPr lang="fr-FR" dirty="0"/>
-              <a:t> les tâches qui ont été effectuées. </a:t>
-            </a:r>
-          </a:p>
-          <a:p>
-            <a:endParaRPr lang="fr-FR" dirty="0"/>
+              <a:t>Tous les jours nous tenons à jour un cahier de bord dans lequel sont détaillés les différents travaux réalisés durant les heures de projet. Ce cahier de bord permet de faire une synthèse de travaux qui sera présentée dans les parties individuelles du rapport de projet. </a:t>
+            </a:r>
           </a:p>
         </p:txBody>
       </p:sp>
     </p:spTree>
     <p:extLst>
       <p:ext uri="{BB962C8B-B14F-4D97-AF65-F5344CB8AC3E}">
-        <p14:creationId xmlns:p14="http://schemas.microsoft.com/office/powerpoint/2010/main" val="731920284"/>
+        <p14:creationId xmlns:p14="http://schemas.microsoft.com/office/powerpoint/2010/main" val="3286391984"/>
       </p:ext>
     </p:extLst>
   </p:cSld>
   <p:clrMapOvr>
     <a:masterClrMapping/>
   </p:clrMapOvr>
-  <mc:AlternateContent xmlns:mc="http://schemas.openxmlformats.org/markup-compatibility/2006">
-    <mc:Choice xmlns:p14="http://schemas.microsoft.com/office/powerpoint/2010/main" Requires="p14">
+  <mc:AlternateContent xmlns:mc="http://schemas.openxmlformats.org/markup-compatibility/2006" xmlns:p14="http://schemas.microsoft.com/office/powerpoint/2010/main">
+    <mc:Choice Requires="p14">
       <p:transition spd="slow" p14:dur="2000"/>
     </mc:Choice>
-    <mc:Fallback>
+    <mc:Fallback xmlns="">
       <p:transition spd="slow"/>
     </mc:Fallback>
   </mc:AlternateContent>
@@ -10132,92 +10160,6 @@
           <a:lstStyle/>
           <a:p>
             <a:r>
-              <a:rPr lang="fr-FR" dirty="0" smtClean="0"/>
-              <a:t>Cahier de bord</a:t>
-            </a:r>
-            <a:endParaRPr lang="fr-FR" dirty="0"/>
-          </a:p>
-        </p:txBody>
-      </p:sp>
-      <p:sp>
-        <p:nvSpPr>
-          <p:cNvPr id="3" name="Espace réservé du contenu 2"/>
-          <p:cNvSpPr>
-            <a:spLocks noGrp="1"/>
-          </p:cNvSpPr>
-          <p:nvPr>
-            <p:ph idx="1"/>
-          </p:nvPr>
-        </p:nvSpPr>
-        <p:spPr/>
-        <p:txBody>
-          <a:bodyPr/>
-          <a:lstStyle/>
-          <a:p>
-            <a:pPr marL="0" indent="0">
-              <a:buNone/>
-            </a:pPr>
-            <a:r>
-              <a:rPr lang="fr-FR" dirty="0"/>
-              <a:t>Tous les jours nous tenons à jour un cahier de bord dans lequel sont détaillés les différents travaux réalisés durant les heures de projet. Ce cahier de bord permet de faire une synthèse de travaux qui sera présentée dans les parties individuelles du rapport de projet. </a:t>
-            </a:r>
-          </a:p>
-        </p:txBody>
-      </p:sp>
-    </p:spTree>
-    <p:extLst>
-      <p:ext uri="{BB962C8B-B14F-4D97-AF65-F5344CB8AC3E}">
-        <p14:creationId xmlns:p14="http://schemas.microsoft.com/office/powerpoint/2010/main" val="3286391984"/>
-      </p:ext>
-    </p:extLst>
-  </p:cSld>
-  <p:clrMapOvr>
-    <a:masterClrMapping/>
-  </p:clrMapOvr>
-  <mc:AlternateContent xmlns:mc="http://schemas.openxmlformats.org/markup-compatibility/2006">
-    <mc:Choice xmlns:p14="http://schemas.microsoft.com/office/powerpoint/2010/main" Requires="p14">
-      <p:transition spd="slow" p14:dur="2000"/>
-    </mc:Choice>
-    <mc:Fallback>
-      <p:transition spd="slow"/>
-    </mc:Fallback>
-  </mc:AlternateContent>
-</p:sld>
-</file>
-
-<file path=ppt/slides/slide31.xml><?xml version="1.0" encoding="utf-8"?>
-<p:sld xmlns:a="http://schemas.openxmlformats.org/drawingml/2006/main" xmlns:r="http://schemas.openxmlformats.org/officeDocument/2006/relationships" xmlns:p="http://schemas.openxmlformats.org/presentationml/2006/main" show="0">
-  <p:cSld>
-    <p:spTree>
-      <p:nvGrpSpPr>
-        <p:cNvPr id="1" name=""/>
-        <p:cNvGrpSpPr/>
-        <p:nvPr/>
-      </p:nvGrpSpPr>
-      <p:grpSpPr>
-        <a:xfrm>
-          <a:off x="0" y="0"/>
-          <a:ext cx="0" cy="0"/>
-          <a:chOff x="0" y="0"/>
-          <a:chExt cx="0" cy="0"/>
-        </a:xfrm>
-      </p:grpSpPr>
-      <p:sp>
-        <p:nvSpPr>
-          <p:cNvPr id="2" name="Titre 1"/>
-          <p:cNvSpPr>
-            <a:spLocks noGrp="1"/>
-          </p:cNvSpPr>
-          <p:nvPr>
-            <p:ph type="title"/>
-          </p:nvPr>
-        </p:nvSpPr>
-        <p:spPr/>
-        <p:txBody>
-          <a:bodyPr/>
-          <a:lstStyle/>
-          <a:p>
-            <a:r>
               <a:rPr lang="fr-FR" dirty="0" err="1" smtClean="0"/>
               <a:t>Github</a:t>
             </a:r>
@@ -10289,18 +10231,18 @@
   <p:clrMapOvr>
     <a:masterClrMapping/>
   </p:clrMapOvr>
-  <mc:AlternateContent xmlns:mc="http://schemas.openxmlformats.org/markup-compatibility/2006">
-    <mc:Choice xmlns:p14="http://schemas.microsoft.com/office/powerpoint/2010/main" Requires="p14">
+  <mc:AlternateContent xmlns:mc="http://schemas.openxmlformats.org/markup-compatibility/2006" xmlns:p14="http://schemas.microsoft.com/office/powerpoint/2010/main">
+    <mc:Choice Requires="p14">
       <p:transition spd="slow" p14:dur="2000"/>
     </mc:Choice>
-    <mc:Fallback>
+    <mc:Fallback xmlns="">
       <p:transition spd="slow"/>
     </mc:Fallback>
   </mc:AlternateContent>
 </p:sld>
 </file>
 
-<file path=ppt/slides/slide32.xml><?xml version="1.0" encoding="utf-8"?>
+<file path=ppt/slides/slide31.xml><?xml version="1.0" encoding="utf-8"?>
 <p:sld xmlns:a="http://schemas.openxmlformats.org/drawingml/2006/main" xmlns:r="http://schemas.openxmlformats.org/officeDocument/2006/relationships" xmlns:p="http://schemas.openxmlformats.org/presentationml/2006/main" show="0">
   <p:cSld>
     <p:spTree>
@@ -10433,11 +10375,74 @@
   <p:clrMapOvr>
     <a:masterClrMapping/>
   </p:clrMapOvr>
-  <mc:AlternateContent xmlns:mc="http://schemas.openxmlformats.org/markup-compatibility/2006">
-    <mc:Choice xmlns:p14="http://schemas.microsoft.com/office/powerpoint/2010/main" Requires="p14">
+  <mc:AlternateContent xmlns:mc="http://schemas.openxmlformats.org/markup-compatibility/2006" xmlns:p14="http://schemas.microsoft.com/office/powerpoint/2010/main">
+    <mc:Choice Requires="p14">
       <p:transition spd="slow" p14:dur="2000"/>
     </mc:Choice>
-    <mc:Fallback>
+    <mc:Fallback xmlns="">
+      <p:transition spd="slow"/>
+    </mc:Fallback>
+  </mc:AlternateContent>
+</p:sld>
+</file>
+
+<file path=ppt/slides/slide32.xml><?xml version="1.0" encoding="utf-8"?>
+<p:sld xmlns:a="http://schemas.openxmlformats.org/drawingml/2006/main" xmlns:r="http://schemas.openxmlformats.org/officeDocument/2006/relationships" xmlns:p="http://schemas.openxmlformats.org/presentationml/2006/main" show="0">
+  <p:cSld>
+    <p:spTree>
+      <p:nvGrpSpPr>
+        <p:cNvPr id="1" name=""/>
+        <p:cNvGrpSpPr/>
+        <p:nvPr/>
+      </p:nvGrpSpPr>
+      <p:grpSpPr>
+        <a:xfrm>
+          <a:off x="0" y="0"/>
+          <a:ext cx="0" cy="0"/>
+          <a:chOff x="0" y="0"/>
+          <a:chExt cx="0" cy="0"/>
+        </a:xfrm>
+      </p:grpSpPr>
+      <p:sp>
+        <p:nvSpPr>
+          <p:cNvPr id="3" name="Espace réservé du contenu 2"/>
+          <p:cNvSpPr>
+            <a:spLocks noGrp="1"/>
+          </p:cNvSpPr>
+          <p:nvPr>
+            <p:ph idx="1"/>
+          </p:nvPr>
+        </p:nvSpPr>
+        <p:spPr/>
+        <p:txBody>
+          <a:bodyPr/>
+          <a:lstStyle/>
+          <a:p>
+            <a:pPr marL="0" indent="0">
+              <a:buNone/>
+            </a:pPr>
+            <a:r>
+              <a:rPr lang="fr-FR" dirty="0"/>
+              <a:t>En arrivant sur l’hébergeur, il y a toujours la version la plus à jour de notre projet. Il est très facile de récupérer une version antérieure en cas de problème. En début de projet nous avons créé toutes nos classes et méthodes qui ont été utilisées dans nos diagrammes de séquence. </a:t>
+            </a:r>
+          </a:p>
+        </p:txBody>
+      </p:sp>
+    </p:spTree>
+    <p:extLst>
+      <p:ext uri="{BB962C8B-B14F-4D97-AF65-F5344CB8AC3E}">
+        <p14:creationId xmlns:p14="http://schemas.microsoft.com/office/powerpoint/2010/main" val="1013837233"/>
+      </p:ext>
+    </p:extLst>
+  </p:cSld>
+  <p:clrMapOvr>
+    <a:masterClrMapping/>
+  </p:clrMapOvr>
+  <mc:AlternateContent xmlns:mc="http://schemas.openxmlformats.org/markup-compatibility/2006" xmlns:p14="http://schemas.microsoft.com/office/powerpoint/2010/main">
+    <mc:Choice Requires="p14">
+      <p:transition spd="slow" p14:dur="2000"/>
+    </mc:Choice>
+    <mc:Fallback xmlns="">
       <p:transition spd="slow"/>
     </mc:Fallback>
   </mc:AlternateContent>
@@ -10463,6 +10468,32 @@
       </p:grpSpPr>
       <p:sp>
         <p:nvSpPr>
+          <p:cNvPr id="2" name="Titre 1"/>
+          <p:cNvSpPr>
+            <a:spLocks noGrp="1"/>
+          </p:cNvSpPr>
+          <p:nvPr>
+            <p:ph type="title"/>
+          </p:nvPr>
+        </p:nvSpPr>
+        <p:spPr/>
+        <p:txBody>
+          <a:bodyPr/>
+          <a:lstStyle/>
+          <a:p>
+            <a:r>
+              <a:rPr lang="fr-FR" dirty="0"/>
+              <a:t>Démarrage de projet et classe de simulation</a:t>
+            </a:r>
+            <a:br>
+              <a:rPr lang="fr-FR" dirty="0"/>
+            </a:br>
+            <a:endParaRPr lang="fr-FR" dirty="0"/>
+          </a:p>
+        </p:txBody>
+      </p:sp>
+      <p:sp>
+        <p:nvSpPr>
           <p:cNvPr id="3" name="Espace réservé du contenu 2"/>
           <p:cNvSpPr>
             <a:spLocks noGrp="1"/>
@@ -10480,8 +10511,20 @@
               <a:buNone/>
             </a:pPr>
             <a:r>
+              <a:rPr lang="fr-FR" dirty="0" smtClean="0"/>
+              <a:t>Durant </a:t>
+            </a:r>
+            <a:r>
               <a:rPr lang="fr-FR" dirty="0"/>
-              <a:t>En arrivant sur l’hébergeur, il y a toujours la version la plus à jour de notre projet. Il est très facile de récupérer une version antérieure en cas de problème. En début de projet nous avons créé toutes nos classes et méthodes qui ont été utilisées dans nos diagrammes de séquence. </a:t>
+              <a:t>l’analyse toutes les méthodes des classes ne sont pas implémentées, elles le seront progressivement à mesure que le projet avance. Les méthodes sont donc vides, mais retournent une valeur attendue simulée. Ainsi un développeur peut utiliser une classe non implémentée en mode simulation. Les méthodes seront par la suite implémentées et « </a:t>
+            </a:r>
+            <a:r>
+              <a:rPr lang="fr-FR" dirty="0" err="1"/>
+              <a:t>commité</a:t>
+            </a:r>
+            <a:r>
+              <a:rPr lang="fr-FR" dirty="0"/>
+              <a:t> » sur le projet sans impacter éventuellement celui qui l’utilise. </a:t>
             </a:r>
           </a:p>
         </p:txBody>
@@ -10489,18 +10532,18 @@
     </p:spTree>
     <p:extLst>
       <p:ext uri="{BB962C8B-B14F-4D97-AF65-F5344CB8AC3E}">
-        <p14:creationId xmlns:p14="http://schemas.microsoft.com/office/powerpoint/2010/main" val="1013837233"/>
+        <p14:creationId xmlns:p14="http://schemas.microsoft.com/office/powerpoint/2010/main" val="1886955562"/>
       </p:ext>
     </p:extLst>
   </p:cSld>
   <p:clrMapOvr>
     <a:masterClrMapping/>
   </p:clrMapOvr>
-  <mc:AlternateContent xmlns:mc="http://schemas.openxmlformats.org/markup-compatibility/2006">
-    <mc:Choice xmlns:p14="http://schemas.microsoft.com/office/powerpoint/2010/main" Requires="p14">
+  <mc:AlternateContent xmlns:mc="http://schemas.openxmlformats.org/markup-compatibility/2006" xmlns:p14="http://schemas.microsoft.com/office/powerpoint/2010/main">
+    <mc:Choice Requires="p14">
       <p:transition spd="slow" p14:dur="2000"/>
     </mc:Choice>
-    <mc:Fallback>
+    <mc:Fallback xmlns="">
       <p:transition spd="slow"/>
     </mc:Fallback>
   </mc:AlternateContent>
@@ -10541,107 +10584,6 @@
           <a:p>
             <a:r>
               <a:rPr lang="fr-FR" dirty="0"/>
-              <a:t>Démarrage de projet et classe de simulation</a:t>
-            </a:r>
-            <a:br>
-              <a:rPr lang="fr-FR" dirty="0"/>
-            </a:br>
-            <a:endParaRPr lang="fr-FR" dirty="0"/>
-          </a:p>
-        </p:txBody>
-      </p:sp>
-      <p:sp>
-        <p:nvSpPr>
-          <p:cNvPr id="3" name="Espace réservé du contenu 2"/>
-          <p:cNvSpPr>
-            <a:spLocks noGrp="1"/>
-          </p:cNvSpPr>
-          <p:nvPr>
-            <p:ph idx="1"/>
-          </p:nvPr>
-        </p:nvSpPr>
-        <p:spPr/>
-        <p:txBody>
-          <a:bodyPr/>
-          <a:lstStyle/>
-          <a:p>
-            <a:pPr marL="0" indent="0">
-              <a:buNone/>
-            </a:pPr>
-            <a:r>
-              <a:rPr lang="fr-FR" dirty="0" smtClean="0"/>
-              <a:t>Durant </a:t>
-            </a:r>
-            <a:r>
-              <a:rPr lang="fr-FR" dirty="0"/>
-              <a:t>l’analyse toutes les méthodes des classes ne sont pas implémentées, elles le seront progressivement à mesure que le projet avance. Les méthodes sont donc vides, mais retournent une valeur attendue simulée. Ainsi un développeur peut utiliser une classe non implémentée en mode simulation. Les méthodes seront par la suite implémentées et « </a:t>
-            </a:r>
-            <a:r>
-              <a:rPr lang="fr-FR" dirty="0" err="1"/>
-              <a:t>commité</a:t>
-            </a:r>
-            <a:r>
-              <a:rPr lang="fr-FR" dirty="0"/>
-              <a:t> » sur le projet sans impacter éventuellement celui qui l’utilise. </a:t>
-            </a:r>
-          </a:p>
-        </p:txBody>
-      </p:sp>
-    </p:spTree>
-    <p:extLst>
-      <p:ext uri="{BB962C8B-B14F-4D97-AF65-F5344CB8AC3E}">
-        <p14:creationId xmlns:p14="http://schemas.microsoft.com/office/powerpoint/2010/main" val="1886955562"/>
-      </p:ext>
-    </p:extLst>
-  </p:cSld>
-  <p:clrMapOvr>
-    <a:masterClrMapping/>
-  </p:clrMapOvr>
-  <mc:AlternateContent xmlns:mc="http://schemas.openxmlformats.org/markup-compatibility/2006">
-    <mc:Choice xmlns:p14="http://schemas.microsoft.com/office/powerpoint/2010/main" Requires="p14">
-      <p:transition spd="slow" p14:dur="2000"/>
-    </mc:Choice>
-    <mc:Fallback>
-      <p:transition spd="slow"/>
-    </mc:Fallback>
-  </mc:AlternateContent>
-</p:sld>
-</file>
-
-<file path=ppt/slides/slide35.xml><?xml version="1.0" encoding="utf-8"?>
-<p:sld xmlns:a="http://schemas.openxmlformats.org/drawingml/2006/main" xmlns:r="http://schemas.openxmlformats.org/officeDocument/2006/relationships" xmlns:p="http://schemas.openxmlformats.org/presentationml/2006/main" show="0">
-  <p:cSld>
-    <p:spTree>
-      <p:nvGrpSpPr>
-        <p:cNvPr id="1" name=""/>
-        <p:cNvGrpSpPr/>
-        <p:nvPr/>
-      </p:nvGrpSpPr>
-      <p:grpSpPr>
-        <a:xfrm>
-          <a:off x="0" y="0"/>
-          <a:ext cx="0" cy="0"/>
-          <a:chOff x="0" y="0"/>
-          <a:chExt cx="0" cy="0"/>
-        </a:xfrm>
-      </p:grpSpPr>
-      <p:sp>
-        <p:nvSpPr>
-          <p:cNvPr id="2" name="Titre 1"/>
-          <p:cNvSpPr>
-            <a:spLocks noGrp="1"/>
-          </p:cNvSpPr>
-          <p:nvPr>
-            <p:ph type="title"/>
-          </p:nvPr>
-        </p:nvSpPr>
-        <p:spPr/>
-        <p:txBody>
-          <a:bodyPr/>
-          <a:lstStyle/>
-          <a:p>
-            <a:r>
-              <a:rPr lang="fr-FR" dirty="0"/>
               <a:t>Logiciel d’analyse et de développement </a:t>
             </a:r>
             <a:br>
@@ -10705,18 +10647,18 @@
   <p:clrMapOvr>
     <a:masterClrMapping/>
   </p:clrMapOvr>
-  <mc:AlternateContent xmlns:mc="http://schemas.openxmlformats.org/markup-compatibility/2006">
-    <mc:Choice xmlns:p14="http://schemas.microsoft.com/office/powerpoint/2010/main" Requires="p14">
+  <mc:AlternateContent xmlns:mc="http://schemas.openxmlformats.org/markup-compatibility/2006" xmlns:p14="http://schemas.microsoft.com/office/powerpoint/2010/main">
+    <mc:Choice Requires="p14">
       <p:transition spd="slow" p14:dur="2000"/>
     </mc:Choice>
-    <mc:Fallback>
+    <mc:Fallback xmlns="">
       <p:transition spd="slow"/>
     </mc:Fallback>
   </mc:AlternateContent>
 </p:sld>
 </file>
 
-<file path=ppt/slides/slide36.xml><?xml version="1.0" encoding="utf-8"?>
+<file path=ppt/slides/slide35.xml><?xml version="1.0" encoding="utf-8"?>
 <p:sld xmlns:a="http://schemas.openxmlformats.org/drawingml/2006/main" xmlns:r="http://schemas.openxmlformats.org/officeDocument/2006/relationships" xmlns:p="http://schemas.openxmlformats.org/presentationml/2006/main" show="0">
   <p:cSld>
     <p:spTree>
@@ -10779,11 +10721,77 @@
   <p:clrMapOvr>
     <a:masterClrMapping/>
   </p:clrMapOvr>
-  <mc:AlternateContent xmlns:mc="http://schemas.openxmlformats.org/markup-compatibility/2006">
-    <mc:Choice xmlns:p14="http://schemas.microsoft.com/office/powerpoint/2010/main" Requires="p14">
+  <mc:AlternateContent xmlns:mc="http://schemas.openxmlformats.org/markup-compatibility/2006" xmlns:p14="http://schemas.microsoft.com/office/powerpoint/2010/main">
+    <mc:Choice Requires="p14">
       <p:transition spd="slow" p14:dur="2000"/>
     </mc:Choice>
-    <mc:Fallback>
+    <mc:Fallback xmlns="">
+      <p:transition spd="slow"/>
+    </mc:Fallback>
+  </mc:AlternateContent>
+</p:sld>
+</file>
+
+<file path=ppt/slides/slide36.xml><?xml version="1.0" encoding="utf-8"?>
+<p:sld xmlns:a="http://schemas.openxmlformats.org/drawingml/2006/main" xmlns:r="http://schemas.openxmlformats.org/officeDocument/2006/relationships" xmlns:p="http://schemas.openxmlformats.org/presentationml/2006/main" show="0">
+  <p:cSld>
+    <p:spTree>
+      <p:nvGrpSpPr>
+        <p:cNvPr id="1" name=""/>
+        <p:cNvGrpSpPr/>
+        <p:nvPr/>
+      </p:nvGrpSpPr>
+      <p:grpSpPr>
+        <a:xfrm>
+          <a:off x="0" y="0"/>
+          <a:ext cx="0" cy="0"/>
+          <a:chOff x="0" y="0"/>
+          <a:chExt cx="0" cy="0"/>
+        </a:xfrm>
+      </p:grpSpPr>
+      <p:sp>
+        <p:nvSpPr>
+          <p:cNvPr id="3" name="Espace réservé du contenu 2"/>
+          <p:cNvSpPr>
+            <a:spLocks noGrp="1"/>
+          </p:cNvSpPr>
+          <p:nvPr>
+            <p:ph idx="1"/>
+          </p:nvPr>
+        </p:nvSpPr>
+        <p:spPr/>
+        <p:txBody>
+          <a:bodyPr/>
+          <a:lstStyle/>
+          <a:p>
+            <a:pPr marL="0" indent="0">
+              <a:buNone/>
+            </a:pPr>
+            <a:r>
+              <a:rPr lang="fr-FR" dirty="0"/>
+              <a:t>Cette application en ligne permet de sauvegarder nos diagrammes sur n’importe quelle machine en mode édition. L’avantage c’est que nous n’avons pas besoin d’installer une grosse application, l’espace est gratuit et suffisant pour nos besoins. </a:t>
+            </a:r>
+          </a:p>
+          <a:p>
+            <a:endParaRPr lang="fr-FR" dirty="0"/>
+          </a:p>
+        </p:txBody>
+      </p:sp>
+    </p:spTree>
+    <p:extLst>
+      <p:ext uri="{BB962C8B-B14F-4D97-AF65-F5344CB8AC3E}">
+        <p14:creationId xmlns:p14="http://schemas.microsoft.com/office/powerpoint/2010/main" val="835043509"/>
+      </p:ext>
+    </p:extLst>
+  </p:cSld>
+  <p:clrMapOvr>
+    <a:masterClrMapping/>
+  </p:clrMapOvr>
+  <mc:AlternateContent xmlns:mc="http://schemas.openxmlformats.org/markup-compatibility/2006" xmlns:p14="http://schemas.microsoft.com/office/powerpoint/2010/main">
+    <mc:Choice Requires="p14">
+      <p:transition spd="slow" p14:dur="2000"/>
+    </mc:Choice>
+    <mc:Fallback xmlns="">
       <p:transition spd="slow"/>
     </mc:Fallback>
   </mc:AlternateContent>
@@ -10809,6 +10817,32 @@
       </p:grpSpPr>
       <p:sp>
         <p:nvSpPr>
+          <p:cNvPr id="2" name="Titre 1"/>
+          <p:cNvSpPr>
+            <a:spLocks noGrp="1"/>
+          </p:cNvSpPr>
+          <p:nvPr>
+            <p:ph type="title"/>
+          </p:nvPr>
+        </p:nvSpPr>
+        <p:spPr/>
+        <p:txBody>
+          <a:bodyPr/>
+          <a:lstStyle/>
+          <a:p>
+            <a:r>
+              <a:rPr lang="fr-FR" dirty="0" smtClean="0"/>
+              <a:t>Choix </a:t>
+            </a:r>
+            <a:r>
+              <a:rPr lang="fr-FR" dirty="0"/>
+              <a:t>technique et étude physique </a:t>
+            </a:r>
+          </a:p>
+        </p:txBody>
+      </p:sp>
+      <p:sp>
+        <p:nvSpPr>
           <p:cNvPr id="3" name="Espace réservé du contenu 2"/>
           <p:cNvSpPr>
             <a:spLocks noGrp="1"/>
@@ -10827,29 +10861,26 @@
             </a:pPr>
             <a:r>
               <a:rPr lang="fr-FR" dirty="0"/>
-              <a:t>Cette application en ligne permet de sauvegarder nos diagrammes sur n’importe quelle machine en mode édition. L’avantage c’est que nous n’avons pas besoin d’installer une grosse application, l’espace est gratuit et suffisant pour nos besoins. </a:t>
-            </a:r>
-          </a:p>
-          <a:p>
-            <a:endParaRPr lang="fr-FR" dirty="0"/>
+              <a:t>Dans cette partie nous allons uniquement présenter les solutions qui ont été retenues. Les études techniques plus approfondies présentant d’autres solutions seront détaillées dans les parties individuelles. </a:t>
+            </a:r>
           </a:p>
         </p:txBody>
       </p:sp>
     </p:spTree>
     <p:extLst>
       <p:ext uri="{BB962C8B-B14F-4D97-AF65-F5344CB8AC3E}">
-        <p14:creationId xmlns:p14="http://schemas.microsoft.com/office/powerpoint/2010/main" val="835043509"/>
+        <p14:creationId xmlns:p14="http://schemas.microsoft.com/office/powerpoint/2010/main" val="3083872884"/>
       </p:ext>
     </p:extLst>
   </p:cSld>
   <p:clrMapOvr>
     <a:masterClrMapping/>
   </p:clrMapOvr>
-  <mc:AlternateContent xmlns:mc="http://schemas.openxmlformats.org/markup-compatibility/2006">
-    <mc:Choice xmlns:p14="http://schemas.microsoft.com/office/powerpoint/2010/main" Requires="p14">
+  <mc:AlternateContent xmlns:mc="http://schemas.openxmlformats.org/markup-compatibility/2006" xmlns:p14="http://schemas.microsoft.com/office/powerpoint/2010/main">
+    <mc:Choice Requires="p14">
       <p:transition spd="slow" p14:dur="2000"/>
     </mc:Choice>
-    <mc:Fallback>
+    <mc:Fallback xmlns="">
       <p:transition spd="slow"/>
     </mc:Fallback>
   </mc:AlternateContent>
@@ -10889,95 +10920,6 @@
           <a:lstStyle/>
           <a:p>
             <a:r>
-              <a:rPr lang="fr-FR" dirty="0" smtClean="0"/>
-              <a:t>Choix </a:t>
-            </a:r>
-            <a:r>
-              <a:rPr lang="fr-FR" dirty="0"/>
-              <a:t>technique et étude physique </a:t>
-            </a:r>
-          </a:p>
-        </p:txBody>
-      </p:sp>
-      <p:sp>
-        <p:nvSpPr>
-          <p:cNvPr id="3" name="Espace réservé du contenu 2"/>
-          <p:cNvSpPr>
-            <a:spLocks noGrp="1"/>
-          </p:cNvSpPr>
-          <p:nvPr>
-            <p:ph idx="1"/>
-          </p:nvPr>
-        </p:nvSpPr>
-        <p:spPr/>
-        <p:txBody>
-          <a:bodyPr/>
-          <a:lstStyle/>
-          <a:p>
-            <a:pPr marL="0" indent="0">
-              <a:buNone/>
-            </a:pPr>
-            <a:r>
-              <a:rPr lang="fr-FR" dirty="0"/>
-              <a:t>Dans cette partie nous allons uniquement présenter les solutions qui ont été retenues. Les études techniques plus approfondies présentant d’autres solutions seront détaillées dans les parties individuelles. </a:t>
-            </a:r>
-          </a:p>
-        </p:txBody>
-      </p:sp>
-    </p:spTree>
-    <p:extLst>
-      <p:ext uri="{BB962C8B-B14F-4D97-AF65-F5344CB8AC3E}">
-        <p14:creationId xmlns:p14="http://schemas.microsoft.com/office/powerpoint/2010/main" val="3083872884"/>
-      </p:ext>
-    </p:extLst>
-  </p:cSld>
-  <p:clrMapOvr>
-    <a:masterClrMapping/>
-  </p:clrMapOvr>
-  <mc:AlternateContent xmlns:mc="http://schemas.openxmlformats.org/markup-compatibility/2006">
-    <mc:Choice xmlns:p14="http://schemas.microsoft.com/office/powerpoint/2010/main" Requires="p14">
-      <p:transition spd="slow" p14:dur="2000"/>
-    </mc:Choice>
-    <mc:Fallback>
-      <p:transition spd="slow"/>
-    </mc:Fallback>
-  </mc:AlternateContent>
-</p:sld>
-</file>
-
-<file path=ppt/slides/slide39.xml><?xml version="1.0" encoding="utf-8"?>
-<p:sld xmlns:a="http://schemas.openxmlformats.org/drawingml/2006/main" xmlns:r="http://schemas.openxmlformats.org/officeDocument/2006/relationships" xmlns:p="http://schemas.openxmlformats.org/presentationml/2006/main" show="0">
-  <p:cSld>
-    <p:spTree>
-      <p:nvGrpSpPr>
-        <p:cNvPr id="1" name=""/>
-        <p:cNvGrpSpPr/>
-        <p:nvPr/>
-      </p:nvGrpSpPr>
-      <p:grpSpPr>
-        <a:xfrm>
-          <a:off x="0" y="0"/>
-          <a:ext cx="0" cy="0"/>
-          <a:chOff x="0" y="0"/>
-          <a:chExt cx="0" cy="0"/>
-        </a:xfrm>
-      </p:grpSpPr>
-      <p:sp>
-        <p:nvSpPr>
-          <p:cNvPr id="2" name="Titre 1"/>
-          <p:cNvSpPr>
-            <a:spLocks noGrp="1"/>
-          </p:cNvSpPr>
-          <p:nvPr>
-            <p:ph type="title"/>
-          </p:nvPr>
-        </p:nvSpPr>
-        <p:spPr/>
-        <p:txBody>
-          <a:bodyPr/>
-          <a:lstStyle/>
-          <a:p>
-            <a:r>
               <a:rPr lang="fr-FR" dirty="0"/>
               <a:t>Choix de la carte pour le système embarqué </a:t>
             </a:r>
@@ -11031,140 +10973,18 @@
   <p:clrMapOvr>
     <a:masterClrMapping/>
   </p:clrMapOvr>
-  <mc:AlternateContent xmlns:mc="http://schemas.openxmlformats.org/markup-compatibility/2006">
-    <mc:Choice xmlns:p14="http://schemas.microsoft.com/office/powerpoint/2010/main" Requires="p14">
+  <mc:AlternateContent xmlns:mc="http://schemas.openxmlformats.org/markup-compatibility/2006" xmlns:p14="http://schemas.microsoft.com/office/powerpoint/2010/main">
+    <mc:Choice Requires="p14">
       <p:transition spd="slow" p14:dur="2000"/>
     </mc:Choice>
-    <mc:Fallback>
+    <mc:Fallback xmlns="">
       <p:transition spd="slow"/>
     </mc:Fallback>
   </mc:AlternateContent>
 </p:sld>
 </file>
 
-<file path=ppt/slides/slide4.xml><?xml version="1.0" encoding="utf-8"?>
-<p:sld xmlns:a="http://schemas.openxmlformats.org/drawingml/2006/main" xmlns:r="http://schemas.openxmlformats.org/officeDocument/2006/relationships" xmlns:p="http://schemas.openxmlformats.org/presentationml/2006/main">
-  <p:cSld>
-    <p:spTree>
-      <p:nvGrpSpPr>
-        <p:cNvPr id="1" name=""/>
-        <p:cNvGrpSpPr/>
-        <p:nvPr/>
-      </p:nvGrpSpPr>
-      <p:grpSpPr>
-        <a:xfrm>
-          <a:off x="0" y="0"/>
-          <a:ext cx="0" cy="0"/>
-          <a:chOff x="0" y="0"/>
-          <a:chExt cx="0" cy="0"/>
-        </a:xfrm>
-      </p:grpSpPr>
-      <p:sp>
-        <p:nvSpPr>
-          <p:cNvPr id="3" name="Espace réservé du contenu 2"/>
-          <p:cNvSpPr>
-            <a:spLocks noGrp="1"/>
-          </p:cNvSpPr>
-          <p:nvPr>
-            <p:ph idx="1"/>
-          </p:nvPr>
-        </p:nvSpPr>
-        <p:spPr/>
-        <p:txBody>
-          <a:bodyPr>
-            <a:normAutofit fontScale="85000" lnSpcReduction="20000"/>
-          </a:bodyPr>
-          <a:lstStyle/>
-          <a:p>
-            <a:pPr marL="0" indent="0">
-              <a:buNone/>
-            </a:pPr>
-            <a:r>
-              <a:rPr lang="fr-FR" dirty="0"/>
-              <a:t>Le client est un gestionnaire d’une agence proposant la location de bateaux à moteur sans permis. </a:t>
-            </a:r>
-            <a:r>
-              <a:rPr lang="fr-FR" dirty="0" err="1"/>
-              <a:t>Babou</a:t>
-            </a:r>
-            <a:r>
-              <a:rPr lang="fr-FR" dirty="0"/>
-              <a:t> marine est implanté à Cahors dans la commune de Long depuis 1928. Cette entreprise de niveau national est spécialisée dans les croisières fluviales dans toute la France grâce à ses nombreuses agences.  </a:t>
-            </a:r>
-          </a:p>
-          <a:p>
-            <a:pPr marL="0" indent="0">
-              <a:buNone/>
-            </a:pPr>
-            <a:r>
-              <a:rPr lang="fr-FR" dirty="0"/>
-              <a:t>	Voici un extrait du cahier des charges du projet </a:t>
-            </a:r>
-            <a:r>
-              <a:rPr lang="fr-FR" dirty="0" smtClean="0"/>
-              <a:t>:</a:t>
-            </a:r>
-            <a:endParaRPr lang="fr-FR" dirty="0"/>
-          </a:p>
-          <a:p>
-            <a:pPr marL="0" indent="0">
-              <a:buNone/>
-            </a:pPr>
-            <a:r>
-              <a:rPr lang="fr-FR" i="1" dirty="0" smtClean="0"/>
-              <a:t> «</a:t>
-            </a:r>
-            <a:r>
-              <a:rPr lang="fr-FR" i="1" dirty="0"/>
-              <a:t> Actuellement, il n’y a pas de système de géolocalisation en temps réel ni de système embarqué permettant d’envoyer la vitesse et la profondeur instantanée et ainsi prévenir en cas d’anomalie. Pour localiser leurs bateaux, la société fait appel à la bonne fois des plaisanciers et aux différents check point que doivent effectuer les bateaux sur les différents fleuves (passage d’écluse par exemple). »</a:t>
-            </a:r>
-            <a:endParaRPr lang="fr-FR" dirty="0"/>
-          </a:p>
-          <a:p>
-            <a:pPr marL="0" indent="0">
-              <a:buNone/>
-            </a:pPr>
-            <a:r>
-              <a:rPr lang="fr-FR" i="1" dirty="0"/>
-              <a:t>	</a:t>
-            </a:r>
-            <a:r>
-              <a:rPr lang="fr-FR" dirty="0"/>
-              <a:t>Notre projet sera donc de proposer un prototype de système de </a:t>
-            </a:r>
-            <a:r>
-              <a:rPr lang="fr-FR" dirty="0" err="1"/>
-              <a:t>tracking</a:t>
-            </a:r>
-            <a:r>
-              <a:rPr lang="fr-FR" dirty="0"/>
-              <a:t> GPS national communiquant par réseau mobile permettant de savoir en temps réel où sont situés les bateaux sans permis en cours d’utilisation dans toute la France ainsi que leur profondeur, vitesse et niveau de batterie restante. </a:t>
-            </a:r>
-            <a:r>
-              <a:rPr lang="fr-FR" i="1" dirty="0"/>
-              <a:t>	</a:t>
-            </a:r>
-            <a:endParaRPr lang="fr-FR" dirty="0"/>
-          </a:p>
-          <a:p>
-            <a:endParaRPr lang="fr-FR" dirty="0"/>
-          </a:p>
-        </p:txBody>
-      </p:sp>
-    </p:spTree>
-    <p:extLst>
-      <p:ext uri="{BB962C8B-B14F-4D97-AF65-F5344CB8AC3E}">
-        <p14:creationId xmlns:p14="http://schemas.microsoft.com/office/powerpoint/2010/main" val="3075728333"/>
-      </p:ext>
-    </p:extLst>
-  </p:cSld>
-  <p:clrMapOvr>
-    <a:masterClrMapping/>
-  </p:clrMapOvr>
-</p:sld>
-</file>
-
-<file path=ppt/slides/slide40.xml><?xml version="1.0" encoding="utf-8"?>
+<file path=ppt/slides/slide39.xml><?xml version="1.0" encoding="utf-8"?>
 <p:sld xmlns:a="http://schemas.openxmlformats.org/drawingml/2006/main" xmlns:r="http://schemas.openxmlformats.org/officeDocument/2006/relationships" xmlns:p="http://schemas.openxmlformats.org/presentationml/2006/main" show="0">
   <p:cSld>
     <p:spTree>
@@ -11224,18 +11044,103 @@
   <p:clrMapOvr>
     <a:masterClrMapping/>
   </p:clrMapOvr>
-  <mc:AlternateContent xmlns:mc="http://schemas.openxmlformats.org/markup-compatibility/2006">
-    <mc:Choice xmlns:p14="http://schemas.microsoft.com/office/powerpoint/2010/main" Requires="p14">
+  <mc:AlternateContent xmlns:mc="http://schemas.openxmlformats.org/markup-compatibility/2006" xmlns:p14="http://schemas.microsoft.com/office/powerpoint/2010/main">
+    <mc:Choice Requires="p14">
       <p:transition spd="slow" p14:dur="2000"/>
     </mc:Choice>
-    <mc:Fallback>
+    <mc:Fallback xmlns="">
       <p:transition spd="slow"/>
     </mc:Fallback>
   </mc:AlternateContent>
 </p:sld>
 </file>
 
-<file path=ppt/slides/slide41.xml><?xml version="1.0" encoding="utf-8"?>
+<file path=ppt/slides/slide4.xml><?xml version="1.0" encoding="utf-8"?>
+<p:sld xmlns:a="http://schemas.openxmlformats.org/drawingml/2006/main" xmlns:r="http://schemas.openxmlformats.org/officeDocument/2006/relationships" xmlns:p="http://schemas.openxmlformats.org/presentationml/2006/main">
+  <p:cSld>
+    <p:spTree>
+      <p:nvGrpSpPr>
+        <p:cNvPr id="1" name=""/>
+        <p:cNvGrpSpPr/>
+        <p:nvPr/>
+      </p:nvGrpSpPr>
+      <p:grpSpPr>
+        <a:xfrm>
+          <a:off x="0" y="0"/>
+          <a:ext cx="0" cy="0"/>
+          <a:chOff x="0" y="0"/>
+          <a:chExt cx="0" cy="0"/>
+        </a:xfrm>
+      </p:grpSpPr>
+      <p:sp>
+        <p:nvSpPr>
+          <p:cNvPr id="3" name="Espace réservé du contenu 2"/>
+          <p:cNvSpPr>
+            <a:spLocks noGrp="1"/>
+          </p:cNvSpPr>
+          <p:nvPr>
+            <p:ph idx="1"/>
+          </p:nvPr>
+        </p:nvSpPr>
+        <p:spPr/>
+        <p:txBody>
+          <a:bodyPr>
+            <a:normAutofit/>
+          </a:bodyPr>
+          <a:lstStyle/>
+          <a:p>
+            <a:pPr marL="0" indent="0">
+              <a:buNone/>
+            </a:pPr>
+            <a:r>
+              <a:rPr lang="fr-FR" i="1" dirty="0"/>
+              <a:t>	</a:t>
+            </a:r>
+            <a:r>
+              <a:rPr lang="fr-FR" dirty="0"/>
+              <a:t>Notre projet </a:t>
+            </a:r>
+            <a:r>
+              <a:rPr lang="fr-FR" dirty="0" smtClean="0"/>
+              <a:t>est de </a:t>
+            </a:r>
+            <a:r>
+              <a:rPr lang="fr-FR" dirty="0"/>
+              <a:t>proposer un prototype de système de </a:t>
+            </a:r>
+            <a:r>
+              <a:rPr lang="fr-FR" dirty="0" err="1"/>
+              <a:t>tracking</a:t>
+            </a:r>
+            <a:r>
+              <a:rPr lang="fr-FR" dirty="0"/>
+              <a:t> GPS national communiquant par réseau mobile permettant de savoir en temps réel où sont situés les bateaux sans permis en cours d’utilisation dans toute la France ainsi que leur profondeur, vitesse et niveau de batterie restante. </a:t>
+            </a:r>
+            <a:r>
+              <a:rPr lang="fr-FR" i="1" dirty="0"/>
+              <a:t>	</a:t>
+            </a:r>
+            <a:endParaRPr lang="fr-FR" dirty="0"/>
+          </a:p>
+          <a:p>
+            <a:endParaRPr lang="fr-FR" dirty="0"/>
+          </a:p>
+        </p:txBody>
+      </p:sp>
+    </p:spTree>
+    <p:extLst>
+      <p:ext uri="{BB962C8B-B14F-4D97-AF65-F5344CB8AC3E}">
+        <p14:creationId xmlns:p14="http://schemas.microsoft.com/office/powerpoint/2010/main" val="3075728333"/>
+      </p:ext>
+    </p:extLst>
+  </p:cSld>
+  <p:clrMapOvr>
+    <a:masterClrMapping/>
+  </p:clrMapOvr>
+</p:sld>
+</file>
+
+<file path=ppt/slides/slide40.xml><?xml version="1.0" encoding="utf-8"?>
 <p:sld xmlns:a="http://schemas.openxmlformats.org/drawingml/2006/main" xmlns:r="http://schemas.openxmlformats.org/officeDocument/2006/relationships" xmlns:p="http://schemas.openxmlformats.org/presentationml/2006/main" show="0">
   <p:cSld>
     <p:spTree>
@@ -11312,19 +11217,19 @@
   <p:clrMapOvr>
     <a:masterClrMapping/>
   </p:clrMapOvr>
-  <mc:AlternateContent xmlns:mc="http://schemas.openxmlformats.org/markup-compatibility/2006">
-    <mc:Choice xmlns:p14="http://schemas.microsoft.com/office/powerpoint/2010/main" Requires="p14">
+  <mc:AlternateContent xmlns:mc="http://schemas.openxmlformats.org/markup-compatibility/2006" xmlns:p14="http://schemas.microsoft.com/office/powerpoint/2010/main">
+    <mc:Choice Requires="p14">
       <p:transition spd="slow" p14:dur="2000"/>
     </mc:Choice>
-    <mc:Fallback>
+    <mc:Fallback xmlns="">
       <p:transition spd="slow"/>
     </mc:Fallback>
   </mc:AlternateContent>
 </p:sld>
 </file>
 
-<file path=ppt/slides/slide42.xml><?xml version="1.0" encoding="utf-8"?>
-<p:sld xmlns:a="http://schemas.openxmlformats.org/drawingml/2006/main" xmlns:r="http://schemas.openxmlformats.org/officeDocument/2006/relationships" xmlns:p="http://schemas.openxmlformats.org/presentationml/2006/main" show="0">
+<file path=ppt/slides/slide41.xml><?xml version="1.0" encoding="utf-8"?>
+<p:sld xmlns:a="http://schemas.openxmlformats.org/drawingml/2006/main" xmlns:r="http://schemas.openxmlformats.org/officeDocument/2006/relationships" xmlns:p="http://schemas.openxmlformats.org/presentationml/2006/main">
   <p:cSld>
     <p:spTree>
       <p:nvGrpSpPr>
@@ -11472,8 +11377,8 @@
 </p:sld>
 </file>
 
-<file path=ppt/slides/slide43.xml><?xml version="1.0" encoding="utf-8"?>
-<p:sld xmlns:a="http://schemas.openxmlformats.org/drawingml/2006/main" xmlns:r="http://schemas.openxmlformats.org/officeDocument/2006/relationships" xmlns:p="http://schemas.openxmlformats.org/presentationml/2006/main" show="0">
+<file path=ppt/slides/slide42.xml><?xml version="1.0" encoding="utf-8"?>
+<p:sld xmlns:a="http://schemas.openxmlformats.org/drawingml/2006/main" xmlns:r="http://schemas.openxmlformats.org/officeDocument/2006/relationships" xmlns:p="http://schemas.openxmlformats.org/presentationml/2006/main">
   <p:cSld>
     <p:spTree>
       <p:nvGrpSpPr>
@@ -11558,8 +11463,8 @@
 </p:sld>
 </file>
 
-<file path=ppt/slides/slide44.xml><?xml version="1.0" encoding="utf-8"?>
-<p:sld xmlns:a="http://schemas.openxmlformats.org/drawingml/2006/main" xmlns:r="http://schemas.openxmlformats.org/officeDocument/2006/relationships" xmlns:p="http://schemas.openxmlformats.org/presentationml/2006/main" show="0">
+<file path=ppt/slides/slide43.xml><?xml version="1.0" encoding="utf-8"?>
+<p:sld xmlns:a="http://schemas.openxmlformats.org/drawingml/2006/main" xmlns:r="http://schemas.openxmlformats.org/officeDocument/2006/relationships" xmlns:p="http://schemas.openxmlformats.org/presentationml/2006/main">
   <p:cSld>
     <p:spTree>
       <p:nvGrpSpPr>
@@ -11577,7 +11482,7 @@
       </p:grpSpPr>
       <p:pic>
         <p:nvPicPr>
-          <p:cNvPr id="4" name="Image 3"/>
+          <p:cNvPr id="2" name="Image 1"/>
           <p:cNvPicPr>
             <a:picLocks noChangeAspect="1"/>
           </p:cNvPicPr>
@@ -11591,8 +11496,8 @@
         </p:blipFill>
         <p:spPr>
           <a:xfrm>
-            <a:off x="2777650" y="2226446"/>
-            <a:ext cx="4705350" cy="3943350"/>
+            <a:off x="3490156" y="2371992"/>
+            <a:ext cx="4476750" cy="3771900"/>
           </a:xfrm>
           <a:prstGeom prst="rect">
             <a:avLst/>
@@ -11603,6 +11508,68 @@
     <p:extLst>
       <p:ext uri="{BB962C8B-B14F-4D97-AF65-F5344CB8AC3E}">
         <p14:creationId xmlns:p14="http://schemas.microsoft.com/office/powerpoint/2010/main" val="215607024"/>
+      </p:ext>
+    </p:extLst>
+  </p:cSld>
+  <p:clrMapOvr>
+    <a:masterClrMapping/>
+  </p:clrMapOvr>
+  <mc:AlternateContent xmlns:mc="http://schemas.openxmlformats.org/markup-compatibility/2006">
+    <mc:Choice xmlns:p14="http://schemas.microsoft.com/office/powerpoint/2010/main" Requires="p14">
+      <p:transition spd="slow" p14:dur="2000"/>
+    </mc:Choice>
+    <mc:Fallback>
+      <p:transition spd="slow"/>
+    </mc:Fallback>
+  </mc:AlternateContent>
+</p:sld>
+</file>
+
+<file path=ppt/slides/slide44.xml><?xml version="1.0" encoding="utf-8"?>
+<p:sld xmlns:a="http://schemas.openxmlformats.org/drawingml/2006/main" xmlns:r="http://schemas.openxmlformats.org/officeDocument/2006/relationships" xmlns:p="http://schemas.openxmlformats.org/presentationml/2006/main">
+  <p:cSld>
+    <p:spTree>
+      <p:nvGrpSpPr>
+        <p:cNvPr id="1" name=""/>
+        <p:cNvGrpSpPr/>
+        <p:nvPr/>
+      </p:nvGrpSpPr>
+      <p:grpSpPr>
+        <a:xfrm>
+          <a:off x="0" y="0"/>
+          <a:ext cx="0" cy="0"/>
+          <a:chOff x="0" y="0"/>
+          <a:chExt cx="0" cy="0"/>
+        </a:xfrm>
+      </p:grpSpPr>
+      <p:pic>
+        <p:nvPicPr>
+          <p:cNvPr id="2" name="Image 1"/>
+          <p:cNvPicPr>
+            <a:picLocks noChangeAspect="1"/>
+          </p:cNvPicPr>
+          <p:nvPr/>
+        </p:nvPicPr>
+        <p:blipFill>
+          <a:blip r:embed="rId2"/>
+          <a:stretch>
+            <a:fillRect/>
+          </a:stretch>
+        </p:blipFill>
+        <p:spPr>
+          <a:xfrm>
+            <a:off x="3264894" y="2441872"/>
+            <a:ext cx="4619625" cy="1581150"/>
+          </a:xfrm>
+          <a:prstGeom prst="rect">
+            <a:avLst/>
+          </a:prstGeom>
+        </p:spPr>
+      </p:pic>
+    </p:spTree>
+    <p:extLst>
+      <p:ext uri="{BB962C8B-B14F-4D97-AF65-F5344CB8AC3E}">
+        <p14:creationId xmlns:p14="http://schemas.microsoft.com/office/powerpoint/2010/main" val="556482373"/>
       </p:ext>
     </p:extLst>
   </p:cSld>
@@ -11637,45 +11604,76 @@
           <a:chExt cx="0" cy="0"/>
         </a:xfrm>
       </p:grpSpPr>
-      <p:pic>
-        <p:nvPicPr>
-          <p:cNvPr id="4" name="Image 3"/>
-          <p:cNvPicPr>
-            <a:picLocks noChangeAspect="1"/>
-          </p:cNvPicPr>
-          <p:nvPr/>
-        </p:nvPicPr>
-        <p:blipFill>
-          <a:blip r:embed="rId2"/>
-          <a:stretch>
-            <a:fillRect/>
-          </a:stretch>
-        </p:blipFill>
-        <p:spPr>
-          <a:xfrm>
-            <a:off x="2793895" y="2256667"/>
-            <a:ext cx="4638675" cy="1609725"/>
-          </a:xfrm>
-          <a:prstGeom prst="rect">
-            <a:avLst/>
-          </a:prstGeom>
-        </p:spPr>
-      </p:pic>
+      <p:sp>
+        <p:nvSpPr>
+          <p:cNvPr id="2" name="Titre 1"/>
+          <p:cNvSpPr>
+            <a:spLocks noGrp="1"/>
+          </p:cNvSpPr>
+          <p:nvPr>
+            <p:ph type="title"/>
+          </p:nvPr>
+        </p:nvSpPr>
+        <p:spPr/>
+        <p:txBody>
+          <a:bodyPr/>
+          <a:lstStyle/>
+          <a:p>
+            <a:r>
+              <a:rPr lang="fr-FR" dirty="0" smtClean="0"/>
+              <a:t>Test d’intégration du prototype</a:t>
+            </a:r>
+            <a:endParaRPr lang="fr-FR" dirty="0"/>
+          </a:p>
+        </p:txBody>
+      </p:sp>
+      <p:sp>
+        <p:nvSpPr>
+          <p:cNvPr id="3" name="Espace réservé du contenu 2"/>
+          <p:cNvSpPr>
+            <a:spLocks noGrp="1"/>
+          </p:cNvSpPr>
+          <p:nvPr>
+            <p:ph idx="1"/>
+          </p:nvPr>
+        </p:nvSpPr>
+        <p:spPr/>
+        <p:txBody>
+          <a:bodyPr/>
+          <a:lstStyle/>
+          <a:p>
+            <a:pPr marL="0" indent="0">
+              <a:buNone/>
+            </a:pPr>
+            <a:r>
+              <a:rPr lang="fr-FR" dirty="0" smtClean="0"/>
+              <a:t>Voici </a:t>
+            </a:r>
+            <a:r>
+              <a:rPr lang="fr-FR" dirty="0"/>
+              <a:t>le cahier de test d’intégration qui sera validé dans chaque partie individuelle par des tests unitaires. </a:t>
+            </a:r>
+          </a:p>
+          <a:p>
+            <a:endParaRPr lang="fr-FR" dirty="0"/>
+          </a:p>
+        </p:txBody>
+      </p:sp>
     </p:spTree>
     <p:extLst>
       <p:ext uri="{BB962C8B-B14F-4D97-AF65-F5344CB8AC3E}">
-        <p14:creationId xmlns:p14="http://schemas.microsoft.com/office/powerpoint/2010/main" val="556482373"/>
+        <p14:creationId xmlns:p14="http://schemas.microsoft.com/office/powerpoint/2010/main" val="2182160540"/>
       </p:ext>
     </p:extLst>
   </p:cSld>
   <p:clrMapOvr>
     <a:masterClrMapping/>
   </p:clrMapOvr>
-  <mc:AlternateContent xmlns:mc="http://schemas.openxmlformats.org/markup-compatibility/2006">
-    <mc:Choice xmlns:p14="http://schemas.microsoft.com/office/powerpoint/2010/main" Requires="p14">
+  <mc:AlternateContent xmlns:mc="http://schemas.openxmlformats.org/markup-compatibility/2006" xmlns:p14="http://schemas.microsoft.com/office/powerpoint/2010/main">
+    <mc:Choice Requires="p14">
       <p:transition spd="slow" p14:dur="2000"/>
     </mc:Choice>
-    <mc:Fallback>
+    <mc:Fallback xmlns="">
       <p:transition spd="slow"/>
     </mc:Fallback>
   </mc:AlternateContent>
@@ -11699,76 +11697,45 @@
           <a:chExt cx="0" cy="0"/>
         </a:xfrm>
       </p:grpSpPr>
-      <p:sp>
-        <p:nvSpPr>
-          <p:cNvPr id="2" name="Titre 1"/>
-          <p:cNvSpPr>
-            <a:spLocks noGrp="1"/>
-          </p:cNvSpPr>
-          <p:nvPr>
-            <p:ph type="title"/>
-          </p:nvPr>
-        </p:nvSpPr>
-        <p:spPr/>
-        <p:txBody>
-          <a:bodyPr/>
-          <a:lstStyle/>
-          <a:p>
-            <a:r>
-              <a:rPr lang="fr-FR" dirty="0" smtClean="0"/>
-              <a:t>Test d’intégration du prototype</a:t>
-            </a:r>
-            <a:endParaRPr lang="fr-FR" dirty="0"/>
-          </a:p>
-        </p:txBody>
-      </p:sp>
-      <p:sp>
-        <p:nvSpPr>
-          <p:cNvPr id="3" name="Espace réservé du contenu 2"/>
-          <p:cNvSpPr>
-            <a:spLocks noGrp="1"/>
-          </p:cNvSpPr>
-          <p:nvPr>
-            <p:ph idx="1"/>
-          </p:nvPr>
-        </p:nvSpPr>
-        <p:spPr/>
-        <p:txBody>
-          <a:bodyPr/>
-          <a:lstStyle/>
-          <a:p>
-            <a:pPr marL="0" indent="0">
-              <a:buNone/>
-            </a:pPr>
-            <a:r>
-              <a:rPr lang="fr-FR" dirty="0" smtClean="0"/>
-              <a:t>Voici </a:t>
-            </a:r>
-            <a:r>
-              <a:rPr lang="fr-FR" dirty="0"/>
-              <a:t>le cahier de test d’intégration qui sera validé dans chaque partie individuelle par des tests unitaires. </a:t>
-            </a:r>
-          </a:p>
-          <a:p>
-            <a:endParaRPr lang="fr-FR" dirty="0"/>
-          </a:p>
-        </p:txBody>
-      </p:sp>
+      <p:pic>
+        <p:nvPicPr>
+          <p:cNvPr id="4" name="Image 3"/>
+          <p:cNvPicPr>
+            <a:picLocks noChangeAspect="1"/>
+          </p:cNvPicPr>
+          <p:nvPr/>
+        </p:nvPicPr>
+        <p:blipFill>
+          <a:blip r:embed="rId2"/>
+          <a:stretch>
+            <a:fillRect/>
+          </a:stretch>
+        </p:blipFill>
+        <p:spPr>
+          <a:xfrm>
+            <a:off x="2908953" y="2514600"/>
+            <a:ext cx="5143500" cy="3657600"/>
+          </a:xfrm>
+          <a:prstGeom prst="rect">
+            <a:avLst/>
+          </a:prstGeom>
+        </p:spPr>
+      </p:pic>
     </p:spTree>
     <p:extLst>
       <p:ext uri="{BB962C8B-B14F-4D97-AF65-F5344CB8AC3E}">
-        <p14:creationId xmlns:p14="http://schemas.microsoft.com/office/powerpoint/2010/main" val="2182160540"/>
+        <p14:creationId xmlns:p14="http://schemas.microsoft.com/office/powerpoint/2010/main" val="3023766590"/>
       </p:ext>
     </p:extLst>
   </p:cSld>
   <p:clrMapOvr>
     <a:masterClrMapping/>
   </p:clrMapOvr>
-  <mc:AlternateContent xmlns:mc="http://schemas.openxmlformats.org/markup-compatibility/2006">
-    <mc:Choice xmlns:p14="http://schemas.microsoft.com/office/powerpoint/2010/main" Requires="p14">
+  <mc:AlternateContent xmlns:mc="http://schemas.openxmlformats.org/markup-compatibility/2006" xmlns:p14="http://schemas.microsoft.com/office/powerpoint/2010/main">
+    <mc:Choice Requires="p14">
       <p:transition spd="slow" p14:dur="2000"/>
     </mc:Choice>
-    <mc:Fallback>
+    <mc:Fallback xmlns="">
       <p:transition spd="slow"/>
     </mc:Fallback>
   </mc:AlternateContent>
@@ -11808,8 +11775,8 @@
         </p:blipFill>
         <p:spPr>
           <a:xfrm>
-            <a:off x="2908953" y="2514600"/>
-            <a:ext cx="5143500" cy="3657600"/>
+            <a:off x="2614523" y="2517137"/>
+            <a:ext cx="5800725" cy="3857625"/>
           </a:xfrm>
           <a:prstGeom prst="rect">
             <a:avLst/>
@@ -11819,18 +11786,18 @@
     </p:spTree>
     <p:extLst>
       <p:ext uri="{BB962C8B-B14F-4D97-AF65-F5344CB8AC3E}">
-        <p14:creationId xmlns:p14="http://schemas.microsoft.com/office/powerpoint/2010/main" val="3023766590"/>
+        <p14:creationId xmlns:p14="http://schemas.microsoft.com/office/powerpoint/2010/main" val="2603919722"/>
       </p:ext>
     </p:extLst>
   </p:cSld>
   <p:clrMapOvr>
     <a:masterClrMapping/>
   </p:clrMapOvr>
-  <mc:AlternateContent xmlns:mc="http://schemas.openxmlformats.org/markup-compatibility/2006">
-    <mc:Choice xmlns:p14="http://schemas.microsoft.com/office/powerpoint/2010/main" Requires="p14">
+  <mc:AlternateContent xmlns:mc="http://schemas.openxmlformats.org/markup-compatibility/2006" xmlns:p14="http://schemas.microsoft.com/office/powerpoint/2010/main">
+    <mc:Choice Requires="p14">
       <p:transition spd="slow" p14:dur="2000"/>
     </mc:Choice>
-    <mc:Fallback>
+    <mc:Fallback xmlns="">
       <p:transition spd="slow"/>
     </mc:Fallback>
   </mc:AlternateContent>
@@ -11870,8 +11837,8 @@
         </p:blipFill>
         <p:spPr>
           <a:xfrm>
-            <a:off x="2614523" y="2517137"/>
-            <a:ext cx="5800725" cy="3857625"/>
+            <a:off x="2797769" y="2292143"/>
+            <a:ext cx="5810250" cy="3829050"/>
           </a:xfrm>
           <a:prstGeom prst="rect">
             <a:avLst/>
@@ -11881,18 +11848,18 @@
     </p:spTree>
     <p:extLst>
       <p:ext uri="{BB962C8B-B14F-4D97-AF65-F5344CB8AC3E}">
-        <p14:creationId xmlns:p14="http://schemas.microsoft.com/office/powerpoint/2010/main" val="2603919722"/>
+        <p14:creationId xmlns:p14="http://schemas.microsoft.com/office/powerpoint/2010/main" val="2194532817"/>
       </p:ext>
     </p:extLst>
   </p:cSld>
   <p:clrMapOvr>
     <a:masterClrMapping/>
   </p:clrMapOvr>
-  <mc:AlternateContent xmlns:mc="http://schemas.openxmlformats.org/markup-compatibility/2006">
-    <mc:Choice xmlns:p14="http://schemas.microsoft.com/office/powerpoint/2010/main" Requires="p14">
+  <mc:AlternateContent xmlns:mc="http://schemas.openxmlformats.org/markup-compatibility/2006" xmlns:p14="http://schemas.microsoft.com/office/powerpoint/2010/main">
+    <mc:Choice Requires="p14">
       <p:transition spd="slow" p14:dur="2000"/>
     </mc:Choice>
-    <mc:Fallback>
+    <mc:Fallback xmlns="">
       <p:transition spd="slow"/>
     </mc:Fallback>
   </mc:AlternateContent>
@@ -11932,8 +11899,8 @@
         </p:blipFill>
         <p:spPr>
           <a:xfrm>
-            <a:off x="2797769" y="2292143"/>
-            <a:ext cx="5810250" cy="3829050"/>
+            <a:off x="2715114" y="2306831"/>
+            <a:ext cx="5838825" cy="3543300"/>
           </a:xfrm>
           <a:prstGeom prst="rect">
             <a:avLst/>
@@ -11943,18 +11910,18 @@
     </p:spTree>
     <p:extLst>
       <p:ext uri="{BB962C8B-B14F-4D97-AF65-F5344CB8AC3E}">
-        <p14:creationId xmlns:p14="http://schemas.microsoft.com/office/powerpoint/2010/main" val="2194532817"/>
+        <p14:creationId xmlns:p14="http://schemas.microsoft.com/office/powerpoint/2010/main" val="3240668456"/>
       </p:ext>
     </p:extLst>
   </p:cSld>
   <p:clrMapOvr>
     <a:masterClrMapping/>
   </p:clrMapOvr>
-  <mc:AlternateContent xmlns:mc="http://schemas.openxmlformats.org/markup-compatibility/2006">
-    <mc:Choice xmlns:p14="http://schemas.microsoft.com/office/powerpoint/2010/main" Requires="p14">
+  <mc:AlternateContent xmlns:mc="http://schemas.openxmlformats.org/markup-compatibility/2006" xmlns:p14="http://schemas.microsoft.com/office/powerpoint/2010/main">
+    <mc:Choice Requires="p14">
       <p:transition spd="slow" p14:dur="2000"/>
     </mc:Choice>
-    <mc:Fallback>
+    <mc:Fallback xmlns="">
       <p:transition spd="slow"/>
     </mc:Fallback>
   </mc:AlternateContent>
@@ -12080,45 +12047,77 @@
           <a:chExt cx="0" cy="0"/>
         </a:xfrm>
       </p:grpSpPr>
-      <p:pic>
-        <p:nvPicPr>
-          <p:cNvPr id="4" name="Image 3"/>
-          <p:cNvPicPr>
-            <a:picLocks noChangeAspect="1"/>
-          </p:cNvPicPr>
-          <p:nvPr/>
-        </p:nvPicPr>
-        <p:blipFill>
-          <a:blip r:embed="rId2"/>
-          <a:stretch>
-            <a:fillRect/>
-          </a:stretch>
-        </p:blipFill>
-        <p:spPr>
-          <a:xfrm>
-            <a:off x="2715114" y="2306831"/>
-            <a:ext cx="5838825" cy="3543300"/>
-          </a:xfrm>
-          <a:prstGeom prst="rect">
-            <a:avLst/>
-          </a:prstGeom>
-        </p:spPr>
-      </p:pic>
+      <p:sp>
+        <p:nvSpPr>
+          <p:cNvPr id="2" name="Titre 1"/>
+          <p:cNvSpPr>
+            <a:spLocks noGrp="1"/>
+          </p:cNvSpPr>
+          <p:nvPr>
+            <p:ph type="title"/>
+          </p:nvPr>
+        </p:nvSpPr>
+        <p:spPr/>
+        <p:txBody>
+          <a:bodyPr/>
+          <a:lstStyle/>
+          <a:p>
+            <a:r>
+              <a:rPr lang="fr-FR" dirty="0" smtClean="0"/>
+              <a:t>Avancements et conclusion</a:t>
+            </a:r>
+            <a:endParaRPr lang="fr-FR" dirty="0"/>
+          </a:p>
+        </p:txBody>
+      </p:sp>
+      <p:sp>
+        <p:nvSpPr>
+          <p:cNvPr id="3" name="Espace réservé du contenu 2"/>
+          <p:cNvSpPr>
+            <a:spLocks noGrp="1"/>
+          </p:cNvSpPr>
+          <p:nvPr>
+            <p:ph idx="1"/>
+          </p:nvPr>
+        </p:nvSpPr>
+        <p:spPr/>
+        <p:txBody>
+          <a:bodyPr/>
+          <a:lstStyle/>
+          <a:p>
+            <a:pPr marL="0" indent="0">
+              <a:buNone/>
+            </a:pPr>
+            <a:r>
+              <a:rPr lang="fr-FR" dirty="0"/>
+              <a:t>Nous pouvons constater actuellement que l’analyse nous a retardés dans l’avancement du projet cependant cela nous a permis de mieux nous rendre compte de la complexité du projet. Nous savons désormais que nous partons dans la bonne direction. La préparation du projet afin de faciliter le travail en équipe a également pris du temps, mais nous commençons à bien maitriser le </a:t>
+            </a:r>
+            <a:r>
+              <a:rPr lang="fr-FR" dirty="0" err="1"/>
+              <a:t>versionning</a:t>
+            </a:r>
+            <a:r>
+              <a:rPr lang="fr-FR" dirty="0"/>
+              <a:t> ainsi que le travail collaboratif. Les délais d’attente pour recevoir les composants nous empêchent d’avancer sur certains points d’où </a:t>
+            </a:r>
+          </a:p>
+        </p:txBody>
+      </p:sp>
     </p:spTree>
     <p:extLst>
       <p:ext uri="{BB962C8B-B14F-4D97-AF65-F5344CB8AC3E}">
-        <p14:creationId xmlns:p14="http://schemas.microsoft.com/office/powerpoint/2010/main" val="3240668456"/>
+        <p14:creationId xmlns:p14="http://schemas.microsoft.com/office/powerpoint/2010/main" val="1360733732"/>
       </p:ext>
     </p:extLst>
   </p:cSld>
   <p:clrMapOvr>
     <a:masterClrMapping/>
   </p:clrMapOvr>
-  <mc:AlternateContent xmlns:mc="http://schemas.openxmlformats.org/markup-compatibility/2006">
-    <mc:Choice xmlns:p14="http://schemas.microsoft.com/office/powerpoint/2010/main" Requires="p14">
+  <mc:AlternateContent xmlns:mc="http://schemas.openxmlformats.org/markup-compatibility/2006" xmlns:p14="http://schemas.microsoft.com/office/powerpoint/2010/main">
+    <mc:Choice Requires="p14">
       <p:transition spd="slow" p14:dur="2000"/>
     </mc:Choice>
-    <mc:Fallback>
+    <mc:Fallback xmlns="">
       <p:transition spd="slow"/>
     </mc:Fallback>
   </mc:AlternateContent>
@@ -12144,12 +12143,12 @@
       </p:grpSpPr>
       <p:sp>
         <p:nvSpPr>
-          <p:cNvPr id="2" name="Titre 1"/>
-          <p:cNvSpPr>
-            <a:spLocks noGrp="1"/>
-          </p:cNvSpPr>
-          <p:nvPr>
-            <p:ph type="title"/>
+          <p:cNvPr id="3" name="Espace réservé du contenu 2"/>
+          <p:cNvSpPr>
+            <a:spLocks noGrp="1"/>
+          </p:cNvSpPr>
+          <p:nvPr>
+            <p:ph idx="1"/>
           </p:nvPr>
         </p:nvSpPr>
         <p:spPr/>
@@ -12157,35 +12156,12 @@
           <a:bodyPr/>
           <a:lstStyle/>
           <a:p>
-            <a:r>
-              <a:rPr lang="fr-FR" dirty="0" smtClean="0"/>
-              <a:t>Avancements et conclusion</a:t>
-            </a:r>
-            <a:endParaRPr lang="fr-FR" dirty="0"/>
-          </a:p>
-        </p:txBody>
-      </p:sp>
-      <p:sp>
-        <p:nvSpPr>
-          <p:cNvPr id="3" name="Espace réservé du contenu 2"/>
-          <p:cNvSpPr>
-            <a:spLocks noGrp="1"/>
-          </p:cNvSpPr>
-          <p:nvPr>
-            <p:ph idx="1"/>
-          </p:nvPr>
-        </p:nvSpPr>
-        <p:spPr/>
-        <p:txBody>
-          <a:bodyPr/>
-          <a:lstStyle/>
-          <a:p>
             <a:pPr marL="0" indent="0">
               <a:buNone/>
             </a:pPr>
             <a:r>
               <a:rPr lang="fr-FR" dirty="0"/>
-              <a:t>Nous pouvons constater actuellement que l’analyse nous a retardés dans l’avancement du projet cependant cela nous a permis de mieux nous rendre compte de la complexité du projet. Nous savons désormais que nous partons dans la bonne direction. La préparation du projet afin de faciliter le travail en équipe a également pris du temps, mais nous commençons à bien maitriser le </a:t>
+              <a:t>l’obligation pour le moment de simuler. Néanmoins la chaine d’information circule correctement de bout en bout. La préparation au travail en groupe nous a permis de nous rendre compte des points sensibles à appréhender pour travailler dans de bonnes conditions (partages des classes, </a:t>
             </a:r>
             <a:r>
               <a:rPr lang="fr-FR" dirty="0" err="1"/>
@@ -12193,7 +12169,7 @@
             </a:r>
             <a:r>
               <a:rPr lang="fr-FR" dirty="0"/>
-              <a:t> ainsi que le travail collaboratif. Les délais d’attente pour recevoir les composants nous empêchent d’avancer sur certains points d’où </a:t>
+              <a:t> et partage de l’analyse). Nous avons rencontré d’autres problèmes techniques qui sont détaillés dans les parties individuelles notamment en ce qui concerne (insérer multiples problèmes). Ces choix ont été réalisés dans le but de contourner les contraintes rencontrées tout en respectant au mieux la demande du client. </a:t>
             </a:r>
           </a:p>
         </p:txBody>
@@ -12201,18 +12177,18 @@
     </p:spTree>
     <p:extLst>
       <p:ext uri="{BB962C8B-B14F-4D97-AF65-F5344CB8AC3E}">
-        <p14:creationId xmlns:p14="http://schemas.microsoft.com/office/powerpoint/2010/main" val="1360733732"/>
+        <p14:creationId xmlns:p14="http://schemas.microsoft.com/office/powerpoint/2010/main" val="3824126596"/>
       </p:ext>
     </p:extLst>
   </p:cSld>
   <p:clrMapOvr>
     <a:masterClrMapping/>
   </p:clrMapOvr>
-  <mc:AlternateContent xmlns:mc="http://schemas.openxmlformats.org/markup-compatibility/2006">
-    <mc:Choice xmlns:p14="http://schemas.microsoft.com/office/powerpoint/2010/main" Requires="p14">
+  <mc:AlternateContent xmlns:mc="http://schemas.openxmlformats.org/markup-compatibility/2006" xmlns:p14="http://schemas.microsoft.com/office/powerpoint/2010/main">
+    <mc:Choice Requires="p14">
       <p:transition spd="slow" p14:dur="2000"/>
     </mc:Choice>
-    <mc:Fallback>
+    <mc:Fallback xmlns="">
       <p:transition spd="slow"/>
     </mc:Fallback>
   </mc:AlternateContent>
@@ -12220,7 +12196,7 @@
 </file>
 
 <file path=ppt/slides/slide52.xml><?xml version="1.0" encoding="utf-8"?>
-<p:sld xmlns:a="http://schemas.openxmlformats.org/drawingml/2006/main" xmlns:r="http://schemas.openxmlformats.org/officeDocument/2006/relationships" xmlns:p="http://schemas.openxmlformats.org/presentationml/2006/main" show="0">
+<p:sld xmlns:a="http://schemas.openxmlformats.org/drawingml/2006/main" xmlns:r="http://schemas.openxmlformats.org/officeDocument/2006/relationships" xmlns:p="http://schemas.openxmlformats.org/presentationml/2006/main">
   <p:cSld>
     <p:spTree>
       <p:nvGrpSpPr>
@@ -12238,6 +12214,34 @@
       </p:grpSpPr>
       <p:sp>
         <p:nvSpPr>
+          <p:cNvPr id="2" name="Titre 1"/>
+          <p:cNvSpPr>
+            <a:spLocks noGrp="1"/>
+          </p:cNvSpPr>
+          <p:nvPr>
+            <p:ph type="title"/>
+          </p:nvPr>
+        </p:nvSpPr>
+        <p:spPr/>
+        <p:txBody>
+          <a:bodyPr>
+            <a:normAutofit fontScale="90000"/>
+          </a:bodyPr>
+          <a:lstStyle/>
+          <a:p>
+            <a:r>
+              <a:rPr lang="fr-FR" dirty="0"/>
+              <a:t>Partie 2: Présentation de la partie individuelle.</a:t>
+            </a:r>
+            <a:br>
+              <a:rPr lang="fr-FR" dirty="0"/>
+            </a:br>
+            <a:endParaRPr lang="fr-FR" dirty="0"/>
+          </a:p>
+        </p:txBody>
+      </p:sp>
+      <p:sp>
+        <p:nvSpPr>
           <p:cNvPr id="3" name="Espace réservé du contenu 2"/>
           <p:cNvSpPr>
             <a:spLocks noGrp="1"/>
@@ -12251,42 +12255,20 @@
           <a:bodyPr/>
           <a:lstStyle/>
           <a:p>
-            <a:pPr marL="0" indent="0">
-              <a:buNone/>
-            </a:pPr>
-            <a:r>
-              <a:rPr lang="fr-FR" dirty="0"/>
-              <a:t>l’obligation pour le moment de simuler. Néanmoins la chaine d’information circule correctement de bout en bout. La préparation au travail en groupe nous a permis de nous rendre compte des points sensibles à appréhender pour travailler dans de bonnes conditions (partages des classes, </a:t>
-            </a:r>
-            <a:r>
-              <a:rPr lang="fr-FR" dirty="0" err="1"/>
-              <a:t>versionning</a:t>
-            </a:r>
-            <a:r>
-              <a:rPr lang="fr-FR" dirty="0"/>
-              <a:t> et partage de l’analyse). Nous avons rencontré d’autres problèmes techniques qui sont détaillés dans les parties individuelles notamment en ce qui concerne (insérer multiples problèmes). Ces choix ont été réalisés dans le but de contourner les contraintes rencontrées tout en respectant au mieux la demande du client. </a:t>
-            </a:r>
+            <a:endParaRPr lang="fr-FR"/>
           </a:p>
         </p:txBody>
       </p:sp>
     </p:spTree>
     <p:extLst>
       <p:ext uri="{BB962C8B-B14F-4D97-AF65-F5344CB8AC3E}">
-        <p14:creationId xmlns:p14="http://schemas.microsoft.com/office/powerpoint/2010/main" val="3824126596"/>
+        <p14:creationId xmlns:p14="http://schemas.microsoft.com/office/powerpoint/2010/main" val="188006270"/>
       </p:ext>
     </p:extLst>
   </p:cSld>
   <p:clrMapOvr>
     <a:masterClrMapping/>
   </p:clrMapOvr>
-  <mc:AlternateContent xmlns:mc="http://schemas.openxmlformats.org/markup-compatibility/2006">
-    <mc:Choice xmlns:p14="http://schemas.microsoft.com/office/powerpoint/2010/main" Requires="p14">
-      <p:transition spd="slow" p14:dur="2000"/>
-    </mc:Choice>
-    <mc:Fallback>
-      <p:transition spd="slow"/>
-    </mc:Fallback>
-  </mc:AlternateContent>
 </p:sld>
 </file>
 
@@ -12319,45 +12301,91 @@
         </p:nvSpPr>
         <p:spPr/>
         <p:txBody>
+          <a:bodyPr/>
+          <a:lstStyle/>
+          <a:p>
+            <a:r>
+              <a:rPr lang="fr-FR" dirty="0" smtClean="0"/>
+              <a:t>Diagramme de cas d’utilisation détaillé</a:t>
+            </a:r>
+            <a:endParaRPr lang="fr-FR" dirty="0"/>
+          </a:p>
+        </p:txBody>
+      </p:sp>
+      <p:sp>
+        <p:nvSpPr>
+          <p:cNvPr id="5" name="Rectangle 4"/>
+          <p:cNvSpPr/>
+          <p:nvPr/>
+        </p:nvSpPr>
+        <p:spPr>
+          <a:xfrm>
+            <a:off x="2109977" y="6101696"/>
+            <a:ext cx="6096000" cy="685059"/>
+          </a:xfrm>
+          <a:prstGeom prst="rect">
+            <a:avLst/>
+          </a:prstGeom>
+        </p:spPr>
+        <p:txBody>
           <a:bodyPr>
-            <a:normAutofit fontScale="90000"/>
+            <a:spAutoFit/>
           </a:bodyPr>
           <a:lstStyle/>
           <a:p>
-            <a:r>
-              <a:rPr lang="fr-FR" dirty="0"/>
-              <a:t>Partie 2: Présentation de la partie individuelle.</a:t>
-            </a:r>
-            <a:br>
-              <a:rPr lang="fr-FR" dirty="0"/>
-            </a:br>
-            <a:endParaRPr lang="fr-FR" dirty="0"/>
-          </a:p>
-        </p:txBody>
-      </p:sp>
-      <p:sp>
-        <p:nvSpPr>
-          <p:cNvPr id="3" name="Espace réservé du contenu 2"/>
-          <p:cNvSpPr>
-            <a:spLocks noGrp="1"/>
-          </p:cNvSpPr>
-          <p:nvPr>
-            <p:ph idx="1"/>
-          </p:nvPr>
-        </p:nvSpPr>
-        <p:spPr/>
-        <p:txBody>
-          <a:bodyPr/>
-          <a:lstStyle/>
-          <a:p>
-            <a:endParaRPr lang="fr-FR"/>
-          </a:p>
-        </p:txBody>
-      </p:sp>
+            <a:pPr algn="ctr">
+              <a:lnSpc>
+                <a:spcPct val="107000"/>
+              </a:lnSpc>
+              <a:spcAft>
+                <a:spcPts val="800"/>
+              </a:spcAft>
+            </a:pPr>
+            <a:r>
+              <a:rPr lang="fr-FR" dirty="0">
+                <a:latin typeface="Calibri" panose="020F0502020204030204" pitchFamily="34" charset="0"/>
+                <a:ea typeface="Calibri" panose="020F0502020204030204" pitchFamily="34" charset="0"/>
+                <a:cs typeface="Times New Roman" panose="02020603050405020304" pitchFamily="18" charset="0"/>
+              </a:rPr>
+              <a:t>Les différentes bulles représentent les fonctionnalités que propose le système.</a:t>
+            </a:r>
+            <a:endParaRPr lang="fr-FR" sz="1600" dirty="0">
+              <a:effectLst/>
+              <a:latin typeface="Calibri" panose="020F0502020204030204" pitchFamily="34" charset="0"/>
+              <a:ea typeface="Calibri" panose="020F0502020204030204" pitchFamily="34" charset="0"/>
+              <a:cs typeface="Times New Roman" panose="02020603050405020304" pitchFamily="18" charset="0"/>
+            </a:endParaRPr>
+          </a:p>
+        </p:txBody>
+      </p:sp>
+      <p:pic>
+        <p:nvPicPr>
+          <p:cNvPr id="3" name="Image 2"/>
+          <p:cNvPicPr>
+            <a:picLocks noChangeAspect="1"/>
+          </p:cNvPicPr>
+          <p:nvPr/>
+        </p:nvPicPr>
+        <p:blipFill>
+          <a:blip r:embed="rId2"/>
+          <a:stretch>
+            <a:fillRect/>
+          </a:stretch>
+        </p:blipFill>
+        <p:spPr>
+          <a:xfrm>
+            <a:off x="1782730" y="2123222"/>
+            <a:ext cx="7087805" cy="3978474"/>
+          </a:xfrm>
+          <a:prstGeom prst="rect">
+            <a:avLst/>
+          </a:prstGeom>
+        </p:spPr>
+      </p:pic>
     </p:spTree>
     <p:extLst>
       <p:ext uri="{BB962C8B-B14F-4D97-AF65-F5344CB8AC3E}">
-        <p14:creationId xmlns:p14="http://schemas.microsoft.com/office/powerpoint/2010/main" val="188006270"/>
+        <p14:creationId xmlns:p14="http://schemas.microsoft.com/office/powerpoint/2010/main" val="2091273352"/>
       </p:ext>
     </p:extLst>
   </p:cSld>
@@ -12386,12 +12414,12 @@
       </p:grpSpPr>
       <p:sp>
         <p:nvSpPr>
-          <p:cNvPr id="2" name="Titre 1"/>
-          <p:cNvSpPr>
-            <a:spLocks noGrp="1"/>
-          </p:cNvSpPr>
-          <p:nvPr>
-            <p:ph type="title"/>
+          <p:cNvPr id="3" name="Espace réservé du contenu 2"/>
+          <p:cNvSpPr>
+            <a:spLocks noGrp="1"/>
+          </p:cNvSpPr>
+          <p:nvPr>
+            <p:ph idx="1"/>
           </p:nvPr>
         </p:nvSpPr>
         <p:spPr/>
@@ -12399,97 +12427,30 @@
           <a:bodyPr/>
           <a:lstStyle/>
           <a:p>
+            <a:pPr marL="0" indent="0">
+              <a:buNone/>
+            </a:pPr>
             <a:r>
               <a:rPr lang="fr-FR" dirty="0" smtClean="0"/>
-              <a:t>Diagramme de cas d’utilisation détaillé</a:t>
-            </a:r>
+              <a:t>Une </a:t>
+            </a:r>
+            <a:r>
+              <a:rPr lang="fr-FR" dirty="0"/>
+              <a:t>fois connecté à l’appli, l’user a accès aux fonctionnalités de l’appli tel que la visualisation de ses bateaux, la visualisation de ses anomalies, afficher l’historique des données de ses bateaux.</a:t>
+            </a:r>
+          </a:p>
+          <a:p>
             <a:endParaRPr lang="fr-FR" dirty="0"/>
           </a:p>
-        </p:txBody>
-      </p:sp>
-      <p:pic>
-        <p:nvPicPr>
-          <p:cNvPr id="4" name="Image 3" descr="C:\Users\Arthur Brice\Documents\GitHub\Babou_Marine\Diagramme\Arthur\Nouveau\use case.png"/>
-          <p:cNvPicPr/>
-          <p:nvPr/>
-        </p:nvPicPr>
-        <p:blipFill>
-          <a:blip r:embed="rId2">
-            <a:extLst>
-              <a:ext uri="{28A0092B-C50C-407E-A947-70E740481C1C}">
-                <a14:useLocalDpi xmlns:a14="http://schemas.microsoft.com/office/drawing/2010/main" val="0"/>
-              </a:ext>
-            </a:extLst>
-          </a:blip>
-          <a:srcRect/>
-          <a:stretch>
-            <a:fillRect/>
-          </a:stretch>
-        </p:blipFill>
-        <p:spPr bwMode="auto">
-          <a:xfrm>
-            <a:off x="1214683" y="2063051"/>
-            <a:ext cx="7886588" cy="4038645"/>
-          </a:xfrm>
-          <a:prstGeom prst="rect">
-            <a:avLst/>
-          </a:prstGeom>
-          <a:noFill/>
-          <a:ln>
-            <a:noFill/>
-          </a:ln>
-        </p:spPr>
-      </p:pic>
-      <p:sp>
-        <p:nvSpPr>
-          <p:cNvPr id="5" name="Rectangle 4"/>
-          <p:cNvSpPr/>
-          <p:nvPr/>
-        </p:nvSpPr>
-        <p:spPr>
-          <a:xfrm>
-            <a:off x="2109977" y="6101696"/>
-            <a:ext cx="6096000" cy="685059"/>
-          </a:xfrm>
-          <a:prstGeom prst="rect">
-            <a:avLst/>
-          </a:prstGeom>
-        </p:spPr>
-        <p:txBody>
-          <a:bodyPr>
-            <a:spAutoFit/>
-          </a:bodyPr>
-          <a:lstStyle/>
-          <a:p>
-            <a:pPr algn="ctr">
-              <a:lnSpc>
-                <a:spcPct val="107000"/>
-              </a:lnSpc>
-              <a:spcAft>
-                <a:spcPts val="800"/>
-              </a:spcAft>
-            </a:pPr>
-            <a:r>
-              <a:rPr lang="fr-FR" dirty="0">
-                <a:latin typeface="Calibri" panose="020F0502020204030204" pitchFamily="34" charset="0"/>
-                <a:ea typeface="Calibri" panose="020F0502020204030204" pitchFamily="34" charset="0"/>
-                <a:cs typeface="Times New Roman" panose="02020603050405020304" pitchFamily="18" charset="0"/>
-              </a:rPr>
-              <a:t>Les différentes bulles représentent les fonctionnalités que propose le système.</a:t>
-            </a:r>
-            <a:endParaRPr lang="fr-FR" sz="1600" dirty="0">
-              <a:effectLst/>
-              <a:latin typeface="Calibri" panose="020F0502020204030204" pitchFamily="34" charset="0"/>
-              <a:ea typeface="Calibri" panose="020F0502020204030204" pitchFamily="34" charset="0"/>
-              <a:cs typeface="Times New Roman" panose="02020603050405020304" pitchFamily="18" charset="0"/>
-            </a:endParaRPr>
+          <a:p>
+            <a:endParaRPr lang="fr-FR" dirty="0"/>
           </a:p>
         </p:txBody>
       </p:sp>
     </p:spTree>
     <p:extLst>
       <p:ext uri="{BB962C8B-B14F-4D97-AF65-F5344CB8AC3E}">
-        <p14:creationId xmlns:p14="http://schemas.microsoft.com/office/powerpoint/2010/main" val="2091273352"/>
+        <p14:creationId xmlns:p14="http://schemas.microsoft.com/office/powerpoint/2010/main" val="748676560"/>
       </p:ext>
     </p:extLst>
   </p:cSld>
@@ -12518,6 +12479,29 @@
       </p:grpSpPr>
       <p:sp>
         <p:nvSpPr>
+          <p:cNvPr id="2" name="Titre 1"/>
+          <p:cNvSpPr>
+            <a:spLocks noGrp="1"/>
+          </p:cNvSpPr>
+          <p:nvPr>
+            <p:ph type="title"/>
+          </p:nvPr>
+        </p:nvSpPr>
+        <p:spPr/>
+        <p:txBody>
+          <a:bodyPr/>
+          <a:lstStyle/>
+          <a:p>
+            <a:r>
+              <a:rPr lang="fr-FR" dirty="0" smtClean="0"/>
+              <a:t>Module de test, connexion à l’IHM</a:t>
+            </a:r>
+            <a:endParaRPr lang="fr-FR" dirty="0"/>
+          </a:p>
+        </p:txBody>
+      </p:sp>
+      <p:sp>
+        <p:nvSpPr>
           <p:cNvPr id="3" name="Espace réservé du contenu 2"/>
           <p:cNvSpPr>
             <a:spLocks noGrp="1"/>
@@ -12526,7 +12510,12 @@
             <p:ph idx="1"/>
           </p:nvPr>
         </p:nvSpPr>
-        <p:spPr/>
+        <p:spPr>
+          <a:xfrm>
+            <a:off x="680320" y="2336873"/>
+            <a:ext cx="9613861" cy="3599316"/>
+          </a:xfrm>
+        </p:spPr>
         <p:txBody>
           <a:bodyPr/>
           <a:lstStyle/>
@@ -12536,12 +12525,17 @@
             </a:pPr>
             <a:r>
               <a:rPr lang="fr-FR" dirty="0"/>
-              <a:t>On peut voir que le user arrive sur la page il doit tout d’abord se connecter à l’appli web, si il ne possède pas de comptes sur l’appli web, il devra s’inscrire via le formulaire de connexion</a:t>
-            </a:r>
-            <a:r>
-              <a:rPr lang="fr-FR" dirty="0" smtClean="0"/>
-              <a:t>.</a:t>
-            </a:r>
+              <a:t>Ce module de test a pour but de confirmer la fonctionnalité de connexion à l’appli web.</a:t>
+            </a:r>
+          </a:p>
+          <a:p>
+            <a:endParaRPr lang="fr-FR" dirty="0" smtClean="0"/>
+          </a:p>
+          <a:p>
+            <a:endParaRPr lang="fr-FR" dirty="0"/>
+          </a:p>
+          <a:p>
+            <a:endParaRPr lang="fr-FR" dirty="0" smtClean="0"/>
           </a:p>
           <a:p>
             <a:pPr marL="0" indent="0">
@@ -12549,21 +12543,46 @@
             </a:pPr>
             <a:r>
               <a:rPr lang="fr-FR" dirty="0"/>
-              <a:t>Une fois connecté à l’appli, l’user a accès aux fonctionnalités de l’appli tel que la visualisation de ses bateaux, la visualisation de ses anomalies, afficher l’historique des données de ses bateaux.</a:t>
+              <a:t>Pour réaliser cette fonctionnalité j’utilise un serveur Apache2 accompagné d’un module PHP. L’IHM va permettre de à l’utilisateur de se connecter et d’accéder aux fonctionnalités dont ils disposent sur l’appli.</a:t>
             </a:r>
           </a:p>
           <a:p>
             <a:endParaRPr lang="fr-FR" dirty="0"/>
           </a:p>
-          <a:p>
-            <a:endParaRPr lang="fr-FR" dirty="0"/>
-          </a:p>
-        </p:txBody>
-      </p:sp>
+        </p:txBody>
+      </p:sp>
+      <p:pic>
+        <p:nvPicPr>
+          <p:cNvPr id="4" name="Image 3"/>
+          <p:cNvPicPr/>
+          <p:nvPr/>
+        </p:nvPicPr>
+        <p:blipFill>
+          <a:blip r:embed="rId2">
+            <a:extLst>
+              <a:ext uri="{28A0092B-C50C-407E-A947-70E740481C1C}">
+                <a14:useLocalDpi xmlns:a14="http://schemas.microsoft.com/office/drawing/2010/main" val="0"/>
+              </a:ext>
+            </a:extLst>
+          </a:blip>
+          <a:stretch>
+            <a:fillRect/>
+          </a:stretch>
+        </p:blipFill>
+        <p:spPr>
+          <a:xfrm>
+            <a:off x="1003419" y="3212606"/>
+            <a:ext cx="2876372" cy="1308119"/>
+          </a:xfrm>
+          <a:prstGeom prst="rect">
+            <a:avLst/>
+          </a:prstGeom>
+        </p:spPr>
+      </p:pic>
     </p:spTree>
     <p:extLst>
       <p:ext uri="{BB962C8B-B14F-4D97-AF65-F5344CB8AC3E}">
-        <p14:creationId xmlns:p14="http://schemas.microsoft.com/office/powerpoint/2010/main" val="748676560"/>
+        <p14:creationId xmlns:p14="http://schemas.microsoft.com/office/powerpoint/2010/main" val="2267521902"/>
       </p:ext>
     </p:extLst>
   </p:cSld>
@@ -12607,7 +12626,7 @@
           <a:p>
             <a:r>
               <a:rPr lang="fr-FR" dirty="0" smtClean="0"/>
-              <a:t>Module de test, connexion à l’IHM</a:t>
+              <a:t>Déploiement du module</a:t>
             </a:r>
             <a:endParaRPr lang="fr-FR" dirty="0"/>
           </a:p>
@@ -12623,12 +12642,7 @@
             <p:ph idx="1"/>
           </p:nvPr>
         </p:nvSpPr>
-        <p:spPr>
-          <a:xfrm>
-            <a:off x="680320" y="2336873"/>
-            <a:ext cx="9613861" cy="3599316"/>
-          </a:xfrm>
-        </p:spPr>
+        <p:spPr/>
         <p:txBody>
           <a:bodyPr/>
           <a:lstStyle/>
@@ -12638,25 +12652,7 @@
             </a:pPr>
             <a:r>
               <a:rPr lang="fr-FR" dirty="0"/>
-              <a:t>Ce module de test a pour but de confirmer la fonctionnalité de connexion à l’appli web.</a:t>
-            </a:r>
-          </a:p>
-          <a:p>
-            <a:endParaRPr lang="fr-FR" dirty="0" smtClean="0"/>
-          </a:p>
-          <a:p>
-            <a:endParaRPr lang="fr-FR" dirty="0"/>
-          </a:p>
-          <a:p>
-            <a:endParaRPr lang="fr-FR" dirty="0" smtClean="0"/>
-          </a:p>
-          <a:p>
-            <a:pPr marL="0" indent="0">
-              <a:buNone/>
-            </a:pPr>
-            <a:r>
-              <a:rPr lang="fr-FR" dirty="0"/>
-              <a:t>Pour réaliser cette fonctionnalité j’utilise un serveur Apache2 accompagné d’un module PHP. L’IHM va permettre de à l’utilisateur de se connecter et d’accéder aux fonctionnalités dont ils disposent sur l’appli.</a:t>
+              <a:t>Pour cette fonctionnalité, le logement se fera sur le module PHP.</a:t>
             </a:r>
           </a:p>
           <a:p>
@@ -12684,8 +12680,8 @@
         </p:blipFill>
         <p:spPr>
           <a:xfrm>
-            <a:off x="1003419" y="3212606"/>
-            <a:ext cx="2876372" cy="1308119"/>
+            <a:off x="848455" y="2934476"/>
+            <a:ext cx="5760720" cy="2404110"/>
           </a:xfrm>
           <a:prstGeom prst="rect">
             <a:avLst/>
@@ -12695,7 +12691,7 @@
     </p:spTree>
     <p:extLst>
       <p:ext uri="{BB962C8B-B14F-4D97-AF65-F5344CB8AC3E}">
-        <p14:creationId xmlns:p14="http://schemas.microsoft.com/office/powerpoint/2010/main" val="2267521902"/>
+        <p14:creationId xmlns:p14="http://schemas.microsoft.com/office/powerpoint/2010/main" val="4259891586"/>
       </p:ext>
     </p:extLst>
   </p:cSld>
@@ -12724,115 +12720,6 @@
       </p:grpSpPr>
       <p:sp>
         <p:nvSpPr>
-          <p:cNvPr id="2" name="Titre 1"/>
-          <p:cNvSpPr>
-            <a:spLocks noGrp="1"/>
-          </p:cNvSpPr>
-          <p:nvPr>
-            <p:ph type="title"/>
-          </p:nvPr>
-        </p:nvSpPr>
-        <p:spPr/>
-        <p:txBody>
-          <a:bodyPr/>
-          <a:lstStyle/>
-          <a:p>
-            <a:r>
-              <a:rPr lang="fr-FR" dirty="0" smtClean="0"/>
-              <a:t>Déploiement du module</a:t>
-            </a:r>
-            <a:endParaRPr lang="fr-FR" dirty="0"/>
-          </a:p>
-        </p:txBody>
-      </p:sp>
-      <p:sp>
-        <p:nvSpPr>
-          <p:cNvPr id="3" name="Espace réservé du contenu 2"/>
-          <p:cNvSpPr>
-            <a:spLocks noGrp="1"/>
-          </p:cNvSpPr>
-          <p:nvPr>
-            <p:ph idx="1"/>
-          </p:nvPr>
-        </p:nvSpPr>
-        <p:spPr/>
-        <p:txBody>
-          <a:bodyPr/>
-          <a:lstStyle/>
-          <a:p>
-            <a:pPr marL="0" indent="0">
-              <a:buNone/>
-            </a:pPr>
-            <a:r>
-              <a:rPr lang="fr-FR" dirty="0"/>
-              <a:t>Pour cette fonctionnalité, le logement se fera sur le module PHP.</a:t>
-            </a:r>
-          </a:p>
-          <a:p>
-            <a:endParaRPr lang="fr-FR" dirty="0"/>
-          </a:p>
-        </p:txBody>
-      </p:sp>
-      <p:pic>
-        <p:nvPicPr>
-          <p:cNvPr id="4" name="Image 3"/>
-          <p:cNvPicPr/>
-          <p:nvPr/>
-        </p:nvPicPr>
-        <p:blipFill>
-          <a:blip r:embed="rId2">
-            <a:extLst>
-              <a:ext uri="{28A0092B-C50C-407E-A947-70E740481C1C}">
-                <a14:useLocalDpi xmlns:a14="http://schemas.microsoft.com/office/drawing/2010/main" val="0"/>
-              </a:ext>
-            </a:extLst>
-          </a:blip>
-          <a:stretch>
-            <a:fillRect/>
-          </a:stretch>
-        </p:blipFill>
-        <p:spPr>
-          <a:xfrm>
-            <a:off x="848455" y="2934476"/>
-            <a:ext cx="5760720" cy="2404110"/>
-          </a:xfrm>
-          <a:prstGeom prst="rect">
-            <a:avLst/>
-          </a:prstGeom>
-        </p:spPr>
-      </p:pic>
-    </p:spTree>
-    <p:extLst>
-      <p:ext uri="{BB962C8B-B14F-4D97-AF65-F5344CB8AC3E}">
-        <p14:creationId xmlns:p14="http://schemas.microsoft.com/office/powerpoint/2010/main" val="4259891586"/>
-      </p:ext>
-    </p:extLst>
-  </p:cSld>
-  <p:clrMapOvr>
-    <a:masterClrMapping/>
-  </p:clrMapOvr>
-</p:sld>
-</file>
-
-<file path=ppt/slides/slide58.xml><?xml version="1.0" encoding="utf-8"?>
-<p:sld xmlns:a="http://schemas.openxmlformats.org/drawingml/2006/main" xmlns:r="http://schemas.openxmlformats.org/officeDocument/2006/relationships" xmlns:p="http://schemas.openxmlformats.org/presentationml/2006/main">
-  <p:cSld>
-    <p:spTree>
-      <p:nvGrpSpPr>
-        <p:cNvPr id="1" name=""/>
-        <p:cNvGrpSpPr/>
-        <p:nvPr/>
-      </p:nvGrpSpPr>
-      <p:grpSpPr>
-        <a:xfrm>
-          <a:off x="0" y="0"/>
-          <a:ext cx="0" cy="0"/>
-          <a:chOff x="0" y="0"/>
-          <a:chExt cx="0" cy="0"/>
-        </a:xfrm>
-      </p:grpSpPr>
-      <p:sp>
-        <p:nvSpPr>
           <p:cNvPr id="3" name="Espace réservé du contenu 2"/>
           <p:cNvSpPr>
             <a:spLocks noGrp="1"/>
@@ -12859,17 +12746,12 @@
               <a:buNone/>
             </a:pPr>
             <a:r>
+              <a:rPr lang="fr-FR" dirty="0" smtClean="0"/>
+              <a:t>Pour </a:t>
+            </a:r>
+            <a:r>
               <a:rPr lang="fr-FR" dirty="0"/>
-              <a:t>Par la suite, lorsque l’utilisateur se rend sur le site il pourra accéder au formulaire de connexion.</a:t>
-            </a:r>
-          </a:p>
-          <a:p>
-            <a:pPr marL="0" indent="0">
-              <a:buNone/>
-            </a:pPr>
-            <a:r>
-              <a:rPr lang="fr-FR" dirty="0"/>
-              <a:t>Pour procéder au test de la fonctionnalité, on se rend sur l’appli web et on se connecte via le formulaire de connexion. </a:t>
+              <a:t>procéder au test de la fonctionnalité, on se rend sur l’appli web et on se connecte via le formulaire de connexion. </a:t>
             </a:r>
           </a:p>
           <a:p>
@@ -12890,7 +12772,7 @@
 </p:sld>
 </file>
 
-<file path=ppt/slides/slide59.xml><?xml version="1.0" encoding="utf-8"?>
+<file path=ppt/slides/slide58.xml><?xml version="1.0" encoding="utf-8"?>
 <p:sld xmlns:a="http://schemas.openxmlformats.org/drawingml/2006/main" xmlns:r="http://schemas.openxmlformats.org/officeDocument/2006/relationships" xmlns:p="http://schemas.openxmlformats.org/presentationml/2006/main">
   <p:cSld>
     <p:spTree>
@@ -12933,6 +12815,86 @@
     <p:extLst>
       <p:ext uri="{BB962C8B-B14F-4D97-AF65-F5344CB8AC3E}">
         <p14:creationId xmlns:p14="http://schemas.microsoft.com/office/powerpoint/2010/main" val="992007939"/>
+      </p:ext>
+    </p:extLst>
+  </p:cSld>
+  <p:clrMapOvr>
+    <a:masterClrMapping/>
+  </p:clrMapOvr>
+</p:sld>
+</file>
+
+<file path=ppt/slides/slide59.xml><?xml version="1.0" encoding="utf-8"?>
+<p:sld xmlns:a="http://schemas.openxmlformats.org/drawingml/2006/main" xmlns:r="http://schemas.openxmlformats.org/officeDocument/2006/relationships" xmlns:p="http://schemas.openxmlformats.org/presentationml/2006/main">
+  <p:cSld>
+    <p:spTree>
+      <p:nvGrpSpPr>
+        <p:cNvPr id="1" name=""/>
+        <p:cNvGrpSpPr/>
+        <p:nvPr/>
+      </p:nvGrpSpPr>
+      <p:grpSpPr>
+        <a:xfrm>
+          <a:off x="0" y="0"/>
+          <a:ext cx="0" cy="0"/>
+          <a:chOff x="0" y="0"/>
+          <a:chExt cx="0" cy="0"/>
+        </a:xfrm>
+      </p:grpSpPr>
+      <p:sp>
+        <p:nvSpPr>
+          <p:cNvPr id="3" name="Espace réservé du contenu 2"/>
+          <p:cNvSpPr>
+            <a:spLocks noGrp="1"/>
+          </p:cNvSpPr>
+          <p:nvPr>
+            <p:ph idx="1"/>
+          </p:nvPr>
+        </p:nvSpPr>
+        <p:spPr/>
+        <p:txBody>
+          <a:bodyPr/>
+          <a:lstStyle/>
+          <a:p>
+            <a:pPr marL="0" indent="0">
+              <a:buNone/>
+            </a:pPr>
+            <a:r>
+              <a:rPr lang="fr-FR" dirty="0"/>
+              <a:t>Si les logs saisis par l’utilisateur sont bons, il arrivera sur l’IHM et accèdera aux fonctionnalités qui lui sont accordés selon ses privilèges, sinon, un message d’erreur s’affichera et il devra ressaisir ses identifiants.</a:t>
+            </a:r>
+          </a:p>
+          <a:p>
+            <a:endParaRPr lang="fr-FR" dirty="0"/>
+          </a:p>
+        </p:txBody>
+      </p:sp>
+      <p:pic>
+        <p:nvPicPr>
+          <p:cNvPr id="5" name="Image 4"/>
+          <p:cNvPicPr/>
+          <p:nvPr/>
+        </p:nvPicPr>
+        <p:blipFill>
+          <a:blip r:embed="rId2"/>
+          <a:stretch>
+            <a:fillRect/>
+          </a:stretch>
+        </p:blipFill>
+        <p:spPr>
+          <a:xfrm>
+            <a:off x="2615324" y="4200747"/>
+            <a:ext cx="5286375" cy="1362075"/>
+          </a:xfrm>
+          <a:prstGeom prst="rect">
+            <a:avLst/>
+          </a:prstGeom>
+        </p:spPr>
+      </p:pic>
+    </p:spTree>
+    <p:extLst>
+      <p:ext uri="{BB962C8B-B14F-4D97-AF65-F5344CB8AC3E}">
+        <p14:creationId xmlns:p14="http://schemas.microsoft.com/office/powerpoint/2010/main" val="2895448634"/>
       </p:ext>
     </p:extLst>
   </p:cSld>
@@ -13048,12 +13010,12 @@
       </p:grpSpPr>
       <p:sp>
         <p:nvSpPr>
-          <p:cNvPr id="3" name="Espace réservé du contenu 2"/>
-          <p:cNvSpPr>
-            <a:spLocks noGrp="1"/>
-          </p:cNvSpPr>
-          <p:nvPr>
-            <p:ph idx="1"/>
+          <p:cNvPr id="2" name="Titre 1"/>
+          <p:cNvSpPr>
+            <a:spLocks noGrp="1"/>
+          </p:cNvSpPr>
+          <p:nvPr>
+            <p:ph type="title"/>
           </p:nvPr>
         </p:nvSpPr>
         <p:spPr/>
@@ -13061,45 +13023,95 @@
           <a:bodyPr/>
           <a:lstStyle/>
           <a:p>
-            <a:pPr marL="0" indent="0">
-              <a:buNone/>
-            </a:pPr>
             <a:r>
               <a:rPr lang="fr-FR" dirty="0"/>
-              <a:t>Si les logs saisis par l’utilisateur sont bons, il arrivera sur l’IHM et accèdera aux fonctionnalités qui lui sont accordés selon ses privilèges, sinon, un message d’erreur s’affichera et il devra ressaisir ses identifiants.</a:t>
-            </a:r>
-          </a:p>
-          <a:p>
+              <a:t>UML liés au module de test :</a:t>
+            </a:r>
+            <a:br>
+              <a:rPr lang="fr-FR" dirty="0"/>
+            </a:br>
             <a:endParaRPr lang="fr-FR" dirty="0"/>
           </a:p>
         </p:txBody>
       </p:sp>
       <p:pic>
         <p:nvPicPr>
-          <p:cNvPr id="5" name="Image 4"/>
+          <p:cNvPr id="4" name="Image 3"/>
           <p:cNvPicPr/>
           <p:nvPr/>
         </p:nvPicPr>
         <p:blipFill>
-          <a:blip r:embed="rId2"/>
+          <a:blip r:embed="rId2">
+            <a:extLst>
+              <a:ext uri="{28A0092B-C50C-407E-A947-70E740481C1C}">
+                <a14:useLocalDpi xmlns:a14="http://schemas.microsoft.com/office/drawing/2010/main" val="0"/>
+              </a:ext>
+            </a:extLst>
+          </a:blip>
           <a:stretch>
             <a:fillRect/>
           </a:stretch>
         </p:blipFill>
         <p:spPr>
           <a:xfrm>
-            <a:off x="2615324" y="4200747"/>
-            <a:ext cx="5286375" cy="1362075"/>
+            <a:off x="3218044" y="2217391"/>
+            <a:ext cx="4217670" cy="4217592"/>
           </a:xfrm>
           <a:prstGeom prst="rect">
             <a:avLst/>
           </a:prstGeom>
         </p:spPr>
       </p:pic>
+      <p:sp>
+        <p:nvSpPr>
+          <p:cNvPr id="5" name="Rectangle 4"/>
+          <p:cNvSpPr/>
+          <p:nvPr/>
+        </p:nvSpPr>
+        <p:spPr>
+          <a:xfrm>
+            <a:off x="7961832" y="2582269"/>
+            <a:ext cx="3976643" cy="981423"/>
+          </a:xfrm>
+          <a:prstGeom prst="rect">
+            <a:avLst/>
+          </a:prstGeom>
+        </p:spPr>
+        <p:txBody>
+          <a:bodyPr wrap="square">
+            <a:spAutoFit/>
+          </a:bodyPr>
+          <a:lstStyle/>
+          <a:p>
+            <a:pPr>
+              <a:lnSpc>
+                <a:spcPct val="107000"/>
+              </a:lnSpc>
+              <a:spcAft>
+                <a:spcPts val="800"/>
+              </a:spcAft>
+            </a:pPr>
+            <a:r>
+              <a:rPr lang="fr-FR" dirty="0">
+                <a:latin typeface="Calibri" panose="020F0502020204030204" pitchFamily="34" charset="0"/>
+                <a:ea typeface="Calibri" panose="020F0502020204030204" pitchFamily="34" charset="0"/>
+                <a:cs typeface="Times New Roman" panose="02020603050405020304" pitchFamily="18" charset="0"/>
+              </a:rPr>
+              <a:t>Voici le diagramme de séquence correspondant à la fonctionnalité « connexion ».</a:t>
+            </a:r>
+            <a:endParaRPr lang="fr-FR" dirty="0">
+              <a:effectLst/>
+              <a:latin typeface="Calibri" panose="020F0502020204030204" pitchFamily="34" charset="0"/>
+              <a:ea typeface="Calibri" panose="020F0502020204030204" pitchFamily="34" charset="0"/>
+              <a:cs typeface="Times New Roman" panose="02020603050405020304" pitchFamily="18" charset="0"/>
+            </a:endParaRPr>
+          </a:p>
+        </p:txBody>
+      </p:sp>
     </p:spTree>
     <p:extLst>
       <p:ext uri="{BB962C8B-B14F-4D97-AF65-F5344CB8AC3E}">
-        <p14:creationId xmlns:p14="http://schemas.microsoft.com/office/powerpoint/2010/main" val="2895448634"/>
+        <p14:creationId xmlns:p14="http://schemas.microsoft.com/office/powerpoint/2010/main" val="436959369"/>
       </p:ext>
     </p:extLst>
   </p:cSld>
@@ -13143,7 +13155,7 @@
           <a:p>
             <a:r>
               <a:rPr lang="fr-FR" dirty="0"/>
-              <a:t>UML liés au module de test :</a:t>
+              <a:t>Problèmes rencontrés :</a:t>
             </a:r>
             <a:br>
               <a:rPr lang="fr-FR" dirty="0"/>
@@ -13152,84 +13164,38 @@
           </a:p>
         </p:txBody>
       </p:sp>
-      <p:pic>
-        <p:nvPicPr>
-          <p:cNvPr id="4" name="Image 3"/>
-          <p:cNvPicPr/>
-          <p:nvPr/>
-        </p:nvPicPr>
-        <p:blipFill>
-          <a:blip r:embed="rId2">
-            <a:extLst>
-              <a:ext uri="{28A0092B-C50C-407E-A947-70E740481C1C}">
-                <a14:useLocalDpi xmlns:a14="http://schemas.microsoft.com/office/drawing/2010/main" val="0"/>
-              </a:ext>
-            </a:extLst>
-          </a:blip>
-          <a:stretch>
-            <a:fillRect/>
-          </a:stretch>
-        </p:blipFill>
-        <p:spPr>
-          <a:xfrm>
-            <a:off x="3218044" y="2217391"/>
-            <a:ext cx="4217670" cy="4217592"/>
-          </a:xfrm>
-          <a:prstGeom prst="rect">
-            <a:avLst/>
-          </a:prstGeom>
-        </p:spPr>
-      </p:pic>
-      <p:sp>
-        <p:nvSpPr>
-          <p:cNvPr id="5" name="Rectangle 4"/>
-          <p:cNvSpPr/>
-          <p:nvPr/>
-        </p:nvSpPr>
-        <p:spPr>
-          <a:xfrm>
-            <a:off x="7961832" y="2582269"/>
-            <a:ext cx="3976643" cy="981423"/>
-          </a:xfrm>
-          <a:prstGeom prst="rect">
-            <a:avLst/>
-          </a:prstGeom>
-        </p:spPr>
-        <p:txBody>
-          <a:bodyPr wrap="square">
-            <a:spAutoFit/>
-          </a:bodyPr>
-          <a:lstStyle/>
-          <a:p>
-            <a:pPr>
-              <a:lnSpc>
-                <a:spcPct val="107000"/>
-              </a:lnSpc>
-              <a:spcAft>
-                <a:spcPts val="800"/>
-              </a:spcAft>
+      <p:sp>
+        <p:nvSpPr>
+          <p:cNvPr id="3" name="Espace réservé du contenu 2"/>
+          <p:cNvSpPr>
+            <a:spLocks noGrp="1"/>
+          </p:cNvSpPr>
+          <p:nvPr>
+            <p:ph idx="1"/>
+          </p:nvPr>
+        </p:nvSpPr>
+        <p:spPr/>
+        <p:txBody>
+          <a:bodyPr/>
+          <a:lstStyle/>
+          <a:p>
+            <a:pPr marL="0" indent="0">
+              <a:buNone/>
             </a:pPr>
             <a:r>
-              <a:rPr lang="fr-FR" dirty="0">
-                <a:latin typeface="Calibri" panose="020F0502020204030204" pitchFamily="34" charset="0"/>
-                <a:ea typeface="Calibri" panose="020F0502020204030204" pitchFamily="34" charset="0"/>
-                <a:cs typeface="Times New Roman" panose="02020603050405020304" pitchFamily="18" charset="0"/>
-              </a:rPr>
-              <a:t>Voici le diagramme de séquence correspondant à la fonctionnalité « connexion ».</a:t>
-            </a:r>
-            <a:endParaRPr lang="fr-FR" dirty="0">
-              <a:effectLst/>
-              <a:latin typeface="Calibri" panose="020F0502020204030204" pitchFamily="34" charset="0"/>
-              <a:ea typeface="Calibri" panose="020F0502020204030204" pitchFamily="34" charset="0"/>
-              <a:cs typeface="Times New Roman" panose="02020603050405020304" pitchFamily="18" charset="0"/>
-            </a:endParaRPr>
+              <a:rPr lang="fr-FR" dirty="0"/>
+              <a:t>Problèmes rencontrés notamment au niveau de la communication de la BDD.</a:t>
+            </a:r>
+          </a:p>
+          <a:p>
+            <a:endParaRPr lang="fr-FR" dirty="0"/>
           </a:p>
         </p:txBody>
       </p:sp>
     </p:spTree>
     <p:extLst>
       <p:ext uri="{BB962C8B-B14F-4D97-AF65-F5344CB8AC3E}">
-        <p14:creationId xmlns:p14="http://schemas.microsoft.com/office/powerpoint/2010/main" val="436959369"/>
+        <p14:creationId xmlns:p14="http://schemas.microsoft.com/office/powerpoint/2010/main" val="2743363269"/>
       </p:ext>
     </p:extLst>
   </p:cSld>
@@ -13272,48 +13238,138 @@
           <a:lstStyle/>
           <a:p>
             <a:r>
-              <a:rPr lang="fr-FR" dirty="0"/>
-              <a:t>Problèmes rencontrés :</a:t>
-            </a:r>
-            <a:br>
-              <a:rPr lang="fr-FR" dirty="0"/>
-            </a:br>
+              <a:rPr lang="fr-FR" dirty="0" smtClean="0"/>
+              <a:t>Module de test, gestion Back Office</a:t>
+            </a:r>
             <a:endParaRPr lang="fr-FR" dirty="0"/>
           </a:p>
         </p:txBody>
       </p:sp>
-      <p:sp>
-        <p:nvSpPr>
-          <p:cNvPr id="3" name="Espace réservé du contenu 2"/>
-          <p:cNvSpPr>
-            <a:spLocks noGrp="1"/>
-          </p:cNvSpPr>
+      <p:pic>
+        <p:nvPicPr>
+          <p:cNvPr id="4" name="Espace réservé du contenu 3"/>
+          <p:cNvPicPr>
+            <a:picLocks noGrp="1"/>
+          </p:cNvPicPr>
           <p:nvPr>
             <p:ph idx="1"/>
           </p:nvPr>
-        </p:nvSpPr>
-        <p:spPr/>
-        <p:txBody>
-          <a:bodyPr/>
-          <a:lstStyle/>
-          <a:p>
-            <a:pPr marL="0" indent="0">
-              <a:buNone/>
+        </p:nvPicPr>
+        <p:blipFill>
+          <a:blip r:embed="rId2"/>
+          <a:stretch>
+            <a:fillRect/>
+          </a:stretch>
+        </p:blipFill>
+        <p:spPr>
+          <a:xfrm>
+            <a:off x="483768" y="3014818"/>
+            <a:ext cx="2558535" cy="856427"/>
+          </a:xfrm>
+          <a:prstGeom prst="rect">
+            <a:avLst/>
+          </a:prstGeom>
+        </p:spPr>
+      </p:pic>
+      <p:sp>
+        <p:nvSpPr>
+          <p:cNvPr id="5" name="Rectangle 4"/>
+          <p:cNvSpPr/>
+          <p:nvPr/>
+        </p:nvSpPr>
+        <p:spPr>
+          <a:xfrm>
+            <a:off x="544082" y="2239826"/>
+            <a:ext cx="8266631" cy="369332"/>
+          </a:xfrm>
+          <a:prstGeom prst="rect">
+            <a:avLst/>
+          </a:prstGeom>
+        </p:spPr>
+        <p:txBody>
+          <a:bodyPr wrap="square">
+            <a:spAutoFit/>
+          </a:bodyPr>
+          <a:lstStyle/>
+          <a:p>
+            <a:r>
+              <a:rPr lang="fr-FR" dirty="0">
+                <a:latin typeface="Calibri" panose="020F0502020204030204" pitchFamily="34" charset="0"/>
+                <a:ea typeface="Calibri" panose="020F0502020204030204" pitchFamily="34" charset="0"/>
+                <a:cs typeface="Times New Roman" panose="02020603050405020304" pitchFamily="18" charset="0"/>
+              </a:rPr>
+              <a:t>Ce module de test a pour but de confirmer la fonctionnalité de gestion du back office.</a:t>
+            </a:r>
+            <a:endParaRPr lang="fr-FR" dirty="0"/>
+          </a:p>
+        </p:txBody>
+      </p:sp>
+      <p:sp>
+        <p:nvSpPr>
+          <p:cNvPr id="6" name="Rectangle 5"/>
+          <p:cNvSpPr/>
+          <p:nvPr/>
+        </p:nvSpPr>
+        <p:spPr>
+          <a:xfrm>
+            <a:off x="483768" y="4245413"/>
+            <a:ext cx="11078692" cy="981423"/>
+          </a:xfrm>
+          <a:prstGeom prst="rect">
+            <a:avLst/>
+          </a:prstGeom>
+        </p:spPr>
+        <p:txBody>
+          <a:bodyPr wrap="square">
+            <a:spAutoFit/>
+          </a:bodyPr>
+          <a:lstStyle/>
+          <a:p>
+            <a:pPr>
+              <a:lnSpc>
+                <a:spcPct val="107000"/>
+              </a:lnSpc>
+              <a:spcAft>
+                <a:spcPts val="800"/>
+              </a:spcAft>
             </a:pPr>
             <a:r>
-              <a:rPr lang="fr-FR" dirty="0"/>
-              <a:t>Problèmes rencontrés notamment au niveau de la communication de la BDD.</a:t>
-            </a:r>
-          </a:p>
-          <a:p>
-            <a:endParaRPr lang="fr-FR" dirty="0"/>
+              <a:rPr lang="fr-FR" dirty="0">
+                <a:latin typeface="Calibri" panose="020F0502020204030204" pitchFamily="34" charset="0"/>
+                <a:ea typeface="Calibri" panose="020F0502020204030204" pitchFamily="34" charset="0"/>
+                <a:cs typeface="Times New Roman" panose="02020603050405020304" pitchFamily="18" charset="0"/>
+              </a:rPr>
+              <a:t>Pour réaliser cette fonctionnalité j’utilise un serveur Apache2 accompagné d’un module PHP. L’IHM va permettre à l’administrateur de pouvoir en premier lieux d’ajouter un utilisateur soit en tant que gestionnaire soit en tant qu’</a:t>
+            </a:r>
+            <a:r>
+              <a:rPr lang="fr-FR" dirty="0" err="1">
+                <a:latin typeface="Calibri" panose="020F0502020204030204" pitchFamily="34" charset="0"/>
+                <a:ea typeface="Calibri" panose="020F0502020204030204" pitchFamily="34" charset="0"/>
+                <a:cs typeface="Times New Roman" panose="02020603050405020304" pitchFamily="18" charset="0"/>
+              </a:rPr>
+              <a:t>admin</a:t>
+            </a:r>
+            <a:r>
+              <a:rPr lang="fr-FR" dirty="0">
+                <a:latin typeface="Calibri" panose="020F0502020204030204" pitchFamily="34" charset="0"/>
+                <a:ea typeface="Calibri" panose="020F0502020204030204" pitchFamily="34" charset="0"/>
+                <a:cs typeface="Times New Roman" panose="02020603050405020304" pitchFamily="18" charset="0"/>
+              </a:rPr>
+              <a:t>. Il peut par la suite modifier un compte ou bien le supprimer.</a:t>
+            </a:r>
+            <a:endParaRPr lang="fr-FR" dirty="0">
+              <a:effectLst/>
+              <a:latin typeface="Calibri" panose="020F0502020204030204" pitchFamily="34" charset="0"/>
+              <a:ea typeface="Calibri" panose="020F0502020204030204" pitchFamily="34" charset="0"/>
+              <a:cs typeface="Times New Roman" panose="02020603050405020304" pitchFamily="18" charset="0"/>
+            </a:endParaRPr>
           </a:p>
         </p:txBody>
       </p:sp>
     </p:spTree>
     <p:extLst>
       <p:ext uri="{BB962C8B-B14F-4D97-AF65-F5344CB8AC3E}">
-        <p14:creationId xmlns:p14="http://schemas.microsoft.com/office/powerpoint/2010/main" val="2743363269"/>
+        <p14:creationId xmlns:p14="http://schemas.microsoft.com/office/powerpoint/2010/main" val="3922790202"/>
       </p:ext>
     </p:extLst>
   </p:cSld>
@@ -13340,38 +13396,11 @@
           <a:chExt cx="0" cy="0"/>
         </a:xfrm>
       </p:grpSpPr>
-      <p:sp>
-        <p:nvSpPr>
-          <p:cNvPr id="2" name="Titre 1"/>
-          <p:cNvSpPr>
-            <a:spLocks noGrp="1"/>
-          </p:cNvSpPr>
-          <p:nvPr>
-            <p:ph type="title"/>
-          </p:nvPr>
-        </p:nvSpPr>
-        <p:spPr/>
-        <p:txBody>
-          <a:bodyPr/>
-          <a:lstStyle/>
-          <a:p>
-            <a:r>
-              <a:rPr lang="fr-FR" dirty="0" smtClean="0"/>
-              <a:t>Module de test, gestion Back Office</a:t>
-            </a:r>
-            <a:endParaRPr lang="fr-FR" dirty="0"/>
-          </a:p>
-        </p:txBody>
-      </p:sp>
       <p:pic>
         <p:nvPicPr>
-          <p:cNvPr id="4" name="Espace réservé du contenu 3"/>
-          <p:cNvPicPr>
-            <a:picLocks noGrp="1"/>
-          </p:cNvPicPr>
-          <p:nvPr>
-            <p:ph idx="1"/>
-          </p:nvPr>
+          <p:cNvPr id="4" name="Image 3"/>
+          <p:cNvPicPr/>
+          <p:nvPr/>
         </p:nvPicPr>
         <p:blipFill>
           <a:blip r:embed="rId2"/>
@@ -13381,113 +13410,18 @@
         </p:blipFill>
         <p:spPr>
           <a:xfrm>
-            <a:off x="483768" y="3014818"/>
-            <a:ext cx="2558535" cy="856427"/>
+            <a:off x="1369748" y="2527079"/>
+            <a:ext cx="6928218" cy="3224239"/>
           </a:xfrm>
           <a:prstGeom prst="rect">
             <a:avLst/>
           </a:prstGeom>
         </p:spPr>
       </p:pic>
-      <p:sp>
-        <p:nvSpPr>
-          <p:cNvPr id="5" name="Rectangle 4"/>
-          <p:cNvSpPr/>
-          <p:nvPr/>
-        </p:nvSpPr>
-        <p:spPr>
-          <a:xfrm>
-            <a:off x="544082" y="2239826"/>
-            <a:ext cx="8266631" cy="369332"/>
-          </a:xfrm>
-          <a:prstGeom prst="rect">
-            <a:avLst/>
-          </a:prstGeom>
-        </p:spPr>
-        <p:txBody>
-          <a:bodyPr wrap="square">
-            <a:spAutoFit/>
-          </a:bodyPr>
-          <a:lstStyle/>
-          <a:p>
-            <a:r>
-              <a:rPr lang="fr-FR" dirty="0">
-                <a:latin typeface="Calibri" panose="020F0502020204030204" pitchFamily="34" charset="0"/>
-                <a:ea typeface="Calibri" panose="020F0502020204030204" pitchFamily="34" charset="0"/>
-                <a:cs typeface="Times New Roman" panose="02020603050405020304" pitchFamily="18" charset="0"/>
-              </a:rPr>
-              <a:t>Ce module de test a pour but de confirmer la fonctionnalité de gestion du back office.</a:t>
-            </a:r>
-            <a:endParaRPr lang="fr-FR" dirty="0"/>
-          </a:p>
-        </p:txBody>
-      </p:sp>
-      <p:sp>
-        <p:nvSpPr>
-          <p:cNvPr id="6" name="Rectangle 5"/>
-          <p:cNvSpPr/>
-          <p:nvPr/>
-        </p:nvSpPr>
-        <p:spPr>
-          <a:xfrm>
-            <a:off x="483768" y="4245413"/>
-            <a:ext cx="11078692" cy="981423"/>
-          </a:xfrm>
-          <a:prstGeom prst="rect">
-            <a:avLst/>
-          </a:prstGeom>
-        </p:spPr>
-        <p:txBody>
-          <a:bodyPr wrap="square">
-            <a:spAutoFit/>
-          </a:bodyPr>
-          <a:lstStyle/>
-          <a:p>
-            <a:pPr>
-              <a:lnSpc>
-                <a:spcPct val="107000"/>
-              </a:lnSpc>
-              <a:spcAft>
-                <a:spcPts val="800"/>
-              </a:spcAft>
-            </a:pPr>
-            <a:r>
-              <a:rPr lang="fr-FR" dirty="0">
-                <a:latin typeface="Calibri" panose="020F0502020204030204" pitchFamily="34" charset="0"/>
-                <a:ea typeface="Calibri" panose="020F0502020204030204" pitchFamily="34" charset="0"/>
-                <a:cs typeface="Times New Roman" panose="02020603050405020304" pitchFamily="18" charset="0"/>
-              </a:rPr>
-              <a:t>Pour réaliser cette fonctionnalité j’utilise un serveur Apache2 accompagné d’un module PHP. L’IHM va permettre à l’administrateur de pouvoir en premier lieux d’ajouter un utilisateur soit en tant que gestionnaire soit en tant qu’</a:t>
-            </a:r>
-            <a:r>
-              <a:rPr lang="fr-FR" dirty="0" err="1">
-                <a:latin typeface="Calibri" panose="020F0502020204030204" pitchFamily="34" charset="0"/>
-                <a:ea typeface="Calibri" panose="020F0502020204030204" pitchFamily="34" charset="0"/>
-                <a:cs typeface="Times New Roman" panose="02020603050405020304" pitchFamily="18" charset="0"/>
-              </a:rPr>
-              <a:t>admin</a:t>
-            </a:r>
-            <a:r>
-              <a:rPr lang="fr-FR" dirty="0">
-                <a:latin typeface="Calibri" panose="020F0502020204030204" pitchFamily="34" charset="0"/>
-                <a:ea typeface="Calibri" panose="020F0502020204030204" pitchFamily="34" charset="0"/>
-                <a:cs typeface="Times New Roman" panose="02020603050405020304" pitchFamily="18" charset="0"/>
-              </a:rPr>
-              <a:t>. Il peut par la suite modifier un compte ou bien le supprimer.</a:t>
-            </a:r>
-            <a:endParaRPr lang="fr-FR" dirty="0">
-              <a:effectLst/>
-              <a:latin typeface="Calibri" panose="020F0502020204030204" pitchFamily="34" charset="0"/>
-              <a:ea typeface="Calibri" panose="020F0502020204030204" pitchFamily="34" charset="0"/>
-              <a:cs typeface="Times New Roman" panose="02020603050405020304" pitchFamily="18" charset="0"/>
-            </a:endParaRPr>
-          </a:p>
-        </p:txBody>
-      </p:sp>
     </p:spTree>
     <p:extLst>
       <p:ext uri="{BB962C8B-B14F-4D97-AF65-F5344CB8AC3E}">
-        <p14:creationId xmlns:p14="http://schemas.microsoft.com/office/powerpoint/2010/main" val="3922790202"/>
+        <p14:creationId xmlns:p14="http://schemas.microsoft.com/office/powerpoint/2010/main" val="222654593"/>
       </p:ext>
     </p:extLst>
   </p:cSld>
@@ -13528,18 +13462,64 @@
         </p:blipFill>
         <p:spPr>
           <a:xfrm>
-            <a:off x="1369748" y="2527079"/>
-            <a:ext cx="6928218" cy="3224239"/>
+            <a:off x="1139011" y="2152859"/>
+            <a:ext cx="7560607" cy="3239536"/>
           </a:xfrm>
           <a:prstGeom prst="rect">
             <a:avLst/>
           </a:prstGeom>
         </p:spPr>
       </p:pic>
+      <p:sp>
+        <p:nvSpPr>
+          <p:cNvPr id="5" name="Rectangle 4"/>
+          <p:cNvSpPr/>
+          <p:nvPr/>
+        </p:nvSpPr>
+        <p:spPr>
+          <a:xfrm>
+            <a:off x="999643" y="5672943"/>
+            <a:ext cx="9024574" cy="685059"/>
+          </a:xfrm>
+          <a:prstGeom prst="rect">
+            <a:avLst/>
+          </a:prstGeom>
+        </p:spPr>
+        <p:txBody>
+          <a:bodyPr wrap="square">
+            <a:spAutoFit/>
+          </a:bodyPr>
+          <a:lstStyle/>
+          <a:p>
+            <a:pPr>
+              <a:lnSpc>
+                <a:spcPct val="107000"/>
+              </a:lnSpc>
+              <a:spcAft>
+                <a:spcPts val="800"/>
+              </a:spcAft>
+            </a:pPr>
+            <a:r>
+              <a:rPr lang="fr-FR" dirty="0">
+                <a:latin typeface="Calibri" panose="020F0502020204030204" pitchFamily="34" charset="0"/>
+                <a:ea typeface="Calibri" panose="020F0502020204030204" pitchFamily="34" charset="0"/>
+                <a:cs typeface="Times New Roman" panose="02020603050405020304" pitchFamily="18" charset="0"/>
+              </a:rPr>
+              <a:t>Ces deux captures d’écran correspondent à la fonction PHP permettant à l’administrateur d’ajouter un utilisateur sur l’IHM via le formulaire.</a:t>
+            </a:r>
+            <a:endParaRPr lang="fr-FR" dirty="0">
+              <a:effectLst/>
+              <a:latin typeface="Calibri" panose="020F0502020204030204" pitchFamily="34" charset="0"/>
+              <a:ea typeface="Calibri" panose="020F0502020204030204" pitchFamily="34" charset="0"/>
+              <a:cs typeface="Times New Roman" panose="02020603050405020304" pitchFamily="18" charset="0"/>
+            </a:endParaRPr>
+          </a:p>
+        </p:txBody>
+      </p:sp>
     </p:spTree>
     <p:extLst>
       <p:ext uri="{BB962C8B-B14F-4D97-AF65-F5344CB8AC3E}">
-        <p14:creationId xmlns:p14="http://schemas.microsoft.com/office/powerpoint/2010/main" val="222654593"/>
+        <p14:creationId xmlns:p14="http://schemas.microsoft.com/office/powerpoint/2010/main" val="1614052615"/>
       </p:ext>
     </p:extLst>
   </p:cSld>
@@ -13580,64 +13560,18 @@
         </p:blipFill>
         <p:spPr>
           <a:xfrm>
-            <a:off x="1104828" y="2169951"/>
-            <a:ext cx="7560607" cy="3239536"/>
+            <a:off x="1600484" y="2733207"/>
+            <a:ext cx="7287142" cy="3060841"/>
           </a:xfrm>
           <a:prstGeom prst="rect">
             <a:avLst/>
           </a:prstGeom>
         </p:spPr>
       </p:pic>
-      <p:sp>
-        <p:nvSpPr>
-          <p:cNvPr id="5" name="Rectangle 4"/>
-          <p:cNvSpPr/>
-          <p:nvPr/>
-        </p:nvSpPr>
-        <p:spPr>
-          <a:xfrm>
-            <a:off x="999643" y="5672943"/>
-            <a:ext cx="9024574" cy="685059"/>
-          </a:xfrm>
-          <a:prstGeom prst="rect">
-            <a:avLst/>
-          </a:prstGeom>
-        </p:spPr>
-        <p:txBody>
-          <a:bodyPr wrap="square">
-            <a:spAutoFit/>
-          </a:bodyPr>
-          <a:lstStyle/>
-          <a:p>
-            <a:pPr>
-              <a:lnSpc>
-                <a:spcPct val="107000"/>
-              </a:lnSpc>
-              <a:spcAft>
-                <a:spcPts val="800"/>
-              </a:spcAft>
-            </a:pPr>
-            <a:r>
-              <a:rPr lang="fr-FR" dirty="0">
-                <a:latin typeface="Calibri" panose="020F0502020204030204" pitchFamily="34" charset="0"/>
-                <a:ea typeface="Calibri" panose="020F0502020204030204" pitchFamily="34" charset="0"/>
-                <a:cs typeface="Times New Roman" panose="02020603050405020304" pitchFamily="18" charset="0"/>
-              </a:rPr>
-              <a:t>Ces deux captures d’écran correspondent à la fonction PHP permettant à l’administrateur d’ajouter un utilisateur sur l’IHM via le formulaire.</a:t>
-            </a:r>
-            <a:endParaRPr lang="fr-FR" dirty="0">
-              <a:effectLst/>
-              <a:latin typeface="Calibri" panose="020F0502020204030204" pitchFamily="34" charset="0"/>
-              <a:ea typeface="Calibri" panose="020F0502020204030204" pitchFamily="34" charset="0"/>
-              <a:cs typeface="Times New Roman" panose="02020603050405020304" pitchFamily="18" charset="0"/>
-            </a:endParaRPr>
-          </a:p>
-        </p:txBody>
-      </p:sp>
     </p:spTree>
     <p:extLst>
       <p:ext uri="{BB962C8B-B14F-4D97-AF65-F5344CB8AC3E}">
-        <p14:creationId xmlns:p14="http://schemas.microsoft.com/office/powerpoint/2010/main" val="1614052615"/>
+        <p14:creationId xmlns:p14="http://schemas.microsoft.com/office/powerpoint/2010/main" val="3732474710"/>
       </p:ext>
     </p:extLst>
   </p:cSld>
@@ -13664,10 +13598,58 @@
           <a:chExt cx="0" cy="0"/>
         </a:xfrm>
       </p:grpSpPr>
+      <p:sp>
+        <p:nvSpPr>
+          <p:cNvPr id="5" name="Rectangle 4"/>
+          <p:cNvSpPr/>
+          <p:nvPr/>
+        </p:nvSpPr>
+        <p:spPr>
+          <a:xfrm>
+            <a:off x="1643213" y="5828232"/>
+            <a:ext cx="7659881" cy="685059"/>
+          </a:xfrm>
+          <a:prstGeom prst="rect">
+            <a:avLst/>
+          </a:prstGeom>
+        </p:spPr>
+        <p:txBody>
+          <a:bodyPr wrap="square">
+            <a:spAutoFit/>
+          </a:bodyPr>
+          <a:lstStyle/>
+          <a:p>
+            <a:pPr>
+              <a:lnSpc>
+                <a:spcPct val="107000"/>
+              </a:lnSpc>
+              <a:spcAft>
+                <a:spcPts val="800"/>
+              </a:spcAft>
+            </a:pPr>
+            <a:r>
+              <a:rPr lang="fr-FR" dirty="0">
+                <a:latin typeface="Calibri" panose="020F0502020204030204" pitchFamily="34" charset="0"/>
+                <a:ea typeface="Calibri" panose="020F0502020204030204" pitchFamily="34" charset="0"/>
+                <a:cs typeface="Times New Roman" panose="02020603050405020304" pitchFamily="18" charset="0"/>
+              </a:rPr>
+              <a:t>Ces deux captures correspondent à la fonction PHP permettant à l’administrateur de supprimer un utilisateur depuis l’IHM.</a:t>
+            </a:r>
+            <a:endParaRPr lang="fr-FR" dirty="0">
+              <a:effectLst/>
+              <a:latin typeface="Calibri" panose="020F0502020204030204" pitchFamily="34" charset="0"/>
+              <a:ea typeface="Calibri" panose="020F0502020204030204" pitchFamily="34" charset="0"/>
+              <a:cs typeface="Times New Roman" panose="02020603050405020304" pitchFamily="18" charset="0"/>
+            </a:endParaRPr>
+          </a:p>
+        </p:txBody>
+      </p:sp>
       <p:pic>
         <p:nvPicPr>
-          <p:cNvPr id="4" name="Image 3"/>
-          <p:cNvPicPr/>
+          <p:cNvPr id="2" name="Image 1"/>
+          <p:cNvPicPr>
+            <a:picLocks noChangeAspect="1"/>
+          </p:cNvPicPr>
           <p:nvPr/>
         </p:nvPicPr>
         <p:blipFill>
@@ -13678,8 +13660,8 @@
         </p:blipFill>
         <p:spPr>
           <a:xfrm>
-            <a:off x="1600484" y="2733207"/>
-            <a:ext cx="7287142" cy="3060841"/>
+            <a:off x="1056695" y="2299086"/>
+            <a:ext cx="9839325" cy="3028950"/>
           </a:xfrm>
           <a:prstGeom prst="rect">
             <a:avLst/>
@@ -13689,7 +13671,7 @@
     </p:spTree>
     <p:extLst>
       <p:ext uri="{BB962C8B-B14F-4D97-AF65-F5344CB8AC3E}">
-        <p14:creationId xmlns:p14="http://schemas.microsoft.com/office/powerpoint/2010/main" val="3732474710"/>
+        <p14:creationId xmlns:p14="http://schemas.microsoft.com/office/powerpoint/2010/main" val="1272777729"/>
       </p:ext>
     </p:extLst>
   </p:cSld>
@@ -13730,64 +13712,18 @@
         </p:blipFill>
         <p:spPr>
           <a:xfrm>
-            <a:off x="1643213" y="2177038"/>
-            <a:ext cx="7235867" cy="3651194"/>
+            <a:off x="1523572" y="2291391"/>
+            <a:ext cx="7680249" cy="3562479"/>
           </a:xfrm>
           <a:prstGeom prst="rect">
             <a:avLst/>
           </a:prstGeom>
         </p:spPr>
       </p:pic>
-      <p:sp>
-        <p:nvSpPr>
-          <p:cNvPr id="5" name="Rectangle 4"/>
-          <p:cNvSpPr/>
-          <p:nvPr/>
-        </p:nvSpPr>
-        <p:spPr>
-          <a:xfrm>
-            <a:off x="1643213" y="5828232"/>
-            <a:ext cx="7659881" cy="685059"/>
-          </a:xfrm>
-          <a:prstGeom prst="rect">
-            <a:avLst/>
-          </a:prstGeom>
-        </p:spPr>
-        <p:txBody>
-          <a:bodyPr wrap="square">
-            <a:spAutoFit/>
-          </a:bodyPr>
-          <a:lstStyle/>
-          <a:p>
-            <a:pPr>
-              <a:lnSpc>
-                <a:spcPct val="107000"/>
-              </a:lnSpc>
-              <a:spcAft>
-                <a:spcPts val="800"/>
-              </a:spcAft>
-            </a:pPr>
-            <a:r>
-              <a:rPr lang="fr-FR" dirty="0">
-                <a:latin typeface="Calibri" panose="020F0502020204030204" pitchFamily="34" charset="0"/>
-                <a:ea typeface="Calibri" panose="020F0502020204030204" pitchFamily="34" charset="0"/>
-                <a:cs typeface="Times New Roman" panose="02020603050405020304" pitchFamily="18" charset="0"/>
-              </a:rPr>
-              <a:t>Ces deux captures correspondent à la fonction PHP permettant à l’administrateur de supprimer un utilisateur depuis l’IHM.</a:t>
-            </a:r>
-            <a:endParaRPr lang="fr-FR" dirty="0">
-              <a:effectLst/>
-              <a:latin typeface="Calibri" panose="020F0502020204030204" pitchFamily="34" charset="0"/>
-              <a:ea typeface="Calibri" panose="020F0502020204030204" pitchFamily="34" charset="0"/>
-              <a:cs typeface="Times New Roman" panose="02020603050405020304" pitchFamily="18" charset="0"/>
-            </a:endParaRPr>
-          </a:p>
-        </p:txBody>
-      </p:sp>
     </p:spTree>
     <p:extLst>
       <p:ext uri="{BB962C8B-B14F-4D97-AF65-F5344CB8AC3E}">
-        <p14:creationId xmlns:p14="http://schemas.microsoft.com/office/powerpoint/2010/main" val="1272777729"/>
+        <p14:creationId xmlns:p14="http://schemas.microsoft.com/office/powerpoint/2010/main" val="847586132"/>
       </p:ext>
     </p:extLst>
   </p:cSld>
@@ -13828,18 +13764,64 @@
         </p:blipFill>
         <p:spPr>
           <a:xfrm>
-            <a:off x="1523572" y="2291391"/>
-            <a:ext cx="7680249" cy="3562479"/>
+            <a:off x="1421022" y="2335343"/>
+            <a:ext cx="8004989" cy="3210877"/>
           </a:xfrm>
           <a:prstGeom prst="rect">
             <a:avLst/>
           </a:prstGeom>
         </p:spPr>
       </p:pic>
+      <p:sp>
+        <p:nvSpPr>
+          <p:cNvPr id="5" name="Rectangle 4"/>
+          <p:cNvSpPr/>
+          <p:nvPr/>
+        </p:nvSpPr>
+        <p:spPr>
+          <a:xfrm>
+            <a:off x="1421022" y="5732764"/>
+            <a:ext cx="7221410" cy="685059"/>
+          </a:xfrm>
+          <a:prstGeom prst="rect">
+            <a:avLst/>
+          </a:prstGeom>
+        </p:spPr>
+        <p:txBody>
+          <a:bodyPr wrap="square">
+            <a:spAutoFit/>
+          </a:bodyPr>
+          <a:lstStyle/>
+          <a:p>
+            <a:pPr>
+              <a:lnSpc>
+                <a:spcPct val="107000"/>
+              </a:lnSpc>
+              <a:spcAft>
+                <a:spcPts val="800"/>
+              </a:spcAft>
+            </a:pPr>
+            <a:r>
+              <a:rPr lang="fr-FR" dirty="0">
+                <a:latin typeface="Calibri" panose="020F0502020204030204" pitchFamily="34" charset="0"/>
+                <a:ea typeface="Calibri" panose="020F0502020204030204" pitchFamily="34" charset="0"/>
+                <a:cs typeface="Times New Roman" panose="02020603050405020304" pitchFamily="18" charset="0"/>
+              </a:rPr>
+              <a:t>Ces deux captures correspondent à la fonction PHP permettant à l’administrateur de modifier l’identifiant d’un utilisateur depuis l’IHM.</a:t>
+            </a:r>
+            <a:endParaRPr lang="fr-FR" dirty="0">
+              <a:effectLst/>
+              <a:latin typeface="Calibri" panose="020F0502020204030204" pitchFamily="34" charset="0"/>
+              <a:ea typeface="Calibri" panose="020F0502020204030204" pitchFamily="34" charset="0"/>
+              <a:cs typeface="Times New Roman" panose="02020603050405020304" pitchFamily="18" charset="0"/>
+            </a:endParaRPr>
+          </a:p>
+        </p:txBody>
+      </p:sp>
     </p:spTree>
     <p:extLst>
       <p:ext uri="{BB962C8B-B14F-4D97-AF65-F5344CB8AC3E}">
-        <p14:creationId xmlns:p14="http://schemas.microsoft.com/office/powerpoint/2010/main" val="847586132"/>
+        <p14:creationId xmlns:p14="http://schemas.microsoft.com/office/powerpoint/2010/main" val="2154053850"/>
       </p:ext>
     </p:extLst>
   </p:cSld>
@@ -13880,64 +13862,18 @@
         </p:blipFill>
         <p:spPr>
           <a:xfrm>
-            <a:off x="1421022" y="2335343"/>
-            <a:ext cx="8004989" cy="3210877"/>
+            <a:off x="1557755" y="2262074"/>
+            <a:ext cx="7423875" cy="3591795"/>
           </a:xfrm>
           <a:prstGeom prst="rect">
             <a:avLst/>
           </a:prstGeom>
         </p:spPr>
       </p:pic>
-      <p:sp>
-        <p:nvSpPr>
-          <p:cNvPr id="5" name="Rectangle 4"/>
-          <p:cNvSpPr/>
-          <p:nvPr/>
-        </p:nvSpPr>
-        <p:spPr>
-          <a:xfrm>
-            <a:off x="1421022" y="5732764"/>
-            <a:ext cx="7221410" cy="685059"/>
-          </a:xfrm>
-          <a:prstGeom prst="rect">
-            <a:avLst/>
-          </a:prstGeom>
-        </p:spPr>
-        <p:txBody>
-          <a:bodyPr wrap="square">
-            <a:spAutoFit/>
-          </a:bodyPr>
-          <a:lstStyle/>
-          <a:p>
-            <a:pPr>
-              <a:lnSpc>
-                <a:spcPct val="107000"/>
-              </a:lnSpc>
-              <a:spcAft>
-                <a:spcPts val="800"/>
-              </a:spcAft>
-            </a:pPr>
-            <a:r>
-              <a:rPr lang="fr-FR" dirty="0">
-                <a:latin typeface="Calibri" panose="020F0502020204030204" pitchFamily="34" charset="0"/>
-                <a:ea typeface="Calibri" panose="020F0502020204030204" pitchFamily="34" charset="0"/>
-                <a:cs typeface="Times New Roman" panose="02020603050405020304" pitchFamily="18" charset="0"/>
-              </a:rPr>
-              <a:t>Ces deux captures correspondent à la fonction PHP permettant à l’administrateur de modifier l’identifiant d’un utilisateur depuis l’IHM.</a:t>
-            </a:r>
-            <a:endParaRPr lang="fr-FR" dirty="0">
-              <a:effectLst/>
-              <a:latin typeface="Calibri" panose="020F0502020204030204" pitchFamily="34" charset="0"/>
-              <a:ea typeface="Calibri" panose="020F0502020204030204" pitchFamily="34" charset="0"/>
-              <a:cs typeface="Times New Roman" panose="02020603050405020304" pitchFamily="18" charset="0"/>
-            </a:endParaRPr>
-          </a:p>
-        </p:txBody>
-      </p:sp>
     </p:spTree>
     <p:extLst>
       <p:ext uri="{BB962C8B-B14F-4D97-AF65-F5344CB8AC3E}">
-        <p14:creationId xmlns:p14="http://schemas.microsoft.com/office/powerpoint/2010/main" val="2154053850"/>
+        <p14:creationId xmlns:p14="http://schemas.microsoft.com/office/powerpoint/2010/main" val="1048918281"/>
       </p:ext>
     </p:extLst>
   </p:cSld>
@@ -14059,18 +13995,64 @@
         </p:blipFill>
         <p:spPr>
           <a:xfrm>
-            <a:off x="1557755" y="2262074"/>
-            <a:ext cx="7423875" cy="3591795"/>
+            <a:off x="1207377" y="2400795"/>
+            <a:ext cx="7312779" cy="3384708"/>
           </a:xfrm>
           <a:prstGeom prst="rect">
             <a:avLst/>
           </a:prstGeom>
         </p:spPr>
       </p:pic>
+      <p:sp>
+        <p:nvSpPr>
+          <p:cNvPr id="5" name="Rectangle 4"/>
+          <p:cNvSpPr/>
+          <p:nvPr/>
+        </p:nvSpPr>
+        <p:spPr>
+          <a:xfrm>
+            <a:off x="1207376" y="5785503"/>
+            <a:ext cx="8039173" cy="685059"/>
+          </a:xfrm>
+          <a:prstGeom prst="rect">
+            <a:avLst/>
+          </a:prstGeom>
+        </p:spPr>
+        <p:txBody>
+          <a:bodyPr wrap="square">
+            <a:spAutoFit/>
+          </a:bodyPr>
+          <a:lstStyle/>
+          <a:p>
+            <a:pPr>
+              <a:lnSpc>
+                <a:spcPct val="107000"/>
+              </a:lnSpc>
+              <a:spcAft>
+                <a:spcPts val="800"/>
+              </a:spcAft>
+            </a:pPr>
+            <a:r>
+              <a:rPr lang="fr-FR" dirty="0">
+                <a:latin typeface="Calibri" panose="020F0502020204030204" pitchFamily="34" charset="0"/>
+                <a:ea typeface="Calibri" panose="020F0502020204030204" pitchFamily="34" charset="0"/>
+                <a:cs typeface="Times New Roman" panose="02020603050405020304" pitchFamily="18" charset="0"/>
+              </a:rPr>
+              <a:t>Ces deux captures correspondent à la fonction PHP permettant à l’administrateur de pouvoir modifier le mot de passe d’un utilisateur depuis l’IHM.</a:t>
+            </a:r>
+            <a:endParaRPr lang="fr-FR" dirty="0">
+              <a:effectLst/>
+              <a:latin typeface="Calibri" panose="020F0502020204030204" pitchFamily="34" charset="0"/>
+              <a:ea typeface="Calibri" panose="020F0502020204030204" pitchFamily="34" charset="0"/>
+              <a:cs typeface="Times New Roman" panose="02020603050405020304" pitchFamily="18" charset="0"/>
+            </a:endParaRPr>
+          </a:p>
+        </p:txBody>
+      </p:sp>
     </p:spTree>
     <p:extLst>
       <p:ext uri="{BB962C8B-B14F-4D97-AF65-F5344CB8AC3E}">
-        <p14:creationId xmlns:p14="http://schemas.microsoft.com/office/powerpoint/2010/main" val="1048918281"/>
+        <p14:creationId xmlns:p14="http://schemas.microsoft.com/office/powerpoint/2010/main" val="3741439145"/>
       </p:ext>
     </p:extLst>
   </p:cSld>
@@ -14111,8 +14093,8 @@
         </p:blipFill>
         <p:spPr>
           <a:xfrm>
-            <a:off x="1207377" y="2400795"/>
-            <a:ext cx="7312779" cy="3384708"/>
+            <a:off x="1053125" y="2092832"/>
+            <a:ext cx="5760720" cy="4176395"/>
           </a:xfrm>
           <a:prstGeom prst="rect">
             <a:avLst/>
@@ -14127,8 +14109,8 @@
         </p:nvSpPr>
         <p:spPr>
           <a:xfrm>
-            <a:off x="1207376" y="5785503"/>
-            <a:ext cx="8039173" cy="685059"/>
+            <a:off x="6902151" y="2505355"/>
+            <a:ext cx="4215928" cy="981423"/>
           </a:xfrm>
           <a:prstGeom prst="rect">
             <a:avLst/>
@@ -14154,7 +14136,7 @@
                 <a:ea typeface="Calibri" panose="020F0502020204030204" pitchFamily="34" charset="0"/>
                 <a:cs typeface="Times New Roman" panose="02020603050405020304" pitchFamily="18" charset="0"/>
               </a:rPr>
-              <a:t>Ces deux captures correspondent à la fonction PHP permettant à l’administrateur de pouvoir modifier le mot de passe d’un utilisateur depuis l’IHM.</a:t>
+              <a:t>Ici une capture d’écran de l’IHM web sur laquelle on peut voir le formulaire d’ajout d’utilisateur.</a:t>
             </a:r>
             <a:endParaRPr lang="fr-FR" dirty="0">
               <a:effectLst/>
@@ -14168,7 +14150,7 @@
     </p:spTree>
     <p:extLst>
       <p:ext uri="{BB962C8B-B14F-4D97-AF65-F5344CB8AC3E}">
-        <p14:creationId xmlns:p14="http://schemas.microsoft.com/office/powerpoint/2010/main" val="3741439145"/>
+        <p14:creationId xmlns:p14="http://schemas.microsoft.com/office/powerpoint/2010/main" val="2906157395"/>
       </p:ext>
     </p:extLst>
   </p:cSld>
@@ -14209,8 +14191,8 @@
         </p:blipFill>
         <p:spPr>
           <a:xfrm>
-            <a:off x="1053125" y="2092832"/>
-            <a:ext cx="5760720" cy="4176395"/>
+            <a:off x="908276" y="2217924"/>
+            <a:ext cx="5760720" cy="4131310"/>
           </a:xfrm>
           <a:prstGeom prst="rect">
             <a:avLst/>
@@ -14225,8 +14207,8 @@
         </p:nvSpPr>
         <p:spPr>
           <a:xfrm>
-            <a:off x="6902151" y="2505355"/>
-            <a:ext cx="4215928" cy="981423"/>
+            <a:off x="6668995" y="2308803"/>
+            <a:ext cx="5278025" cy="685059"/>
           </a:xfrm>
           <a:prstGeom prst="rect">
             <a:avLst/>
@@ -14252,7 +14234,7 @@
                 <a:ea typeface="Calibri" panose="020F0502020204030204" pitchFamily="34" charset="0"/>
                 <a:cs typeface="Times New Roman" panose="02020603050405020304" pitchFamily="18" charset="0"/>
               </a:rPr>
-              <a:t>Ici une capture d’écran de l’IHM web sur laquelle on peut voir le formulaire d’ajout d’utilisateur.</a:t>
+              <a:t>Cette capture d’écran de l’IHM correspond à la modification de compte d’un utilisateur.</a:t>
             </a:r>
             <a:endParaRPr lang="fr-FR" dirty="0">
               <a:effectLst/>
@@ -14266,7 +14248,7 @@
     </p:spTree>
     <p:extLst>
       <p:ext uri="{BB962C8B-B14F-4D97-AF65-F5344CB8AC3E}">
-        <p14:creationId xmlns:p14="http://schemas.microsoft.com/office/powerpoint/2010/main" val="2906157395"/>
+        <p14:creationId xmlns:p14="http://schemas.microsoft.com/office/powerpoint/2010/main" val="915675606"/>
       </p:ext>
     </p:extLst>
   </p:cSld>
@@ -14277,6 +14259,123 @@
 </file>
 
 <file path=ppt/slides/slide73.xml><?xml version="1.0" encoding="utf-8"?>
+<p:sld xmlns:a="http://schemas.openxmlformats.org/drawingml/2006/main" xmlns:r="http://schemas.openxmlformats.org/officeDocument/2006/relationships" xmlns:p="http://schemas.openxmlformats.org/presentationml/2006/main">
+  <p:cSld>
+    <p:spTree>
+      <p:nvGrpSpPr>
+        <p:cNvPr id="1" name=""/>
+        <p:cNvGrpSpPr/>
+        <p:nvPr/>
+      </p:nvGrpSpPr>
+      <p:grpSpPr>
+        <a:xfrm>
+          <a:off x="0" y="0"/>
+          <a:ext cx="0" cy="0"/>
+          <a:chOff x="0" y="0"/>
+          <a:chExt cx="0" cy="0"/>
+        </a:xfrm>
+      </p:grpSpPr>
+      <p:sp>
+        <p:nvSpPr>
+          <p:cNvPr id="2" name="Titre 1"/>
+          <p:cNvSpPr>
+            <a:spLocks noGrp="1"/>
+          </p:cNvSpPr>
+          <p:nvPr>
+            <p:ph type="title"/>
+          </p:nvPr>
+        </p:nvSpPr>
+        <p:spPr/>
+        <p:txBody>
+          <a:bodyPr/>
+          <a:lstStyle/>
+          <a:p>
+            <a:endParaRPr lang="fr-FR" dirty="0"/>
+          </a:p>
+        </p:txBody>
+      </p:sp>
+      <p:pic>
+        <p:nvPicPr>
+          <p:cNvPr id="4" name="Image 3"/>
+          <p:cNvPicPr/>
+          <p:nvPr/>
+        </p:nvPicPr>
+        <p:blipFill>
+          <a:blip r:embed="rId2"/>
+          <a:stretch>
+            <a:fillRect/>
+          </a:stretch>
+        </p:blipFill>
+        <p:spPr>
+          <a:xfrm>
+            <a:off x="509405" y="2269307"/>
+            <a:ext cx="5760720" cy="4062730"/>
+          </a:xfrm>
+          <a:prstGeom prst="rect">
+            <a:avLst/>
+          </a:prstGeom>
+        </p:spPr>
+      </p:pic>
+      <p:sp>
+        <p:nvSpPr>
+          <p:cNvPr id="5" name="Rectangle 4"/>
+          <p:cNvSpPr/>
+          <p:nvPr/>
+        </p:nvSpPr>
+        <p:spPr>
+          <a:xfrm>
+            <a:off x="6270125" y="2269307"/>
+            <a:ext cx="6096000" cy="981423"/>
+          </a:xfrm>
+          <a:prstGeom prst="rect">
+            <a:avLst/>
+          </a:prstGeom>
+        </p:spPr>
+        <p:txBody>
+          <a:bodyPr>
+            <a:spAutoFit/>
+          </a:bodyPr>
+          <a:lstStyle/>
+          <a:p>
+            <a:pPr>
+              <a:lnSpc>
+                <a:spcPct val="107000"/>
+              </a:lnSpc>
+              <a:spcAft>
+                <a:spcPts val="800"/>
+              </a:spcAft>
+            </a:pPr>
+            <a:r>
+              <a:rPr lang="fr-FR" dirty="0">
+                <a:latin typeface="Calibri" panose="020F0502020204030204" pitchFamily="34" charset="0"/>
+                <a:ea typeface="Calibri" panose="020F0502020204030204" pitchFamily="34" charset="0"/>
+                <a:cs typeface="Times New Roman" panose="02020603050405020304" pitchFamily="18" charset="0"/>
+              </a:rPr>
+              <a:t>Ici deux captures d’écran de d’une des fonctionnalités de la gestion du back office qui est la modification d’un user (identifiant, mot de passe, privilèges).</a:t>
+            </a:r>
+            <a:endParaRPr lang="fr-FR" dirty="0">
+              <a:effectLst/>
+              <a:latin typeface="Calibri" panose="020F0502020204030204" pitchFamily="34" charset="0"/>
+              <a:ea typeface="Calibri" panose="020F0502020204030204" pitchFamily="34" charset="0"/>
+              <a:cs typeface="Times New Roman" panose="02020603050405020304" pitchFamily="18" charset="0"/>
+            </a:endParaRPr>
+          </a:p>
+        </p:txBody>
+      </p:sp>
+    </p:spTree>
+    <p:extLst>
+      <p:ext uri="{BB962C8B-B14F-4D97-AF65-F5344CB8AC3E}">
+        <p14:creationId xmlns:p14="http://schemas.microsoft.com/office/powerpoint/2010/main" val="336212512"/>
+      </p:ext>
+    </p:extLst>
+  </p:cSld>
+  <p:clrMapOvr>
+    <a:masterClrMapping/>
+  </p:clrMapOvr>
+</p:sld>
+</file>
+
+<file path=ppt/slides/slide74.xml><?xml version="1.0" encoding="utf-8"?>
 <p:sld xmlns:a="http://schemas.openxmlformats.org/drawingml/2006/main" xmlns:r="http://schemas.openxmlformats.org/officeDocument/2006/relationships" xmlns:p="http://schemas.openxmlformats.org/presentationml/2006/main">
   <p:cSld>
     <p:spTree>
@@ -14307,8 +14406,8 @@
         </p:blipFill>
         <p:spPr>
           <a:xfrm>
-            <a:off x="908276" y="2217924"/>
-            <a:ext cx="5760720" cy="4131310"/>
+            <a:off x="301524" y="2342802"/>
+            <a:ext cx="5760720" cy="2748280"/>
           </a:xfrm>
           <a:prstGeom prst="rect">
             <a:avLst/>
@@ -14323,8 +14422,8 @@
         </p:nvSpPr>
         <p:spPr>
           <a:xfrm>
-            <a:off x="6668995" y="2308803"/>
-            <a:ext cx="5278025" cy="685059"/>
+            <a:off x="6235582" y="2137703"/>
+            <a:ext cx="5685801" cy="1676741"/>
           </a:xfrm>
           <a:prstGeom prst="rect">
             <a:avLst/>
@@ -14350,7 +14449,25 @@
                 <a:ea typeface="Calibri" panose="020F0502020204030204" pitchFamily="34" charset="0"/>
                 <a:cs typeface="Times New Roman" panose="02020603050405020304" pitchFamily="18" charset="0"/>
               </a:rPr>
-              <a:t>Cette capture d’écran de l’IHM correspond à la modification de compte d’un utilisateur.</a:t>
+              <a:t> </a:t>
+            </a:r>
+          </a:p>
+          <a:p>
+            <a:pPr>
+              <a:lnSpc>
+                <a:spcPct val="107000"/>
+              </a:lnSpc>
+              <a:spcAft>
+                <a:spcPts val="800"/>
+              </a:spcAft>
+            </a:pPr>
+            <a:r>
+              <a:rPr lang="fr-FR" dirty="0">
+                <a:latin typeface="Calibri" panose="020F0502020204030204" pitchFamily="34" charset="0"/>
+                <a:ea typeface="Calibri" panose="020F0502020204030204" pitchFamily="34" charset="0"/>
+                <a:cs typeface="Times New Roman" panose="02020603050405020304" pitchFamily="18" charset="0"/>
+              </a:rPr>
+              <a:t>Ici une capture d’écran de la dernière fonctionnalité de la gestion du back office qui est la suppression d’utilisateur. On entre l’identifiant du compte à supprimer et on clique sur « Supprimer ».</a:t>
             </a:r>
             <a:endParaRPr lang="fr-FR" dirty="0">
               <a:effectLst/>
@@ -14364,7 +14481,7 @@
     </p:spTree>
     <p:extLst>
       <p:ext uri="{BB962C8B-B14F-4D97-AF65-F5344CB8AC3E}">
-        <p14:creationId xmlns:p14="http://schemas.microsoft.com/office/powerpoint/2010/main" val="915675606"/>
+        <p14:creationId xmlns:p14="http://schemas.microsoft.com/office/powerpoint/2010/main" val="466423135"/>
       </p:ext>
     </p:extLst>
   </p:cSld>
@@ -14374,7 +14491,7 @@
 </p:sld>
 </file>
 
-<file path=ppt/slides/slide74.xml><?xml version="1.0" encoding="utf-8"?>
+<file path=ppt/slides/slide75.xml><?xml version="1.0" encoding="utf-8"?>
 <p:sld xmlns:a="http://schemas.openxmlformats.org/drawingml/2006/main" xmlns:r="http://schemas.openxmlformats.org/officeDocument/2006/relationships" xmlns:p="http://schemas.openxmlformats.org/presentationml/2006/main">
   <p:cSld>
     <p:spTree>
@@ -14406,15 +14523,23 @@
           <a:bodyPr/>
           <a:lstStyle/>
           <a:p>
+            <a:r>
+              <a:rPr lang="fr-FR" dirty="0" smtClean="0"/>
+              <a:t>Module de test, Historique des bateaux</a:t>
+            </a:r>
             <a:endParaRPr lang="fr-FR" dirty="0"/>
           </a:p>
         </p:txBody>
       </p:sp>
       <p:pic>
         <p:nvPicPr>
-          <p:cNvPr id="4" name="Image 3"/>
-          <p:cNvPicPr/>
-          <p:nvPr/>
+          <p:cNvPr id="4" name="Espace réservé du contenu 3"/>
+          <p:cNvPicPr>
+            <a:picLocks noGrp="1"/>
+          </p:cNvPicPr>
+          <p:nvPr>
+            <p:ph idx="1"/>
+          </p:nvPr>
         </p:nvPicPr>
         <p:blipFill>
           <a:blip r:embed="rId2"/>
@@ -14424,8 +14549,8 @@
         </p:blipFill>
         <p:spPr>
           <a:xfrm>
-            <a:off x="509405" y="2269307"/>
-            <a:ext cx="5760720" cy="4062730"/>
+            <a:off x="680321" y="3023364"/>
+            <a:ext cx="2618356" cy="1052980"/>
           </a:xfrm>
           <a:prstGeom prst="rect">
             <a:avLst/>
@@ -14440,8 +14565,8 @@
         </p:nvSpPr>
         <p:spPr>
           <a:xfrm>
-            <a:off x="6270125" y="2269307"/>
-            <a:ext cx="6096000" cy="981423"/>
+            <a:off x="560680" y="2210692"/>
+            <a:ext cx="6096000" cy="685059"/>
           </a:xfrm>
           <a:prstGeom prst="rect">
             <a:avLst/>
@@ -14449,6 +14574,58 @@
         </p:spPr>
         <p:txBody>
           <a:bodyPr>
+            <a:spAutoFit/>
+          </a:bodyPr>
+          <a:lstStyle/>
+          <a:p>
+            <a:pPr>
+              <a:lnSpc>
+                <a:spcPct val="107000"/>
+              </a:lnSpc>
+              <a:spcBef>
+                <a:spcPts val="1200"/>
+              </a:spcBef>
+              <a:spcAft>
+                <a:spcPts val="0"/>
+              </a:spcAft>
+              <a:tabLst>
+                <a:tab pos="3452495" algn="l"/>
+              </a:tabLst>
+            </a:pPr>
+            <a:r>
+              <a:rPr lang="fr-FR" b="1" dirty="0">
+                <a:latin typeface="Calibri Light" panose="020F0302020204030204" pitchFamily="34" charset="0"/>
+                <a:ea typeface="Times New Roman" panose="02020603050405020304" pitchFamily="18" charset="0"/>
+                <a:cs typeface="Times New Roman" panose="02020603050405020304" pitchFamily="18" charset="0"/>
+              </a:rPr>
+              <a:t>Ce module de test aura pour but de confirmer la fonctionnalité  d’historisation des bateaux.</a:t>
+            </a:r>
+            <a:endParaRPr lang="fr-FR" sz="2800" b="1" dirty="0">
+              <a:effectLst/>
+              <a:latin typeface="Calibri Light" panose="020F0302020204030204" pitchFamily="34" charset="0"/>
+              <a:ea typeface="Times New Roman" panose="02020603050405020304" pitchFamily="18" charset="0"/>
+              <a:cs typeface="Times New Roman" panose="02020603050405020304" pitchFamily="18" charset="0"/>
+            </a:endParaRPr>
+          </a:p>
+        </p:txBody>
+      </p:sp>
+      <p:sp>
+        <p:nvSpPr>
+          <p:cNvPr id="6" name="Rectangle 5"/>
+          <p:cNvSpPr/>
+          <p:nvPr/>
+        </p:nvSpPr>
+        <p:spPr>
+          <a:xfrm>
+            <a:off x="560680" y="4322708"/>
+            <a:ext cx="10839410" cy="685059"/>
+          </a:xfrm>
+          <a:prstGeom prst="rect">
+            <a:avLst/>
+          </a:prstGeom>
+        </p:spPr>
+        <p:txBody>
+          <a:bodyPr wrap="square">
             <a:spAutoFit/>
           </a:bodyPr>
           <a:lstStyle/>
@@ -14467,7 +14644,7 @@
                 <a:ea typeface="Calibri" panose="020F0502020204030204" pitchFamily="34" charset="0"/>
                 <a:cs typeface="Times New Roman" panose="02020603050405020304" pitchFamily="18" charset="0"/>
               </a:rPr>
-              <a:t>Ici deux captures d’écran de d’une des fonctionnalités de la gestion du back office qui est la modification d’un user (identifiant, mot de passe, privilèges).</a:t>
+              <a:t>Pour réaliser cette fonctionnalité j’utilise un serveur Apache2 accompagné d’un module PHP. L’IHM va permettre à l’utilisateur d’afficher l’historique de donnée de ses bateaux.</a:t>
             </a:r>
             <a:endParaRPr lang="fr-FR" dirty="0">
               <a:effectLst/>
@@ -14481,7 +14658,7 @@
     </p:spTree>
     <p:extLst>
       <p:ext uri="{BB962C8B-B14F-4D97-AF65-F5344CB8AC3E}">
-        <p14:creationId xmlns:p14="http://schemas.microsoft.com/office/powerpoint/2010/main" val="336212512"/>
+        <p14:creationId xmlns:p14="http://schemas.microsoft.com/office/powerpoint/2010/main" val="4095681012"/>
       </p:ext>
     </p:extLst>
   </p:cSld>
@@ -14491,7 +14668,7 @@
 </p:sld>
 </file>
 
-<file path=ppt/slides/slide75.xml><?xml version="1.0" encoding="utf-8"?>
+<file path=ppt/slides/slide76.xml><?xml version="1.0" encoding="utf-8"?>
 <p:sld xmlns:a="http://schemas.openxmlformats.org/drawingml/2006/main" xmlns:r="http://schemas.openxmlformats.org/officeDocument/2006/relationships" xmlns:p="http://schemas.openxmlformats.org/presentationml/2006/main">
   <p:cSld>
     <p:spTree>
@@ -14522,8 +14699,8 @@
         </p:blipFill>
         <p:spPr>
           <a:xfrm>
-            <a:off x="301524" y="2342802"/>
-            <a:ext cx="5760720" cy="2748280"/>
+            <a:off x="557898" y="2291379"/>
+            <a:ext cx="5760720" cy="3505835"/>
           </a:xfrm>
           <a:prstGeom prst="rect">
             <a:avLst/>
@@ -14538,15 +14715,15 @@
         </p:nvSpPr>
         <p:spPr>
           <a:xfrm>
-            <a:off x="6235582" y="2137703"/>
-            <a:ext cx="5685801" cy="1676741"/>
+            <a:off x="6318618" y="2402808"/>
+            <a:ext cx="6096000" cy="685059"/>
           </a:xfrm>
           <a:prstGeom prst="rect">
             <a:avLst/>
           </a:prstGeom>
         </p:spPr>
         <p:txBody>
-          <a:bodyPr wrap="square">
+          <a:bodyPr>
             <a:spAutoFit/>
           </a:bodyPr>
           <a:lstStyle/>
@@ -14565,25 +14742,7 @@
                 <a:ea typeface="Calibri" panose="020F0502020204030204" pitchFamily="34" charset="0"/>
                 <a:cs typeface="Times New Roman" panose="02020603050405020304" pitchFamily="18" charset="0"/>
               </a:rPr>
-              <a:t> </a:t>
-            </a:r>
-          </a:p>
-          <a:p>
-            <a:pPr>
-              <a:lnSpc>
-                <a:spcPct val="107000"/>
-              </a:lnSpc>
-              <a:spcAft>
-                <a:spcPts val="800"/>
-              </a:spcAft>
-            </a:pPr>
-            <a:r>
-              <a:rPr lang="fr-FR" dirty="0">
-                <a:latin typeface="Calibri" panose="020F0502020204030204" pitchFamily="34" charset="0"/>
-                <a:ea typeface="Calibri" panose="020F0502020204030204" pitchFamily="34" charset="0"/>
-                <a:cs typeface="Times New Roman" panose="02020603050405020304" pitchFamily="18" charset="0"/>
-              </a:rPr>
-              <a:t>Ici une capture d’écran de la dernière fonctionnalité de la gestion du back office qui est la suppression d’utilisateur. On entre l’identifiant du compte à supprimer et on clique sur « Supprimer ».</a:t>
+              <a:t>Cette capture d’écran de l’IHM correspond au filtrage de l’historique.</a:t>
             </a:r>
             <a:endParaRPr lang="fr-FR" dirty="0">
               <a:effectLst/>
@@ -14597,184 +14756,7 @@
     </p:spTree>
     <p:extLst>
       <p:ext uri="{BB962C8B-B14F-4D97-AF65-F5344CB8AC3E}">
-        <p14:creationId xmlns:p14="http://schemas.microsoft.com/office/powerpoint/2010/main" val="466423135"/>
-      </p:ext>
-    </p:extLst>
-  </p:cSld>
-  <p:clrMapOvr>
-    <a:masterClrMapping/>
-  </p:clrMapOvr>
-</p:sld>
-</file>
-
-<file path=ppt/slides/slide76.xml><?xml version="1.0" encoding="utf-8"?>
-<p:sld xmlns:a="http://schemas.openxmlformats.org/drawingml/2006/main" xmlns:r="http://schemas.openxmlformats.org/officeDocument/2006/relationships" xmlns:p="http://schemas.openxmlformats.org/presentationml/2006/main">
-  <p:cSld>
-    <p:spTree>
-      <p:nvGrpSpPr>
-        <p:cNvPr id="1" name=""/>
-        <p:cNvGrpSpPr/>
-        <p:nvPr/>
-      </p:nvGrpSpPr>
-      <p:grpSpPr>
-        <a:xfrm>
-          <a:off x="0" y="0"/>
-          <a:ext cx="0" cy="0"/>
-          <a:chOff x="0" y="0"/>
-          <a:chExt cx="0" cy="0"/>
-        </a:xfrm>
-      </p:grpSpPr>
-      <p:sp>
-        <p:nvSpPr>
-          <p:cNvPr id="2" name="Titre 1"/>
-          <p:cNvSpPr>
-            <a:spLocks noGrp="1"/>
-          </p:cNvSpPr>
-          <p:nvPr>
-            <p:ph type="title"/>
-          </p:nvPr>
-        </p:nvSpPr>
-        <p:spPr/>
-        <p:txBody>
-          <a:bodyPr/>
-          <a:lstStyle/>
-          <a:p>
-            <a:r>
-              <a:rPr lang="fr-FR" dirty="0" smtClean="0"/>
-              <a:t>Module de test, Historique des bateaux</a:t>
-            </a:r>
-            <a:endParaRPr lang="fr-FR" dirty="0"/>
-          </a:p>
-        </p:txBody>
-      </p:sp>
-      <p:pic>
-        <p:nvPicPr>
-          <p:cNvPr id="4" name="Espace réservé du contenu 3"/>
-          <p:cNvPicPr>
-            <a:picLocks noGrp="1"/>
-          </p:cNvPicPr>
-          <p:nvPr>
-            <p:ph idx="1"/>
-          </p:nvPr>
-        </p:nvPicPr>
-        <p:blipFill>
-          <a:blip r:embed="rId2"/>
-          <a:stretch>
-            <a:fillRect/>
-          </a:stretch>
-        </p:blipFill>
-        <p:spPr>
-          <a:xfrm>
-            <a:off x="680321" y="3023364"/>
-            <a:ext cx="2618356" cy="1052980"/>
-          </a:xfrm>
-          <a:prstGeom prst="rect">
-            <a:avLst/>
-          </a:prstGeom>
-        </p:spPr>
-      </p:pic>
-      <p:sp>
-        <p:nvSpPr>
-          <p:cNvPr id="5" name="Rectangle 4"/>
-          <p:cNvSpPr/>
-          <p:nvPr/>
-        </p:nvSpPr>
-        <p:spPr>
-          <a:xfrm>
-            <a:off x="560680" y="2210692"/>
-            <a:ext cx="6096000" cy="685059"/>
-          </a:xfrm>
-          <a:prstGeom prst="rect">
-            <a:avLst/>
-          </a:prstGeom>
-        </p:spPr>
-        <p:txBody>
-          <a:bodyPr>
-            <a:spAutoFit/>
-          </a:bodyPr>
-          <a:lstStyle/>
-          <a:p>
-            <a:pPr>
-              <a:lnSpc>
-                <a:spcPct val="107000"/>
-              </a:lnSpc>
-              <a:spcBef>
-                <a:spcPts val="1200"/>
-              </a:spcBef>
-              <a:spcAft>
-                <a:spcPts val="0"/>
-              </a:spcAft>
-              <a:tabLst>
-                <a:tab pos="3452495" algn="l"/>
-              </a:tabLst>
-            </a:pPr>
-            <a:r>
-              <a:rPr lang="fr-FR" b="1" dirty="0">
-                <a:latin typeface="Calibri Light" panose="020F0302020204030204" pitchFamily="34" charset="0"/>
-                <a:ea typeface="Times New Roman" panose="02020603050405020304" pitchFamily="18" charset="0"/>
-                <a:cs typeface="Times New Roman" panose="02020603050405020304" pitchFamily="18" charset="0"/>
-              </a:rPr>
-              <a:t>Ce module de test aura pour but de confirmer la fonctionnalité  d’historisation des bateaux.</a:t>
-            </a:r>
-            <a:endParaRPr lang="fr-FR" sz="2800" b="1" dirty="0">
-              <a:effectLst/>
-              <a:latin typeface="Calibri Light" panose="020F0302020204030204" pitchFamily="34" charset="0"/>
-              <a:ea typeface="Times New Roman" panose="02020603050405020304" pitchFamily="18" charset="0"/>
-              <a:cs typeface="Times New Roman" panose="02020603050405020304" pitchFamily="18" charset="0"/>
-            </a:endParaRPr>
-          </a:p>
-        </p:txBody>
-      </p:sp>
-      <p:sp>
-        <p:nvSpPr>
-          <p:cNvPr id="6" name="Rectangle 5"/>
-          <p:cNvSpPr/>
-          <p:nvPr/>
-        </p:nvSpPr>
-        <p:spPr>
-          <a:xfrm>
-            <a:off x="560680" y="4322708"/>
-            <a:ext cx="10839410" cy="685059"/>
-          </a:xfrm>
-          <a:prstGeom prst="rect">
-            <a:avLst/>
-          </a:prstGeom>
-        </p:spPr>
-        <p:txBody>
-          <a:bodyPr wrap="square">
-            <a:spAutoFit/>
-          </a:bodyPr>
-          <a:lstStyle/>
-          <a:p>
-            <a:pPr>
-              <a:lnSpc>
-                <a:spcPct val="107000"/>
-              </a:lnSpc>
-              <a:spcAft>
-                <a:spcPts val="800"/>
-              </a:spcAft>
-            </a:pPr>
-            <a:r>
-              <a:rPr lang="fr-FR" dirty="0">
-                <a:latin typeface="Calibri" panose="020F0502020204030204" pitchFamily="34" charset="0"/>
-                <a:ea typeface="Calibri" panose="020F0502020204030204" pitchFamily="34" charset="0"/>
-                <a:cs typeface="Times New Roman" panose="02020603050405020304" pitchFamily="18" charset="0"/>
-              </a:rPr>
-              <a:t>Pour réaliser cette fonctionnalité j’utilise un serveur Apache2 accompagné d’un module PHP. L’IHM va permettre à l’utilisateur d’afficher l’historique de donnée de ses bateaux.</a:t>
-            </a:r>
-            <a:endParaRPr lang="fr-FR" dirty="0">
-              <a:effectLst/>
-              <a:latin typeface="Calibri" panose="020F0502020204030204" pitchFamily="34" charset="0"/>
-              <a:ea typeface="Calibri" panose="020F0502020204030204" pitchFamily="34" charset="0"/>
-              <a:cs typeface="Times New Roman" panose="02020603050405020304" pitchFamily="18" charset="0"/>
-            </a:endParaRPr>
-          </a:p>
-        </p:txBody>
-      </p:sp>
-    </p:spTree>
-    <p:extLst>
-      <p:ext uri="{BB962C8B-B14F-4D97-AF65-F5344CB8AC3E}">
-        <p14:creationId xmlns:p14="http://schemas.microsoft.com/office/powerpoint/2010/main" val="4095681012"/>
+        <p14:creationId xmlns:p14="http://schemas.microsoft.com/office/powerpoint/2010/main" val="321817164"/>
       </p:ext>
     </p:extLst>
   </p:cSld>
@@ -14815,8 +14797,8 @@
         </p:blipFill>
         <p:spPr>
           <a:xfrm>
-            <a:off x="557898" y="2291379"/>
-            <a:ext cx="5760720" cy="3505835"/>
+            <a:off x="258794" y="2229357"/>
+            <a:ext cx="7116225" cy="2838299"/>
           </a:xfrm>
           <a:prstGeom prst="rect">
             <a:avLst/>
@@ -14831,15 +14813,15 @@
         </p:nvSpPr>
         <p:spPr>
           <a:xfrm>
-            <a:off x="6318618" y="2402808"/>
-            <a:ext cx="6096000" cy="685059"/>
+            <a:off x="7542873" y="2229357"/>
+            <a:ext cx="4848530" cy="2862194"/>
           </a:xfrm>
           <a:prstGeom prst="rect">
             <a:avLst/>
           </a:prstGeom>
         </p:spPr>
         <p:txBody>
-          <a:bodyPr>
+          <a:bodyPr wrap="square">
             <a:spAutoFit/>
           </a:bodyPr>
           <a:lstStyle/>
@@ -14858,12 +14840,132 @@
                 <a:ea typeface="Calibri" panose="020F0502020204030204" pitchFamily="34" charset="0"/>
                 <a:cs typeface="Times New Roman" panose="02020603050405020304" pitchFamily="18" charset="0"/>
               </a:rPr>
-              <a:t>Cette capture d’écran de l’IHM correspond au filtrage de l’historique.</a:t>
+              <a:t>Cette capture d’écran de l’IHM correspond à l’affichage des données du tableau avec les données suivantes :</a:t>
+            </a:r>
+          </a:p>
+          <a:p>
+            <a:pPr marL="342900" lvl="0" indent="-342900">
+              <a:lnSpc>
+                <a:spcPct val="107000"/>
+              </a:lnSpc>
+              <a:spcAft>
+                <a:spcPts val="0"/>
+              </a:spcAft>
+              <a:buFont typeface="Calibri Light" panose="020F0302020204030204" pitchFamily="34" charset="0"/>
+              <a:buChar char="-"/>
+            </a:pPr>
+            <a:r>
+              <a:rPr lang="fr-FR" dirty="0">
+                <a:latin typeface="Calibri" panose="020F0502020204030204" pitchFamily="34" charset="0"/>
+                <a:ea typeface="Times New Roman" panose="02020603050405020304" pitchFamily="18" charset="0"/>
+                <a:cs typeface="Times New Roman" panose="02020603050405020304" pitchFamily="18" charset="0"/>
+              </a:rPr>
+              <a:t>L’identifiant</a:t>
+            </a:r>
+          </a:p>
+          <a:p>
+            <a:pPr marL="342900" lvl="0" indent="-342900">
+              <a:lnSpc>
+                <a:spcPct val="107000"/>
+              </a:lnSpc>
+              <a:spcAft>
+                <a:spcPts val="0"/>
+              </a:spcAft>
+              <a:buFont typeface="Calibri Light" panose="020F0302020204030204" pitchFamily="34" charset="0"/>
+              <a:buChar char="-"/>
+            </a:pPr>
+            <a:r>
+              <a:rPr lang="fr-FR" dirty="0">
+                <a:latin typeface="Calibri" panose="020F0502020204030204" pitchFamily="34" charset="0"/>
+                <a:ea typeface="Times New Roman" panose="02020603050405020304" pitchFamily="18" charset="0"/>
+                <a:cs typeface="Times New Roman" panose="02020603050405020304" pitchFamily="18" charset="0"/>
+              </a:rPr>
+              <a:t>Le positionnement GPS</a:t>
+            </a:r>
+          </a:p>
+          <a:p>
+            <a:pPr marL="342900" lvl="0" indent="-342900">
+              <a:lnSpc>
+                <a:spcPct val="107000"/>
+              </a:lnSpc>
+              <a:spcAft>
+                <a:spcPts val="0"/>
+              </a:spcAft>
+              <a:buFont typeface="Calibri Light" panose="020F0302020204030204" pitchFamily="34" charset="0"/>
+              <a:buChar char="-"/>
+            </a:pPr>
+            <a:r>
+              <a:rPr lang="fr-FR" dirty="0">
+                <a:latin typeface="Calibri" panose="020F0502020204030204" pitchFamily="34" charset="0"/>
+                <a:ea typeface="Times New Roman" panose="02020603050405020304" pitchFamily="18" charset="0"/>
+                <a:cs typeface="Times New Roman" panose="02020603050405020304" pitchFamily="18" charset="0"/>
+              </a:rPr>
+              <a:t>La profondeur </a:t>
+            </a:r>
+          </a:p>
+          <a:p>
+            <a:pPr marL="342900" lvl="0" indent="-342900">
+              <a:lnSpc>
+                <a:spcPct val="107000"/>
+              </a:lnSpc>
+              <a:spcAft>
+                <a:spcPts val="0"/>
+              </a:spcAft>
+              <a:buFont typeface="Calibri Light" panose="020F0302020204030204" pitchFamily="34" charset="0"/>
+              <a:buChar char="-"/>
+            </a:pPr>
+            <a:r>
+              <a:rPr lang="fr-FR" dirty="0">
+                <a:latin typeface="Calibri" panose="020F0502020204030204" pitchFamily="34" charset="0"/>
+                <a:ea typeface="Times New Roman" panose="02020603050405020304" pitchFamily="18" charset="0"/>
+                <a:cs typeface="Times New Roman" panose="02020603050405020304" pitchFamily="18" charset="0"/>
+              </a:rPr>
+              <a:t>La vitesse </a:t>
+            </a:r>
+          </a:p>
+          <a:p>
+            <a:pPr marL="342900" lvl="0" indent="-342900">
+              <a:lnSpc>
+                <a:spcPct val="107000"/>
+              </a:lnSpc>
+              <a:spcAft>
+                <a:spcPts val="0"/>
+              </a:spcAft>
+              <a:buFont typeface="Calibri Light" panose="020F0302020204030204" pitchFamily="34" charset="0"/>
+              <a:buChar char="-"/>
+            </a:pPr>
+            <a:r>
+              <a:rPr lang="fr-FR" dirty="0">
+                <a:latin typeface="Calibri" panose="020F0502020204030204" pitchFamily="34" charset="0"/>
+                <a:ea typeface="Times New Roman" panose="02020603050405020304" pitchFamily="18" charset="0"/>
+                <a:cs typeface="Times New Roman" panose="02020603050405020304" pitchFamily="18" charset="0"/>
+              </a:rPr>
+              <a:t>Le niveau de batterie </a:t>
+            </a:r>
+          </a:p>
+          <a:p>
+            <a:pPr marL="342900" lvl="0" indent="-342900">
+              <a:lnSpc>
+                <a:spcPct val="107000"/>
+              </a:lnSpc>
+              <a:spcAft>
+                <a:spcPts val="800"/>
+              </a:spcAft>
+              <a:buFont typeface="Calibri Light" panose="020F0302020204030204" pitchFamily="34" charset="0"/>
+              <a:buChar char="-"/>
+            </a:pPr>
+            <a:r>
+              <a:rPr lang="fr-FR" dirty="0">
+                <a:latin typeface="Calibri" panose="020F0502020204030204" pitchFamily="34" charset="0"/>
+                <a:ea typeface="Times New Roman" panose="02020603050405020304" pitchFamily="18" charset="0"/>
+                <a:cs typeface="Times New Roman" panose="02020603050405020304" pitchFamily="18" charset="0"/>
+              </a:rPr>
+              <a:t>Date de réception </a:t>
             </a:r>
             <a:endParaRPr lang="fr-FR" dirty="0">
               <a:effectLst/>
               <a:latin typeface="Calibri" panose="020F0502020204030204" pitchFamily="34" charset="0"/>
-              <a:ea typeface="Calibri" panose="020F0502020204030204" pitchFamily="34" charset="0"/>
+              <a:ea typeface="Times New Roman" panose="02020603050405020304" pitchFamily="18" charset="0"/>
               <a:cs typeface="Times New Roman" panose="02020603050405020304" pitchFamily="18" charset="0"/>
             </a:endParaRPr>
           </a:p>
@@ -14872,7 +14974,7 @@
     </p:spTree>
     <p:extLst>
       <p:ext uri="{BB962C8B-B14F-4D97-AF65-F5344CB8AC3E}">
-        <p14:creationId xmlns:p14="http://schemas.microsoft.com/office/powerpoint/2010/main" val="321817164"/>
+        <p14:creationId xmlns:p14="http://schemas.microsoft.com/office/powerpoint/2010/main" val="2408392620"/>
       </p:ext>
     </p:extLst>
   </p:cSld>
@@ -14899,6 +15001,29 @@
           <a:chExt cx="0" cy="0"/>
         </a:xfrm>
       </p:grpSpPr>
+      <p:sp>
+        <p:nvSpPr>
+          <p:cNvPr id="2" name="Titre 1"/>
+          <p:cNvSpPr>
+            <a:spLocks noGrp="1"/>
+          </p:cNvSpPr>
+          <p:nvPr>
+            <p:ph type="title"/>
+          </p:nvPr>
+        </p:nvSpPr>
+        <p:spPr/>
+        <p:txBody>
+          <a:bodyPr/>
+          <a:lstStyle/>
+          <a:p>
+            <a:r>
+              <a:rPr lang="fr-FR" dirty="0" smtClean="0"/>
+              <a:t>UML liés au module de test:</a:t>
+            </a:r>
+            <a:endParaRPr lang="fr-FR" dirty="0"/>
+          </a:p>
+        </p:txBody>
+      </p:sp>
       <p:pic>
         <p:nvPicPr>
           <p:cNvPr id="4" name="Image 3"/>
@@ -14906,191 +15031,31 @@
           <p:nvPr/>
         </p:nvPicPr>
         <p:blipFill>
-          <a:blip r:embed="rId2"/>
+          <a:blip r:embed="rId2">
+            <a:extLst>
+              <a:ext uri="{28A0092B-C50C-407E-A947-70E740481C1C}">
+                <a14:useLocalDpi xmlns:a14="http://schemas.microsoft.com/office/drawing/2010/main" val="0"/>
+              </a:ext>
+            </a:extLst>
+          </a:blip>
           <a:stretch>
             <a:fillRect/>
           </a:stretch>
         </p:blipFill>
         <p:spPr>
           <a:xfrm>
-            <a:off x="258794" y="2229357"/>
-            <a:ext cx="7116225" cy="2838299"/>
+            <a:off x="985188" y="2399279"/>
+            <a:ext cx="5760720" cy="3119120"/>
           </a:xfrm>
           <a:prstGeom prst="rect">
             <a:avLst/>
           </a:prstGeom>
         </p:spPr>
       </p:pic>
-      <p:sp>
-        <p:nvSpPr>
-          <p:cNvPr id="5" name="Rectangle 4"/>
-          <p:cNvSpPr/>
-          <p:nvPr/>
-        </p:nvSpPr>
-        <p:spPr>
-          <a:xfrm>
-            <a:off x="7542873" y="2229357"/>
-            <a:ext cx="4848530" cy="2862194"/>
-          </a:xfrm>
-          <a:prstGeom prst="rect">
-            <a:avLst/>
-          </a:prstGeom>
-        </p:spPr>
-        <p:txBody>
-          <a:bodyPr wrap="square">
-            <a:spAutoFit/>
-          </a:bodyPr>
-          <a:lstStyle/>
-          <a:p>
-            <a:pPr>
-              <a:lnSpc>
-                <a:spcPct val="107000"/>
-              </a:lnSpc>
-              <a:spcAft>
-                <a:spcPts val="800"/>
-              </a:spcAft>
-            </a:pPr>
-            <a:r>
-              <a:rPr lang="fr-FR" dirty="0">
-                <a:latin typeface="Calibri" panose="020F0502020204030204" pitchFamily="34" charset="0"/>
-                <a:ea typeface="Calibri" panose="020F0502020204030204" pitchFamily="34" charset="0"/>
-                <a:cs typeface="Times New Roman" panose="02020603050405020304" pitchFamily="18" charset="0"/>
-              </a:rPr>
-              <a:t>Cette capture d’écran de l’IHM correspond à l’affichage des données du tableau avec les données suivantes :</a:t>
-            </a:r>
-          </a:p>
-          <a:p>
-            <a:pPr marL="342900" lvl="0" indent="-342900">
-              <a:lnSpc>
-                <a:spcPct val="107000"/>
-              </a:lnSpc>
-              <a:spcAft>
-                <a:spcPts val="0"/>
-              </a:spcAft>
-              <a:buFont typeface="Calibri Light" panose="020F0302020204030204" pitchFamily="34" charset="0"/>
-              <a:buChar char="-"/>
-            </a:pPr>
-            <a:r>
-              <a:rPr lang="fr-FR" dirty="0">
-                <a:latin typeface="Calibri" panose="020F0502020204030204" pitchFamily="34" charset="0"/>
-                <a:ea typeface="Times New Roman" panose="02020603050405020304" pitchFamily="18" charset="0"/>
-                <a:cs typeface="Times New Roman" panose="02020603050405020304" pitchFamily="18" charset="0"/>
-              </a:rPr>
-              <a:t>L’identifiant</a:t>
-            </a:r>
-          </a:p>
-          <a:p>
-            <a:pPr marL="342900" lvl="0" indent="-342900">
-              <a:lnSpc>
-                <a:spcPct val="107000"/>
-              </a:lnSpc>
-              <a:spcAft>
-                <a:spcPts val="0"/>
-              </a:spcAft>
-              <a:buFont typeface="Calibri Light" panose="020F0302020204030204" pitchFamily="34" charset="0"/>
-              <a:buChar char="-"/>
-            </a:pPr>
-            <a:r>
-              <a:rPr lang="fr-FR" dirty="0">
-                <a:latin typeface="Calibri" panose="020F0502020204030204" pitchFamily="34" charset="0"/>
-                <a:ea typeface="Times New Roman" panose="02020603050405020304" pitchFamily="18" charset="0"/>
-                <a:cs typeface="Times New Roman" panose="02020603050405020304" pitchFamily="18" charset="0"/>
-              </a:rPr>
-              <a:t>Le positionnement GPS</a:t>
-            </a:r>
-          </a:p>
-          <a:p>
-            <a:pPr marL="342900" lvl="0" indent="-342900">
-              <a:lnSpc>
-                <a:spcPct val="107000"/>
-              </a:lnSpc>
-              <a:spcAft>
-                <a:spcPts val="0"/>
-              </a:spcAft>
-              <a:buFont typeface="Calibri Light" panose="020F0302020204030204" pitchFamily="34" charset="0"/>
-              <a:buChar char="-"/>
-            </a:pPr>
-            <a:r>
-              <a:rPr lang="fr-FR" dirty="0">
-                <a:latin typeface="Calibri" panose="020F0502020204030204" pitchFamily="34" charset="0"/>
-                <a:ea typeface="Times New Roman" panose="02020603050405020304" pitchFamily="18" charset="0"/>
-                <a:cs typeface="Times New Roman" panose="02020603050405020304" pitchFamily="18" charset="0"/>
-              </a:rPr>
-              <a:t>La profondeur </a:t>
-            </a:r>
-          </a:p>
-          <a:p>
-            <a:pPr marL="342900" lvl="0" indent="-342900">
-              <a:lnSpc>
-                <a:spcPct val="107000"/>
-              </a:lnSpc>
-              <a:spcAft>
-                <a:spcPts val="0"/>
-              </a:spcAft>
-              <a:buFont typeface="Calibri Light" panose="020F0302020204030204" pitchFamily="34" charset="0"/>
-              <a:buChar char="-"/>
-            </a:pPr>
-            <a:r>
-              <a:rPr lang="fr-FR" dirty="0">
-                <a:latin typeface="Calibri" panose="020F0502020204030204" pitchFamily="34" charset="0"/>
-                <a:ea typeface="Times New Roman" panose="02020603050405020304" pitchFamily="18" charset="0"/>
-                <a:cs typeface="Times New Roman" panose="02020603050405020304" pitchFamily="18" charset="0"/>
-              </a:rPr>
-              <a:t>La vitesse </a:t>
-            </a:r>
-          </a:p>
-          <a:p>
-            <a:pPr marL="342900" lvl="0" indent="-342900">
-              <a:lnSpc>
-                <a:spcPct val="107000"/>
-              </a:lnSpc>
-              <a:spcAft>
-                <a:spcPts val="0"/>
-              </a:spcAft>
-              <a:buFont typeface="Calibri Light" panose="020F0302020204030204" pitchFamily="34" charset="0"/>
-              <a:buChar char="-"/>
-            </a:pPr>
-            <a:r>
-              <a:rPr lang="fr-FR" dirty="0">
-                <a:latin typeface="Calibri" panose="020F0502020204030204" pitchFamily="34" charset="0"/>
-                <a:ea typeface="Times New Roman" panose="02020603050405020304" pitchFamily="18" charset="0"/>
-                <a:cs typeface="Times New Roman" panose="02020603050405020304" pitchFamily="18" charset="0"/>
-              </a:rPr>
-              <a:t>Le niveau de batterie </a:t>
-            </a:r>
-          </a:p>
-          <a:p>
-            <a:pPr marL="342900" lvl="0" indent="-342900">
-              <a:lnSpc>
-                <a:spcPct val="107000"/>
-              </a:lnSpc>
-              <a:spcAft>
-                <a:spcPts val="800"/>
-              </a:spcAft>
-              <a:buFont typeface="Calibri Light" panose="020F0302020204030204" pitchFamily="34" charset="0"/>
-              <a:buChar char="-"/>
-            </a:pPr>
-            <a:r>
-              <a:rPr lang="fr-FR" dirty="0">
-                <a:latin typeface="Calibri" panose="020F0502020204030204" pitchFamily="34" charset="0"/>
-                <a:ea typeface="Times New Roman" panose="02020603050405020304" pitchFamily="18" charset="0"/>
-                <a:cs typeface="Times New Roman" panose="02020603050405020304" pitchFamily="18" charset="0"/>
-              </a:rPr>
-              <a:t>Date de réception </a:t>
-            </a:r>
-            <a:endParaRPr lang="fr-FR" dirty="0">
-              <a:effectLst/>
-              <a:latin typeface="Calibri" panose="020F0502020204030204" pitchFamily="34" charset="0"/>
-              <a:ea typeface="Times New Roman" panose="02020603050405020304" pitchFamily="18" charset="0"/>
-              <a:cs typeface="Times New Roman" panose="02020603050405020304" pitchFamily="18" charset="0"/>
-            </a:endParaRPr>
-          </a:p>
-        </p:txBody>
-      </p:sp>
     </p:spTree>
     <p:extLst>
       <p:ext uri="{BB962C8B-B14F-4D97-AF65-F5344CB8AC3E}">
-        <p14:creationId xmlns:p14="http://schemas.microsoft.com/office/powerpoint/2010/main" val="2408392620"/>
+        <p14:creationId xmlns:p14="http://schemas.microsoft.com/office/powerpoint/2010/main" val="2862454602"/>
       </p:ext>
     </p:extLst>
   </p:cSld>
@@ -15133,45 +15098,48 @@
           <a:lstStyle/>
           <a:p>
             <a:r>
-              <a:rPr lang="fr-FR" dirty="0" smtClean="0"/>
-              <a:t>UML liés au module de test:</a:t>
-            </a:r>
+              <a:rPr lang="fr-FR" dirty="0"/>
+              <a:t>Problèmes rencontrés : </a:t>
+            </a:r>
+            <a:br>
+              <a:rPr lang="fr-FR" dirty="0"/>
+            </a:br>
             <a:endParaRPr lang="fr-FR" dirty="0"/>
           </a:p>
         </p:txBody>
       </p:sp>
-      <p:pic>
-        <p:nvPicPr>
-          <p:cNvPr id="4" name="Image 3"/>
-          <p:cNvPicPr/>
-          <p:nvPr/>
-        </p:nvPicPr>
-        <p:blipFill>
-          <a:blip r:embed="rId2">
-            <a:extLst>
-              <a:ext uri="{28A0092B-C50C-407E-A947-70E740481C1C}">
-                <a14:useLocalDpi xmlns:a14="http://schemas.microsoft.com/office/drawing/2010/main" val="0"/>
-              </a:ext>
-            </a:extLst>
-          </a:blip>
-          <a:stretch>
-            <a:fillRect/>
-          </a:stretch>
-        </p:blipFill>
-        <p:spPr>
-          <a:xfrm>
-            <a:off x="985188" y="2399279"/>
-            <a:ext cx="5760720" cy="3119120"/>
-          </a:xfrm>
-          <a:prstGeom prst="rect">
-            <a:avLst/>
-          </a:prstGeom>
-        </p:spPr>
-      </p:pic>
+      <p:sp>
+        <p:nvSpPr>
+          <p:cNvPr id="3" name="Espace réservé du contenu 2"/>
+          <p:cNvSpPr>
+            <a:spLocks noGrp="1"/>
+          </p:cNvSpPr>
+          <p:nvPr>
+            <p:ph idx="1"/>
+          </p:nvPr>
+        </p:nvSpPr>
+        <p:spPr/>
+        <p:txBody>
+          <a:bodyPr/>
+          <a:lstStyle/>
+          <a:p>
+            <a:pPr marL="0" indent="0">
+              <a:buNone/>
+            </a:pPr>
+            <a:r>
+              <a:rPr lang="fr-FR" dirty="0"/>
+              <a:t>Problèmes pour récupérer les données depuis la BDD.</a:t>
+            </a:r>
+          </a:p>
+          <a:p>
+            <a:endParaRPr lang="fr-FR" dirty="0"/>
+          </a:p>
+        </p:txBody>
+      </p:sp>
     </p:spTree>
     <p:extLst>
       <p:ext uri="{BB962C8B-B14F-4D97-AF65-F5344CB8AC3E}">
-        <p14:creationId xmlns:p14="http://schemas.microsoft.com/office/powerpoint/2010/main" val="2862454602"/>
+        <p14:creationId xmlns:p14="http://schemas.microsoft.com/office/powerpoint/2010/main" val="1636502990"/>
       </p:ext>
     </p:extLst>
   </p:cSld>
@@ -15307,48 +15275,45 @@
           <a:lstStyle/>
           <a:p>
             <a:r>
-              <a:rPr lang="fr-FR" dirty="0"/>
-              <a:t>Problèmes rencontrés : </a:t>
-            </a:r>
-            <a:br>
-              <a:rPr lang="fr-FR" dirty="0"/>
-            </a:br>
+              <a:rPr lang="fr-FR" dirty="0" smtClean="0"/>
+              <a:t>Scénarios(description simplifiée)</a:t>
+            </a:r>
             <a:endParaRPr lang="fr-FR" dirty="0"/>
           </a:p>
         </p:txBody>
       </p:sp>
-      <p:sp>
-        <p:nvSpPr>
-          <p:cNvPr id="3" name="Espace réservé du contenu 2"/>
-          <p:cNvSpPr>
-            <a:spLocks noGrp="1"/>
-          </p:cNvSpPr>
-          <p:nvPr>
-            <p:ph idx="1"/>
-          </p:nvPr>
-        </p:nvSpPr>
-        <p:spPr/>
-        <p:txBody>
-          <a:bodyPr/>
-          <a:lstStyle/>
-          <a:p>
-            <a:pPr marL="0" indent="0">
-              <a:buNone/>
-            </a:pPr>
-            <a:r>
-              <a:rPr lang="fr-FR" dirty="0"/>
-              <a:t>Problèmes pour récupérer les données depuis la BDD.</a:t>
-            </a:r>
-          </a:p>
-          <a:p>
-            <a:endParaRPr lang="fr-FR" dirty="0"/>
-          </a:p>
-        </p:txBody>
-      </p:sp>
+      <p:pic>
+        <p:nvPicPr>
+          <p:cNvPr id="4" name="Image 3"/>
+          <p:cNvPicPr/>
+          <p:nvPr/>
+        </p:nvPicPr>
+        <p:blipFill>
+          <a:blip r:embed="rId2">
+            <a:extLst>
+              <a:ext uri="{28A0092B-C50C-407E-A947-70E740481C1C}">
+                <a14:useLocalDpi xmlns:a14="http://schemas.microsoft.com/office/drawing/2010/main" val="0"/>
+              </a:ext>
+            </a:extLst>
+          </a:blip>
+          <a:stretch>
+            <a:fillRect/>
+          </a:stretch>
+        </p:blipFill>
+        <p:spPr>
+          <a:xfrm>
+            <a:off x="680321" y="2378088"/>
+            <a:ext cx="6526566" cy="3270682"/>
+          </a:xfrm>
+          <a:prstGeom prst="rect">
+            <a:avLst/>
+          </a:prstGeom>
+        </p:spPr>
+      </p:pic>
     </p:spTree>
     <p:extLst>
       <p:ext uri="{BB962C8B-B14F-4D97-AF65-F5344CB8AC3E}">
-        <p14:creationId xmlns:p14="http://schemas.microsoft.com/office/powerpoint/2010/main" val="1636502990"/>
+        <p14:creationId xmlns:p14="http://schemas.microsoft.com/office/powerpoint/2010/main" val="452377449"/>
       </p:ext>
     </p:extLst>
   </p:cSld>
@@ -15375,29 +15340,6 @@
           <a:chExt cx="0" cy="0"/>
         </a:xfrm>
       </p:grpSpPr>
-      <p:sp>
-        <p:nvSpPr>
-          <p:cNvPr id="2" name="Titre 1"/>
-          <p:cNvSpPr>
-            <a:spLocks noGrp="1"/>
-          </p:cNvSpPr>
-          <p:nvPr>
-            <p:ph type="title"/>
-          </p:nvPr>
-        </p:nvSpPr>
-        <p:spPr/>
-        <p:txBody>
-          <a:bodyPr/>
-          <a:lstStyle/>
-          <a:p>
-            <a:r>
-              <a:rPr lang="fr-FR" dirty="0" smtClean="0"/>
-              <a:t>Scénarios(description simplifiée)</a:t>
-            </a:r>
-            <a:endParaRPr lang="fr-FR" dirty="0"/>
-          </a:p>
-        </p:txBody>
-      </p:sp>
       <p:pic>
         <p:nvPicPr>
           <p:cNvPr id="4" name="Image 3"/>
@@ -15418,8 +15360,8 @@
         </p:blipFill>
         <p:spPr>
           <a:xfrm>
-            <a:off x="680321" y="2378088"/>
-            <a:ext cx="6526566" cy="3270682"/>
+            <a:off x="549350" y="2579436"/>
+            <a:ext cx="6586387" cy="2924056"/>
           </a:xfrm>
           <a:prstGeom prst="rect">
             <a:avLst/>
@@ -15429,7 +15371,7 @@
     </p:spTree>
     <p:extLst>
       <p:ext uri="{BB962C8B-B14F-4D97-AF65-F5344CB8AC3E}">
-        <p14:creationId xmlns:p14="http://schemas.microsoft.com/office/powerpoint/2010/main" val="452377449"/>
+        <p14:creationId xmlns:p14="http://schemas.microsoft.com/office/powerpoint/2010/main" val="3818596641"/>
       </p:ext>
     </p:extLst>
   </p:cSld>
@@ -15476,8 +15418,8 @@
         </p:blipFill>
         <p:spPr>
           <a:xfrm>
-            <a:off x="549350" y="2579436"/>
-            <a:ext cx="6586387" cy="2924056"/>
+            <a:off x="745906" y="2493936"/>
+            <a:ext cx="6518019" cy="2650632"/>
           </a:xfrm>
           <a:prstGeom prst="rect">
             <a:avLst/>
@@ -15487,7 +15429,7 @@
     </p:spTree>
     <p:extLst>
       <p:ext uri="{BB962C8B-B14F-4D97-AF65-F5344CB8AC3E}">
-        <p14:creationId xmlns:p14="http://schemas.microsoft.com/office/powerpoint/2010/main" val="3818596641"/>
+        <p14:creationId xmlns:p14="http://schemas.microsoft.com/office/powerpoint/2010/main" val="3866977762"/>
       </p:ext>
     </p:extLst>
   </p:cSld>
@@ -15534,8 +15476,8 @@
         </p:blipFill>
         <p:spPr>
           <a:xfrm>
-            <a:off x="745906" y="2493936"/>
-            <a:ext cx="6518019" cy="2650632"/>
+            <a:off x="421164" y="2465994"/>
+            <a:ext cx="6663299" cy="2772579"/>
           </a:xfrm>
           <a:prstGeom prst="rect">
             <a:avLst/>
@@ -15545,7 +15487,7 @@
     </p:spTree>
     <p:extLst>
       <p:ext uri="{BB962C8B-B14F-4D97-AF65-F5344CB8AC3E}">
-        <p14:creationId xmlns:p14="http://schemas.microsoft.com/office/powerpoint/2010/main" val="3866977762"/>
+        <p14:creationId xmlns:p14="http://schemas.microsoft.com/office/powerpoint/2010/main" val="1377866347"/>
       </p:ext>
     </p:extLst>
   </p:cSld>
@@ -15556,6 +15498,86 @@
 </file>
 
 <file path=ppt/slides/slide84.xml><?xml version="1.0" encoding="utf-8"?>
+<p:sld xmlns:a="http://schemas.openxmlformats.org/drawingml/2006/main" xmlns:r="http://schemas.openxmlformats.org/officeDocument/2006/relationships" xmlns:p="http://schemas.openxmlformats.org/presentationml/2006/main">
+  <p:cSld>
+    <p:spTree>
+      <p:nvGrpSpPr>
+        <p:cNvPr id="1" name=""/>
+        <p:cNvGrpSpPr/>
+        <p:nvPr/>
+      </p:nvGrpSpPr>
+      <p:grpSpPr>
+        <a:xfrm>
+          <a:off x="0" y="0"/>
+          <a:ext cx="0" cy="0"/>
+          <a:chOff x="0" y="0"/>
+          <a:chExt cx="0" cy="0"/>
+        </a:xfrm>
+      </p:grpSpPr>
+      <p:sp>
+        <p:nvSpPr>
+          <p:cNvPr id="2" name="Titre 1"/>
+          <p:cNvSpPr>
+            <a:spLocks noGrp="1"/>
+          </p:cNvSpPr>
+          <p:nvPr>
+            <p:ph type="title"/>
+          </p:nvPr>
+        </p:nvSpPr>
+        <p:spPr/>
+        <p:txBody>
+          <a:bodyPr/>
+          <a:lstStyle/>
+          <a:p>
+            <a:r>
+              <a:rPr lang="fr-FR" dirty="0"/>
+              <a:t>Scénarios (description détaillé)</a:t>
+            </a:r>
+          </a:p>
+        </p:txBody>
+      </p:sp>
+      <p:pic>
+        <p:nvPicPr>
+          <p:cNvPr id="4" name="Image 3"/>
+          <p:cNvPicPr/>
+          <p:nvPr/>
+        </p:nvPicPr>
+        <p:blipFill>
+          <a:blip r:embed="rId2">
+            <a:extLst>
+              <a:ext uri="{28A0092B-C50C-407E-A947-70E740481C1C}">
+                <a14:useLocalDpi xmlns:a14="http://schemas.microsoft.com/office/drawing/2010/main" val="0"/>
+              </a:ext>
+            </a:extLst>
+          </a:blip>
+          <a:stretch>
+            <a:fillRect/>
+          </a:stretch>
+        </p:blipFill>
+        <p:spPr>
+          <a:xfrm>
+            <a:off x="2429427" y="2308177"/>
+            <a:ext cx="5760720" cy="3694430"/>
+          </a:xfrm>
+          <a:prstGeom prst="rect">
+            <a:avLst/>
+          </a:prstGeom>
+        </p:spPr>
+      </p:pic>
+    </p:spTree>
+    <p:extLst>
+      <p:ext uri="{BB962C8B-B14F-4D97-AF65-F5344CB8AC3E}">
+        <p14:creationId xmlns:p14="http://schemas.microsoft.com/office/powerpoint/2010/main" val="1031295991"/>
+      </p:ext>
+    </p:extLst>
+  </p:cSld>
+  <p:clrMapOvr>
+    <a:masterClrMapping/>
+  </p:clrMapOvr>
+</p:sld>
+</file>
+
+<file path=ppt/slides/slide85.xml><?xml version="1.0" encoding="utf-8"?>
 <p:sld xmlns:a="http://schemas.openxmlformats.org/drawingml/2006/main" xmlns:r="http://schemas.openxmlformats.org/officeDocument/2006/relationships" xmlns:p="http://schemas.openxmlformats.org/presentationml/2006/main">
   <p:cSld>
     <p:spTree>
@@ -15592,8 +15614,8 @@
         </p:blipFill>
         <p:spPr>
           <a:xfrm>
-            <a:off x="421164" y="2465994"/>
-            <a:ext cx="6663299" cy="2772579"/>
+            <a:off x="1574847" y="2794979"/>
+            <a:ext cx="5760720" cy="3079750"/>
           </a:xfrm>
           <a:prstGeom prst="rect">
             <a:avLst/>
@@ -15603,87 +15625,7 @@
     </p:spTree>
     <p:extLst>
       <p:ext uri="{BB962C8B-B14F-4D97-AF65-F5344CB8AC3E}">
-        <p14:creationId xmlns:p14="http://schemas.microsoft.com/office/powerpoint/2010/main" val="1377866347"/>
-      </p:ext>
-    </p:extLst>
-  </p:cSld>
-  <p:clrMapOvr>
-    <a:masterClrMapping/>
-  </p:clrMapOvr>
-</p:sld>
-</file>
-
-<file path=ppt/slides/slide85.xml><?xml version="1.0" encoding="utf-8"?>
-<p:sld xmlns:a="http://schemas.openxmlformats.org/drawingml/2006/main" xmlns:r="http://schemas.openxmlformats.org/officeDocument/2006/relationships" xmlns:p="http://schemas.openxmlformats.org/presentationml/2006/main">
-  <p:cSld>
-    <p:spTree>
-      <p:nvGrpSpPr>
-        <p:cNvPr id="1" name=""/>
-        <p:cNvGrpSpPr/>
-        <p:nvPr/>
-      </p:nvGrpSpPr>
-      <p:grpSpPr>
-        <a:xfrm>
-          <a:off x="0" y="0"/>
-          <a:ext cx="0" cy="0"/>
-          <a:chOff x="0" y="0"/>
-          <a:chExt cx="0" cy="0"/>
-        </a:xfrm>
-      </p:grpSpPr>
-      <p:sp>
-        <p:nvSpPr>
-          <p:cNvPr id="2" name="Titre 1"/>
-          <p:cNvSpPr>
-            <a:spLocks noGrp="1"/>
-          </p:cNvSpPr>
-          <p:nvPr>
-            <p:ph type="title"/>
-          </p:nvPr>
-        </p:nvSpPr>
-        <p:spPr/>
-        <p:txBody>
-          <a:bodyPr/>
-          <a:lstStyle/>
-          <a:p>
-            <a:r>
-              <a:rPr lang="fr-FR" dirty="0"/>
-              <a:t>Scénarios (description détaillé)</a:t>
-            </a:r>
-          </a:p>
-        </p:txBody>
-      </p:sp>
-      <p:pic>
-        <p:nvPicPr>
-          <p:cNvPr id="4" name="Image 3"/>
-          <p:cNvPicPr/>
-          <p:nvPr/>
-        </p:nvPicPr>
-        <p:blipFill>
-          <a:blip r:embed="rId2">
-            <a:extLst>
-              <a:ext uri="{28A0092B-C50C-407E-A947-70E740481C1C}">
-                <a14:useLocalDpi xmlns:a14="http://schemas.microsoft.com/office/drawing/2010/main" val="0"/>
-              </a:ext>
-            </a:extLst>
-          </a:blip>
-          <a:stretch>
-            <a:fillRect/>
-          </a:stretch>
-        </p:blipFill>
-        <p:spPr>
-          <a:xfrm>
-            <a:off x="2429427" y="2308177"/>
-            <a:ext cx="5760720" cy="3694430"/>
-          </a:xfrm>
-          <a:prstGeom prst="rect">
-            <a:avLst/>
-          </a:prstGeom>
-        </p:spPr>
-      </p:pic>
-    </p:spTree>
-    <p:extLst>
-      <p:ext uri="{BB962C8B-B14F-4D97-AF65-F5344CB8AC3E}">
-        <p14:creationId xmlns:p14="http://schemas.microsoft.com/office/powerpoint/2010/main" val="1031295991"/>
+        <p14:creationId xmlns:p14="http://schemas.microsoft.com/office/powerpoint/2010/main" val="2833193496"/>
       </p:ext>
     </p:extLst>
   </p:cSld>
@@ -15730,8 +15672,8 @@
         </p:blipFill>
         <p:spPr>
           <a:xfrm>
-            <a:off x="1574847" y="2794979"/>
-            <a:ext cx="5760720" cy="3079750"/>
+            <a:off x="1856858" y="2499469"/>
+            <a:ext cx="5760720" cy="3414395"/>
           </a:xfrm>
           <a:prstGeom prst="rect">
             <a:avLst/>
@@ -15741,7 +15683,7 @@
     </p:spTree>
     <p:extLst>
       <p:ext uri="{BB962C8B-B14F-4D97-AF65-F5344CB8AC3E}">
-        <p14:creationId xmlns:p14="http://schemas.microsoft.com/office/powerpoint/2010/main" val="2833193496"/>
+        <p14:creationId xmlns:p14="http://schemas.microsoft.com/office/powerpoint/2010/main" val="2615340110"/>
       </p:ext>
     </p:extLst>
   </p:cSld>
@@ -15752,6 +15694,120 @@
 </file>
 
 <file path=ppt/slides/slide87.xml><?xml version="1.0" encoding="utf-8"?>
+<p:sld xmlns:a="http://schemas.openxmlformats.org/drawingml/2006/main" xmlns:r="http://schemas.openxmlformats.org/officeDocument/2006/relationships" xmlns:p="http://schemas.openxmlformats.org/presentationml/2006/main">
+  <p:cSld>
+    <p:spTree>
+      <p:nvGrpSpPr>
+        <p:cNvPr id="1" name=""/>
+        <p:cNvGrpSpPr/>
+        <p:nvPr/>
+      </p:nvGrpSpPr>
+      <p:grpSpPr>
+        <a:xfrm>
+          <a:off x="0" y="0"/>
+          <a:ext cx="0" cy="0"/>
+          <a:chOff x="0" y="0"/>
+          <a:chExt cx="0" cy="0"/>
+        </a:xfrm>
+      </p:grpSpPr>
+      <p:sp>
+        <p:nvSpPr>
+          <p:cNvPr id="2" name="Titre 1"/>
+          <p:cNvSpPr>
+            <a:spLocks noGrp="1"/>
+          </p:cNvSpPr>
+          <p:nvPr>
+            <p:ph type="title"/>
+          </p:nvPr>
+        </p:nvSpPr>
+        <p:spPr/>
+        <p:txBody>
+          <a:bodyPr/>
+          <a:lstStyle/>
+          <a:p>
+            <a:r>
+              <a:rPr lang="fr-FR" dirty="0" smtClean="0"/>
+              <a:t>Diagrammes de séquences</a:t>
+            </a:r>
+            <a:endParaRPr lang="fr-FR" dirty="0"/>
+          </a:p>
+        </p:txBody>
+      </p:sp>
+      <p:pic>
+        <p:nvPicPr>
+          <p:cNvPr id="4" name="Image 3"/>
+          <p:cNvPicPr/>
+          <p:nvPr/>
+        </p:nvPicPr>
+        <p:blipFill>
+          <a:blip r:embed="rId2">
+            <a:extLst>
+              <a:ext uri="{28A0092B-C50C-407E-A947-70E740481C1C}">
+                <a14:useLocalDpi xmlns:a14="http://schemas.microsoft.com/office/drawing/2010/main" val="0"/>
+              </a:ext>
+            </a:extLst>
+          </a:blip>
+          <a:stretch>
+            <a:fillRect/>
+          </a:stretch>
+        </p:blipFill>
+        <p:spPr>
+          <a:xfrm>
+            <a:off x="2507831" y="2516182"/>
+            <a:ext cx="5958840" cy="4064635"/>
+          </a:xfrm>
+          <a:prstGeom prst="rect">
+            <a:avLst/>
+          </a:prstGeom>
+        </p:spPr>
+      </p:pic>
+      <p:sp>
+        <p:nvSpPr>
+          <p:cNvPr id="5" name="Rectangle 4"/>
+          <p:cNvSpPr/>
+          <p:nvPr/>
+        </p:nvSpPr>
+        <p:spPr>
+          <a:xfrm>
+            <a:off x="3947535" y="1990508"/>
+            <a:ext cx="2553584" cy="369332"/>
+          </a:xfrm>
+          <a:prstGeom prst="rect">
+            <a:avLst/>
+          </a:prstGeom>
+        </p:spPr>
+        <p:txBody>
+          <a:bodyPr wrap="none">
+            <a:spAutoFit/>
+          </a:bodyPr>
+          <a:lstStyle/>
+          <a:p>
+            <a:r>
+              <a:rPr lang="fr-FR" dirty="0">
+                <a:latin typeface="Calibri" panose="020F0502020204030204" pitchFamily="34" charset="0"/>
+                <a:ea typeface="Calibri" panose="020F0502020204030204" pitchFamily="34" charset="0"/>
+                <a:cs typeface="Times New Roman" panose="02020603050405020304" pitchFamily="18" charset="0"/>
+              </a:rPr>
+              <a:t>Visualisation des bateaux</a:t>
+            </a:r>
+            <a:endParaRPr lang="fr-FR" dirty="0"/>
+          </a:p>
+        </p:txBody>
+      </p:sp>
+    </p:spTree>
+    <p:extLst>
+      <p:ext uri="{BB962C8B-B14F-4D97-AF65-F5344CB8AC3E}">
+        <p14:creationId xmlns:p14="http://schemas.microsoft.com/office/powerpoint/2010/main" val="192338617"/>
+      </p:ext>
+    </p:extLst>
+  </p:cSld>
+  <p:clrMapOvr>
+    <a:masterClrMapping/>
+  </p:clrMapOvr>
+</p:sld>
+</file>
+
+<file path=ppt/slides/slide88.xml><?xml version="1.0" encoding="utf-8"?>
 <p:sld xmlns:a="http://schemas.openxmlformats.org/drawingml/2006/main" xmlns:r="http://schemas.openxmlformats.org/officeDocument/2006/relationships" xmlns:p="http://schemas.openxmlformats.org/presentationml/2006/main">
   <p:cSld>
     <p:spTree>
@@ -15788,112 +15844,31 @@
         </p:blipFill>
         <p:spPr>
           <a:xfrm>
-            <a:off x="1856858" y="2499469"/>
-            <a:ext cx="5760720" cy="3414395"/>
+            <a:off x="355534" y="2051549"/>
+            <a:ext cx="6849110" cy="4699628"/>
           </a:xfrm>
           <a:prstGeom prst="rect">
             <a:avLst/>
           </a:prstGeom>
         </p:spPr>
       </p:pic>
-    </p:spTree>
-    <p:extLst>
-      <p:ext uri="{BB962C8B-B14F-4D97-AF65-F5344CB8AC3E}">
-        <p14:creationId xmlns:p14="http://schemas.microsoft.com/office/powerpoint/2010/main" val="2615340110"/>
-      </p:ext>
-    </p:extLst>
-  </p:cSld>
-  <p:clrMapOvr>
-    <a:masterClrMapping/>
-  </p:clrMapOvr>
-</p:sld>
-</file>
-
-<file path=ppt/slides/slide88.xml><?xml version="1.0" encoding="utf-8"?>
-<p:sld xmlns:a="http://schemas.openxmlformats.org/drawingml/2006/main" xmlns:r="http://schemas.openxmlformats.org/officeDocument/2006/relationships" xmlns:p="http://schemas.openxmlformats.org/presentationml/2006/main">
-  <p:cSld>
-    <p:spTree>
-      <p:nvGrpSpPr>
-        <p:cNvPr id="1" name=""/>
-        <p:cNvGrpSpPr/>
-        <p:nvPr/>
-      </p:nvGrpSpPr>
-      <p:grpSpPr>
-        <a:xfrm>
-          <a:off x="0" y="0"/>
-          <a:ext cx="0" cy="0"/>
-          <a:chOff x="0" y="0"/>
-          <a:chExt cx="0" cy="0"/>
-        </a:xfrm>
-      </p:grpSpPr>
-      <p:sp>
-        <p:nvSpPr>
-          <p:cNvPr id="2" name="Titre 1"/>
-          <p:cNvSpPr>
-            <a:spLocks noGrp="1"/>
-          </p:cNvSpPr>
-          <p:nvPr>
-            <p:ph type="title"/>
-          </p:nvPr>
-        </p:nvSpPr>
-        <p:spPr/>
-        <p:txBody>
-          <a:bodyPr/>
-          <a:lstStyle/>
-          <a:p>
-            <a:r>
-              <a:rPr lang="fr-FR" dirty="0" smtClean="0"/>
-              <a:t>Diagrammes de séquences</a:t>
-            </a:r>
-            <a:endParaRPr lang="fr-FR" dirty="0"/>
-          </a:p>
-        </p:txBody>
-      </p:sp>
-      <p:pic>
-        <p:nvPicPr>
-          <p:cNvPr id="4" name="Image 3"/>
-          <p:cNvPicPr/>
+      <p:sp>
+        <p:nvSpPr>
+          <p:cNvPr id="5" name="Rectangle 4"/>
+          <p:cNvSpPr/>
           <p:nvPr/>
-        </p:nvPicPr>
-        <p:blipFill>
-          <a:blip r:embed="rId2">
-            <a:extLst>
-              <a:ext uri="{28A0092B-C50C-407E-A947-70E740481C1C}">
-                <a14:useLocalDpi xmlns:a14="http://schemas.microsoft.com/office/drawing/2010/main" val="0"/>
-              </a:ext>
-            </a:extLst>
-          </a:blip>
-          <a:stretch>
-            <a:fillRect/>
-          </a:stretch>
-        </p:blipFill>
-        <p:spPr>
-          <a:xfrm>
-            <a:off x="2507831" y="2516182"/>
-            <a:ext cx="5958840" cy="4064635"/>
+        </p:nvSpPr>
+        <p:spPr>
+          <a:xfrm>
+            <a:off x="7366989" y="2167564"/>
+            <a:ext cx="3289618" cy="646331"/>
           </a:xfrm>
           <a:prstGeom prst="rect">
             <a:avLst/>
           </a:prstGeom>
         </p:spPr>
-      </p:pic>
-      <p:sp>
-        <p:nvSpPr>
-          <p:cNvPr id="5" name="Rectangle 4"/>
-          <p:cNvSpPr/>
-          <p:nvPr/>
-        </p:nvSpPr>
-        <p:spPr>
-          <a:xfrm>
-            <a:off x="3947535" y="1990508"/>
-            <a:ext cx="2553584" cy="369332"/>
-          </a:xfrm>
-          <a:prstGeom prst="rect">
-            <a:avLst/>
-          </a:prstGeom>
-        </p:spPr>
-        <p:txBody>
-          <a:bodyPr wrap="none">
+        <p:txBody>
+          <a:bodyPr wrap="square">
             <a:spAutoFit/>
           </a:bodyPr>
           <a:lstStyle/>
@@ -15904,7 +15879,7 @@
                 <a:ea typeface="Calibri" panose="020F0502020204030204" pitchFamily="34" charset="0"/>
                 <a:cs typeface="Times New Roman" panose="02020603050405020304" pitchFamily="18" charset="0"/>
               </a:rPr>
-              <a:t>Visualisation des bateaux</a:t>
+              <a:t>Diagramme de séquence visualisation des anomalies</a:t>
             </a:r>
             <a:endParaRPr lang="fr-FR" dirty="0"/>
           </a:p>
@@ -15913,7 +15888,7 @@
     </p:spTree>
     <p:extLst>
       <p:ext uri="{BB962C8B-B14F-4D97-AF65-F5344CB8AC3E}">
-        <p14:creationId xmlns:p14="http://schemas.microsoft.com/office/powerpoint/2010/main" val="192338617"/>
+        <p14:creationId xmlns:p14="http://schemas.microsoft.com/office/powerpoint/2010/main" val="1481983145"/>
       </p:ext>
     </p:extLst>
   </p:cSld>
@@ -15960,8 +15935,8 @@
         </p:blipFill>
         <p:spPr>
           <a:xfrm>
-            <a:off x="355534" y="2051549"/>
-            <a:ext cx="6849110" cy="4699628"/>
+            <a:off x="1739621" y="2131933"/>
+            <a:ext cx="4217670" cy="4474210"/>
           </a:xfrm>
           <a:prstGeom prst="rect">
             <a:avLst/>
@@ -15976,35 +15951,59 @@
         </p:nvSpPr>
         <p:spPr>
           <a:xfrm>
-            <a:off x="7366989" y="2167564"/>
-            <a:ext cx="3289618" cy="646331"/>
+            <a:off x="6271996" y="2354435"/>
+            <a:ext cx="2369944" cy="375552"/>
           </a:xfrm>
           <a:prstGeom prst="rect">
             <a:avLst/>
           </a:prstGeom>
         </p:spPr>
         <p:txBody>
-          <a:bodyPr wrap="square">
+          <a:bodyPr wrap="none">
             <a:spAutoFit/>
           </a:bodyPr>
           <a:lstStyle/>
           <a:p>
-            <a:r>
-              <a:rPr lang="fr-FR" dirty="0">
-                <a:latin typeface="Calibri" panose="020F0502020204030204" pitchFamily="34" charset="0"/>
-                <a:ea typeface="Calibri" panose="020F0502020204030204" pitchFamily="34" charset="0"/>
+            <a:pPr>
+              <a:lnSpc>
+                <a:spcPct val="107000"/>
+              </a:lnSpc>
+              <a:spcBef>
+                <a:spcPts val="1200"/>
+              </a:spcBef>
+              <a:spcAft>
+                <a:spcPts val="0"/>
+              </a:spcAft>
+            </a:pPr>
+            <a:r>
+              <a:rPr lang="fr-FR" b="1" dirty="0" smtClean="0">
+                <a:latin typeface="Calibri Light" panose="020F0302020204030204" pitchFamily="34" charset="0"/>
+                <a:ea typeface="Times New Roman" panose="02020603050405020304" pitchFamily="18" charset="0"/>
                 <a:cs typeface="Times New Roman" panose="02020603050405020304" pitchFamily="18" charset="0"/>
               </a:rPr>
-              <a:t>Diagramme de séquence visualisation des anomalies</a:t>
-            </a:r>
-            <a:endParaRPr lang="fr-FR" dirty="0"/>
+              <a:t>Connexion </a:t>
+            </a:r>
+            <a:r>
+              <a:rPr lang="fr-FR" b="1" dirty="0">
+                <a:latin typeface="Calibri Light" panose="020F0302020204030204" pitchFamily="34" charset="0"/>
+                <a:ea typeface="Times New Roman" panose="02020603050405020304" pitchFamily="18" charset="0"/>
+                <a:cs typeface="Times New Roman" panose="02020603050405020304" pitchFamily="18" charset="0"/>
+              </a:rPr>
+              <a:t>à l’appli web</a:t>
+            </a:r>
+            <a:endParaRPr lang="fr-FR" b="1" dirty="0">
+              <a:effectLst/>
+              <a:latin typeface="Calibri Light" panose="020F0302020204030204" pitchFamily="34" charset="0"/>
+              <a:ea typeface="Times New Roman" panose="02020603050405020304" pitchFamily="18" charset="0"/>
+              <a:cs typeface="Times New Roman" panose="02020603050405020304" pitchFamily="18" charset="0"/>
+            </a:endParaRPr>
           </a:p>
         </p:txBody>
       </p:sp>
     </p:spTree>
     <p:extLst>
       <p:ext uri="{BB962C8B-B14F-4D97-AF65-F5344CB8AC3E}">
-        <p14:creationId xmlns:p14="http://schemas.microsoft.com/office/powerpoint/2010/main" val="1481983145"/>
+        <p14:creationId xmlns:p14="http://schemas.microsoft.com/office/powerpoint/2010/main" val="1363356876"/>
       </p:ext>
     </p:extLst>
   </p:cSld>
@@ -16015,7 +16014,7 @@
 </file>
 
 <file path=ppt/slides/slide9.xml><?xml version="1.0" encoding="utf-8"?>
-<p:sld xmlns:a="http://schemas.openxmlformats.org/drawingml/2006/main" xmlns:r="http://schemas.openxmlformats.org/officeDocument/2006/relationships" xmlns:p="http://schemas.openxmlformats.org/presentationml/2006/main">
+<p:sld xmlns:a="http://schemas.openxmlformats.org/drawingml/2006/main" xmlns:r="http://schemas.openxmlformats.org/officeDocument/2006/relationships" xmlns:p="http://schemas.openxmlformats.org/presentationml/2006/main" show="0">
   <p:cSld>
     <p:spTree>
       <p:nvGrpSpPr>
@@ -16081,6 +16080,14 @@
   <p:clrMapOvr>
     <a:masterClrMapping/>
   </p:clrMapOvr>
+  <mc:AlternateContent xmlns:mc="http://schemas.openxmlformats.org/markup-compatibility/2006" xmlns:p14="http://schemas.microsoft.com/office/powerpoint/2010/main">
+    <mc:Choice Requires="p14">
+      <p:transition spd="slow" p14:dur="2000"/>
+    </mc:Choice>
+    <mc:Fallback xmlns="">
+      <p:transition spd="slow"/>
+    </mc:Fallback>
+  </mc:AlternateContent>
 </p:sld>
 </file>
 
@@ -16121,8 +16128,8 @@
         </p:blipFill>
         <p:spPr>
           <a:xfrm>
-            <a:off x="1739621" y="2131933"/>
-            <a:ext cx="4217670" cy="4474210"/>
+            <a:off x="441039" y="2273255"/>
+            <a:ext cx="6330012" cy="4024995"/>
           </a:xfrm>
           <a:prstGeom prst="rect">
             <a:avLst/>
@@ -16137,8 +16144,8 @@
         </p:nvSpPr>
         <p:spPr>
           <a:xfrm>
-            <a:off x="6271996" y="2354435"/>
-            <a:ext cx="2369944" cy="375552"/>
+            <a:off x="7289655" y="2482622"/>
+            <a:ext cx="2368982" cy="375552"/>
           </a:xfrm>
           <a:prstGeom prst="rect">
             <a:avLst/>
@@ -16167,7 +16174,7 @@
                 <a:ea typeface="Times New Roman" panose="02020603050405020304" pitchFamily="18" charset="0"/>
                 <a:cs typeface="Times New Roman" panose="02020603050405020304" pitchFamily="18" charset="0"/>
               </a:rPr>
-              <a:t>Connexion </a:t>
+              <a:t>Inscription </a:t>
             </a:r>
             <a:r>
               <a:rPr lang="fr-FR" b="1" dirty="0">
@@ -16189,7 +16196,7 @@
     </p:spTree>
     <p:extLst>
       <p:ext uri="{BB962C8B-B14F-4D97-AF65-F5344CB8AC3E}">
-        <p14:creationId xmlns:p14="http://schemas.microsoft.com/office/powerpoint/2010/main" val="1363356876"/>
+        <p14:creationId xmlns:p14="http://schemas.microsoft.com/office/powerpoint/2010/main" val="2572494505"/>
       </p:ext>
     </p:extLst>
   </p:cSld>
@@ -16236,8 +16243,8 @@
         </p:blipFill>
         <p:spPr>
           <a:xfrm>
-            <a:off x="441039" y="2273255"/>
-            <a:ext cx="6330012" cy="4024995"/>
+            <a:off x="1006979" y="2454016"/>
+            <a:ext cx="6400800" cy="3334385"/>
           </a:xfrm>
           <a:prstGeom prst="rect">
             <a:avLst/>
@@ -16252,8 +16259,8 @@
         </p:nvSpPr>
         <p:spPr>
           <a:xfrm>
-            <a:off x="7289655" y="2482622"/>
-            <a:ext cx="2368982" cy="375552"/>
+            <a:off x="7646687" y="2644992"/>
+            <a:ext cx="3813288" cy="375552"/>
           </a:xfrm>
           <a:prstGeom prst="rect">
             <a:avLst/>
@@ -16282,7 +16289,7 @@
                 <a:ea typeface="Times New Roman" panose="02020603050405020304" pitchFamily="18" charset="0"/>
                 <a:cs typeface="Times New Roman" panose="02020603050405020304" pitchFamily="18" charset="0"/>
               </a:rPr>
-              <a:t>Inscription </a:t>
+              <a:t>Envoi </a:t>
             </a:r>
             <a:r>
               <a:rPr lang="fr-FR" b="1" dirty="0">
@@ -16290,7 +16297,7 @@
                 <a:ea typeface="Times New Roman" panose="02020603050405020304" pitchFamily="18" charset="0"/>
                 <a:cs typeface="Times New Roman" panose="02020603050405020304" pitchFamily="18" charset="0"/>
               </a:rPr>
-              <a:t>à l’appli web</a:t>
+              <a:t>d’alerte sur le système embarqué</a:t>
             </a:r>
             <a:endParaRPr lang="fr-FR" b="1" dirty="0">
               <a:effectLst/>
@@ -16304,7 +16311,7 @@
     </p:spTree>
     <p:extLst>
       <p:ext uri="{BB962C8B-B14F-4D97-AF65-F5344CB8AC3E}">
-        <p14:creationId xmlns:p14="http://schemas.microsoft.com/office/powerpoint/2010/main" val="2572494505"/>
+        <p14:creationId xmlns:p14="http://schemas.microsoft.com/office/powerpoint/2010/main" val="2798700407"/>
       </p:ext>
     </p:extLst>
   </p:cSld>
@@ -16351,8 +16358,8 @@
         </p:blipFill>
         <p:spPr>
           <a:xfrm>
-            <a:off x="1006979" y="2454016"/>
-            <a:ext cx="6400800" cy="3334385"/>
+            <a:off x="554186" y="2437108"/>
+            <a:ext cx="6315075" cy="3419475"/>
           </a:xfrm>
           <a:prstGeom prst="rect">
             <a:avLst/>
@@ -16367,8 +16374,8 @@
         </p:nvSpPr>
         <p:spPr>
           <a:xfrm>
-            <a:off x="7646687" y="2644992"/>
-            <a:ext cx="3813288" cy="375552"/>
+            <a:off x="7077445" y="2437108"/>
+            <a:ext cx="3602076" cy="375552"/>
           </a:xfrm>
           <a:prstGeom prst="rect">
             <a:avLst/>
@@ -16397,7 +16404,7 @@
                 <a:ea typeface="Times New Roman" panose="02020603050405020304" pitchFamily="18" charset="0"/>
                 <a:cs typeface="Times New Roman" panose="02020603050405020304" pitchFamily="18" charset="0"/>
               </a:rPr>
-              <a:t>Envoi </a:t>
+              <a:t>Affichage </a:t>
             </a:r>
             <a:r>
               <a:rPr lang="fr-FR" b="1" dirty="0">
@@ -16405,7 +16412,7 @@
                 <a:ea typeface="Times New Roman" panose="02020603050405020304" pitchFamily="18" charset="0"/>
                 <a:cs typeface="Times New Roman" panose="02020603050405020304" pitchFamily="18" charset="0"/>
               </a:rPr>
-              <a:t>d’alerte sur le système embarqué</a:t>
+              <a:t>de l’historique des bateaux</a:t>
             </a:r>
             <a:endParaRPr lang="fr-FR" b="1" dirty="0">
               <a:effectLst/>
@@ -16419,7 +16426,7 @@
     </p:spTree>
     <p:extLst>
       <p:ext uri="{BB962C8B-B14F-4D97-AF65-F5344CB8AC3E}">
-        <p14:creationId xmlns:p14="http://schemas.microsoft.com/office/powerpoint/2010/main" val="2798700407"/>
+        <p14:creationId xmlns:p14="http://schemas.microsoft.com/office/powerpoint/2010/main" val="1141389397"/>
       </p:ext>
     </p:extLst>
   </p:cSld>
@@ -16466,121 +16473,6 @@
         </p:blipFill>
         <p:spPr>
           <a:xfrm>
-            <a:off x="554186" y="2437108"/>
-            <a:ext cx="6315075" cy="3419475"/>
-          </a:xfrm>
-          <a:prstGeom prst="rect">
-            <a:avLst/>
-          </a:prstGeom>
-        </p:spPr>
-      </p:pic>
-      <p:sp>
-        <p:nvSpPr>
-          <p:cNvPr id="5" name="Rectangle 4"/>
-          <p:cNvSpPr/>
-          <p:nvPr/>
-        </p:nvSpPr>
-        <p:spPr>
-          <a:xfrm>
-            <a:off x="7077445" y="2437108"/>
-            <a:ext cx="3602076" cy="375552"/>
-          </a:xfrm>
-          <a:prstGeom prst="rect">
-            <a:avLst/>
-          </a:prstGeom>
-        </p:spPr>
-        <p:txBody>
-          <a:bodyPr wrap="none">
-            <a:spAutoFit/>
-          </a:bodyPr>
-          <a:lstStyle/>
-          <a:p>
-            <a:pPr>
-              <a:lnSpc>
-                <a:spcPct val="107000"/>
-              </a:lnSpc>
-              <a:spcBef>
-                <a:spcPts val="1200"/>
-              </a:spcBef>
-              <a:spcAft>
-                <a:spcPts val="0"/>
-              </a:spcAft>
-            </a:pPr>
-            <a:r>
-              <a:rPr lang="fr-FR" b="1" dirty="0" smtClean="0">
-                <a:latin typeface="Calibri Light" panose="020F0302020204030204" pitchFamily="34" charset="0"/>
-                <a:ea typeface="Times New Roman" panose="02020603050405020304" pitchFamily="18" charset="0"/>
-                <a:cs typeface="Times New Roman" panose="02020603050405020304" pitchFamily="18" charset="0"/>
-              </a:rPr>
-              <a:t>Affichage </a:t>
-            </a:r>
-            <a:r>
-              <a:rPr lang="fr-FR" b="1" dirty="0">
-                <a:latin typeface="Calibri Light" panose="020F0302020204030204" pitchFamily="34" charset="0"/>
-                <a:ea typeface="Times New Roman" panose="02020603050405020304" pitchFamily="18" charset="0"/>
-                <a:cs typeface="Times New Roman" panose="02020603050405020304" pitchFamily="18" charset="0"/>
-              </a:rPr>
-              <a:t>de l’historique des bateaux</a:t>
-            </a:r>
-            <a:endParaRPr lang="fr-FR" b="1" dirty="0">
-              <a:effectLst/>
-              <a:latin typeface="Calibri Light" panose="020F0302020204030204" pitchFamily="34" charset="0"/>
-              <a:ea typeface="Times New Roman" panose="02020603050405020304" pitchFamily="18" charset="0"/>
-              <a:cs typeface="Times New Roman" panose="02020603050405020304" pitchFamily="18" charset="0"/>
-            </a:endParaRPr>
-          </a:p>
-        </p:txBody>
-      </p:sp>
-    </p:spTree>
-    <p:extLst>
-      <p:ext uri="{BB962C8B-B14F-4D97-AF65-F5344CB8AC3E}">
-        <p14:creationId xmlns:p14="http://schemas.microsoft.com/office/powerpoint/2010/main" val="1141389397"/>
-      </p:ext>
-    </p:extLst>
-  </p:cSld>
-  <p:clrMapOvr>
-    <a:masterClrMapping/>
-  </p:clrMapOvr>
-</p:sld>
-</file>
-
-<file path=ppt/slides/slide94.xml><?xml version="1.0" encoding="utf-8"?>
-<p:sld xmlns:a="http://schemas.openxmlformats.org/drawingml/2006/main" xmlns:r="http://schemas.openxmlformats.org/officeDocument/2006/relationships" xmlns:p="http://schemas.openxmlformats.org/presentationml/2006/main">
-  <p:cSld>
-    <p:spTree>
-      <p:nvGrpSpPr>
-        <p:cNvPr id="1" name=""/>
-        <p:cNvGrpSpPr/>
-        <p:nvPr/>
-      </p:nvGrpSpPr>
-      <p:grpSpPr>
-        <a:xfrm>
-          <a:off x="0" y="0"/>
-          <a:ext cx="0" cy="0"/>
-          <a:chOff x="0" y="0"/>
-          <a:chExt cx="0" cy="0"/>
-        </a:xfrm>
-      </p:grpSpPr>
-      <p:pic>
-        <p:nvPicPr>
-          <p:cNvPr id="4" name="Image 3"/>
-          <p:cNvPicPr/>
-          <p:nvPr/>
-        </p:nvPicPr>
-        <p:blipFill>
-          <a:blip r:embed="rId2">
-            <a:extLst>
-              <a:ext uri="{28A0092B-C50C-407E-A947-70E740481C1C}">
-                <a14:useLocalDpi xmlns:a14="http://schemas.microsoft.com/office/drawing/2010/main" val="0"/>
-              </a:ext>
-            </a:extLst>
-          </a:blip>
-          <a:stretch>
-            <a:fillRect/>
-          </a:stretch>
-        </p:blipFill>
-        <p:spPr>
-          <a:xfrm>
             <a:off x="993734" y="2250892"/>
             <a:ext cx="5760720" cy="4099560"/>
           </a:xfrm>
@@ -16659,7 +16551,7 @@
 </p:sld>
 </file>
 
-<file path=ppt/slides/slide95.xml><?xml version="1.0" encoding="utf-8"?>
+<file path=ppt/slides/slide94.xml><?xml version="1.0" encoding="utf-8"?>
 <p:sld xmlns:a="http://schemas.openxmlformats.org/drawingml/2006/main" xmlns:r="http://schemas.openxmlformats.org/officeDocument/2006/relationships" xmlns:p="http://schemas.openxmlformats.org/presentationml/2006/main">
   <p:cSld>
     <p:spTree>
@@ -16800,7 +16692,7 @@
 </p:sld>
 </file>
 
-<file path=ppt/slides/slide96.xml><?xml version="1.0" encoding="utf-8"?>
+<file path=ppt/slides/slide95.xml><?xml version="1.0" encoding="utf-8"?>
 <p:sld xmlns:a="http://schemas.openxmlformats.org/drawingml/2006/main" xmlns:r="http://schemas.openxmlformats.org/officeDocument/2006/relationships" xmlns:p="http://schemas.openxmlformats.org/presentationml/2006/main">
   <p:cSld>
     <p:spTree>

--- a/Dossier/Arthur/revueArthurBRICE1.pptx
+++ b/Dossier/Arthur/revueArthurBRICE1.pptx
@@ -583,7 +583,7 @@
           <a:p>
             <a:fld id="{397E0307-B85C-446A-8EF0-0407D435D787}" type="datetimeFigureOut">
               <a:rPr lang="en-US" dirty="0"/>
-              <a:t>5/18/2020</a:t>
+              <a:t>5/25/2020</a:t>
             </a:fld>
             <a:endParaRPr lang="en-US" dirty="0"/>
           </a:p>
@@ -992,7 +992,7 @@
           <a:p>
             <a:fld id="{8BD862E7-95FA-4FC4-9EC5-DDBFA8DC7417}" type="datetimeFigureOut">
               <a:rPr lang="en-US" dirty="0"/>
-              <a:t>5/18/2020</a:t>
+              <a:t>5/25/2020</a:t>
             </a:fld>
             <a:endParaRPr lang="en-US" dirty="0"/>
           </a:p>
@@ -1323,7 +1323,7 @@
           <a:p>
             <a:fld id="{8DB987F2-A784-4F72-BB57-0E9EACDE722E}" type="datetimeFigureOut">
               <a:rPr lang="en-US" dirty="0"/>
-              <a:t>5/18/2020</a:t>
+              <a:t>5/25/2020</a:t>
             </a:fld>
             <a:endParaRPr lang="en-US" dirty="0"/>
           </a:p>
@@ -1723,7 +1723,7 @@
           <a:p>
             <a:fld id="{40BBD51E-4B19-444E-85C0-DBD7EB6263F4}" type="datetimeFigureOut">
               <a:rPr lang="en-US" dirty="0"/>
-              <a:t>5/18/2020</a:t>
+              <a:t>5/25/2020</a:t>
             </a:fld>
             <a:endParaRPr lang="en-US" dirty="0"/>
           </a:p>
@@ -2286,7 +2286,7 @@
           <a:p>
             <a:fld id="{F0D7255A-4AD5-4D3E-9A0A-689DA3BA976C}" type="datetimeFigureOut">
               <a:rPr lang="en-US" dirty="0"/>
-              <a:t>5/18/2020</a:t>
+              <a:t>5/25/2020</a:t>
             </a:fld>
             <a:endParaRPr lang="en-US" dirty="0"/>
           </a:p>
@@ -2962,7 +2962,7 @@
           <a:p>
             <a:fld id="{3EE0AD15-87AC-45B2-9EE5-8D165AF83CD7}" type="datetimeFigureOut">
               <a:rPr lang="en-US" dirty="0"/>
-              <a:t>5/18/2020</a:t>
+              <a:t>5/25/2020</a:t>
             </a:fld>
             <a:endParaRPr lang="en-US" dirty="0"/>
           </a:p>
@@ -3870,7 +3870,7 @@
           <a:p>
             <a:fld id="{FCC40CCD-F0D6-4CC2-A4C8-2D7D0D875F02}" type="datetimeFigureOut">
               <a:rPr lang="en-US" dirty="0"/>
-              <a:t>5/18/2020</a:t>
+              <a:t>5/25/2020</a:t>
             </a:fld>
             <a:endParaRPr lang="en-US" dirty="0"/>
           </a:p>
@@ -4178,7 +4178,7 @@
           <a:p>
             <a:fld id="{B3CFE2CC-454D-4466-AC55-B86DA0A87BAE}" type="datetimeFigureOut">
               <a:rPr lang="en-US" dirty="0"/>
-              <a:t>5/18/2020</a:t>
+              <a:t>5/25/2020</a:t>
             </a:fld>
             <a:endParaRPr lang="en-US" dirty="0"/>
           </a:p>
@@ -4437,7 +4437,7 @@
           <a:p>
             <a:fld id="{B647B1BF-4039-460D-A637-65428CBD720E}" type="datetimeFigureOut">
               <a:rPr lang="en-US" dirty="0"/>
-              <a:t>5/18/2020</a:t>
+              <a:t>5/25/2020</a:t>
             </a:fld>
             <a:endParaRPr lang="en-US" dirty="0"/>
           </a:p>
@@ -4756,7 +4756,7 @@
           <a:p>
             <a:fld id="{AAA39ACE-9343-4EBE-B5CA-AEA240A1DC53}" type="datetimeFigureOut">
               <a:rPr lang="en-US" dirty="0"/>
-              <a:t>5/18/2020</a:t>
+              <a:t>5/25/2020</a:t>
             </a:fld>
             <a:endParaRPr lang="en-US" dirty="0"/>
           </a:p>
@@ -5140,7 +5140,7 @@
           <a:p>
             <a:fld id="{C9A00F7B-89C5-4DF7-A309-6263220147D4}" type="datetimeFigureOut">
               <a:rPr lang="en-US" dirty="0"/>
-              <a:t>5/18/2020</a:t>
+              <a:t>5/25/2020</a:t>
             </a:fld>
             <a:endParaRPr lang="en-US" dirty="0"/>
           </a:p>
@@ -5511,7 +5511,7 @@
           <a:p>
             <a:fld id="{449C95DE-FD64-4606-AE61-EC1136867CC6}" type="datetimeFigureOut">
               <a:rPr lang="en-US" dirty="0"/>
-              <a:t>5/18/2020</a:t>
+              <a:t>5/25/2020</a:t>
             </a:fld>
             <a:endParaRPr lang="en-US" dirty="0"/>
           </a:p>
@@ -6012,7 +6012,7 @@
           <a:p>
             <a:fld id="{5DEB0BBD-30FE-4CF1-900A-0C45149F8AF8}" type="datetimeFigureOut">
               <a:rPr lang="en-US" dirty="0"/>
-              <a:t>5/18/2020</a:t>
+              <a:t>5/25/2020</a:t>
             </a:fld>
             <a:endParaRPr lang="en-US" dirty="0"/>
           </a:p>
@@ -6264,7 +6264,7 @@
           <a:p>
             <a:fld id="{B91A5F7F-3E81-4C65-A4D1-CB62D5B9DB91}" type="datetimeFigureOut">
               <a:rPr lang="en-US" dirty="0"/>
-              <a:t>5/18/2020</a:t>
+              <a:t>5/25/2020</a:t>
             </a:fld>
             <a:endParaRPr lang="en-US" dirty="0"/>
           </a:p>
@@ -6422,7 +6422,7 @@
           <a:p>
             <a:fld id="{377ECC86-1672-4627-AEFE-EC5485C73905}" type="datetimeFigureOut">
               <a:rPr lang="en-US" dirty="0"/>
-              <a:t>5/18/2020</a:t>
+              <a:t>5/25/2020</a:t>
             </a:fld>
             <a:endParaRPr lang="en-US" dirty="0"/>
           </a:p>
@@ -6807,7 +6807,7 @@
           <a:p>
             <a:fld id="{3CDCB01F-D966-4C62-B900-0BE008A90C98}" type="datetimeFigureOut">
               <a:rPr lang="en-US" dirty="0"/>
-              <a:t>5/18/2020</a:t>
+              <a:t>5/25/2020</a:t>
             </a:fld>
             <a:endParaRPr lang="en-US" dirty="0"/>
           </a:p>
@@ -7211,7 +7211,7 @@
           <a:p>
             <a:fld id="{5E73A0EA-7DC7-4964-BB97-B173EF3B859A}" type="datetimeFigureOut">
               <a:rPr lang="en-US" dirty="0"/>
-              <a:t>5/18/2020</a:t>
+              <a:t>5/25/2020</a:t>
             </a:fld>
             <a:endParaRPr lang="en-US" dirty="0"/>
           </a:p>
@@ -7450,7 +7450,7 @@
           <a:p>
             <a:fld id="{30EF52CC-F3D9-41D4-BCE4-C208E61A3F31}" type="datetimeFigureOut">
               <a:rPr lang="en-US" dirty="0"/>
-              <a:t>5/18/2020</a:t>
+              <a:t>5/25/2020</a:t>
             </a:fld>
             <a:endParaRPr lang="en-US" dirty="0"/>
           </a:p>
@@ -11366,11 +11366,11 @@
   <p:clrMapOvr>
     <a:masterClrMapping/>
   </p:clrMapOvr>
-  <mc:AlternateContent xmlns:mc="http://schemas.openxmlformats.org/markup-compatibility/2006">
-    <mc:Choice xmlns:p14="http://schemas.microsoft.com/office/powerpoint/2010/main" Requires="p14">
+  <mc:AlternateContent xmlns:mc="http://schemas.openxmlformats.org/markup-compatibility/2006" xmlns:p14="http://schemas.microsoft.com/office/powerpoint/2010/main">
+    <mc:Choice Requires="p14">
       <p:transition spd="slow" p14:dur="2000"/>
     </mc:Choice>
-    <mc:Fallback>
+    <mc:Fallback xmlns="">
       <p:transition spd="slow"/>
     </mc:Fallback>
   </mc:AlternateContent>
@@ -11452,11 +11452,11 @@
   <p:clrMapOvr>
     <a:masterClrMapping/>
   </p:clrMapOvr>
-  <mc:AlternateContent xmlns:mc="http://schemas.openxmlformats.org/markup-compatibility/2006">
-    <mc:Choice xmlns:p14="http://schemas.microsoft.com/office/powerpoint/2010/main" Requires="p14">
+  <mc:AlternateContent xmlns:mc="http://schemas.openxmlformats.org/markup-compatibility/2006" xmlns:p14="http://schemas.microsoft.com/office/powerpoint/2010/main">
+    <mc:Choice Requires="p14">
       <p:transition spd="slow" p14:dur="2000"/>
     </mc:Choice>
-    <mc:Fallback>
+    <mc:Fallback xmlns="">
       <p:transition spd="slow"/>
     </mc:Fallback>
   </mc:AlternateContent>
@@ -11514,11 +11514,11 @@
   <p:clrMapOvr>
     <a:masterClrMapping/>
   </p:clrMapOvr>
-  <mc:AlternateContent xmlns:mc="http://schemas.openxmlformats.org/markup-compatibility/2006">
-    <mc:Choice xmlns:p14="http://schemas.microsoft.com/office/powerpoint/2010/main" Requires="p14">
+  <mc:AlternateContent xmlns:mc="http://schemas.openxmlformats.org/markup-compatibility/2006" xmlns:p14="http://schemas.microsoft.com/office/powerpoint/2010/main">
+    <mc:Choice Requires="p14">
       <p:transition spd="slow" p14:dur="2000"/>
     </mc:Choice>
-    <mc:Fallback>
+    <mc:Fallback xmlns="">
       <p:transition spd="slow"/>
     </mc:Fallback>
   </mc:AlternateContent>
@@ -11576,11 +11576,11 @@
   <p:clrMapOvr>
     <a:masterClrMapping/>
   </p:clrMapOvr>
-  <mc:AlternateContent xmlns:mc="http://schemas.openxmlformats.org/markup-compatibility/2006">
-    <mc:Choice xmlns:p14="http://schemas.microsoft.com/office/powerpoint/2010/main" Requires="p14">
+  <mc:AlternateContent xmlns:mc="http://schemas.openxmlformats.org/markup-compatibility/2006" xmlns:p14="http://schemas.microsoft.com/office/powerpoint/2010/main">
+    <mc:Choice Requires="p14">
       <p:transition spd="slow" p14:dur="2000"/>
     </mc:Choice>
-    <mc:Fallback>
+    <mc:Fallback xmlns="">
       <p:transition spd="slow"/>
     </mc:Fallback>
   </mc:AlternateContent>
